--- a/AlgebraNArith/MathProgrammingAlgebra.pptx
+++ b/AlgebraNArith/MathProgrammingAlgebra.pptx
@@ -5,7 +5,7 @@
     <p:sldMasterId id="2147483672" r:id="rId1"/>
   </p:sldMasterIdLst>
   <p:notesMasterIdLst>
-    <p:notesMasterId r:id="rId66"/>
+    <p:notesMasterId r:id="rId67"/>
   </p:notesMasterIdLst>
   <p:sldIdLst>
     <p:sldId id="256" r:id="rId2"/>
@@ -40,38 +40,39 @@
     <p:sldId id="277" r:id="rId31"/>
     <p:sldId id="325" r:id="rId32"/>
     <p:sldId id="299" r:id="rId33"/>
-    <p:sldId id="326" r:id="rId34"/>
-    <p:sldId id="328" r:id="rId35"/>
-    <p:sldId id="329" r:id="rId36"/>
-    <p:sldId id="331" r:id="rId37"/>
-    <p:sldId id="276" r:id="rId38"/>
-    <p:sldId id="295" r:id="rId39"/>
-    <p:sldId id="296" r:id="rId40"/>
-    <p:sldId id="288" r:id="rId41"/>
-    <p:sldId id="313" r:id="rId42"/>
-    <p:sldId id="285" r:id="rId43"/>
-    <p:sldId id="284" r:id="rId44"/>
-    <p:sldId id="298" r:id="rId45"/>
-    <p:sldId id="314" r:id="rId46"/>
-    <p:sldId id="315" r:id="rId47"/>
-    <p:sldId id="262" r:id="rId48"/>
-    <p:sldId id="316" r:id="rId49"/>
-    <p:sldId id="322" r:id="rId50"/>
-    <p:sldId id="317" r:id="rId51"/>
-    <p:sldId id="318" r:id="rId52"/>
-    <p:sldId id="319" r:id="rId53"/>
-    <p:sldId id="320" r:id="rId54"/>
-    <p:sldId id="268" r:id="rId55"/>
-    <p:sldId id="321" r:id="rId56"/>
-    <p:sldId id="323" r:id="rId57"/>
-    <p:sldId id="330" r:id="rId58"/>
-    <p:sldId id="264" r:id="rId59"/>
-    <p:sldId id="271" r:id="rId60"/>
-    <p:sldId id="289" r:id="rId61"/>
-    <p:sldId id="270" r:id="rId62"/>
-    <p:sldId id="324" r:id="rId63"/>
-    <p:sldId id="273" r:id="rId64"/>
-    <p:sldId id="305" r:id="rId65"/>
+    <p:sldId id="334" r:id="rId34"/>
+    <p:sldId id="326" r:id="rId35"/>
+    <p:sldId id="328" r:id="rId36"/>
+    <p:sldId id="329" r:id="rId37"/>
+    <p:sldId id="331" r:id="rId38"/>
+    <p:sldId id="276" r:id="rId39"/>
+    <p:sldId id="295" r:id="rId40"/>
+    <p:sldId id="296" r:id="rId41"/>
+    <p:sldId id="288" r:id="rId42"/>
+    <p:sldId id="313" r:id="rId43"/>
+    <p:sldId id="285" r:id="rId44"/>
+    <p:sldId id="284" r:id="rId45"/>
+    <p:sldId id="298" r:id="rId46"/>
+    <p:sldId id="314" r:id="rId47"/>
+    <p:sldId id="315" r:id="rId48"/>
+    <p:sldId id="262" r:id="rId49"/>
+    <p:sldId id="316" r:id="rId50"/>
+    <p:sldId id="322" r:id="rId51"/>
+    <p:sldId id="317" r:id="rId52"/>
+    <p:sldId id="318" r:id="rId53"/>
+    <p:sldId id="319" r:id="rId54"/>
+    <p:sldId id="320" r:id="rId55"/>
+    <p:sldId id="268" r:id="rId56"/>
+    <p:sldId id="321" r:id="rId57"/>
+    <p:sldId id="323" r:id="rId58"/>
+    <p:sldId id="330" r:id="rId59"/>
+    <p:sldId id="264" r:id="rId60"/>
+    <p:sldId id="271" r:id="rId61"/>
+    <p:sldId id="289" r:id="rId62"/>
+    <p:sldId id="270" r:id="rId63"/>
+    <p:sldId id="324" r:id="rId64"/>
+    <p:sldId id="273" r:id="rId65"/>
+    <p:sldId id="305" r:id="rId66"/>
   </p:sldIdLst>
   <p:sldSz cx="12192000" cy="6858000"/>
   <p:notesSz cx="6858000" cy="9144000"/>
@@ -170,6 +171,11 @@
       </a:defRPr>
     </a:lvl9pPr>
   </p:defaultTextStyle>
+  <p:extLst>
+    <p:ext uri="{EFAFB233-063F-42B5-8137-9DF3F51BA10A}">
+      <p15:sldGuideLst xmlns:p15="http://schemas.microsoft.com/office/powerpoint/2012/main"/>
+    </p:ext>
+  </p:extLst>
 </p:presentation>
 </file>
 
@@ -255,7 +261,7 @@
           <a:p>
             <a:fld id="{ADC8A0CF-D044-41D7-9ABC-E291B40947FF}" type="datetimeFigureOut">
               <a:rPr lang="en-US" smtClean="0"/>
-              <a:t>4/28/2020</a:t>
+              <a:t>4/30/2020</a:t>
             </a:fld>
             <a:endParaRPr lang="en-US"/>
           </a:p>
@@ -557,7 +563,7 @@
             </a:extLst>
           </p:cNvPr>
           <p:cNvSpPr txBox="1">
-            <a:spLocks noChangeArrowheads="1"/>
+            <a:spLocks noGrp="1" noRot="1" noChangeAspect="1" noChangeArrowheads="1"/>
           </p:cNvSpPr>
           <p:nvPr>
             <p:ph type="sldImg"/>
@@ -605,7 +611,7 @@
             </a:extLst>
           </p:cNvPr>
           <p:cNvSpPr txBox="1">
-            <a:spLocks noChangeArrowheads="1"/>
+            <a:spLocks noGrp="1" noChangeArrowheads="1"/>
           </p:cNvSpPr>
           <p:nvPr>
             <p:ph type="body" idx="1"/>
@@ -701,7 +707,7 @@
             </a:extLst>
           </p:cNvPr>
           <p:cNvSpPr txBox="1">
-            <a:spLocks noChangeArrowheads="1"/>
+            <a:spLocks noGrp="1" noRot="1" noChangeAspect="1" noChangeArrowheads="1"/>
           </p:cNvSpPr>
           <p:nvPr>
             <p:ph type="sldImg"/>
@@ -749,7 +755,7 @@
             </a:extLst>
           </p:cNvPr>
           <p:cNvSpPr txBox="1">
-            <a:spLocks noChangeArrowheads="1"/>
+            <a:spLocks noGrp="1" noChangeArrowheads="1"/>
           </p:cNvSpPr>
           <p:nvPr>
             <p:ph type="body" idx="1"/>
@@ -845,7 +851,7 @@
             </a:extLst>
           </p:cNvPr>
           <p:cNvSpPr txBox="1">
-            <a:spLocks noChangeArrowheads="1"/>
+            <a:spLocks noGrp="1" noRot="1" noChangeAspect="1" noChangeArrowheads="1"/>
           </p:cNvSpPr>
           <p:nvPr>
             <p:ph type="sldImg"/>
@@ -893,7 +899,7 @@
             </a:extLst>
           </p:cNvPr>
           <p:cNvSpPr txBox="1">
-            <a:spLocks noChangeArrowheads="1"/>
+            <a:spLocks noGrp="1" noChangeArrowheads="1"/>
           </p:cNvSpPr>
           <p:nvPr>
             <p:ph type="body" idx="1"/>
@@ -989,7 +995,7 @@
             </a:extLst>
           </p:cNvPr>
           <p:cNvSpPr txBox="1">
-            <a:spLocks noChangeArrowheads="1"/>
+            <a:spLocks noGrp="1" noRot="1" noChangeAspect="1" noChangeArrowheads="1"/>
           </p:cNvSpPr>
           <p:nvPr>
             <p:ph type="sldImg"/>
@@ -1037,7 +1043,7 @@
             </a:extLst>
           </p:cNvPr>
           <p:cNvSpPr txBox="1">
-            <a:spLocks noChangeArrowheads="1"/>
+            <a:spLocks noGrp="1" noChangeArrowheads="1"/>
           </p:cNvSpPr>
           <p:nvPr>
             <p:ph type="body" idx="1"/>
@@ -1138,7 +1144,7 @@
             </a:extLst>
           </p:cNvPr>
           <p:cNvSpPr txBox="1">
-            <a:spLocks noChangeArrowheads="1"/>
+            <a:spLocks noGrp="1" noRot="1" noChangeAspect="1" noChangeArrowheads="1"/>
           </p:cNvSpPr>
           <p:nvPr>
             <p:ph type="sldImg"/>
@@ -1186,7 +1192,7 @@
             </a:extLst>
           </p:cNvPr>
           <p:cNvSpPr txBox="1">
-            <a:spLocks noChangeArrowheads="1"/>
+            <a:spLocks noGrp="1" noChangeArrowheads="1"/>
           </p:cNvSpPr>
           <p:nvPr>
             <p:ph type="body" idx="1"/>
@@ -1287,7 +1293,7 @@
             </a:extLst>
           </p:cNvPr>
           <p:cNvSpPr txBox="1">
-            <a:spLocks noChangeArrowheads="1"/>
+            <a:spLocks noGrp="1" noRot="1" noChangeAspect="1" noChangeArrowheads="1"/>
           </p:cNvSpPr>
           <p:nvPr>
             <p:ph type="sldImg"/>
@@ -1335,7 +1341,7 @@
             </a:extLst>
           </p:cNvPr>
           <p:cNvSpPr txBox="1">
-            <a:spLocks noChangeArrowheads="1"/>
+            <a:spLocks noGrp="1" noChangeArrowheads="1"/>
           </p:cNvSpPr>
           <p:nvPr>
             <p:ph type="body" idx="1"/>
@@ -1431,7 +1437,7 @@
             </a:extLst>
           </p:cNvPr>
           <p:cNvSpPr txBox="1">
-            <a:spLocks noChangeArrowheads="1"/>
+            <a:spLocks noGrp="1" noRot="1" noChangeAspect="1" noChangeArrowheads="1"/>
           </p:cNvSpPr>
           <p:nvPr>
             <p:ph type="sldImg"/>
@@ -1479,7 +1485,7 @@
             </a:extLst>
           </p:cNvPr>
           <p:cNvSpPr txBox="1">
-            <a:spLocks noChangeArrowheads="1"/>
+            <a:spLocks noGrp="1" noChangeArrowheads="1"/>
           </p:cNvSpPr>
           <p:nvPr>
             <p:ph type="body" idx="1"/>
@@ -1575,7 +1581,7 @@
             </a:extLst>
           </p:cNvPr>
           <p:cNvSpPr txBox="1">
-            <a:spLocks noChangeArrowheads="1"/>
+            <a:spLocks noGrp="1" noRot="1" noChangeAspect="1" noChangeArrowheads="1"/>
           </p:cNvSpPr>
           <p:nvPr>
             <p:ph type="sldImg"/>
@@ -1623,7 +1629,7 @@
             </a:extLst>
           </p:cNvPr>
           <p:cNvSpPr txBox="1">
-            <a:spLocks noChangeArrowheads="1"/>
+            <a:spLocks noGrp="1" noChangeArrowheads="1"/>
           </p:cNvSpPr>
           <p:nvPr>
             <p:ph type="body" idx="1"/>
@@ -1719,7 +1725,7 @@
             </a:extLst>
           </p:cNvPr>
           <p:cNvSpPr txBox="1">
-            <a:spLocks noChangeArrowheads="1"/>
+            <a:spLocks noGrp="1" noRot="1" noChangeAspect="1" noChangeArrowheads="1"/>
           </p:cNvSpPr>
           <p:nvPr>
             <p:ph type="sldImg"/>
@@ -1767,7 +1773,7 @@
             </a:extLst>
           </p:cNvPr>
           <p:cNvSpPr txBox="1">
-            <a:spLocks noChangeArrowheads="1"/>
+            <a:spLocks noGrp="1" noChangeArrowheads="1"/>
           </p:cNvSpPr>
           <p:nvPr>
             <p:ph type="body" idx="1"/>
@@ -1863,7 +1869,7 @@
             </a:extLst>
           </p:cNvPr>
           <p:cNvSpPr txBox="1">
-            <a:spLocks noChangeArrowheads="1"/>
+            <a:spLocks noGrp="1" noRot="1" noChangeAspect="1" noChangeArrowheads="1"/>
           </p:cNvSpPr>
           <p:nvPr>
             <p:ph type="sldImg"/>
@@ -1911,7 +1917,7 @@
             </a:extLst>
           </p:cNvPr>
           <p:cNvSpPr txBox="1">
-            <a:spLocks noChangeArrowheads="1"/>
+            <a:spLocks noGrp="1" noChangeArrowheads="1"/>
           </p:cNvSpPr>
           <p:nvPr>
             <p:ph type="body" idx="1"/>
@@ -2012,7 +2018,7 @@
             </a:extLst>
           </p:cNvPr>
           <p:cNvSpPr txBox="1">
-            <a:spLocks noChangeArrowheads="1"/>
+            <a:spLocks noGrp="1" noRot="1" noChangeAspect="1" noChangeArrowheads="1"/>
           </p:cNvSpPr>
           <p:nvPr>
             <p:ph type="sldImg"/>
@@ -2060,7 +2066,7 @@
             </a:extLst>
           </p:cNvPr>
           <p:cNvSpPr txBox="1">
-            <a:spLocks noChangeArrowheads="1"/>
+            <a:spLocks noGrp="1" noChangeArrowheads="1"/>
           </p:cNvSpPr>
           <p:nvPr>
             <p:ph type="body" idx="1"/>
@@ -2156,7 +2162,7 @@
             </a:extLst>
           </p:cNvPr>
           <p:cNvSpPr txBox="1">
-            <a:spLocks noChangeArrowheads="1"/>
+            <a:spLocks noGrp="1" noRot="1" noChangeAspect="1" noChangeArrowheads="1"/>
           </p:cNvSpPr>
           <p:nvPr>
             <p:ph type="sldImg"/>
@@ -2204,7 +2210,7 @@
             </a:extLst>
           </p:cNvPr>
           <p:cNvSpPr txBox="1">
-            <a:spLocks noChangeArrowheads="1"/>
+            <a:spLocks noGrp="1" noChangeArrowheads="1"/>
           </p:cNvSpPr>
           <p:nvPr>
             <p:ph type="body" idx="1"/>
@@ -2300,7 +2306,7 @@
             </a:extLst>
           </p:cNvPr>
           <p:cNvSpPr txBox="1">
-            <a:spLocks noChangeArrowheads="1"/>
+            <a:spLocks noGrp="1" noRot="1" noChangeAspect="1" noChangeArrowheads="1"/>
           </p:cNvSpPr>
           <p:nvPr>
             <p:ph type="sldImg"/>
@@ -2348,7 +2354,7 @@
             </a:extLst>
           </p:cNvPr>
           <p:cNvSpPr txBox="1">
-            <a:spLocks noChangeArrowheads="1"/>
+            <a:spLocks noGrp="1" noChangeArrowheads="1"/>
           </p:cNvSpPr>
           <p:nvPr>
             <p:ph type="body" idx="1"/>
@@ -2444,7 +2450,7 @@
             </a:extLst>
           </p:cNvPr>
           <p:cNvSpPr txBox="1">
-            <a:spLocks noChangeArrowheads="1"/>
+            <a:spLocks noGrp="1" noRot="1" noChangeAspect="1" noChangeArrowheads="1"/>
           </p:cNvSpPr>
           <p:nvPr>
             <p:ph type="sldImg"/>
@@ -2492,7 +2498,7 @@
             </a:extLst>
           </p:cNvPr>
           <p:cNvSpPr txBox="1">
-            <a:spLocks noChangeArrowheads="1"/>
+            <a:spLocks noGrp="1" noChangeArrowheads="1"/>
           </p:cNvSpPr>
           <p:nvPr>
             <p:ph type="body" idx="1"/>
@@ -2588,7 +2594,7 @@
             </a:extLst>
           </p:cNvPr>
           <p:cNvSpPr txBox="1">
-            <a:spLocks noChangeArrowheads="1"/>
+            <a:spLocks noGrp="1" noRot="1" noChangeAspect="1" noChangeArrowheads="1"/>
           </p:cNvSpPr>
           <p:nvPr>
             <p:ph type="sldImg"/>
@@ -2636,7 +2642,7 @@
             </a:extLst>
           </p:cNvPr>
           <p:cNvSpPr txBox="1">
-            <a:spLocks noChangeArrowheads="1"/>
+            <a:spLocks noGrp="1" noChangeArrowheads="1"/>
           </p:cNvSpPr>
           <p:nvPr>
             <p:ph type="body" idx="1"/>
@@ -5680,7 +5686,7 @@
   <p:timing>
     <p:tnLst>
       <p:par>
-        <p:cTn id="1" dur="indefinite" nodeType="tmRoot">
+        <p:cTn id="1" dur="indefinite" restart="never" nodeType="tmRoot">
           <p:childTnLst>
             <p:seq concurrent="1" nextAc="seek">
               <p:cTn id="2" dur="0" nodeType="mainSeq"/>
@@ -6188,7 +6194,7 @@
   <p:timing>
     <p:tnLst>
       <p:par>
-        <p:cTn id="1" dur="indefinite" nodeType="tmRoot">
+        <p:cTn id="1" dur="indefinite" restart="never" nodeType="tmRoot">
           <p:childTnLst>
             <p:seq concurrent="1" nextAc="seek">
               <p:cTn id="2" dur="0" nodeType="mainSeq"/>
@@ -6428,7 +6434,7 @@
   <p:timing>
     <p:tnLst>
       <p:par>
-        <p:cTn id="1" dur="indefinite" nodeType="tmRoot">
+        <p:cTn id="1" dur="indefinite" restart="never" nodeType="tmRoot">
           <p:childTnLst>
             <p:seq concurrent="1" nextAc="seek">
               <p:cTn id="2" dur="0" nodeType="mainSeq"/>
@@ -7622,7 +7628,7 @@
   <p:timing>
     <p:tnLst>
       <p:par>
-        <p:cTn id="1" dur="indefinite" nodeType="tmRoot">
+        <p:cTn id="1" dur="indefinite" restart="never" nodeType="tmRoot">
           <p:childTnLst>
             <p:seq concurrent="1" nextAc="seek">
               <p:cTn id="2" dur="0" nodeType="mainSeq"/>
@@ -7944,7 +7950,7 @@
   <p:timing>
     <p:tnLst>
       <p:par>
-        <p:cTn id="1" dur="indefinite" nodeType="tmRoot">
+        <p:cTn id="1" dur="indefinite" restart="never" nodeType="tmRoot">
           <p:childTnLst>
             <p:seq concurrent="1" nextAc="seek">
               <p:cTn id="2" dur="0" nodeType="mainSeq"/>
@@ -8184,7 +8190,7 @@
   <p:timing>
     <p:tnLst>
       <p:par>
-        <p:cTn id="1" dur="indefinite" nodeType="tmRoot">
+        <p:cTn id="1" dur="indefinite" restart="never" nodeType="tmRoot">
           <p:childTnLst>
             <p:seq concurrent="1" nextAc="seek">
               <p:cTn id="2" dur="0" nodeType="mainSeq"/>
@@ -8453,7 +8459,7 @@
   <p:timing>
     <p:tnLst>
       <p:par>
-        <p:cTn id="1" dur="indefinite" nodeType="tmRoot">
+        <p:cTn id="1" dur="indefinite" restart="never" nodeType="tmRoot">
           <p:childTnLst>
             <p:seq concurrent="1" nextAc="seek">
               <p:cTn id="2" dur="0" nodeType="mainSeq"/>
@@ -8739,7 +8745,7 @@
   <p:timing>
     <p:tnLst>
       <p:par>
-        <p:cTn id="1" dur="indefinite" nodeType="tmRoot">
+        <p:cTn id="1" dur="indefinite" restart="never" nodeType="tmRoot">
           <p:childTnLst>
             <p:seq concurrent="1" nextAc="seek">
               <p:cTn id="2" dur="0" nodeType="mainSeq"/>
@@ -9138,7 +9144,7 @@
   <p:timing>
     <p:tnLst>
       <p:par>
-        <p:cTn id="1" dur="indefinite" nodeType="tmRoot">
+        <p:cTn id="1" dur="indefinite" restart="never" nodeType="tmRoot">
           <p:childTnLst>
             <p:seq concurrent="1" nextAc="seek">
               <p:cTn id="2" dur="0" nodeType="mainSeq"/>
@@ -9563,7 +9569,7 @@
   <p:timing>
     <p:tnLst>
       <p:par>
-        <p:cTn id="1" dur="indefinite" nodeType="tmRoot">
+        <p:cTn id="1" dur="indefinite" restart="never" nodeType="tmRoot">
           <p:childTnLst>
             <p:seq concurrent="1" nextAc="seek">
               <p:cTn id="2" dur="0" nodeType="mainSeq"/>
@@ -9844,7 +9850,7 @@
   <p:timing>
     <p:tnLst>
       <p:par>
-        <p:cTn id="1" dur="indefinite" nodeType="tmRoot">
+        <p:cTn id="1" dur="indefinite" restart="never" nodeType="tmRoot">
           <p:childTnLst>
             <p:seq concurrent="1" nextAc="seek">
               <p:cTn id="2" dur="0" nodeType="mainSeq"/>
@@ -10291,7 +10297,7 @@
   <p:timing>
     <p:tnLst>
       <p:par>
-        <p:cTn id="1" dur="indefinite" nodeType="tmRoot">
+        <p:cTn id="1" dur="indefinite" restart="never" nodeType="tmRoot">
           <p:childTnLst>
             <p:seq concurrent="1" nextAc="seek">
               <p:cTn id="2" dur="0" nodeType="mainSeq"/>
@@ -11040,7 +11046,7 @@
   <p:timing>
     <p:tnLst>
       <p:par>
-        <p:cTn id="1" dur="indefinite" nodeType="tmRoot">
+        <p:cTn id="1" dur="indefinite" restart="never" nodeType="tmRoot">
           <p:childTnLst>
             <p:seq concurrent="1" nextAc="seek">
               <p:cTn id="2" dur="0" nodeType="mainSeq"/>
@@ -11089,6 +11095,104 @@
           <p:cNvPr id="2" name="Title 1">
             <a:extLst>
               <a:ext uri="{FF2B5EF4-FFF2-40B4-BE49-F238E27FC236}">
+                <a16:creationId xmlns:a16="http://schemas.microsoft.com/office/drawing/2014/main" id="{E9FAD408-0BB5-4034-A208-84BF900BF738}"/>
+              </a:ext>
+            </a:extLst>
+          </p:cNvPr>
+          <p:cNvSpPr>
+            <a:spLocks noGrp="1"/>
+          </p:cNvSpPr>
+          <p:nvPr>
+            <p:ph type="title"/>
+          </p:nvPr>
+        </p:nvSpPr>
+        <p:spPr/>
+        <p:txBody>
+          <a:bodyPr/>
+          <a:lstStyle/>
+          <a:p>
+            <a:r>
+              <a:rPr lang="en-US" dirty="0"/>
+              <a:t>Java/C# has </a:t>
+            </a:r>
+            <a:r>
+              <a:rPr lang="en-US" dirty="0" err="1"/>
+              <a:t>builtin</a:t>
+            </a:r>
+            <a:r>
+              <a:rPr lang="en-US" dirty="0"/>
+              <a:t> Interface Verification</a:t>
+            </a:r>
+          </a:p>
+        </p:txBody>
+      </p:sp>
+      <p:pic>
+        <p:nvPicPr>
+          <p:cNvPr id="4" name="Content Placeholder 3">
+            <a:extLst>
+              <a:ext uri="{FF2B5EF4-FFF2-40B4-BE49-F238E27FC236}">
+                <a16:creationId xmlns:a16="http://schemas.microsoft.com/office/drawing/2014/main" id="{E5767F9D-B050-4C8B-B0FE-0536DA1B6B7A}"/>
+              </a:ext>
+            </a:extLst>
+          </p:cNvPr>
+          <p:cNvPicPr>
+            <a:picLocks noGrp="1" noChangeAspect="1"/>
+          </p:cNvPicPr>
+          <p:nvPr>
+            <p:ph idx="1"/>
+          </p:nvPr>
+        </p:nvPicPr>
+        <p:blipFill>
+          <a:blip r:embed="rId2"/>
+          <a:stretch>
+            <a:fillRect/>
+          </a:stretch>
+        </p:blipFill>
+        <p:spPr>
+          <a:xfrm>
+            <a:off x="1477108" y="1683026"/>
+            <a:ext cx="8961119" cy="4080849"/>
+          </a:xfrm>
+          <a:prstGeom prst="rect">
+            <a:avLst/>
+          </a:prstGeom>
+        </p:spPr>
+      </p:pic>
+    </p:spTree>
+    <p:extLst>
+      <p:ext uri="{BB962C8B-B14F-4D97-AF65-F5344CB8AC3E}">
+        <p14:creationId xmlns:p14="http://schemas.microsoft.com/office/powerpoint/2010/main" val="3832395080"/>
+      </p:ext>
+    </p:extLst>
+  </p:cSld>
+  <p:clrMapOvr>
+    <a:masterClrMapping/>
+  </p:clrMapOvr>
+</p:sld>
+</file>
+
+<file path=ppt/slides/slide34.xml><?xml version="1.0" encoding="utf-8"?>
+<p:sld xmlns:a="http://schemas.openxmlformats.org/drawingml/2006/main" xmlns:r="http://schemas.openxmlformats.org/officeDocument/2006/relationships" xmlns:p="http://schemas.openxmlformats.org/presentationml/2006/main">
+  <p:cSld>
+    <p:spTree>
+      <p:nvGrpSpPr>
+        <p:cNvPr id="1" name=""/>
+        <p:cNvGrpSpPr/>
+        <p:nvPr/>
+      </p:nvGrpSpPr>
+      <p:grpSpPr>
+        <a:xfrm>
+          <a:off x="0" y="0"/>
+          <a:ext cx="0" cy="0"/>
+          <a:chOff x="0" y="0"/>
+          <a:chExt cx="0" cy="0"/>
+        </a:xfrm>
+      </p:grpSpPr>
+      <p:sp>
+        <p:nvSpPr>
+          <p:cNvPr id="2" name="Title 1">
+            <a:extLst>
+              <a:ext uri="{FF2B5EF4-FFF2-40B4-BE49-F238E27FC236}">
                 <a16:creationId xmlns:a16="http://schemas.microsoft.com/office/drawing/2014/main" id="{A1779AFD-C690-4952-813A-5217EEE29D3B}"/>
               </a:ext>
             </a:extLst>
@@ -11187,7 +11291,7 @@
 </p:sld>
 </file>
 
-<file path=ppt/slides/slide34.xml><?xml version="1.0" encoding="utf-8"?>
+<file path=ppt/slides/slide35.xml><?xml version="1.0" encoding="utf-8"?>
 <p:sld xmlns:a="http://schemas.openxmlformats.org/drawingml/2006/main" xmlns:r="http://schemas.openxmlformats.org/officeDocument/2006/relationships" xmlns:p="http://schemas.openxmlformats.org/presentationml/2006/main">
   <p:cSld>
     <p:spTree>
@@ -11277,7 +11381,7 @@
 </p:sld>
 </file>
 
-<file path=ppt/slides/slide35.xml><?xml version="1.0" encoding="utf-8"?>
+<file path=ppt/slides/slide36.xml><?xml version="1.0" encoding="utf-8"?>
 <p:sld xmlns:a="http://schemas.openxmlformats.org/drawingml/2006/main" xmlns:r="http://schemas.openxmlformats.org/officeDocument/2006/relationships" xmlns:p="http://schemas.openxmlformats.org/presentationml/2006/main">
   <p:cSld>
     <p:spTree>
@@ -11375,7 +11479,7 @@
 </p:sld>
 </file>
 
-<file path=ppt/slides/slide36.xml><?xml version="1.0" encoding="utf-8"?>
+<file path=ppt/slides/slide37.xml><?xml version="1.0" encoding="utf-8"?>
 <p:sld xmlns:a="http://schemas.openxmlformats.org/drawingml/2006/main" xmlns:r="http://schemas.openxmlformats.org/officeDocument/2006/relationships" xmlns:p="http://schemas.openxmlformats.org/presentationml/2006/main">
   <p:cSld>
     <p:spTree>
@@ -11495,7 +11599,7 @@
 </p:sld>
 </file>
 
-<file path=ppt/slides/slide37.xml><?xml version="1.0" encoding="utf-8"?>
+<file path=ppt/slides/slide38.xml><?xml version="1.0" encoding="utf-8"?>
 <p:sld xmlns:a="http://schemas.openxmlformats.org/drawingml/2006/main" xmlns:r="http://schemas.openxmlformats.org/officeDocument/2006/relationships" xmlns:p="http://schemas.openxmlformats.org/presentationml/2006/main">
   <p:cSld>
     <p:spTree>
@@ -11608,7 +11712,7 @@
 </p:sld>
 </file>
 
-<file path=ppt/slides/slide38.xml><?xml version="1.0" encoding="utf-8"?>
+<file path=ppt/slides/slide39.xml><?xml version="1.0" encoding="utf-8"?>
 <p:sld xmlns:a="http://schemas.openxmlformats.org/drawingml/2006/main" xmlns:r="http://schemas.openxmlformats.org/officeDocument/2006/relationships" xmlns:p="http://schemas.openxmlformats.org/presentationml/2006/main">
   <p:cSld>
     <p:spTree>
@@ -11721,7 +11825,159 @@
 </p:sld>
 </file>
 
-<file path=ppt/slides/slide39.xml><?xml version="1.0" encoding="utf-8"?>
+<file path=ppt/slides/slide4.xml><?xml version="1.0" encoding="utf-8"?>
+<p:sld xmlns:a="http://schemas.openxmlformats.org/drawingml/2006/main" xmlns:r="http://schemas.openxmlformats.org/officeDocument/2006/relationships" xmlns:p="http://schemas.openxmlformats.org/presentationml/2006/main">
+  <p:cSld>
+    <p:spTree>
+      <p:nvGrpSpPr>
+        <p:cNvPr id="1" name=""/>
+        <p:cNvGrpSpPr/>
+        <p:nvPr/>
+      </p:nvGrpSpPr>
+      <p:grpSpPr>
+        <a:xfrm>
+          <a:off x="0" y="0"/>
+          <a:ext cx="0" cy="0"/>
+          <a:chOff x="0" y="0"/>
+          <a:chExt cx="0" cy="0"/>
+        </a:xfrm>
+      </p:grpSpPr>
+      <p:sp>
+        <p:nvSpPr>
+          <p:cNvPr id="2" name="Title 1">
+            <a:extLst>
+              <a:ext uri="{FF2B5EF4-FFF2-40B4-BE49-F238E27FC236}">
+                <a16:creationId xmlns:a16="http://schemas.microsoft.com/office/drawing/2014/main" id="{E897CA25-37FF-41F9-98AC-0D35E186DBCD}"/>
+              </a:ext>
+            </a:extLst>
+          </p:cNvPr>
+          <p:cNvSpPr>
+            <a:spLocks noGrp="1"/>
+          </p:cNvSpPr>
+          <p:nvPr>
+            <p:ph type="title"/>
+          </p:nvPr>
+        </p:nvSpPr>
+        <p:spPr/>
+        <p:txBody>
+          <a:bodyPr/>
+          <a:lstStyle/>
+          <a:p>
+            <a:r>
+              <a:rPr lang="en-US" dirty="0"/>
+              <a:t>Natural Number – </a:t>
+            </a:r>
+            <a:r>
+              <a:rPr lang="en-US" dirty="0" err="1"/>
+              <a:t>Peano</a:t>
+            </a:r>
+            <a:r>
+              <a:rPr lang="en-US" dirty="0"/>
+              <a:t> Way!</a:t>
+            </a:r>
+          </a:p>
+        </p:txBody>
+      </p:sp>
+      <p:sp>
+        <p:nvSpPr>
+          <p:cNvPr id="3" name="Content Placeholder 2">
+            <a:extLst>
+              <a:ext uri="{FF2B5EF4-FFF2-40B4-BE49-F238E27FC236}">
+                <a16:creationId xmlns:a16="http://schemas.microsoft.com/office/drawing/2014/main" id="{057ED019-DB9F-4430-9E7A-25778DE44515}"/>
+              </a:ext>
+            </a:extLst>
+          </p:cNvPr>
+          <p:cNvSpPr>
+            <a:spLocks noGrp="1"/>
+          </p:cNvSpPr>
+          <p:nvPr>
+            <p:ph idx="1"/>
+          </p:nvPr>
+        </p:nvSpPr>
+        <p:spPr/>
+        <p:txBody>
+          <a:bodyPr>
+            <a:normAutofit/>
+          </a:bodyPr>
+          <a:lstStyle/>
+          <a:p>
+            <a:pPr marL="457200" indent="-457200" fontAlgn="base">
+              <a:buFont typeface="Arial" panose="020B0604020202020204" pitchFamily="34" charset="0"/>
+              <a:buChar char="•"/>
+            </a:pPr>
+            <a:r>
+              <a:rPr lang="en-US" dirty="0"/>
+              <a:t>Zero is a natural number.</a:t>
+            </a:r>
+          </a:p>
+          <a:p>
+            <a:pPr marL="457200" indent="-457200" fontAlgn="base">
+              <a:buFont typeface="Arial" panose="020B0604020202020204" pitchFamily="34" charset="0"/>
+              <a:buChar char="•"/>
+            </a:pPr>
+            <a:r>
+              <a:rPr lang="en-US" dirty="0"/>
+              <a:t>Every natural number has a successor in the natural numbers.</a:t>
+            </a:r>
+          </a:p>
+          <a:p>
+            <a:pPr marL="457200" indent="-457200" fontAlgn="base">
+              <a:buFont typeface="Arial" panose="020B0604020202020204" pitchFamily="34" charset="0"/>
+              <a:buChar char="•"/>
+            </a:pPr>
+            <a:r>
+              <a:rPr lang="en-US" dirty="0"/>
+              <a:t>Zero is not the successor of any natural number.</a:t>
+            </a:r>
+          </a:p>
+          <a:p>
+            <a:pPr marL="457200" indent="-457200" fontAlgn="base">
+              <a:buFont typeface="Arial" panose="020B0604020202020204" pitchFamily="34" charset="0"/>
+              <a:buChar char="•"/>
+            </a:pPr>
+            <a:r>
+              <a:rPr lang="en-US" dirty="0"/>
+              <a:t>If the successor of two natural numbers is the same, then the two original numbers are the same.</a:t>
+            </a:r>
+          </a:p>
+          <a:p>
+            <a:pPr marL="457200" indent="-457200" fontAlgn="base">
+              <a:buFont typeface="Arial" panose="020B0604020202020204" pitchFamily="34" charset="0"/>
+              <a:buChar char="•"/>
+            </a:pPr>
+            <a:r>
+              <a:rPr lang="en-US" dirty="0"/>
+              <a:t>If a set contains zero and the successor of every number is in the set, then the set contains the natural numbers.</a:t>
+            </a:r>
+          </a:p>
+          <a:p>
+            <a:pPr marL="0" indent="0">
+              <a:buNone/>
+            </a:pPr>
+            <a:endParaRPr lang="en-US" dirty="0"/>
+          </a:p>
+          <a:p>
+            <a:endParaRPr lang="en-US" dirty="0"/>
+          </a:p>
+          <a:p>
+            <a:endParaRPr lang="en-US" dirty="0"/>
+          </a:p>
+        </p:txBody>
+      </p:sp>
+    </p:spTree>
+    <p:extLst>
+      <p:ext uri="{BB962C8B-B14F-4D97-AF65-F5344CB8AC3E}">
+        <p14:creationId xmlns:p14="http://schemas.microsoft.com/office/powerpoint/2010/main" val="3415218936"/>
+      </p:ext>
+    </p:extLst>
+  </p:cSld>
+  <p:clrMapOvr>
+    <a:masterClrMapping/>
+  </p:clrMapOvr>
+</p:sld>
+</file>
+
+<file path=ppt/slides/slide40.xml><?xml version="1.0" encoding="utf-8"?>
 <p:sld xmlns:a="http://schemas.openxmlformats.org/drawingml/2006/main" xmlns:r="http://schemas.openxmlformats.org/officeDocument/2006/relationships" xmlns:p="http://schemas.openxmlformats.org/presentationml/2006/main">
   <p:cSld>
     <p:spTree>
@@ -11834,159 +12090,7 @@
 </p:sld>
 </file>
 
-<file path=ppt/slides/slide4.xml><?xml version="1.0" encoding="utf-8"?>
-<p:sld xmlns:a="http://schemas.openxmlformats.org/drawingml/2006/main" xmlns:r="http://schemas.openxmlformats.org/officeDocument/2006/relationships" xmlns:p="http://schemas.openxmlformats.org/presentationml/2006/main">
-  <p:cSld>
-    <p:spTree>
-      <p:nvGrpSpPr>
-        <p:cNvPr id="1" name=""/>
-        <p:cNvGrpSpPr/>
-        <p:nvPr/>
-      </p:nvGrpSpPr>
-      <p:grpSpPr>
-        <a:xfrm>
-          <a:off x="0" y="0"/>
-          <a:ext cx="0" cy="0"/>
-          <a:chOff x="0" y="0"/>
-          <a:chExt cx="0" cy="0"/>
-        </a:xfrm>
-      </p:grpSpPr>
-      <p:sp>
-        <p:nvSpPr>
-          <p:cNvPr id="2" name="Title 1">
-            <a:extLst>
-              <a:ext uri="{FF2B5EF4-FFF2-40B4-BE49-F238E27FC236}">
-                <a16:creationId xmlns:a16="http://schemas.microsoft.com/office/drawing/2014/main" id="{E897CA25-37FF-41F9-98AC-0D35E186DBCD}"/>
-              </a:ext>
-            </a:extLst>
-          </p:cNvPr>
-          <p:cNvSpPr>
-            <a:spLocks noGrp="1"/>
-          </p:cNvSpPr>
-          <p:nvPr>
-            <p:ph type="title"/>
-          </p:nvPr>
-        </p:nvSpPr>
-        <p:spPr/>
-        <p:txBody>
-          <a:bodyPr/>
-          <a:lstStyle/>
-          <a:p>
-            <a:r>
-              <a:rPr lang="en-US" dirty="0"/>
-              <a:t>Natural Number – </a:t>
-            </a:r>
-            <a:r>
-              <a:rPr lang="en-US" dirty="0" err="1"/>
-              <a:t>Peano</a:t>
-            </a:r>
-            <a:r>
-              <a:rPr lang="en-US" dirty="0"/>
-              <a:t> Way!</a:t>
-            </a:r>
-          </a:p>
-        </p:txBody>
-      </p:sp>
-      <p:sp>
-        <p:nvSpPr>
-          <p:cNvPr id="3" name="Content Placeholder 2">
-            <a:extLst>
-              <a:ext uri="{FF2B5EF4-FFF2-40B4-BE49-F238E27FC236}">
-                <a16:creationId xmlns:a16="http://schemas.microsoft.com/office/drawing/2014/main" id="{057ED019-DB9F-4430-9E7A-25778DE44515}"/>
-              </a:ext>
-            </a:extLst>
-          </p:cNvPr>
-          <p:cNvSpPr>
-            <a:spLocks noGrp="1"/>
-          </p:cNvSpPr>
-          <p:nvPr>
-            <p:ph idx="1"/>
-          </p:nvPr>
-        </p:nvSpPr>
-        <p:spPr/>
-        <p:txBody>
-          <a:bodyPr>
-            <a:normAutofit/>
-          </a:bodyPr>
-          <a:lstStyle/>
-          <a:p>
-            <a:pPr marL="457200" indent="-457200" fontAlgn="base">
-              <a:buFont typeface="Arial" panose="020B0604020202020204" pitchFamily="34" charset="0"/>
-              <a:buChar char="•"/>
-            </a:pPr>
-            <a:r>
-              <a:rPr lang="en-US" dirty="0"/>
-              <a:t>Zero is a natural number.</a:t>
-            </a:r>
-          </a:p>
-          <a:p>
-            <a:pPr marL="457200" indent="-457200" fontAlgn="base">
-              <a:buFont typeface="Arial" panose="020B0604020202020204" pitchFamily="34" charset="0"/>
-              <a:buChar char="•"/>
-            </a:pPr>
-            <a:r>
-              <a:rPr lang="en-US" dirty="0"/>
-              <a:t>Every natural number has a successor in the natural numbers.</a:t>
-            </a:r>
-          </a:p>
-          <a:p>
-            <a:pPr marL="457200" indent="-457200" fontAlgn="base">
-              <a:buFont typeface="Arial" panose="020B0604020202020204" pitchFamily="34" charset="0"/>
-              <a:buChar char="•"/>
-            </a:pPr>
-            <a:r>
-              <a:rPr lang="en-US" dirty="0"/>
-              <a:t>Zero is not the successor of any natural number.</a:t>
-            </a:r>
-          </a:p>
-          <a:p>
-            <a:pPr marL="457200" indent="-457200" fontAlgn="base">
-              <a:buFont typeface="Arial" panose="020B0604020202020204" pitchFamily="34" charset="0"/>
-              <a:buChar char="•"/>
-            </a:pPr>
-            <a:r>
-              <a:rPr lang="en-US" dirty="0"/>
-              <a:t>If the successor of two natural numbers is the same, then the two original numbers are the same.</a:t>
-            </a:r>
-          </a:p>
-          <a:p>
-            <a:pPr marL="457200" indent="-457200" fontAlgn="base">
-              <a:buFont typeface="Arial" panose="020B0604020202020204" pitchFamily="34" charset="0"/>
-              <a:buChar char="•"/>
-            </a:pPr>
-            <a:r>
-              <a:rPr lang="en-US" dirty="0"/>
-              <a:t>If a set contains zero and the successor of every number is in the set, then the set contains the natural numbers.</a:t>
-            </a:r>
-          </a:p>
-          <a:p>
-            <a:pPr marL="0" indent="0">
-              <a:buNone/>
-            </a:pPr>
-            <a:endParaRPr lang="en-US" dirty="0"/>
-          </a:p>
-          <a:p>
-            <a:endParaRPr lang="en-US" dirty="0"/>
-          </a:p>
-          <a:p>
-            <a:endParaRPr lang="en-US" dirty="0"/>
-          </a:p>
-        </p:txBody>
-      </p:sp>
-    </p:spTree>
-    <p:extLst>
-      <p:ext uri="{BB962C8B-B14F-4D97-AF65-F5344CB8AC3E}">
-        <p14:creationId xmlns:p14="http://schemas.microsoft.com/office/powerpoint/2010/main" val="3415218936"/>
-      </p:ext>
-    </p:extLst>
-  </p:cSld>
-  <p:clrMapOvr>
-    <a:masterClrMapping/>
-  </p:clrMapOvr>
-</p:sld>
-</file>
-
-<file path=ppt/slides/slide40.xml><?xml version="1.0" encoding="utf-8"?>
+<file path=ppt/slides/slide41.xml><?xml version="1.0" encoding="utf-8"?>
 <p:sld xmlns:a="http://schemas.openxmlformats.org/drawingml/2006/main" xmlns:r="http://schemas.openxmlformats.org/officeDocument/2006/relationships" xmlns:p="http://schemas.openxmlformats.org/presentationml/2006/main">
   <p:cSld>
     <p:spTree>
@@ -12028,7 +12132,7 @@
           </a:ln>
           <a:extLst>
             <a:ext uri="{C572A759-6A51-4108-AA02-DFA0A04FC94B}">
-              <ma14:wrappingTextBoxFlag xmlns:ma14="http://schemas.microsoft.com/office/mac/drawingml/2011/main" xmlns:a14="http://schemas.microsoft.com/office/drawing/2010/main" xmlns:m="http://schemas.openxmlformats.org/officeDocument/2006/math" xmlns="" val="1"/>
+              <ma14:wrappingTextBoxFlag xmlns="" xmlns:m="http://schemas.openxmlformats.org/officeDocument/2006/math" xmlns:a14="http://schemas.microsoft.com/office/drawing/2010/main" xmlns:ma14="http://schemas.microsoft.com/office/mac/drawingml/2011/main" val="1"/>
             </a:ext>
           </a:extLst>
         </p:spPr>
@@ -12168,7 +12272,7 @@
 </p:sld>
 </file>
 
-<file path=ppt/slides/slide41.xml><?xml version="1.0" encoding="utf-8"?>
+<file path=ppt/slides/slide42.xml><?xml version="1.0" encoding="utf-8"?>
 <p:sld xmlns:a="http://schemas.openxmlformats.org/drawingml/2006/main" xmlns:r="http://schemas.openxmlformats.org/officeDocument/2006/relationships" xmlns:p="http://schemas.openxmlformats.org/presentationml/2006/main">
   <p:cSld>
     <p:spTree>
@@ -12258,7 +12362,7 @@
 </p:sld>
 </file>
 
-<file path=ppt/slides/slide42.xml><?xml version="1.0" encoding="utf-8"?>
+<file path=ppt/slides/slide43.xml><?xml version="1.0" encoding="utf-8"?>
 <p:sld xmlns:a="http://schemas.openxmlformats.org/drawingml/2006/main" xmlns:r="http://schemas.openxmlformats.org/officeDocument/2006/relationships" xmlns:p="http://schemas.openxmlformats.org/presentationml/2006/main">
   <p:cSld>
     <p:spTree>
@@ -12371,7 +12475,7 @@
 </p:sld>
 </file>
 
-<file path=ppt/slides/slide43.xml><?xml version="1.0" encoding="utf-8"?>
+<file path=ppt/slides/slide44.xml><?xml version="1.0" encoding="utf-8"?>
 <p:sld xmlns:a="http://schemas.openxmlformats.org/drawingml/2006/main" xmlns:r="http://schemas.openxmlformats.org/officeDocument/2006/relationships" xmlns:p="http://schemas.openxmlformats.org/presentationml/2006/main">
   <p:cSld>
     <p:spTree>
@@ -12484,7 +12588,7 @@
 </p:sld>
 </file>
 
-<file path=ppt/slides/slide44.xml><?xml version="1.0" encoding="utf-8"?>
+<file path=ppt/slides/slide45.xml><?xml version="1.0" encoding="utf-8"?>
 <p:sld xmlns:a="http://schemas.openxmlformats.org/drawingml/2006/main" xmlns:r="http://schemas.openxmlformats.org/officeDocument/2006/relationships" xmlns:p="http://schemas.openxmlformats.org/presentationml/2006/main">
   <p:cSld>
     <p:spTree>
@@ -12597,7 +12701,7 @@
 </p:sld>
 </file>
 
-<file path=ppt/slides/slide45.xml><?xml version="1.0" encoding="utf-8"?>
+<file path=ppt/slides/slide46.xml><?xml version="1.0" encoding="utf-8"?>
 <p:sld xmlns:a="http://schemas.openxmlformats.org/drawingml/2006/main" xmlns:r="http://schemas.openxmlformats.org/officeDocument/2006/relationships" xmlns:p="http://schemas.openxmlformats.org/presentationml/2006/main">
   <p:cSld>
     <p:spTree>
@@ -12807,7 +12911,7 @@
 </p:sld>
 </file>
 
-<file path=ppt/slides/slide46.xml><?xml version="1.0" encoding="utf-8"?>
+<file path=ppt/slides/slide47.xml><?xml version="1.0" encoding="utf-8"?>
 <p:sld xmlns:a="http://schemas.openxmlformats.org/drawingml/2006/main" xmlns:r="http://schemas.openxmlformats.org/officeDocument/2006/relationships" xmlns:p="http://schemas.openxmlformats.org/presentationml/2006/main">
   <p:cSld>
     <p:spTree>
@@ -12980,7 +13084,7 @@
 </p:sld>
 </file>
 
-<file path=ppt/slides/slide47.xml><?xml version="1.0" encoding="utf-8"?>
+<file path=ppt/slides/slide48.xml><?xml version="1.0" encoding="utf-8"?>
 <p:sld xmlns:a="http://schemas.openxmlformats.org/drawingml/2006/main" xmlns:r="http://schemas.openxmlformats.org/officeDocument/2006/relationships" xmlns:p="http://schemas.openxmlformats.org/presentationml/2006/main">
   <p:cSld>
     <p:spTree>
@@ -13153,7 +13257,7 @@
 </p:sld>
 </file>
 
-<file path=ppt/slides/slide48.xml><?xml version="1.0" encoding="utf-8"?>
+<file path=ppt/slides/slide49.xml><?xml version="1.0" encoding="utf-8"?>
 <p:sld xmlns:a="http://schemas.openxmlformats.org/drawingml/2006/main" xmlns:r="http://schemas.openxmlformats.org/officeDocument/2006/relationships" xmlns:p="http://schemas.openxmlformats.org/presentationml/2006/main">
   <p:cSld>
     <p:spTree>
@@ -13317,96 +13421,6 @@
     <p:extLst>
       <p:ext uri="{BB962C8B-B14F-4D97-AF65-F5344CB8AC3E}">
         <p14:creationId xmlns:p14="http://schemas.microsoft.com/office/powerpoint/2010/main" val="3063560998"/>
-      </p:ext>
-    </p:extLst>
-  </p:cSld>
-  <p:clrMapOvr>
-    <a:masterClrMapping/>
-  </p:clrMapOvr>
-</p:sld>
-</file>
-
-<file path=ppt/slides/slide49.xml><?xml version="1.0" encoding="utf-8"?>
-<p:sld xmlns:a="http://schemas.openxmlformats.org/drawingml/2006/main" xmlns:r="http://schemas.openxmlformats.org/officeDocument/2006/relationships" xmlns:p="http://schemas.openxmlformats.org/presentationml/2006/main">
-  <p:cSld>
-    <p:spTree>
-      <p:nvGrpSpPr>
-        <p:cNvPr id="1" name=""/>
-        <p:cNvGrpSpPr/>
-        <p:nvPr/>
-      </p:nvGrpSpPr>
-      <p:grpSpPr>
-        <a:xfrm>
-          <a:off x="0" y="0"/>
-          <a:ext cx="0" cy="0"/>
-          <a:chOff x="0" y="0"/>
-          <a:chExt cx="0" cy="0"/>
-        </a:xfrm>
-      </p:grpSpPr>
-      <p:sp>
-        <p:nvSpPr>
-          <p:cNvPr id="2" name="Title 1">
-            <a:extLst>
-              <a:ext uri="{FF2B5EF4-FFF2-40B4-BE49-F238E27FC236}">
-                <a16:creationId xmlns:a16="http://schemas.microsoft.com/office/drawing/2014/main" id="{968143C2-472A-4AB4-B1BE-2BBF7038C9A0}"/>
-              </a:ext>
-            </a:extLst>
-          </p:cNvPr>
-          <p:cNvSpPr>
-            <a:spLocks noGrp="1"/>
-          </p:cNvSpPr>
-          <p:nvPr>
-            <p:ph type="title"/>
-          </p:nvPr>
-        </p:nvSpPr>
-        <p:spPr/>
-        <p:txBody>
-          <a:bodyPr/>
-          <a:lstStyle/>
-          <a:p>
-            <a:r>
-              <a:rPr lang="en-US" dirty="0"/>
-              <a:t>Standard Deviation (STD )</a:t>
-            </a:r>
-          </a:p>
-        </p:txBody>
-      </p:sp>
-      <p:pic>
-        <p:nvPicPr>
-          <p:cNvPr id="4" name="Content Placeholder 3">
-            <a:extLst>
-              <a:ext uri="{FF2B5EF4-FFF2-40B4-BE49-F238E27FC236}">
-                <a16:creationId xmlns:a16="http://schemas.microsoft.com/office/drawing/2014/main" id="{F8366C6F-5C2C-4EA3-B78C-FA3B13010867}"/>
-              </a:ext>
-            </a:extLst>
-          </p:cNvPr>
-          <p:cNvPicPr>
-            <a:picLocks noGrp="1" noChangeAspect="1"/>
-          </p:cNvPicPr>
-          <p:nvPr>
-            <p:ph idx="1"/>
-          </p:nvPr>
-        </p:nvPicPr>
-        <p:blipFill>
-          <a:blip r:embed="rId2"/>
-          <a:stretch>
-            <a:fillRect/>
-          </a:stretch>
-        </p:blipFill>
-        <p:spPr>
-          <a:xfrm>
-            <a:off x="1524000" y="2590156"/>
-            <a:ext cx="8222712" cy="3019125"/>
-          </a:xfrm>
-          <a:prstGeom prst="rect">
-            <a:avLst/>
-          </a:prstGeom>
-        </p:spPr>
-      </p:pic>
-    </p:spTree>
-    <p:extLst>
-      <p:ext uri="{BB962C8B-B14F-4D97-AF65-F5344CB8AC3E}">
-        <p14:creationId xmlns:p14="http://schemas.microsoft.com/office/powerpoint/2010/main" val="3083174007"/>
       </p:ext>
     </p:extLst>
   </p:cSld>
@@ -13600,7 +13614,7 @@
   <p:timing>
     <p:tnLst>
       <p:par>
-        <p:cTn id="1" dur="indefinite" nodeType="tmRoot">
+        <p:cTn id="1" dur="indefinite" restart="never" nodeType="tmRoot">
           <p:childTnLst>
             <p:seq concurrent="1" nextAc="seek">
               <p:cTn id="2" dur="0" nodeType="mainSeq"/>
@@ -13649,6 +13663,96 @@
           <p:cNvPr id="2" name="Title 1">
             <a:extLst>
               <a:ext uri="{FF2B5EF4-FFF2-40B4-BE49-F238E27FC236}">
+                <a16:creationId xmlns:a16="http://schemas.microsoft.com/office/drawing/2014/main" id="{968143C2-472A-4AB4-B1BE-2BBF7038C9A0}"/>
+              </a:ext>
+            </a:extLst>
+          </p:cNvPr>
+          <p:cNvSpPr>
+            <a:spLocks noGrp="1"/>
+          </p:cNvSpPr>
+          <p:nvPr>
+            <p:ph type="title"/>
+          </p:nvPr>
+        </p:nvSpPr>
+        <p:spPr/>
+        <p:txBody>
+          <a:bodyPr/>
+          <a:lstStyle/>
+          <a:p>
+            <a:r>
+              <a:rPr lang="en-US" dirty="0"/>
+              <a:t>Standard Deviation (STD )</a:t>
+            </a:r>
+          </a:p>
+        </p:txBody>
+      </p:sp>
+      <p:pic>
+        <p:nvPicPr>
+          <p:cNvPr id="4" name="Content Placeholder 3">
+            <a:extLst>
+              <a:ext uri="{FF2B5EF4-FFF2-40B4-BE49-F238E27FC236}">
+                <a16:creationId xmlns:a16="http://schemas.microsoft.com/office/drawing/2014/main" id="{F8366C6F-5C2C-4EA3-B78C-FA3B13010867}"/>
+              </a:ext>
+            </a:extLst>
+          </p:cNvPr>
+          <p:cNvPicPr>
+            <a:picLocks noGrp="1" noChangeAspect="1"/>
+          </p:cNvPicPr>
+          <p:nvPr>
+            <p:ph idx="1"/>
+          </p:nvPr>
+        </p:nvPicPr>
+        <p:blipFill>
+          <a:blip r:embed="rId2"/>
+          <a:stretch>
+            <a:fillRect/>
+          </a:stretch>
+        </p:blipFill>
+        <p:spPr>
+          <a:xfrm>
+            <a:off x="1524000" y="2590156"/>
+            <a:ext cx="8222712" cy="3019125"/>
+          </a:xfrm>
+          <a:prstGeom prst="rect">
+            <a:avLst/>
+          </a:prstGeom>
+        </p:spPr>
+      </p:pic>
+    </p:spTree>
+    <p:extLst>
+      <p:ext uri="{BB962C8B-B14F-4D97-AF65-F5344CB8AC3E}">
+        <p14:creationId xmlns:p14="http://schemas.microsoft.com/office/powerpoint/2010/main" val="3083174007"/>
+      </p:ext>
+    </p:extLst>
+  </p:cSld>
+  <p:clrMapOvr>
+    <a:masterClrMapping/>
+  </p:clrMapOvr>
+</p:sld>
+</file>
+
+<file path=ppt/slides/slide51.xml><?xml version="1.0" encoding="utf-8"?>
+<p:sld xmlns:a="http://schemas.openxmlformats.org/drawingml/2006/main" xmlns:r="http://schemas.openxmlformats.org/officeDocument/2006/relationships" xmlns:p="http://schemas.openxmlformats.org/presentationml/2006/main">
+  <p:cSld>
+    <p:spTree>
+      <p:nvGrpSpPr>
+        <p:cNvPr id="1" name=""/>
+        <p:cNvGrpSpPr/>
+        <p:nvPr/>
+      </p:nvGrpSpPr>
+      <p:grpSpPr>
+        <a:xfrm>
+          <a:off x="0" y="0"/>
+          <a:ext cx="0" cy="0"/>
+          <a:chOff x="0" y="0"/>
+          <a:chExt cx="0" cy="0"/>
+        </a:xfrm>
+      </p:grpSpPr>
+      <p:sp>
+        <p:nvSpPr>
+          <p:cNvPr id="2" name="Title 1">
+            <a:extLst>
+              <a:ext uri="{FF2B5EF4-FFF2-40B4-BE49-F238E27FC236}">
                 <a16:creationId xmlns:a16="http://schemas.microsoft.com/office/drawing/2014/main" id="{0E7C1730-01BC-46AC-AE99-769674DCE5BB}"/>
               </a:ext>
             </a:extLst>
@@ -13740,7 +13844,7 @@
 </p:sld>
 </file>
 
-<file path=ppt/slides/slide51.xml><?xml version="1.0" encoding="utf-8"?>
+<file path=ppt/slides/slide52.xml><?xml version="1.0" encoding="utf-8"?>
 <p:sld xmlns:a="http://schemas.openxmlformats.org/drawingml/2006/main" xmlns:r="http://schemas.openxmlformats.org/officeDocument/2006/relationships" xmlns:p="http://schemas.openxmlformats.org/presentationml/2006/main">
   <p:cSld>
     <p:spTree>
@@ -13883,7 +13987,7 @@
 </p:sld>
 </file>
 
-<file path=ppt/slides/slide52.xml><?xml version="1.0" encoding="utf-8"?>
+<file path=ppt/slides/slide53.xml><?xml version="1.0" encoding="utf-8"?>
 <p:sld xmlns:a="http://schemas.openxmlformats.org/drawingml/2006/main" xmlns:r="http://schemas.openxmlformats.org/officeDocument/2006/relationships" xmlns:p="http://schemas.openxmlformats.org/presentationml/2006/main">
   <p:cSld>
     <p:spTree>
@@ -13996,7 +14100,7 @@
 </p:sld>
 </file>
 
-<file path=ppt/slides/slide53.xml><?xml version="1.0" encoding="utf-8"?>
+<file path=ppt/slides/slide54.xml><?xml version="1.0" encoding="utf-8"?>
 <p:sld xmlns:a="http://schemas.openxmlformats.org/drawingml/2006/main" xmlns:r="http://schemas.openxmlformats.org/officeDocument/2006/relationships" xmlns:p="http://schemas.openxmlformats.org/presentationml/2006/main">
   <p:cSld>
     <p:spTree>
@@ -14109,7 +14213,7 @@
 </p:sld>
 </file>
 
-<file path=ppt/slides/slide54.xml><?xml version="1.0" encoding="utf-8"?>
+<file path=ppt/slides/slide55.xml><?xml version="1.0" encoding="utf-8"?>
 <p:sld xmlns:a="http://schemas.openxmlformats.org/drawingml/2006/main" xmlns:r="http://schemas.openxmlformats.org/officeDocument/2006/relationships" xmlns:p="http://schemas.openxmlformats.org/presentationml/2006/main">
   <p:cSld>
     <p:spTree>
@@ -14222,7 +14326,7 @@
 </p:sld>
 </file>
 
-<file path=ppt/slides/slide55.xml><?xml version="1.0" encoding="utf-8"?>
+<file path=ppt/slides/slide56.xml><?xml version="1.0" encoding="utf-8"?>
 <p:sld xmlns:a="http://schemas.openxmlformats.org/drawingml/2006/main" xmlns:r="http://schemas.openxmlformats.org/officeDocument/2006/relationships" xmlns:p="http://schemas.openxmlformats.org/presentationml/2006/main">
   <p:cSld>
     <p:spTree>
@@ -14335,7 +14439,7 @@
 </p:sld>
 </file>
 
-<file path=ppt/slides/slide56.xml><?xml version="1.0" encoding="utf-8"?>
+<file path=ppt/slides/slide57.xml><?xml version="1.0" encoding="utf-8"?>
 <p:sld xmlns:a="http://schemas.openxmlformats.org/drawingml/2006/main" xmlns:r="http://schemas.openxmlformats.org/officeDocument/2006/relationships" xmlns:p="http://schemas.openxmlformats.org/presentationml/2006/main">
   <p:cSld>
     <p:spTree>
@@ -14450,7 +14554,7 @@
 </p:sld>
 </file>
 
-<file path=ppt/slides/slide57.xml><?xml version="1.0" encoding="utf-8"?>
+<file path=ppt/slides/slide58.xml><?xml version="1.0" encoding="utf-8"?>
 <p:sld xmlns:a="http://schemas.openxmlformats.org/drawingml/2006/main" xmlns:r="http://schemas.openxmlformats.org/officeDocument/2006/relationships" xmlns:p="http://schemas.openxmlformats.org/presentationml/2006/main">
   <p:cSld>
     <p:spTree>
@@ -14570,89 +14674,6 @@
 </p:sld>
 </file>
 
-<file path=ppt/slides/slide58.xml><?xml version="1.0" encoding="utf-8"?>
-<p:sld xmlns:a="http://schemas.openxmlformats.org/drawingml/2006/main" xmlns:r="http://schemas.openxmlformats.org/officeDocument/2006/relationships" xmlns:p="http://schemas.openxmlformats.org/presentationml/2006/main">
-  <p:cSld>
-    <p:spTree>
-      <p:nvGrpSpPr>
-        <p:cNvPr id="1" name=""/>
-        <p:cNvGrpSpPr/>
-        <p:nvPr/>
-      </p:nvGrpSpPr>
-      <p:grpSpPr>
-        <a:xfrm>
-          <a:off x="0" y="0"/>
-          <a:ext cx="0" cy="0"/>
-          <a:chOff x="0" y="0"/>
-          <a:chExt cx="0" cy="0"/>
-        </a:xfrm>
-      </p:grpSpPr>
-      <p:sp>
-        <p:nvSpPr>
-          <p:cNvPr id="2" name="Title 1">
-            <a:extLst>
-              <a:ext uri="{FF2B5EF4-FFF2-40B4-BE49-F238E27FC236}">
-                <a16:creationId xmlns:a16="http://schemas.microsoft.com/office/drawing/2014/main" id="{8D7967A8-A715-4AA2-B21B-C759F663BDD1}"/>
-              </a:ext>
-            </a:extLst>
-          </p:cNvPr>
-          <p:cNvSpPr>
-            <a:spLocks noGrp="1"/>
-          </p:cNvSpPr>
-          <p:nvPr>
-            <p:ph type="title"/>
-          </p:nvPr>
-        </p:nvSpPr>
-        <p:spPr/>
-        <p:txBody>
-          <a:bodyPr/>
-          <a:lstStyle/>
-          <a:p>
-            <a:r>
-              <a:rPr lang="en-US" dirty="0"/>
-              <a:t>IRR – Internal Rate of Return</a:t>
-            </a:r>
-          </a:p>
-        </p:txBody>
-      </p:sp>
-      <p:sp>
-        <p:nvSpPr>
-          <p:cNvPr id="4" name="Content Placeholder 3">
-            <a:extLst>
-              <a:ext uri="{FF2B5EF4-FFF2-40B4-BE49-F238E27FC236}">
-                <a16:creationId xmlns:a16="http://schemas.microsoft.com/office/drawing/2014/main" id="{73537245-857E-4905-B42D-0A38816AF238}"/>
-              </a:ext>
-            </a:extLst>
-          </p:cNvPr>
-          <p:cNvSpPr>
-            <a:spLocks noGrp="1"/>
-          </p:cNvSpPr>
-          <p:nvPr>
-            <p:ph idx="1"/>
-          </p:nvPr>
-        </p:nvSpPr>
-        <p:spPr/>
-        <p:txBody>
-          <a:bodyPr/>
-          <a:lstStyle/>
-          <a:p>
-            <a:endParaRPr lang="en-US"/>
-          </a:p>
-        </p:txBody>
-      </p:sp>
-    </p:spTree>
-    <p:extLst>
-      <p:ext uri="{BB962C8B-B14F-4D97-AF65-F5344CB8AC3E}">
-        <p14:creationId xmlns:p14="http://schemas.microsoft.com/office/powerpoint/2010/main" val="4018293501"/>
-      </p:ext>
-    </p:extLst>
-  </p:cSld>
-  <p:clrMapOvr>
-    <a:masterClrMapping/>
-  </p:clrMapOvr>
-</p:sld>
-</file>
-
 <file path=ppt/slides/slide59.xml><?xml version="1.0" encoding="utf-8"?>
 <p:sld xmlns:a="http://schemas.openxmlformats.org/drawingml/2006/main" xmlns:r="http://schemas.openxmlformats.org/officeDocument/2006/relationships" xmlns:p="http://schemas.openxmlformats.org/presentationml/2006/main">
   <p:cSld>
@@ -14675,7 +14696,7 @@
           <p:cNvPr id="2" name="Title 1">
             <a:extLst>
               <a:ext uri="{FF2B5EF4-FFF2-40B4-BE49-F238E27FC236}">
-                <a16:creationId xmlns:a16="http://schemas.microsoft.com/office/drawing/2014/main" id="{138E4D06-4F78-4749-BE3A-4E1474A6BF3C}"/>
+                <a16:creationId xmlns:a16="http://schemas.microsoft.com/office/drawing/2014/main" id="{8D7967A8-A715-4AA2-B21B-C759F663BDD1}"/>
               </a:ext>
             </a:extLst>
           </p:cNvPr>
@@ -14692,18 +14713,18 @@
           <a:lstStyle/>
           <a:p>
             <a:r>
-              <a:rPr lang="en-IN" dirty="0"/>
-              <a:t>Quadratic Equation</a:t>
+              <a:rPr lang="en-US" dirty="0"/>
+              <a:t>IRR – Internal Rate of Return</a:t>
             </a:r>
           </a:p>
         </p:txBody>
       </p:sp>
       <p:sp>
         <p:nvSpPr>
-          <p:cNvPr id="6" name="Content Placeholder 5">
-            <a:extLst>
-              <a:ext uri="{FF2B5EF4-FFF2-40B4-BE49-F238E27FC236}">
-                <a16:creationId xmlns:a16="http://schemas.microsoft.com/office/drawing/2014/main" id="{830A9D0A-0497-4FBC-92F0-5201CABB7BDF}"/>
+          <p:cNvPr id="4" name="Content Placeholder 3">
+            <a:extLst>
+              <a:ext uri="{FF2B5EF4-FFF2-40B4-BE49-F238E27FC236}">
+                <a16:creationId xmlns:a16="http://schemas.microsoft.com/office/drawing/2014/main" id="{73537245-857E-4905-B42D-0A38816AF238}"/>
               </a:ext>
             </a:extLst>
           </p:cNvPr>
@@ -14719,104 +14740,14 @@
           <a:bodyPr/>
           <a:lstStyle/>
           <a:p>
-            <a:endParaRPr lang="en-US" dirty="0"/>
+            <a:endParaRPr lang="en-US"/>
           </a:p>
         </p:txBody>
       </p:sp>
-      <p:pic>
-        <p:nvPicPr>
-          <p:cNvPr id="3" name="Picture 2">
-            <a:extLst>
-              <a:ext uri="{FF2B5EF4-FFF2-40B4-BE49-F238E27FC236}">
-                <a16:creationId xmlns:a16="http://schemas.microsoft.com/office/drawing/2014/main" id="{91906A73-3FA9-4365-A9A1-F5BB3AEAE755}"/>
-              </a:ext>
-            </a:extLst>
-          </p:cNvPr>
-          <p:cNvPicPr>
-            <a:picLocks noChangeAspect="1"/>
-          </p:cNvPicPr>
-          <p:nvPr/>
-        </p:nvPicPr>
-        <p:blipFill>
-          <a:blip r:embed="rId2"/>
-          <a:stretch>
-            <a:fillRect/>
-          </a:stretch>
-        </p:blipFill>
-        <p:spPr>
-          <a:xfrm>
-            <a:off x="1040149" y="2459883"/>
-            <a:ext cx="2524125" cy="790575"/>
-          </a:xfrm>
-          <a:prstGeom prst="rect">
-            <a:avLst/>
-          </a:prstGeom>
-        </p:spPr>
-      </p:pic>
-      <p:pic>
-        <p:nvPicPr>
-          <p:cNvPr id="4" name="Picture 3">
-            <a:extLst>
-              <a:ext uri="{FF2B5EF4-FFF2-40B4-BE49-F238E27FC236}">
-                <a16:creationId xmlns:a16="http://schemas.microsoft.com/office/drawing/2014/main" id="{05BB211A-D7B1-43E8-A564-28889B7B9D09}"/>
-              </a:ext>
-            </a:extLst>
-          </p:cNvPr>
-          <p:cNvPicPr>
-            <a:picLocks noChangeAspect="1"/>
-          </p:cNvPicPr>
-          <p:nvPr/>
-        </p:nvPicPr>
-        <p:blipFill>
-          <a:blip r:embed="rId3"/>
-          <a:stretch>
-            <a:fillRect/>
-          </a:stretch>
-        </p:blipFill>
-        <p:spPr>
-          <a:xfrm>
-            <a:off x="1040149" y="1915944"/>
-            <a:ext cx="1724025" cy="419100"/>
-          </a:xfrm>
-          <a:prstGeom prst="rect">
-            <a:avLst/>
-          </a:prstGeom>
-        </p:spPr>
-      </p:pic>
-      <p:pic>
-        <p:nvPicPr>
-          <p:cNvPr id="5" name="Picture 4">
-            <a:extLst>
-              <a:ext uri="{FF2B5EF4-FFF2-40B4-BE49-F238E27FC236}">
-                <a16:creationId xmlns:a16="http://schemas.microsoft.com/office/drawing/2014/main" id="{596AFBE4-4BCC-4E50-B705-AAD7ABD9660C}"/>
-              </a:ext>
-            </a:extLst>
-          </p:cNvPr>
-          <p:cNvPicPr>
-            <a:picLocks noChangeAspect="1"/>
-          </p:cNvPicPr>
-          <p:nvPr/>
-        </p:nvPicPr>
-        <p:blipFill>
-          <a:blip r:embed="rId4"/>
-          <a:stretch>
-            <a:fillRect/>
-          </a:stretch>
-        </p:blipFill>
-        <p:spPr>
-          <a:xfrm>
-            <a:off x="5013076" y="2125494"/>
-            <a:ext cx="6291884" cy="3822216"/>
-          </a:xfrm>
-          <a:prstGeom prst="rect">
-            <a:avLst/>
-          </a:prstGeom>
-        </p:spPr>
-      </p:pic>
     </p:spTree>
     <p:extLst>
       <p:ext uri="{BB962C8B-B14F-4D97-AF65-F5344CB8AC3E}">
-        <p14:creationId xmlns:p14="http://schemas.microsoft.com/office/powerpoint/2010/main" val="1849645042"/>
+        <p14:creationId xmlns:p14="http://schemas.microsoft.com/office/powerpoint/2010/main" val="4018293501"/>
       </p:ext>
     </p:extLst>
   </p:cSld>
@@ -15445,6 +15376,179 @@
           <p:cNvPr id="2" name="Title 1">
             <a:extLst>
               <a:ext uri="{FF2B5EF4-FFF2-40B4-BE49-F238E27FC236}">
+                <a16:creationId xmlns:a16="http://schemas.microsoft.com/office/drawing/2014/main" id="{138E4D06-4F78-4749-BE3A-4E1474A6BF3C}"/>
+              </a:ext>
+            </a:extLst>
+          </p:cNvPr>
+          <p:cNvSpPr>
+            <a:spLocks noGrp="1"/>
+          </p:cNvSpPr>
+          <p:nvPr>
+            <p:ph type="title"/>
+          </p:nvPr>
+        </p:nvSpPr>
+        <p:spPr/>
+        <p:txBody>
+          <a:bodyPr/>
+          <a:lstStyle/>
+          <a:p>
+            <a:r>
+              <a:rPr lang="en-IN" dirty="0"/>
+              <a:t>Quadratic Equation</a:t>
+            </a:r>
+          </a:p>
+        </p:txBody>
+      </p:sp>
+      <p:sp>
+        <p:nvSpPr>
+          <p:cNvPr id="6" name="Content Placeholder 5">
+            <a:extLst>
+              <a:ext uri="{FF2B5EF4-FFF2-40B4-BE49-F238E27FC236}">
+                <a16:creationId xmlns:a16="http://schemas.microsoft.com/office/drawing/2014/main" id="{830A9D0A-0497-4FBC-92F0-5201CABB7BDF}"/>
+              </a:ext>
+            </a:extLst>
+          </p:cNvPr>
+          <p:cNvSpPr>
+            <a:spLocks noGrp="1"/>
+          </p:cNvSpPr>
+          <p:nvPr>
+            <p:ph idx="1"/>
+          </p:nvPr>
+        </p:nvSpPr>
+        <p:spPr/>
+        <p:txBody>
+          <a:bodyPr/>
+          <a:lstStyle/>
+          <a:p>
+            <a:endParaRPr lang="en-US" dirty="0"/>
+          </a:p>
+        </p:txBody>
+      </p:sp>
+      <p:pic>
+        <p:nvPicPr>
+          <p:cNvPr id="3" name="Picture 2">
+            <a:extLst>
+              <a:ext uri="{FF2B5EF4-FFF2-40B4-BE49-F238E27FC236}">
+                <a16:creationId xmlns:a16="http://schemas.microsoft.com/office/drawing/2014/main" id="{91906A73-3FA9-4365-A9A1-F5BB3AEAE755}"/>
+              </a:ext>
+            </a:extLst>
+          </p:cNvPr>
+          <p:cNvPicPr>
+            <a:picLocks noChangeAspect="1"/>
+          </p:cNvPicPr>
+          <p:nvPr/>
+        </p:nvPicPr>
+        <p:blipFill>
+          <a:blip r:embed="rId2"/>
+          <a:stretch>
+            <a:fillRect/>
+          </a:stretch>
+        </p:blipFill>
+        <p:spPr>
+          <a:xfrm>
+            <a:off x="1040149" y="2459883"/>
+            <a:ext cx="2524125" cy="790575"/>
+          </a:xfrm>
+          <a:prstGeom prst="rect">
+            <a:avLst/>
+          </a:prstGeom>
+        </p:spPr>
+      </p:pic>
+      <p:pic>
+        <p:nvPicPr>
+          <p:cNvPr id="4" name="Picture 3">
+            <a:extLst>
+              <a:ext uri="{FF2B5EF4-FFF2-40B4-BE49-F238E27FC236}">
+                <a16:creationId xmlns:a16="http://schemas.microsoft.com/office/drawing/2014/main" id="{05BB211A-D7B1-43E8-A564-28889B7B9D09}"/>
+              </a:ext>
+            </a:extLst>
+          </p:cNvPr>
+          <p:cNvPicPr>
+            <a:picLocks noChangeAspect="1"/>
+          </p:cNvPicPr>
+          <p:nvPr/>
+        </p:nvPicPr>
+        <p:blipFill>
+          <a:blip r:embed="rId3"/>
+          <a:stretch>
+            <a:fillRect/>
+          </a:stretch>
+        </p:blipFill>
+        <p:spPr>
+          <a:xfrm>
+            <a:off x="1040149" y="1915944"/>
+            <a:ext cx="1724025" cy="419100"/>
+          </a:xfrm>
+          <a:prstGeom prst="rect">
+            <a:avLst/>
+          </a:prstGeom>
+        </p:spPr>
+      </p:pic>
+      <p:pic>
+        <p:nvPicPr>
+          <p:cNvPr id="5" name="Picture 4">
+            <a:extLst>
+              <a:ext uri="{FF2B5EF4-FFF2-40B4-BE49-F238E27FC236}">
+                <a16:creationId xmlns:a16="http://schemas.microsoft.com/office/drawing/2014/main" id="{596AFBE4-4BCC-4E50-B705-AAD7ABD9660C}"/>
+              </a:ext>
+            </a:extLst>
+          </p:cNvPr>
+          <p:cNvPicPr>
+            <a:picLocks noChangeAspect="1"/>
+          </p:cNvPicPr>
+          <p:nvPr/>
+        </p:nvPicPr>
+        <p:blipFill>
+          <a:blip r:embed="rId4"/>
+          <a:stretch>
+            <a:fillRect/>
+          </a:stretch>
+        </p:blipFill>
+        <p:spPr>
+          <a:xfrm>
+            <a:off x="5013076" y="2125494"/>
+            <a:ext cx="6291884" cy="3822216"/>
+          </a:xfrm>
+          <a:prstGeom prst="rect">
+            <a:avLst/>
+          </a:prstGeom>
+        </p:spPr>
+      </p:pic>
+    </p:spTree>
+    <p:extLst>
+      <p:ext uri="{BB962C8B-B14F-4D97-AF65-F5344CB8AC3E}">
+        <p14:creationId xmlns:p14="http://schemas.microsoft.com/office/powerpoint/2010/main" val="1849645042"/>
+      </p:ext>
+    </p:extLst>
+  </p:cSld>
+  <p:clrMapOvr>
+    <a:masterClrMapping/>
+  </p:clrMapOvr>
+</p:sld>
+</file>
+
+<file path=ppt/slides/slide61.xml><?xml version="1.0" encoding="utf-8"?>
+<p:sld xmlns:a="http://schemas.openxmlformats.org/drawingml/2006/main" xmlns:r="http://schemas.openxmlformats.org/officeDocument/2006/relationships" xmlns:p="http://schemas.openxmlformats.org/presentationml/2006/main">
+  <p:cSld>
+    <p:spTree>
+      <p:nvGrpSpPr>
+        <p:cNvPr id="1" name=""/>
+        <p:cNvGrpSpPr/>
+        <p:nvPr/>
+      </p:nvGrpSpPr>
+      <p:grpSpPr>
+        <a:xfrm>
+          <a:off x="0" y="0"/>
+          <a:ext cx="0" cy="0"/>
+          <a:chOff x="0" y="0"/>
+          <a:chExt cx="0" cy="0"/>
+        </a:xfrm>
+      </p:grpSpPr>
+      <p:sp>
+        <p:nvSpPr>
+          <p:cNvPr id="2" name="Title 1">
+            <a:extLst>
+              <a:ext uri="{FF2B5EF4-FFF2-40B4-BE49-F238E27FC236}">
                 <a16:creationId xmlns:a16="http://schemas.microsoft.com/office/drawing/2014/main" id="{89DDAD81-F062-4030-B275-34AA9088E98E}"/>
               </a:ext>
             </a:extLst>
@@ -15544,7 +15648,7 @@
 </p:sld>
 </file>
 
-<file path=ppt/slides/slide61.xml><?xml version="1.0" encoding="utf-8"?>
+<file path=ppt/slides/slide62.xml><?xml version="1.0" encoding="utf-8"?>
 <p:sld xmlns:a="http://schemas.openxmlformats.org/drawingml/2006/main" xmlns:r="http://schemas.openxmlformats.org/officeDocument/2006/relationships" xmlns:p="http://schemas.openxmlformats.org/presentationml/2006/main">
   <p:cSld>
     <p:spTree>
@@ -15687,7 +15791,7 @@
 </p:sld>
 </file>
 
-<file path=ppt/slides/slide62.xml><?xml version="1.0" encoding="utf-8"?>
+<file path=ppt/slides/slide63.xml><?xml version="1.0" encoding="utf-8"?>
 <p:sld xmlns:a="http://schemas.openxmlformats.org/drawingml/2006/main" xmlns:r="http://schemas.openxmlformats.org/officeDocument/2006/relationships" xmlns:p="http://schemas.openxmlformats.org/presentationml/2006/main">
   <p:cSld>
     <p:spTree>
@@ -16018,7 +16122,7 @@
   <p:timing>
     <p:tnLst>
       <p:par>
-        <p:cTn id="1" dur="indefinite" nodeType="tmRoot">
+        <p:cTn id="1" dur="indefinite" restart="never" nodeType="tmRoot">
           <p:childTnLst>
             <p:seq concurrent="1" nextAc="seek">
               <p:cTn id="2" dur="0" nodeType="mainSeq"/>
@@ -16045,7 +16149,7 @@
 </p:sld>
 </file>
 
-<file path=ppt/slides/slide63.xml><?xml version="1.0" encoding="utf-8"?>
+<file path=ppt/slides/slide64.xml><?xml version="1.0" encoding="utf-8"?>
 <p:sld xmlns:a="http://schemas.openxmlformats.org/drawingml/2006/main" xmlns:r="http://schemas.openxmlformats.org/officeDocument/2006/relationships" xmlns:p="http://schemas.openxmlformats.org/presentationml/2006/main">
   <p:cSld>
     <p:spTree>
@@ -16235,7 +16339,7 @@
 </p:sld>
 </file>
 
-<file path=ppt/slides/slide64.xml><?xml version="1.0" encoding="utf-8"?>
+<file path=ppt/slides/slide65.xml><?xml version="1.0" encoding="utf-8"?>
 <p:sld xmlns:a="http://schemas.openxmlformats.org/drawingml/2006/main" xmlns:r="http://schemas.openxmlformats.org/officeDocument/2006/relationships" xmlns:p="http://schemas.openxmlformats.org/presentationml/2006/main">
   <p:cSld>
     <p:spTree>

--- a/AlgebraNArith/MathProgrammingAlgebra.pptx
+++ b/AlgebraNArith/MathProgrammingAlgebra.pptx
@@ -5,74 +5,75 @@
     <p:sldMasterId id="2147483672" r:id="rId1"/>
   </p:sldMasterIdLst>
   <p:notesMasterIdLst>
-    <p:notesMasterId r:id="rId67"/>
+    <p:notesMasterId r:id="rId68"/>
   </p:notesMasterIdLst>
   <p:sldIdLst>
     <p:sldId id="256" r:id="rId2"/>
     <p:sldId id="297" r:id="rId3"/>
-    <p:sldId id="333" r:id="rId4"/>
-    <p:sldId id="260" r:id="rId5"/>
-    <p:sldId id="287" r:id="rId6"/>
-    <p:sldId id="259" r:id="rId7"/>
-    <p:sldId id="258" r:id="rId8"/>
-    <p:sldId id="263" r:id="rId9"/>
-    <p:sldId id="306" r:id="rId10"/>
-    <p:sldId id="269" r:id="rId11"/>
-    <p:sldId id="292" r:id="rId12"/>
-    <p:sldId id="304" r:id="rId13"/>
-    <p:sldId id="308" r:id="rId14"/>
-    <p:sldId id="309" r:id="rId15"/>
-    <p:sldId id="310" r:id="rId16"/>
-    <p:sldId id="311" r:id="rId17"/>
-    <p:sldId id="312" r:id="rId18"/>
-    <p:sldId id="261" r:id="rId19"/>
-    <p:sldId id="327" r:id="rId20"/>
-    <p:sldId id="272" r:id="rId21"/>
-    <p:sldId id="278" r:id="rId22"/>
-    <p:sldId id="307" r:id="rId23"/>
-    <p:sldId id="280" r:id="rId24"/>
-    <p:sldId id="281" r:id="rId25"/>
-    <p:sldId id="282" r:id="rId26"/>
-    <p:sldId id="293" r:id="rId27"/>
-    <p:sldId id="294" r:id="rId28"/>
-    <p:sldId id="257" r:id="rId29"/>
-    <p:sldId id="279" r:id="rId30"/>
-    <p:sldId id="277" r:id="rId31"/>
-    <p:sldId id="325" r:id="rId32"/>
-    <p:sldId id="299" r:id="rId33"/>
-    <p:sldId id="334" r:id="rId34"/>
-    <p:sldId id="326" r:id="rId35"/>
-    <p:sldId id="328" r:id="rId36"/>
-    <p:sldId id="329" r:id="rId37"/>
-    <p:sldId id="331" r:id="rId38"/>
-    <p:sldId id="276" r:id="rId39"/>
-    <p:sldId id="295" r:id="rId40"/>
-    <p:sldId id="296" r:id="rId41"/>
-    <p:sldId id="288" r:id="rId42"/>
-    <p:sldId id="313" r:id="rId43"/>
-    <p:sldId id="285" r:id="rId44"/>
-    <p:sldId id="284" r:id="rId45"/>
-    <p:sldId id="298" r:id="rId46"/>
-    <p:sldId id="314" r:id="rId47"/>
-    <p:sldId id="315" r:id="rId48"/>
-    <p:sldId id="262" r:id="rId49"/>
-    <p:sldId id="316" r:id="rId50"/>
-    <p:sldId id="322" r:id="rId51"/>
-    <p:sldId id="317" r:id="rId52"/>
-    <p:sldId id="318" r:id="rId53"/>
-    <p:sldId id="319" r:id="rId54"/>
-    <p:sldId id="320" r:id="rId55"/>
-    <p:sldId id="268" r:id="rId56"/>
-    <p:sldId id="321" r:id="rId57"/>
-    <p:sldId id="323" r:id="rId58"/>
-    <p:sldId id="330" r:id="rId59"/>
-    <p:sldId id="264" r:id="rId60"/>
-    <p:sldId id="271" r:id="rId61"/>
-    <p:sldId id="289" r:id="rId62"/>
-    <p:sldId id="270" r:id="rId63"/>
-    <p:sldId id="324" r:id="rId64"/>
-    <p:sldId id="273" r:id="rId65"/>
-    <p:sldId id="305" r:id="rId66"/>
+    <p:sldId id="335" r:id="rId4"/>
+    <p:sldId id="333" r:id="rId5"/>
+    <p:sldId id="260" r:id="rId6"/>
+    <p:sldId id="287" r:id="rId7"/>
+    <p:sldId id="259" r:id="rId8"/>
+    <p:sldId id="258" r:id="rId9"/>
+    <p:sldId id="263" r:id="rId10"/>
+    <p:sldId id="306" r:id="rId11"/>
+    <p:sldId id="269" r:id="rId12"/>
+    <p:sldId id="292" r:id="rId13"/>
+    <p:sldId id="304" r:id="rId14"/>
+    <p:sldId id="308" r:id="rId15"/>
+    <p:sldId id="309" r:id="rId16"/>
+    <p:sldId id="310" r:id="rId17"/>
+    <p:sldId id="311" r:id="rId18"/>
+    <p:sldId id="312" r:id="rId19"/>
+    <p:sldId id="261" r:id="rId20"/>
+    <p:sldId id="327" r:id="rId21"/>
+    <p:sldId id="272" r:id="rId22"/>
+    <p:sldId id="278" r:id="rId23"/>
+    <p:sldId id="307" r:id="rId24"/>
+    <p:sldId id="280" r:id="rId25"/>
+    <p:sldId id="281" r:id="rId26"/>
+    <p:sldId id="282" r:id="rId27"/>
+    <p:sldId id="293" r:id="rId28"/>
+    <p:sldId id="294" r:id="rId29"/>
+    <p:sldId id="257" r:id="rId30"/>
+    <p:sldId id="279" r:id="rId31"/>
+    <p:sldId id="277" r:id="rId32"/>
+    <p:sldId id="325" r:id="rId33"/>
+    <p:sldId id="299" r:id="rId34"/>
+    <p:sldId id="334" r:id="rId35"/>
+    <p:sldId id="326" r:id="rId36"/>
+    <p:sldId id="328" r:id="rId37"/>
+    <p:sldId id="329" r:id="rId38"/>
+    <p:sldId id="331" r:id="rId39"/>
+    <p:sldId id="276" r:id="rId40"/>
+    <p:sldId id="295" r:id="rId41"/>
+    <p:sldId id="296" r:id="rId42"/>
+    <p:sldId id="288" r:id="rId43"/>
+    <p:sldId id="313" r:id="rId44"/>
+    <p:sldId id="285" r:id="rId45"/>
+    <p:sldId id="284" r:id="rId46"/>
+    <p:sldId id="298" r:id="rId47"/>
+    <p:sldId id="314" r:id="rId48"/>
+    <p:sldId id="315" r:id="rId49"/>
+    <p:sldId id="262" r:id="rId50"/>
+    <p:sldId id="316" r:id="rId51"/>
+    <p:sldId id="322" r:id="rId52"/>
+    <p:sldId id="317" r:id="rId53"/>
+    <p:sldId id="318" r:id="rId54"/>
+    <p:sldId id="319" r:id="rId55"/>
+    <p:sldId id="320" r:id="rId56"/>
+    <p:sldId id="268" r:id="rId57"/>
+    <p:sldId id="321" r:id="rId58"/>
+    <p:sldId id="323" r:id="rId59"/>
+    <p:sldId id="330" r:id="rId60"/>
+    <p:sldId id="264" r:id="rId61"/>
+    <p:sldId id="271" r:id="rId62"/>
+    <p:sldId id="289" r:id="rId63"/>
+    <p:sldId id="270" r:id="rId64"/>
+    <p:sldId id="324" r:id="rId65"/>
+    <p:sldId id="273" r:id="rId66"/>
+    <p:sldId id="305" r:id="rId67"/>
   </p:sldIdLst>
   <p:sldSz cx="12192000" cy="6858000"/>
   <p:notesSz cx="6858000" cy="9144000"/>
@@ -5343,373 +5344,134 @@
       </p:grpSpPr>
       <p:sp>
         <p:nvSpPr>
-          <p:cNvPr id="17409" name="Rectangle 1">
-            <a:extLst>
-              <a:ext uri="{FF2B5EF4-FFF2-40B4-BE49-F238E27FC236}">
-                <a16:creationId xmlns:a16="http://schemas.microsoft.com/office/drawing/2014/main" id="{EFBA1EC0-DCFB-45DD-895E-188A89E0600F}"/>
+          <p:cNvPr id="2" name="Title 1">
+            <a:extLst>
+              <a:ext uri="{FF2B5EF4-FFF2-40B4-BE49-F238E27FC236}">
+                <a16:creationId xmlns:a16="http://schemas.microsoft.com/office/drawing/2014/main" id="{69E614A8-C20A-4D6A-9FF3-EF448EA97747}"/>
               </a:ext>
             </a:extLst>
           </p:cNvPr>
           <p:cNvSpPr>
-            <a:spLocks noGrp="1" noChangeArrowheads="1"/>
+            <a:spLocks noGrp="1"/>
           </p:cNvSpPr>
           <p:nvPr>
             <p:ph type="title"/>
           </p:nvPr>
         </p:nvSpPr>
-        <p:spPr>
-          <a:xfrm>
-            <a:off x="2196072" y="434926"/>
-            <a:ext cx="7808500" cy="1543842"/>
-          </a:xfrm>
-          <a:ln/>
-        </p:spPr>
-        <p:txBody>
-          <a:bodyPr vert="horz" wrap="square" lIns="0" tIns="32005" rIns="0" bIns="0" numCol="1" anchor="ctr" anchorCtr="0" compatLnSpc="1">
-            <a:prstTxWarp prst="textNoShape">
-              <a:avLst/>
-            </a:prstTxWarp>
-          </a:bodyPr>
-          <a:lstStyle/>
-          <a:p>
-            <a:pPr>
-              <a:tabLst>
-                <a:tab pos="656722" algn="l"/>
-                <a:tab pos="1313444" algn="l"/>
-                <a:tab pos="1970166" algn="l"/>
-                <a:tab pos="2626888" algn="l"/>
-                <a:tab pos="3283610" algn="l"/>
-                <a:tab pos="3940332" algn="l"/>
-                <a:tab pos="4597055" algn="l"/>
-                <a:tab pos="5253777" algn="l"/>
-                <a:tab pos="5910499" algn="l"/>
-                <a:tab pos="6567221" algn="l"/>
-                <a:tab pos="7223943" algn="l"/>
-              </a:tabLst>
-            </a:pPr>
-            <a:r>
-              <a:rPr lang="en-GB" altLang="en-US"/>
-              <a:t>Operands can be any of the below</a:t>
-            </a:r>
-            <a:br>
-              <a:rPr lang="en-GB" altLang="en-US"/>
-            </a:br>
-            <a:r>
-              <a:rPr lang="en-GB" altLang="en-US"/>
-              <a:t>in </a:t>
-            </a:r>
-            <a:br>
-              <a:rPr lang="en-GB" altLang="en-US"/>
-            </a:br>
-            <a:r>
-              <a:rPr lang="en-GB" altLang="en-US"/>
-              <a:t>Arithematic</a:t>
-            </a:r>
-          </a:p>
-        </p:txBody>
-      </p:sp>
-      <p:sp>
-        <p:nvSpPr>
-          <p:cNvPr id="17410" name="Rectangle 2">
-            <a:extLst>
-              <a:ext uri="{FF2B5EF4-FFF2-40B4-BE49-F238E27FC236}">
-                <a16:creationId xmlns:a16="http://schemas.microsoft.com/office/drawing/2014/main" id="{BC958854-4D40-4525-B61B-FD5F6D9DCE2C}"/>
-              </a:ext>
-            </a:extLst>
-          </p:cNvPr>
-          <p:cNvSpPr>
-            <a:spLocks noGrp="1" noChangeArrowheads="1"/>
-          </p:cNvSpPr>
-          <p:nvPr>
-            <p:ph type="body" idx="1"/>
-          </p:nvPr>
-        </p:nvSpPr>
-        <p:spPr>
-          <a:xfrm>
-            <a:off x="2269519" y="1939884"/>
-            <a:ext cx="7637122" cy="4320454"/>
-          </a:xfrm>
-          <a:ln/>
-        </p:spPr>
+        <p:spPr/>
         <p:txBody>
           <a:bodyPr/>
           <a:lstStyle/>
           <a:p>
-            <a:pPr marL="456538" indent="-391729">
-              <a:buClr>
-                <a:srgbClr val="99284C"/>
-              </a:buClr>
-              <a:buSzPct val="75000"/>
-              <a:tabLst>
-                <a:tab pos="656722" algn="l"/>
-                <a:tab pos="1313444" algn="l"/>
-                <a:tab pos="1970166" algn="l"/>
-                <a:tab pos="2626888" algn="l"/>
-                <a:tab pos="3283610" algn="l"/>
-                <a:tab pos="3940332" algn="l"/>
-                <a:tab pos="4597055" algn="l"/>
-                <a:tab pos="5253777" algn="l"/>
-                <a:tab pos="5910499" algn="l"/>
-                <a:tab pos="6567221" algn="l"/>
-                <a:tab pos="7223943" algn="l"/>
-              </a:tabLst>
-            </a:pPr>
-            <a:r>
-              <a:rPr lang="en-GB" altLang="en-US"/>
-              <a:t>Adding More Power to Arithematic</a:t>
-            </a:r>
-          </a:p>
-          <a:p>
-            <a:pPr marL="456538" indent="-391729">
-              <a:buClr>
-                <a:srgbClr val="99284C"/>
-              </a:buClr>
-              <a:buSzPct val="75000"/>
-              <a:buFont typeface="Wingdings" panose="05000000000000000000" pitchFamily="2" charset="2"/>
-              <a:buChar char=""/>
-              <a:tabLst>
-                <a:tab pos="656722" algn="l"/>
-                <a:tab pos="1313444" algn="l"/>
-                <a:tab pos="1970166" algn="l"/>
-                <a:tab pos="2626888" algn="l"/>
-                <a:tab pos="3283610" algn="l"/>
-                <a:tab pos="3940332" algn="l"/>
-                <a:tab pos="4597055" algn="l"/>
-                <a:tab pos="5253777" algn="l"/>
-                <a:tab pos="5910499" algn="l"/>
-                <a:tab pos="6567221" algn="l"/>
-                <a:tab pos="7223943" algn="l"/>
-              </a:tabLst>
-            </a:pPr>
-            <a:r>
-              <a:rPr lang="en-GB" altLang="en-US"/>
-              <a:t>      Natural Numbers (N)</a:t>
-            </a:r>
-          </a:p>
-          <a:p>
-            <a:pPr marL="456538" indent="-391729">
-              <a:buClr>
-                <a:srgbClr val="99284C"/>
-              </a:buClr>
-              <a:buSzPct val="75000"/>
-              <a:buFont typeface="Wingdings" panose="05000000000000000000" pitchFamily="2" charset="2"/>
-              <a:buChar char=""/>
-              <a:tabLst>
-                <a:tab pos="656722" algn="l"/>
-                <a:tab pos="1313444" algn="l"/>
-                <a:tab pos="1970166" algn="l"/>
-                <a:tab pos="2626888" algn="l"/>
-                <a:tab pos="3283610" algn="l"/>
-                <a:tab pos="3940332" algn="l"/>
-                <a:tab pos="4597055" algn="l"/>
-                <a:tab pos="5253777" algn="l"/>
-                <a:tab pos="5910499" algn="l"/>
-                <a:tab pos="6567221" algn="l"/>
-                <a:tab pos="7223943" algn="l"/>
-              </a:tabLst>
-            </a:pPr>
-            <a:r>
-              <a:rPr lang="en-GB" altLang="en-US"/>
-              <a:t>      Whole Numbers ( W )</a:t>
-            </a:r>
-          </a:p>
-          <a:p>
-            <a:pPr marL="456538" indent="-391729">
-              <a:buClr>
-                <a:srgbClr val="99284C"/>
-              </a:buClr>
-              <a:buSzPct val="75000"/>
-              <a:buFont typeface="Wingdings" panose="05000000000000000000" pitchFamily="2" charset="2"/>
-              <a:buChar char=""/>
-              <a:tabLst>
-                <a:tab pos="656722" algn="l"/>
-                <a:tab pos="1313444" algn="l"/>
-                <a:tab pos="1970166" algn="l"/>
-                <a:tab pos="2626888" algn="l"/>
-                <a:tab pos="3283610" algn="l"/>
-                <a:tab pos="3940332" algn="l"/>
-                <a:tab pos="4597055" algn="l"/>
-                <a:tab pos="5253777" algn="l"/>
-                <a:tab pos="5910499" algn="l"/>
-                <a:tab pos="6567221" algn="l"/>
-                <a:tab pos="7223943" algn="l"/>
-              </a:tabLst>
-            </a:pPr>
-            <a:r>
-              <a:rPr lang="en-GB" altLang="en-US"/>
-              <a:t>      Integers ( Z )</a:t>
-            </a:r>
-          </a:p>
-          <a:p>
-            <a:pPr marL="456538" indent="-391729">
-              <a:buClr>
-                <a:srgbClr val="99284C"/>
-              </a:buClr>
-              <a:buSzPct val="75000"/>
-              <a:buFont typeface="Wingdings" panose="05000000000000000000" pitchFamily="2" charset="2"/>
-              <a:buChar char=""/>
-              <a:tabLst>
-                <a:tab pos="656722" algn="l"/>
-                <a:tab pos="1313444" algn="l"/>
-                <a:tab pos="1970166" algn="l"/>
-                <a:tab pos="2626888" algn="l"/>
-                <a:tab pos="3283610" algn="l"/>
-                <a:tab pos="3940332" algn="l"/>
-                <a:tab pos="4597055" algn="l"/>
-                <a:tab pos="5253777" algn="l"/>
-                <a:tab pos="5910499" algn="l"/>
-                <a:tab pos="6567221" algn="l"/>
-                <a:tab pos="7223943" algn="l"/>
-              </a:tabLst>
-            </a:pPr>
-            <a:r>
-              <a:rPr lang="en-GB" altLang="en-US"/>
-              <a:t>      Rationals ( Q )</a:t>
-            </a:r>
-          </a:p>
-          <a:p>
-            <a:pPr marL="456538" indent="-391729">
-              <a:buClr>
-                <a:srgbClr val="99284C"/>
-              </a:buClr>
-              <a:buSzPct val="75000"/>
-              <a:buFont typeface="Wingdings" panose="05000000000000000000" pitchFamily="2" charset="2"/>
-              <a:buChar char=""/>
-              <a:tabLst>
-                <a:tab pos="656722" algn="l"/>
-                <a:tab pos="1313444" algn="l"/>
-                <a:tab pos="1970166" algn="l"/>
-                <a:tab pos="2626888" algn="l"/>
-                <a:tab pos="3283610" algn="l"/>
-                <a:tab pos="3940332" algn="l"/>
-                <a:tab pos="4597055" algn="l"/>
-                <a:tab pos="5253777" algn="l"/>
-                <a:tab pos="5910499" algn="l"/>
-                <a:tab pos="6567221" algn="l"/>
-                <a:tab pos="7223943" algn="l"/>
-              </a:tabLst>
-            </a:pPr>
-            <a:r>
-              <a:rPr lang="en-GB" altLang="en-US"/>
-              <a:t>      Reals ( R )</a:t>
-            </a:r>
-          </a:p>
-          <a:p>
-            <a:pPr marL="456538" indent="-391729">
-              <a:buClr>
-                <a:srgbClr val="99284C"/>
-              </a:buClr>
-              <a:buSzPct val="75000"/>
-              <a:buFont typeface="Wingdings" panose="05000000000000000000" pitchFamily="2" charset="2"/>
-              <a:buChar char=""/>
-              <a:tabLst>
-                <a:tab pos="656722" algn="l"/>
-                <a:tab pos="1313444" algn="l"/>
-                <a:tab pos="1970166" algn="l"/>
-                <a:tab pos="2626888" algn="l"/>
-                <a:tab pos="3283610" algn="l"/>
-                <a:tab pos="3940332" algn="l"/>
-                <a:tab pos="4597055" algn="l"/>
-                <a:tab pos="5253777" algn="l"/>
-                <a:tab pos="5910499" algn="l"/>
-                <a:tab pos="6567221" algn="l"/>
-                <a:tab pos="7223943" algn="l"/>
-              </a:tabLst>
-            </a:pPr>
-            <a:r>
-              <a:rPr lang="en-GB" altLang="en-US"/>
-              <a:t>      Complex Numbers (C) </a:t>
-            </a:r>
-          </a:p>
-          <a:p>
-            <a:pPr marL="456538" indent="-391729">
-              <a:buClr>
-                <a:srgbClr val="99284C"/>
-              </a:buClr>
-              <a:buSzPct val="75000"/>
-              <a:buFont typeface="Wingdings" panose="05000000000000000000" pitchFamily="2" charset="2"/>
-              <a:buChar char=""/>
-              <a:tabLst>
-                <a:tab pos="656722" algn="l"/>
-                <a:tab pos="1313444" algn="l"/>
-                <a:tab pos="1970166" algn="l"/>
-                <a:tab pos="2626888" algn="l"/>
-                <a:tab pos="3283610" algn="l"/>
-                <a:tab pos="3940332" algn="l"/>
-                <a:tab pos="4597055" algn="l"/>
-                <a:tab pos="5253777" algn="l"/>
-                <a:tab pos="5910499" algn="l"/>
-                <a:tab pos="6567221" algn="l"/>
-                <a:tab pos="7223943" algn="l"/>
-              </a:tabLst>
-            </a:pPr>
-            <a:r>
-              <a:rPr lang="en-GB" altLang="en-US"/>
-              <a:t>      Quaternions </a:t>
-            </a:r>
-          </a:p>
-          <a:p>
-            <a:pPr marL="456538" indent="-391729">
-              <a:buClr>
-                <a:srgbClr val="99284C"/>
-              </a:buClr>
-              <a:buSzPct val="75000"/>
-              <a:buFont typeface="Wingdings" panose="05000000000000000000" pitchFamily="2" charset="2"/>
-              <a:buChar char=""/>
-              <a:tabLst>
-                <a:tab pos="656722" algn="l"/>
-                <a:tab pos="1313444" algn="l"/>
-                <a:tab pos="1970166" algn="l"/>
-                <a:tab pos="2626888" algn="l"/>
-                <a:tab pos="3283610" algn="l"/>
-                <a:tab pos="3940332" algn="l"/>
-                <a:tab pos="4597055" algn="l"/>
-                <a:tab pos="5253777" algn="l"/>
-                <a:tab pos="5910499" algn="l"/>
-                <a:tab pos="6567221" algn="l"/>
-                <a:tab pos="7223943" algn="l"/>
-              </a:tabLst>
-            </a:pPr>
-            <a:r>
-              <a:rPr lang="en-GB" altLang="en-US"/>
-              <a:t>      Octonions </a:t>
+            <a:r>
+              <a:rPr lang="en-US" dirty="0"/>
+              <a:t>Church Numerals</a:t>
             </a:r>
           </a:p>
         </p:txBody>
       </p:sp>
+      <p:pic>
+        <p:nvPicPr>
+          <p:cNvPr id="5" name="Picture 4">
+            <a:extLst>
+              <a:ext uri="{FF2B5EF4-FFF2-40B4-BE49-F238E27FC236}">
+                <a16:creationId xmlns:a16="http://schemas.microsoft.com/office/drawing/2014/main" id="{597E7630-DD0B-4D3C-9AD8-08B14BA51A6C}"/>
+              </a:ext>
+            </a:extLst>
+          </p:cNvPr>
+          <p:cNvPicPr>
+            <a:picLocks noChangeAspect="1"/>
+          </p:cNvPicPr>
+          <p:nvPr/>
+        </p:nvPicPr>
+        <p:blipFill>
+          <a:blip r:embed="rId2"/>
+          <a:stretch>
+            <a:fillRect/>
+          </a:stretch>
+        </p:blipFill>
+        <p:spPr>
+          <a:xfrm>
+            <a:off x="1385887" y="1778588"/>
+            <a:ext cx="4543425" cy="2286000"/>
+          </a:xfrm>
+          <a:prstGeom prst="rect">
+            <a:avLst/>
+          </a:prstGeom>
+        </p:spPr>
+      </p:pic>
+      <p:pic>
+        <p:nvPicPr>
+          <p:cNvPr id="7" name="Content Placeholder 6">
+            <a:extLst>
+              <a:ext uri="{FF2B5EF4-FFF2-40B4-BE49-F238E27FC236}">
+                <a16:creationId xmlns:a16="http://schemas.microsoft.com/office/drawing/2014/main" id="{153E7F02-13FA-4258-BB63-501FFE36C07A}"/>
+              </a:ext>
+            </a:extLst>
+          </p:cNvPr>
+          <p:cNvPicPr>
+            <a:picLocks noGrp="1" noChangeAspect="1"/>
+          </p:cNvPicPr>
+          <p:nvPr>
+            <p:ph idx="1"/>
+          </p:nvPr>
+        </p:nvPicPr>
+        <p:blipFill>
+          <a:blip r:embed="rId3"/>
+          <a:stretch>
+            <a:fillRect/>
+          </a:stretch>
+        </p:blipFill>
+        <p:spPr>
+          <a:xfrm>
+            <a:off x="5929311" y="1778588"/>
+            <a:ext cx="4876801" cy="2286000"/>
+          </a:xfrm>
+          <a:prstGeom prst="rect">
+            <a:avLst/>
+          </a:prstGeom>
+        </p:spPr>
+      </p:pic>
+      <p:pic>
+        <p:nvPicPr>
+          <p:cNvPr id="8" name="Picture 7">
+            <a:extLst>
+              <a:ext uri="{FF2B5EF4-FFF2-40B4-BE49-F238E27FC236}">
+                <a16:creationId xmlns:a16="http://schemas.microsoft.com/office/drawing/2014/main" id="{610E7897-0CA6-45E2-A5AB-6F7CB8D2892B}"/>
+              </a:ext>
+            </a:extLst>
+          </p:cNvPr>
+          <p:cNvPicPr>
+            <a:picLocks noChangeAspect="1"/>
+          </p:cNvPicPr>
+          <p:nvPr/>
+        </p:nvPicPr>
+        <p:blipFill>
+          <a:blip r:embed="rId4"/>
+          <a:stretch>
+            <a:fillRect/>
+          </a:stretch>
+        </p:blipFill>
+        <p:spPr>
+          <a:xfrm>
+            <a:off x="1385886" y="4064587"/>
+            <a:ext cx="9420226" cy="1815707"/>
+          </a:xfrm>
+          <a:prstGeom prst="rect">
+            <a:avLst/>
+          </a:prstGeom>
+        </p:spPr>
+      </p:pic>
     </p:spTree>
+    <p:extLst>
+      <p:ext uri="{BB962C8B-B14F-4D97-AF65-F5344CB8AC3E}">
+        <p14:creationId xmlns:p14="http://schemas.microsoft.com/office/powerpoint/2010/main" val="3550235388"/>
+      </p:ext>
+    </p:extLst>
   </p:cSld>
   <p:clrMapOvr>
     <a:masterClrMapping/>
   </p:clrMapOvr>
-  <p:transition spd="med"/>
-  <p:timing>
-    <p:tnLst>
-      <p:par>
-        <p:cTn id="1" dur="indefinite" restart="never" nodeType="tmRoot">
-          <p:childTnLst>
-            <p:seq concurrent="1" nextAc="seek">
-              <p:cTn id="2" dur="0" nodeType="mainSeq"/>
-              <p:prevCondLst>
-                <p:cond evt="onPrev" delay="0">
-                  <p:tgtEl>
-                    <p:sldTgt/>
-                  </p:tgtEl>
-                </p:cond>
-              </p:prevCondLst>
-              <p:nextCondLst>
-                <p:cond evt="onNext" delay="0">
-                  <p:tgtEl>
-                    <p:sldTgt/>
-                  </p:tgtEl>
-                </p:cond>
-              </p:nextCondLst>
-            </p:seq>
-          </p:childTnLst>
-        </p:cTn>
-      </p:par>
-    </p:tnLst>
-  </p:timing>
 </p:sld>
 </file>
 
@@ -5732,10 +5494,10 @@
       </p:grpSpPr>
       <p:sp>
         <p:nvSpPr>
-          <p:cNvPr id="12289" name="Rectangle 1">
-            <a:extLst>
-              <a:ext uri="{FF2B5EF4-FFF2-40B4-BE49-F238E27FC236}">
-                <a16:creationId xmlns:a16="http://schemas.microsoft.com/office/drawing/2014/main" id="{142E6369-D493-47C3-A1EE-D5F5E2C5D563}"/>
+          <p:cNvPr id="17409" name="Rectangle 1">
+            <a:extLst>
+              <a:ext uri="{FF2B5EF4-FFF2-40B4-BE49-F238E27FC236}">
+                <a16:creationId xmlns:a16="http://schemas.microsoft.com/office/drawing/2014/main" id="{EFBA1EC0-DCFB-45DD-895E-188A89E0600F}"/>
               </a:ext>
             </a:extLst>
           </p:cNvPr>
@@ -5748,8 +5510,8 @@
         </p:nvSpPr>
         <p:spPr>
           <a:xfrm>
-            <a:off x="2196072" y="635107"/>
-            <a:ext cx="7808500" cy="1144920"/>
+            <a:off x="2196072" y="434926"/>
+            <a:ext cx="7808500" cy="1543842"/>
           </a:xfrm>
           <a:ln/>
         </p:spPr>
@@ -5778,17 +5540,31 @@
             </a:pPr>
             <a:r>
               <a:rPr lang="en-GB" altLang="en-US"/>
-              <a:t>Arithematic Expressions</a:t>
+              <a:t>Operands can be any of the below</a:t>
+            </a:r>
+            <a:br>
+              <a:rPr lang="en-GB" altLang="en-US"/>
+            </a:br>
+            <a:r>
+              <a:rPr lang="en-GB" altLang="en-US"/>
+              <a:t>in </a:t>
+            </a:r>
+            <a:br>
+              <a:rPr lang="en-GB" altLang="en-US"/>
+            </a:br>
+            <a:r>
+              <a:rPr lang="en-GB" altLang="en-US"/>
+              <a:t>Arithematic</a:t>
             </a:r>
           </a:p>
         </p:txBody>
       </p:sp>
       <p:sp>
         <p:nvSpPr>
-          <p:cNvPr id="12290" name="Rectangle 2">
-            <a:extLst>
-              <a:ext uri="{FF2B5EF4-FFF2-40B4-BE49-F238E27FC236}">
-                <a16:creationId xmlns:a16="http://schemas.microsoft.com/office/drawing/2014/main" id="{4E492517-6CFF-4AC9-B70E-37A84692A0D7}"/>
+          <p:cNvPr id="17410" name="Rectangle 2">
+            <a:extLst>
+              <a:ext uri="{FF2B5EF4-FFF2-40B4-BE49-F238E27FC236}">
+                <a16:creationId xmlns:a16="http://schemas.microsoft.com/office/drawing/2014/main" id="{BC958854-4D40-4525-B61B-FD5F6D9DCE2C}"/>
               </a:ext>
             </a:extLst>
           </p:cNvPr>
@@ -5807,12 +5583,33 @@
           <a:ln/>
         </p:spPr>
         <p:txBody>
-          <a:bodyPr vert="horz" wrap="square" lIns="0" tIns="16003" rIns="0" bIns="0" numCol="1" anchor="t" anchorCtr="0" compatLnSpc="1">
-            <a:prstTxWarp prst="textNoShape">
-              <a:avLst/>
-            </a:prstTxWarp>
-          </a:bodyPr>
+          <a:bodyPr/>
           <a:lstStyle/>
+          <a:p>
+            <a:pPr marL="456538" indent="-391729">
+              <a:buClr>
+                <a:srgbClr val="99284C"/>
+              </a:buClr>
+              <a:buSzPct val="75000"/>
+              <a:tabLst>
+                <a:tab pos="656722" algn="l"/>
+                <a:tab pos="1313444" algn="l"/>
+                <a:tab pos="1970166" algn="l"/>
+                <a:tab pos="2626888" algn="l"/>
+                <a:tab pos="3283610" algn="l"/>
+                <a:tab pos="3940332" algn="l"/>
+                <a:tab pos="4597055" algn="l"/>
+                <a:tab pos="5253777" algn="l"/>
+                <a:tab pos="5910499" algn="l"/>
+                <a:tab pos="6567221" algn="l"/>
+                <a:tab pos="7223943" algn="l"/>
+              </a:tabLst>
+            </a:pPr>
+            <a:r>
+              <a:rPr lang="en-GB" altLang="en-US"/>
+              <a:t>Adding More Power to Arithematic</a:t>
+            </a:r>
+          </a:p>
           <a:p>
             <a:pPr marL="456538" indent="-391729">
               <a:buClr>
@@ -5836,8 +5633,8 @@
               </a:tabLst>
             </a:pPr>
             <a:r>
-              <a:rPr lang="en-GB" altLang="en-US" sz="1814"/>
-              <a:t>What is an Expression ?</a:t>
+              <a:rPr lang="en-GB" altLang="en-US"/>
+              <a:t>      Natural Numbers (N)</a:t>
             </a:r>
           </a:p>
           <a:p>
@@ -5863,8 +5660,8 @@
               </a:tabLst>
             </a:pPr>
             <a:r>
-              <a:rPr lang="en-GB" altLang="en-US" sz="1814"/>
-              <a:t> Expression is a chain of operations which are glued together </a:t>
+              <a:rPr lang="en-GB" altLang="en-US"/>
+              <a:t>      Whole Numbers ( W )</a:t>
             </a:r>
           </a:p>
           <a:p>
@@ -5890,8 +5687,8 @@
               </a:tabLst>
             </a:pPr>
             <a:r>
-              <a:rPr lang="en-GB" altLang="en-US" sz="1814"/>
-              <a:t> An Expression consits of Terms , Factors and ( Sub ) Expressions!</a:t>
+              <a:rPr lang="en-GB" altLang="en-US"/>
+              <a:t>      Integers ( Z )</a:t>
             </a:r>
           </a:p>
           <a:p>
@@ -5917,8 +5714,8 @@
               </a:tabLst>
             </a:pPr>
             <a:r>
-              <a:rPr lang="en-GB" altLang="en-US" sz="1814"/>
-              <a:t> Terms are what you add and Factor is what you multiply</a:t>
+              <a:rPr lang="en-GB" altLang="en-US"/>
+              <a:t>      Rationals ( Q )</a:t>
             </a:r>
           </a:p>
           <a:p>
@@ -5944,8 +5741,8 @@
               </a:tabLst>
             </a:pPr>
             <a:r>
-              <a:rPr lang="en-GB" altLang="en-US" sz="1814"/>
-              <a:t>                 Egs :-  (2+3*4 ) = &gt; 2 and 3*4 are terms</a:t>
+              <a:rPr lang="en-GB" altLang="en-US"/>
+              <a:t>      Reals ( R )</a:t>
             </a:r>
           </a:p>
           <a:p>
@@ -5971,8 +5768,8 @@
               </a:tabLst>
             </a:pPr>
             <a:r>
-              <a:rPr lang="en-GB" altLang="en-US" sz="1814"/>
-              <a:t>                             2 is a factor as it is 2*1</a:t>
+              <a:rPr lang="en-GB" altLang="en-US"/>
+              <a:t>      Complex Numbers (C) </a:t>
             </a:r>
           </a:p>
           <a:p>
@@ -5998,31 +5795,9 @@
               </a:tabLst>
             </a:pPr>
             <a:r>
-              <a:rPr lang="en-GB" altLang="en-US" sz="1814"/>
-              <a:t>                             3 and 4 are factors as they are multiplied</a:t>
-            </a:r>
-          </a:p>
-          <a:p>
-            <a:pPr marL="456538" indent="-391729">
-              <a:buClr>
-                <a:srgbClr val="99284C"/>
-              </a:buClr>
-              <a:buSzPct val="75000"/>
-              <a:tabLst>
-                <a:tab pos="656722" algn="l"/>
-                <a:tab pos="1313444" algn="l"/>
-                <a:tab pos="1970166" algn="l"/>
-                <a:tab pos="2626888" algn="l"/>
-                <a:tab pos="3283610" algn="l"/>
-                <a:tab pos="3940332" algn="l"/>
-                <a:tab pos="4597055" algn="l"/>
-                <a:tab pos="5253777" algn="l"/>
-                <a:tab pos="5910499" algn="l"/>
-                <a:tab pos="6567221" algn="l"/>
-                <a:tab pos="7223943" algn="l"/>
-              </a:tabLst>
-            </a:pPr>
-            <a:endParaRPr lang="en-GB" altLang="en-US" sz="1814"/>
+              <a:rPr lang="en-GB" altLang="en-US"/>
+              <a:t>      Quaternions </a:t>
+            </a:r>
           </a:p>
           <a:p>
             <a:pPr marL="456538" indent="-391729">
@@ -6047,145 +5822,13 @@
               </a:tabLst>
             </a:pPr>
             <a:r>
-              <a:rPr lang="en-GB" altLang="en-US" sz="1814"/>
-              <a:t>    The Following Backus Naur Form can express an Expression</a:t>
-            </a:r>
-          </a:p>
-          <a:p>
-            <a:pPr marL="456538" indent="-391729">
-              <a:buClr>
-                <a:srgbClr val="99284C"/>
-              </a:buClr>
-              <a:buSzPct val="75000"/>
-              <a:tabLst>
-                <a:tab pos="656722" algn="l"/>
-                <a:tab pos="1313444" algn="l"/>
-                <a:tab pos="1970166" algn="l"/>
-                <a:tab pos="2626888" algn="l"/>
-                <a:tab pos="3283610" algn="l"/>
-                <a:tab pos="3940332" algn="l"/>
-                <a:tab pos="4597055" algn="l"/>
-                <a:tab pos="5253777" algn="l"/>
-                <a:tab pos="5910499" algn="l"/>
-                <a:tab pos="6567221" algn="l"/>
-                <a:tab pos="7223943" algn="l"/>
-              </a:tabLst>
-            </a:pPr>
-            <a:endParaRPr lang="en-GB" altLang="en-US" sz="1814"/>
-          </a:p>
-          <a:p>
-            <a:pPr marL="456538" indent="-391729">
-              <a:buClr>
-                <a:srgbClr val="99284C"/>
-              </a:buClr>
-              <a:buSzPct val="75000"/>
-              <a:buFont typeface="Wingdings" panose="05000000000000000000" pitchFamily="2" charset="2"/>
-              <a:buChar char=""/>
-              <a:tabLst>
-                <a:tab pos="656722" algn="l"/>
-                <a:tab pos="1313444" algn="l"/>
-                <a:tab pos="1970166" algn="l"/>
-                <a:tab pos="2626888" algn="l"/>
-                <a:tab pos="3283610" algn="l"/>
-                <a:tab pos="3940332" algn="l"/>
-                <a:tab pos="4597055" algn="l"/>
-                <a:tab pos="5253777" algn="l"/>
-                <a:tab pos="5910499" algn="l"/>
-                <a:tab pos="6567221" algn="l"/>
-                <a:tab pos="7223943" algn="l"/>
-              </a:tabLst>
-            </a:pPr>
-            <a:r>
-              <a:rPr lang="en-GB" altLang="en-US" sz="1814"/>
-              <a:t>      &lt;Expr&gt; := &lt;Term&gt; ( + | * ) &lt;Expr&gt;</a:t>
-            </a:r>
-          </a:p>
-          <a:p>
-            <a:pPr marL="456538" indent="-391729">
-              <a:buClr>
-                <a:srgbClr val="99284C"/>
-              </a:buClr>
-              <a:buSzPct val="75000"/>
-              <a:buFont typeface="Wingdings" panose="05000000000000000000" pitchFamily="2" charset="2"/>
-              <a:buChar char=""/>
-              <a:tabLst>
-                <a:tab pos="656722" algn="l"/>
-                <a:tab pos="1313444" algn="l"/>
-                <a:tab pos="1970166" algn="l"/>
-                <a:tab pos="2626888" algn="l"/>
-                <a:tab pos="3283610" algn="l"/>
-                <a:tab pos="3940332" algn="l"/>
-                <a:tab pos="4597055" algn="l"/>
-                <a:tab pos="5253777" algn="l"/>
-                <a:tab pos="5910499" algn="l"/>
-                <a:tab pos="6567221" algn="l"/>
-                <a:tab pos="7223943" algn="l"/>
-              </a:tabLst>
-            </a:pPr>
-            <a:r>
-              <a:rPr lang="en-GB" altLang="en-US" sz="1814"/>
-              <a:t>     &lt;Term&gt; := &lt;Factor&gt; ( * | / ) &lt;Term&gt;</a:t>
-            </a:r>
-          </a:p>
-          <a:p>
-            <a:pPr marL="456538" indent="-391729">
-              <a:buClr>
-                <a:srgbClr val="99284C"/>
-              </a:buClr>
-              <a:buSzPct val="75000"/>
-              <a:buFont typeface="Wingdings" panose="05000000000000000000" pitchFamily="2" charset="2"/>
-              <a:buChar char=""/>
-              <a:tabLst>
-                <a:tab pos="656722" algn="l"/>
-                <a:tab pos="1313444" algn="l"/>
-                <a:tab pos="1970166" algn="l"/>
-                <a:tab pos="2626888" algn="l"/>
-                <a:tab pos="3283610" algn="l"/>
-                <a:tab pos="3940332" algn="l"/>
-                <a:tab pos="4597055" algn="l"/>
-                <a:tab pos="5253777" algn="l"/>
-                <a:tab pos="5910499" algn="l"/>
-                <a:tab pos="6567221" algn="l"/>
-                <a:tab pos="7223943" algn="l"/>
-              </a:tabLst>
-            </a:pPr>
-            <a:r>
-              <a:rPr lang="en-GB" altLang="en-US" sz="1814"/>
-              <a:t>     &lt;Factor&gt; :=  + &lt;Factor&gt; | ( &lt;Expr&gt; ) | &lt;Number&gt; | -&lt;Factor&gt;</a:t>
-            </a:r>
-          </a:p>
-          <a:p>
-            <a:pPr marL="456538" indent="-391729">
-              <a:buClr>
-                <a:srgbClr val="99284C"/>
-              </a:buClr>
-              <a:buSzPct val="75000"/>
-              <a:buFont typeface="Wingdings" panose="05000000000000000000" pitchFamily="2" charset="2"/>
-              <a:buChar char=""/>
-              <a:tabLst>
-                <a:tab pos="656722" algn="l"/>
-                <a:tab pos="1313444" algn="l"/>
-                <a:tab pos="1970166" algn="l"/>
-                <a:tab pos="2626888" algn="l"/>
-                <a:tab pos="3283610" algn="l"/>
-                <a:tab pos="3940332" algn="l"/>
-                <a:tab pos="4597055" algn="l"/>
-                <a:tab pos="5253777" algn="l"/>
-                <a:tab pos="5910499" algn="l"/>
-                <a:tab pos="6567221" algn="l"/>
-                <a:tab pos="7223943" algn="l"/>
-              </a:tabLst>
-            </a:pPr>
-            <a:endParaRPr lang="en-GB" altLang="en-US" sz="1814"/>
+              <a:rPr lang="en-GB" altLang="en-US"/>
+              <a:t>      Octonions </a:t>
+            </a:r>
           </a:p>
         </p:txBody>
       </p:sp>
     </p:spTree>
-    <p:extLst>
-      <p:ext uri="{BB962C8B-B14F-4D97-AF65-F5344CB8AC3E}">
-        <p14:creationId xmlns:p14="http://schemas.microsoft.com/office/powerpoint/2010/main" val="57195253"/>
-      </p:ext>
-    </p:extLst>
   </p:cSld>
   <p:clrMapOvr>
     <a:masterClrMapping/>
@@ -6240,10 +5883,10 @@
       </p:grpSpPr>
       <p:sp>
         <p:nvSpPr>
-          <p:cNvPr id="19457" name="Rectangle 1">
-            <a:extLst>
-              <a:ext uri="{FF2B5EF4-FFF2-40B4-BE49-F238E27FC236}">
-                <a16:creationId xmlns:a16="http://schemas.microsoft.com/office/drawing/2014/main" id="{5B328910-B226-4958-92B0-B2DF5113D41D}"/>
+          <p:cNvPr id="12289" name="Rectangle 1">
+            <a:extLst>
+              <a:ext uri="{FF2B5EF4-FFF2-40B4-BE49-F238E27FC236}">
+                <a16:creationId xmlns:a16="http://schemas.microsoft.com/office/drawing/2014/main" id="{142E6369-D493-47C3-A1EE-D5F5E2C5D563}"/>
               </a:ext>
             </a:extLst>
           </p:cNvPr>
@@ -6286,17 +5929,17 @@
             </a:pPr>
             <a:r>
               <a:rPr lang="en-GB" altLang="en-US"/>
-              <a:t>Mixed Mode Expressions in Arithematic</a:t>
+              <a:t>Arithematic Expressions</a:t>
             </a:r>
           </a:p>
         </p:txBody>
       </p:sp>
       <p:sp>
         <p:nvSpPr>
-          <p:cNvPr id="19458" name="Rectangle 2">
-            <a:extLst>
-              <a:ext uri="{FF2B5EF4-FFF2-40B4-BE49-F238E27FC236}">
-                <a16:creationId xmlns:a16="http://schemas.microsoft.com/office/drawing/2014/main" id="{DB0E9EFD-9B25-49BD-B415-4E64493727BD}"/>
+          <p:cNvPr id="12290" name="Rectangle 2">
+            <a:extLst>
+              <a:ext uri="{FF2B5EF4-FFF2-40B4-BE49-F238E27FC236}">
+                <a16:creationId xmlns:a16="http://schemas.microsoft.com/office/drawing/2014/main" id="{4E492517-6CFF-4AC9-B70E-37A84692A0D7}"/>
               </a:ext>
             </a:extLst>
           </p:cNvPr>
@@ -6315,7 +5958,11 @@
           <a:ln/>
         </p:spPr>
         <p:txBody>
-          <a:bodyPr/>
+          <a:bodyPr vert="horz" wrap="square" lIns="0" tIns="16003" rIns="0" bIns="0" numCol="1" anchor="t" anchorCtr="0" compatLnSpc="1">
+            <a:prstTxWarp prst="textNoShape">
+              <a:avLst/>
+            </a:prstTxWarp>
+          </a:bodyPr>
           <a:lstStyle/>
           <a:p>
             <a:pPr marL="456538" indent="-391729">
@@ -6340,8 +5987,8 @@
               </a:tabLst>
             </a:pPr>
             <a:r>
-              <a:rPr lang="en-GB" altLang="en-US" dirty="0"/>
-              <a:t>We can mix number types in an expressions</a:t>
+              <a:rPr lang="en-GB" altLang="en-US" sz="1814"/>
+              <a:t>What is an Expression ?</a:t>
             </a:r>
           </a:p>
           <a:p>
@@ -6367,8 +6014,8 @@
               </a:tabLst>
             </a:pPr>
             <a:r>
-              <a:rPr lang="en-GB" altLang="en-US" dirty="0"/>
-              <a:t>The necessity of  Casting ( Promotion or Coercion )</a:t>
+              <a:rPr lang="en-GB" altLang="en-US" sz="1814"/>
+              <a:t> Expression is a chain of operations which are glued together </a:t>
             </a:r>
           </a:p>
           <a:p>
@@ -6394,8 +6041,116 @@
               </a:tabLst>
             </a:pPr>
             <a:r>
-              <a:rPr lang="en-GB" altLang="en-US" dirty="0"/>
-              <a:t>E:= C + R =&gt; C + (C)R  ( 0i + R )</a:t>
+              <a:rPr lang="en-GB" altLang="en-US" sz="1814"/>
+              <a:t> An Expression consits of Terms , Factors and ( Sub ) Expressions!</a:t>
+            </a:r>
+          </a:p>
+          <a:p>
+            <a:pPr marL="456538" indent="-391729">
+              <a:buClr>
+                <a:srgbClr val="99284C"/>
+              </a:buClr>
+              <a:buSzPct val="75000"/>
+              <a:buFont typeface="Wingdings" panose="05000000000000000000" pitchFamily="2" charset="2"/>
+              <a:buChar char=""/>
+              <a:tabLst>
+                <a:tab pos="656722" algn="l"/>
+                <a:tab pos="1313444" algn="l"/>
+                <a:tab pos="1970166" algn="l"/>
+                <a:tab pos="2626888" algn="l"/>
+                <a:tab pos="3283610" algn="l"/>
+                <a:tab pos="3940332" algn="l"/>
+                <a:tab pos="4597055" algn="l"/>
+                <a:tab pos="5253777" algn="l"/>
+                <a:tab pos="5910499" algn="l"/>
+                <a:tab pos="6567221" algn="l"/>
+                <a:tab pos="7223943" algn="l"/>
+              </a:tabLst>
+            </a:pPr>
+            <a:r>
+              <a:rPr lang="en-GB" altLang="en-US" sz="1814"/>
+              <a:t> Terms are what you add and Factor is what you multiply</a:t>
+            </a:r>
+          </a:p>
+          <a:p>
+            <a:pPr marL="456538" indent="-391729">
+              <a:buClr>
+                <a:srgbClr val="99284C"/>
+              </a:buClr>
+              <a:buSzPct val="75000"/>
+              <a:buFont typeface="Wingdings" panose="05000000000000000000" pitchFamily="2" charset="2"/>
+              <a:buChar char=""/>
+              <a:tabLst>
+                <a:tab pos="656722" algn="l"/>
+                <a:tab pos="1313444" algn="l"/>
+                <a:tab pos="1970166" algn="l"/>
+                <a:tab pos="2626888" algn="l"/>
+                <a:tab pos="3283610" algn="l"/>
+                <a:tab pos="3940332" algn="l"/>
+                <a:tab pos="4597055" algn="l"/>
+                <a:tab pos="5253777" algn="l"/>
+                <a:tab pos="5910499" algn="l"/>
+                <a:tab pos="6567221" algn="l"/>
+                <a:tab pos="7223943" algn="l"/>
+              </a:tabLst>
+            </a:pPr>
+            <a:r>
+              <a:rPr lang="en-GB" altLang="en-US" sz="1814"/>
+              <a:t>                 Egs :-  (2+3*4 ) = &gt; 2 and 3*4 are terms</a:t>
+            </a:r>
+          </a:p>
+          <a:p>
+            <a:pPr marL="456538" indent="-391729">
+              <a:buClr>
+                <a:srgbClr val="99284C"/>
+              </a:buClr>
+              <a:buSzPct val="75000"/>
+              <a:buFont typeface="Wingdings" panose="05000000000000000000" pitchFamily="2" charset="2"/>
+              <a:buChar char=""/>
+              <a:tabLst>
+                <a:tab pos="656722" algn="l"/>
+                <a:tab pos="1313444" algn="l"/>
+                <a:tab pos="1970166" algn="l"/>
+                <a:tab pos="2626888" algn="l"/>
+                <a:tab pos="3283610" algn="l"/>
+                <a:tab pos="3940332" algn="l"/>
+                <a:tab pos="4597055" algn="l"/>
+                <a:tab pos="5253777" algn="l"/>
+                <a:tab pos="5910499" algn="l"/>
+                <a:tab pos="6567221" algn="l"/>
+                <a:tab pos="7223943" algn="l"/>
+              </a:tabLst>
+            </a:pPr>
+            <a:r>
+              <a:rPr lang="en-GB" altLang="en-US" sz="1814"/>
+              <a:t>                             2 is a factor as it is 2*1</a:t>
+            </a:r>
+          </a:p>
+          <a:p>
+            <a:pPr marL="456538" indent="-391729">
+              <a:buClr>
+                <a:srgbClr val="99284C"/>
+              </a:buClr>
+              <a:buSzPct val="75000"/>
+              <a:buFont typeface="Wingdings" panose="05000000000000000000" pitchFamily="2" charset="2"/>
+              <a:buChar char=""/>
+              <a:tabLst>
+                <a:tab pos="656722" algn="l"/>
+                <a:tab pos="1313444" algn="l"/>
+                <a:tab pos="1970166" algn="l"/>
+                <a:tab pos="2626888" algn="l"/>
+                <a:tab pos="3283610" algn="l"/>
+                <a:tab pos="3940332" algn="l"/>
+                <a:tab pos="4597055" algn="l"/>
+                <a:tab pos="5253777" algn="l"/>
+                <a:tab pos="5910499" algn="l"/>
+                <a:tab pos="6567221" algn="l"/>
+                <a:tab pos="7223943" algn="l"/>
+              </a:tabLst>
+            </a:pPr>
+            <a:r>
+              <a:rPr lang="en-GB" altLang="en-US" sz="1814"/>
+              <a:t>                             3 and 4 are factors as they are multiplied</a:t>
             </a:r>
           </a:p>
           <a:p>
@@ -6418,14 +6173,170 @@
                 <a:tab pos="7223943" algn="l"/>
               </a:tabLst>
             </a:pPr>
-            <a:r>
-              <a:rPr lang="en-GB" altLang="en-US" dirty="0"/>
-              <a:t>      R + N =&gt; R + (R)N</a:t>
-            </a:r>
+            <a:endParaRPr lang="en-GB" altLang="en-US" sz="1814"/>
+          </a:p>
+          <a:p>
+            <a:pPr marL="456538" indent="-391729">
+              <a:buClr>
+                <a:srgbClr val="99284C"/>
+              </a:buClr>
+              <a:buSzPct val="75000"/>
+              <a:buFont typeface="Wingdings" panose="05000000000000000000" pitchFamily="2" charset="2"/>
+              <a:buChar char=""/>
+              <a:tabLst>
+                <a:tab pos="656722" algn="l"/>
+                <a:tab pos="1313444" algn="l"/>
+                <a:tab pos="1970166" algn="l"/>
+                <a:tab pos="2626888" algn="l"/>
+                <a:tab pos="3283610" algn="l"/>
+                <a:tab pos="3940332" algn="l"/>
+                <a:tab pos="4597055" algn="l"/>
+                <a:tab pos="5253777" algn="l"/>
+                <a:tab pos="5910499" algn="l"/>
+                <a:tab pos="6567221" algn="l"/>
+                <a:tab pos="7223943" algn="l"/>
+              </a:tabLst>
+            </a:pPr>
+            <a:r>
+              <a:rPr lang="en-GB" altLang="en-US" sz="1814"/>
+              <a:t>    The Following Backus Naur Form can express an Expression</a:t>
+            </a:r>
+          </a:p>
+          <a:p>
+            <a:pPr marL="456538" indent="-391729">
+              <a:buClr>
+                <a:srgbClr val="99284C"/>
+              </a:buClr>
+              <a:buSzPct val="75000"/>
+              <a:tabLst>
+                <a:tab pos="656722" algn="l"/>
+                <a:tab pos="1313444" algn="l"/>
+                <a:tab pos="1970166" algn="l"/>
+                <a:tab pos="2626888" algn="l"/>
+                <a:tab pos="3283610" algn="l"/>
+                <a:tab pos="3940332" algn="l"/>
+                <a:tab pos="4597055" algn="l"/>
+                <a:tab pos="5253777" algn="l"/>
+                <a:tab pos="5910499" algn="l"/>
+                <a:tab pos="6567221" algn="l"/>
+                <a:tab pos="7223943" algn="l"/>
+              </a:tabLst>
+            </a:pPr>
+            <a:endParaRPr lang="en-GB" altLang="en-US" sz="1814"/>
+          </a:p>
+          <a:p>
+            <a:pPr marL="456538" indent="-391729">
+              <a:buClr>
+                <a:srgbClr val="99284C"/>
+              </a:buClr>
+              <a:buSzPct val="75000"/>
+              <a:buFont typeface="Wingdings" panose="05000000000000000000" pitchFamily="2" charset="2"/>
+              <a:buChar char=""/>
+              <a:tabLst>
+                <a:tab pos="656722" algn="l"/>
+                <a:tab pos="1313444" algn="l"/>
+                <a:tab pos="1970166" algn="l"/>
+                <a:tab pos="2626888" algn="l"/>
+                <a:tab pos="3283610" algn="l"/>
+                <a:tab pos="3940332" algn="l"/>
+                <a:tab pos="4597055" algn="l"/>
+                <a:tab pos="5253777" algn="l"/>
+                <a:tab pos="5910499" algn="l"/>
+                <a:tab pos="6567221" algn="l"/>
+                <a:tab pos="7223943" algn="l"/>
+              </a:tabLst>
+            </a:pPr>
+            <a:r>
+              <a:rPr lang="en-GB" altLang="en-US" sz="1814"/>
+              <a:t>      &lt;Expr&gt; := &lt;Term&gt; ( + | * ) &lt;Expr&gt;</a:t>
+            </a:r>
+          </a:p>
+          <a:p>
+            <a:pPr marL="456538" indent="-391729">
+              <a:buClr>
+                <a:srgbClr val="99284C"/>
+              </a:buClr>
+              <a:buSzPct val="75000"/>
+              <a:buFont typeface="Wingdings" panose="05000000000000000000" pitchFamily="2" charset="2"/>
+              <a:buChar char=""/>
+              <a:tabLst>
+                <a:tab pos="656722" algn="l"/>
+                <a:tab pos="1313444" algn="l"/>
+                <a:tab pos="1970166" algn="l"/>
+                <a:tab pos="2626888" algn="l"/>
+                <a:tab pos="3283610" algn="l"/>
+                <a:tab pos="3940332" algn="l"/>
+                <a:tab pos="4597055" algn="l"/>
+                <a:tab pos="5253777" algn="l"/>
+                <a:tab pos="5910499" algn="l"/>
+                <a:tab pos="6567221" algn="l"/>
+                <a:tab pos="7223943" algn="l"/>
+              </a:tabLst>
+            </a:pPr>
+            <a:r>
+              <a:rPr lang="en-GB" altLang="en-US" sz="1814"/>
+              <a:t>     &lt;Term&gt; := &lt;Factor&gt; ( * | / ) &lt;Term&gt;</a:t>
+            </a:r>
+          </a:p>
+          <a:p>
+            <a:pPr marL="456538" indent="-391729">
+              <a:buClr>
+                <a:srgbClr val="99284C"/>
+              </a:buClr>
+              <a:buSzPct val="75000"/>
+              <a:buFont typeface="Wingdings" panose="05000000000000000000" pitchFamily="2" charset="2"/>
+              <a:buChar char=""/>
+              <a:tabLst>
+                <a:tab pos="656722" algn="l"/>
+                <a:tab pos="1313444" algn="l"/>
+                <a:tab pos="1970166" algn="l"/>
+                <a:tab pos="2626888" algn="l"/>
+                <a:tab pos="3283610" algn="l"/>
+                <a:tab pos="3940332" algn="l"/>
+                <a:tab pos="4597055" algn="l"/>
+                <a:tab pos="5253777" algn="l"/>
+                <a:tab pos="5910499" algn="l"/>
+                <a:tab pos="6567221" algn="l"/>
+                <a:tab pos="7223943" algn="l"/>
+              </a:tabLst>
+            </a:pPr>
+            <a:r>
+              <a:rPr lang="en-GB" altLang="en-US" sz="1814"/>
+              <a:t>     &lt;Factor&gt; :=  + &lt;Factor&gt; | ( &lt;Expr&gt; ) | &lt;Number&gt; | -&lt;Factor&gt;</a:t>
+            </a:r>
+          </a:p>
+          <a:p>
+            <a:pPr marL="456538" indent="-391729">
+              <a:buClr>
+                <a:srgbClr val="99284C"/>
+              </a:buClr>
+              <a:buSzPct val="75000"/>
+              <a:buFont typeface="Wingdings" panose="05000000000000000000" pitchFamily="2" charset="2"/>
+              <a:buChar char=""/>
+              <a:tabLst>
+                <a:tab pos="656722" algn="l"/>
+                <a:tab pos="1313444" algn="l"/>
+                <a:tab pos="1970166" algn="l"/>
+                <a:tab pos="2626888" algn="l"/>
+                <a:tab pos="3283610" algn="l"/>
+                <a:tab pos="3940332" algn="l"/>
+                <a:tab pos="4597055" algn="l"/>
+                <a:tab pos="5253777" algn="l"/>
+                <a:tab pos="5910499" algn="l"/>
+                <a:tab pos="6567221" algn="l"/>
+                <a:tab pos="7223943" algn="l"/>
+              </a:tabLst>
+            </a:pPr>
+            <a:endParaRPr lang="en-GB" altLang="en-US" sz="1814"/>
           </a:p>
         </p:txBody>
       </p:sp>
     </p:spTree>
+    <p:extLst>
+      <p:ext uri="{BB962C8B-B14F-4D97-AF65-F5344CB8AC3E}">
+        <p14:creationId xmlns:p14="http://schemas.microsoft.com/office/powerpoint/2010/main" val="57195253"/>
+      </p:ext>
+    </p:extLst>
   </p:cSld>
   <p:clrMapOvr>
     <a:masterClrMapping/>
@@ -6480,6 +6391,246 @@
       </p:grpSpPr>
       <p:sp>
         <p:nvSpPr>
+          <p:cNvPr id="19457" name="Rectangle 1">
+            <a:extLst>
+              <a:ext uri="{FF2B5EF4-FFF2-40B4-BE49-F238E27FC236}">
+                <a16:creationId xmlns:a16="http://schemas.microsoft.com/office/drawing/2014/main" id="{5B328910-B226-4958-92B0-B2DF5113D41D}"/>
+              </a:ext>
+            </a:extLst>
+          </p:cNvPr>
+          <p:cNvSpPr>
+            <a:spLocks noGrp="1" noChangeArrowheads="1"/>
+          </p:cNvSpPr>
+          <p:nvPr>
+            <p:ph type="title"/>
+          </p:nvPr>
+        </p:nvSpPr>
+        <p:spPr>
+          <a:xfrm>
+            <a:off x="2196072" y="635107"/>
+            <a:ext cx="7808500" cy="1144920"/>
+          </a:xfrm>
+          <a:ln/>
+        </p:spPr>
+        <p:txBody>
+          <a:bodyPr vert="horz" wrap="square" lIns="0" tIns="32005" rIns="0" bIns="0" numCol="1" anchor="ctr" anchorCtr="0" compatLnSpc="1">
+            <a:prstTxWarp prst="textNoShape">
+              <a:avLst/>
+            </a:prstTxWarp>
+          </a:bodyPr>
+          <a:lstStyle/>
+          <a:p>
+            <a:pPr>
+              <a:tabLst>
+                <a:tab pos="656722" algn="l"/>
+                <a:tab pos="1313444" algn="l"/>
+                <a:tab pos="1970166" algn="l"/>
+                <a:tab pos="2626888" algn="l"/>
+                <a:tab pos="3283610" algn="l"/>
+                <a:tab pos="3940332" algn="l"/>
+                <a:tab pos="4597055" algn="l"/>
+                <a:tab pos="5253777" algn="l"/>
+                <a:tab pos="5910499" algn="l"/>
+                <a:tab pos="6567221" algn="l"/>
+                <a:tab pos="7223943" algn="l"/>
+              </a:tabLst>
+            </a:pPr>
+            <a:r>
+              <a:rPr lang="en-GB" altLang="en-US"/>
+              <a:t>Mixed Mode Expressions in Arithematic</a:t>
+            </a:r>
+          </a:p>
+        </p:txBody>
+      </p:sp>
+      <p:sp>
+        <p:nvSpPr>
+          <p:cNvPr id="19458" name="Rectangle 2">
+            <a:extLst>
+              <a:ext uri="{FF2B5EF4-FFF2-40B4-BE49-F238E27FC236}">
+                <a16:creationId xmlns:a16="http://schemas.microsoft.com/office/drawing/2014/main" id="{DB0E9EFD-9B25-49BD-B415-4E64493727BD}"/>
+              </a:ext>
+            </a:extLst>
+          </p:cNvPr>
+          <p:cNvSpPr>
+            <a:spLocks noGrp="1" noChangeArrowheads="1"/>
+          </p:cNvSpPr>
+          <p:nvPr>
+            <p:ph type="body" idx="1"/>
+          </p:nvPr>
+        </p:nvSpPr>
+        <p:spPr>
+          <a:xfrm>
+            <a:off x="2269519" y="1939884"/>
+            <a:ext cx="7637122" cy="4320454"/>
+          </a:xfrm>
+          <a:ln/>
+        </p:spPr>
+        <p:txBody>
+          <a:bodyPr/>
+          <a:lstStyle/>
+          <a:p>
+            <a:pPr marL="456538" indent="-391729">
+              <a:buClr>
+                <a:srgbClr val="99284C"/>
+              </a:buClr>
+              <a:buSzPct val="75000"/>
+              <a:buFont typeface="Wingdings" panose="05000000000000000000" pitchFamily="2" charset="2"/>
+              <a:buChar char=""/>
+              <a:tabLst>
+                <a:tab pos="656722" algn="l"/>
+                <a:tab pos="1313444" algn="l"/>
+                <a:tab pos="1970166" algn="l"/>
+                <a:tab pos="2626888" algn="l"/>
+                <a:tab pos="3283610" algn="l"/>
+                <a:tab pos="3940332" algn="l"/>
+                <a:tab pos="4597055" algn="l"/>
+                <a:tab pos="5253777" algn="l"/>
+                <a:tab pos="5910499" algn="l"/>
+                <a:tab pos="6567221" algn="l"/>
+                <a:tab pos="7223943" algn="l"/>
+              </a:tabLst>
+            </a:pPr>
+            <a:r>
+              <a:rPr lang="en-GB" altLang="en-US" dirty="0"/>
+              <a:t>We can mix number types in an expressions</a:t>
+            </a:r>
+          </a:p>
+          <a:p>
+            <a:pPr marL="456538" indent="-391729">
+              <a:buClr>
+                <a:srgbClr val="99284C"/>
+              </a:buClr>
+              <a:buSzPct val="75000"/>
+              <a:buFont typeface="Wingdings" panose="05000000000000000000" pitchFamily="2" charset="2"/>
+              <a:buChar char=""/>
+              <a:tabLst>
+                <a:tab pos="656722" algn="l"/>
+                <a:tab pos="1313444" algn="l"/>
+                <a:tab pos="1970166" algn="l"/>
+                <a:tab pos="2626888" algn="l"/>
+                <a:tab pos="3283610" algn="l"/>
+                <a:tab pos="3940332" algn="l"/>
+                <a:tab pos="4597055" algn="l"/>
+                <a:tab pos="5253777" algn="l"/>
+                <a:tab pos="5910499" algn="l"/>
+                <a:tab pos="6567221" algn="l"/>
+                <a:tab pos="7223943" algn="l"/>
+              </a:tabLst>
+            </a:pPr>
+            <a:r>
+              <a:rPr lang="en-GB" altLang="en-US" dirty="0"/>
+              <a:t>The necessity of  Casting ( Promotion or Coercion )</a:t>
+            </a:r>
+          </a:p>
+          <a:p>
+            <a:pPr marL="456538" indent="-391729">
+              <a:buClr>
+                <a:srgbClr val="99284C"/>
+              </a:buClr>
+              <a:buSzPct val="75000"/>
+              <a:buFont typeface="Wingdings" panose="05000000000000000000" pitchFamily="2" charset="2"/>
+              <a:buChar char=""/>
+              <a:tabLst>
+                <a:tab pos="656722" algn="l"/>
+                <a:tab pos="1313444" algn="l"/>
+                <a:tab pos="1970166" algn="l"/>
+                <a:tab pos="2626888" algn="l"/>
+                <a:tab pos="3283610" algn="l"/>
+                <a:tab pos="3940332" algn="l"/>
+                <a:tab pos="4597055" algn="l"/>
+                <a:tab pos="5253777" algn="l"/>
+                <a:tab pos="5910499" algn="l"/>
+                <a:tab pos="6567221" algn="l"/>
+                <a:tab pos="7223943" algn="l"/>
+              </a:tabLst>
+            </a:pPr>
+            <a:r>
+              <a:rPr lang="en-GB" altLang="en-US" dirty="0"/>
+              <a:t>E:= C + R =&gt; C + (C)R  ( 0i + R )</a:t>
+            </a:r>
+          </a:p>
+          <a:p>
+            <a:pPr marL="456538" indent="-391729">
+              <a:buClr>
+                <a:srgbClr val="99284C"/>
+              </a:buClr>
+              <a:buSzPct val="75000"/>
+              <a:tabLst>
+                <a:tab pos="656722" algn="l"/>
+                <a:tab pos="1313444" algn="l"/>
+                <a:tab pos="1970166" algn="l"/>
+                <a:tab pos="2626888" algn="l"/>
+                <a:tab pos="3283610" algn="l"/>
+                <a:tab pos="3940332" algn="l"/>
+                <a:tab pos="4597055" algn="l"/>
+                <a:tab pos="5253777" algn="l"/>
+                <a:tab pos="5910499" algn="l"/>
+                <a:tab pos="6567221" algn="l"/>
+                <a:tab pos="7223943" algn="l"/>
+              </a:tabLst>
+            </a:pPr>
+            <a:r>
+              <a:rPr lang="en-GB" altLang="en-US" dirty="0"/>
+              <a:t>      R + N =&gt; R + (R)N</a:t>
+            </a:r>
+          </a:p>
+        </p:txBody>
+      </p:sp>
+    </p:spTree>
+  </p:cSld>
+  <p:clrMapOvr>
+    <a:masterClrMapping/>
+  </p:clrMapOvr>
+  <p:transition spd="med"/>
+  <p:timing>
+    <p:tnLst>
+      <p:par>
+        <p:cTn id="1" dur="indefinite" restart="never" nodeType="tmRoot">
+          <p:childTnLst>
+            <p:seq concurrent="1" nextAc="seek">
+              <p:cTn id="2" dur="0" nodeType="mainSeq"/>
+              <p:prevCondLst>
+                <p:cond evt="onPrev" delay="0">
+                  <p:tgtEl>
+                    <p:sldTgt/>
+                  </p:tgtEl>
+                </p:cond>
+              </p:prevCondLst>
+              <p:nextCondLst>
+                <p:cond evt="onNext" delay="0">
+                  <p:tgtEl>
+                    <p:sldTgt/>
+                  </p:tgtEl>
+                </p:cond>
+              </p:nextCondLst>
+            </p:seq>
+          </p:childTnLst>
+        </p:cTn>
+      </p:par>
+    </p:tnLst>
+  </p:timing>
+</p:sld>
+</file>
+
+<file path=ppt/slides/slide14.xml><?xml version="1.0" encoding="utf-8"?>
+<p:sld xmlns:a="http://schemas.openxmlformats.org/drawingml/2006/main" xmlns:r="http://schemas.openxmlformats.org/officeDocument/2006/relationships" xmlns:p="http://schemas.openxmlformats.org/presentationml/2006/main">
+  <p:cSld>
+    <p:spTree>
+      <p:nvGrpSpPr>
+        <p:cNvPr id="1" name=""/>
+        <p:cNvGrpSpPr/>
+        <p:nvPr/>
+      </p:nvGrpSpPr>
+      <p:grpSpPr>
+        <a:xfrm>
+          <a:off x="0" y="0"/>
+          <a:ext cx="0" cy="0"/>
+          <a:chOff x="0" y="0"/>
+          <a:chExt cx="0" cy="0"/>
+        </a:xfrm>
+      </p:grpSpPr>
+      <p:sp>
+        <p:nvSpPr>
           <p:cNvPr id="2" name="Title 1">
             <a:extLst>
               <a:ext uri="{FF2B5EF4-FFF2-40B4-BE49-F238E27FC236}">
@@ -6551,7 +6702,7 @@
 </p:sld>
 </file>
 
-<file path=ppt/slides/slide14.xml><?xml version="1.0" encoding="utf-8"?>
+<file path=ppt/slides/slide15.xml><?xml version="1.0" encoding="utf-8"?>
 <p:sld xmlns:a="http://schemas.openxmlformats.org/drawingml/2006/main" xmlns:r="http://schemas.openxmlformats.org/officeDocument/2006/relationships" xmlns:p="http://schemas.openxmlformats.org/presentationml/2006/main">
   <p:cSld>
     <p:spTree>
@@ -6641,7 +6792,7 @@
 </p:sld>
 </file>
 
-<file path=ppt/slides/slide15.xml><?xml version="1.0" encoding="utf-8"?>
+<file path=ppt/slides/slide16.xml><?xml version="1.0" encoding="utf-8"?>
 <p:sld xmlns:a="http://schemas.openxmlformats.org/drawingml/2006/main" xmlns:r="http://schemas.openxmlformats.org/officeDocument/2006/relationships" xmlns:p="http://schemas.openxmlformats.org/presentationml/2006/main">
   <p:cSld>
     <p:spTree>
@@ -6731,7 +6882,7 @@
 </p:sld>
 </file>
 
-<file path=ppt/slides/slide16.xml><?xml version="1.0" encoding="utf-8"?>
+<file path=ppt/slides/slide17.xml><?xml version="1.0" encoding="utf-8"?>
 <p:sld xmlns:a="http://schemas.openxmlformats.org/drawingml/2006/main" xmlns:r="http://schemas.openxmlformats.org/officeDocument/2006/relationships" xmlns:p="http://schemas.openxmlformats.org/presentationml/2006/main">
   <p:cSld>
     <p:spTree>
@@ -6821,7 +6972,7 @@
 </p:sld>
 </file>
 
-<file path=ppt/slides/slide17.xml><?xml version="1.0" encoding="utf-8"?>
+<file path=ppt/slides/slide18.xml><?xml version="1.0" encoding="utf-8"?>
 <p:sld xmlns:a="http://schemas.openxmlformats.org/drawingml/2006/main" xmlns:r="http://schemas.openxmlformats.org/officeDocument/2006/relationships" xmlns:p="http://schemas.openxmlformats.org/presentationml/2006/main">
   <p:cSld>
     <p:spTree>
@@ -6909,144 +7060,6 @@
 </p:sld>
 </file>
 
-<file path=ppt/slides/slide18.xml><?xml version="1.0" encoding="utf-8"?>
-<p:sld xmlns:a="http://schemas.openxmlformats.org/drawingml/2006/main" xmlns:r="http://schemas.openxmlformats.org/officeDocument/2006/relationships" xmlns:p="http://schemas.openxmlformats.org/presentationml/2006/main">
-  <p:cSld>
-    <p:spTree>
-      <p:nvGrpSpPr>
-        <p:cNvPr id="1" name=""/>
-        <p:cNvGrpSpPr/>
-        <p:nvPr/>
-      </p:nvGrpSpPr>
-      <p:grpSpPr>
-        <a:xfrm>
-          <a:off x="0" y="0"/>
-          <a:ext cx="0" cy="0"/>
-          <a:chOff x="0" y="0"/>
-          <a:chExt cx="0" cy="0"/>
-        </a:xfrm>
-      </p:grpSpPr>
-      <p:sp>
-        <p:nvSpPr>
-          <p:cNvPr id="2" name="Title 1">
-            <a:extLst>
-              <a:ext uri="{FF2B5EF4-FFF2-40B4-BE49-F238E27FC236}">
-                <a16:creationId xmlns:a16="http://schemas.microsoft.com/office/drawing/2014/main" id="{C5EC1FE5-A9CC-43BE-945F-130ACDAECA48}"/>
-              </a:ext>
-            </a:extLst>
-          </p:cNvPr>
-          <p:cNvSpPr>
-            <a:spLocks noGrp="1"/>
-          </p:cNvSpPr>
-          <p:nvPr>
-            <p:ph type="title"/>
-          </p:nvPr>
-        </p:nvSpPr>
-        <p:spPr/>
-        <p:txBody>
-          <a:bodyPr>
-            <a:normAutofit fontScale="90000"/>
-          </a:bodyPr>
-          <a:lstStyle/>
-          <a:p>
-            <a:r>
-              <a:rPr lang="en-US" dirty="0"/>
-              <a:t>Mathematics has got Unary Operators and Binary Operators . How Operator Composition works?</a:t>
-            </a:r>
-          </a:p>
-        </p:txBody>
-      </p:sp>
-      <p:sp>
-        <p:nvSpPr>
-          <p:cNvPr id="3" name="Content Placeholder 2">
-            <a:extLst>
-              <a:ext uri="{FF2B5EF4-FFF2-40B4-BE49-F238E27FC236}">
-                <a16:creationId xmlns:a16="http://schemas.microsoft.com/office/drawing/2014/main" id="{FB4A1073-6E3F-4580-AE15-41FEC4205011}"/>
-              </a:ext>
-            </a:extLst>
-          </p:cNvPr>
-          <p:cNvSpPr>
-            <a:spLocks noGrp="1"/>
-          </p:cNvSpPr>
-          <p:nvPr>
-            <p:ph idx="1"/>
-          </p:nvPr>
-        </p:nvSpPr>
-        <p:spPr/>
-        <p:txBody>
-          <a:bodyPr/>
-          <a:lstStyle/>
-          <a:p>
-            <a:r>
-              <a:rPr lang="en-US" dirty="0"/>
-              <a:t> + N  and – N are basically Binary Expressions </a:t>
-            </a:r>
-          </a:p>
-          <a:p>
-            <a:pPr lvl="1"/>
-            <a:r>
-              <a:rPr lang="en-US" dirty="0"/>
-              <a:t>+N == o + N</a:t>
-            </a:r>
-          </a:p>
-          <a:p>
-            <a:pPr lvl="1"/>
-            <a:r>
-              <a:rPr lang="en-US" dirty="0"/>
-              <a:t>-N == 0 - N</a:t>
-            </a:r>
-          </a:p>
-          <a:p>
-            <a:r>
-              <a:rPr lang="en-US" dirty="0"/>
-              <a:t>A op N  and  B op  N are Binary Expressions </a:t>
-            </a:r>
-          </a:p>
-          <a:p>
-            <a:r>
-              <a:rPr lang="en-US" dirty="0"/>
-              <a:t> How do Ternary and Higher Order Expression Works ?</a:t>
-            </a:r>
-          </a:p>
-          <a:p>
-            <a:r>
-              <a:rPr lang="en-US" dirty="0"/>
-              <a:t> If an Operator has got Closure, Associativity and Identity Higher Order Expressions can work!</a:t>
-            </a:r>
-          </a:p>
-          <a:p>
-            <a:r>
-              <a:rPr lang="en-US" dirty="0"/>
-              <a:t> a + b + c + d   is  (  ( ( a + b ) + c ) + d )</a:t>
-            </a:r>
-          </a:p>
-          <a:p>
-            <a:pPr marL="457200" lvl="1" indent="0">
-              <a:buNone/>
-            </a:pPr>
-            <a:endParaRPr lang="en-US" dirty="0"/>
-          </a:p>
-          <a:p>
-            <a:pPr marL="457200" lvl="1" indent="0">
-              <a:buNone/>
-            </a:pPr>
-            <a:endParaRPr lang="en-US" dirty="0"/>
-          </a:p>
-        </p:txBody>
-      </p:sp>
-    </p:spTree>
-    <p:extLst>
-      <p:ext uri="{BB962C8B-B14F-4D97-AF65-F5344CB8AC3E}">
-        <p14:creationId xmlns:p14="http://schemas.microsoft.com/office/powerpoint/2010/main" val="1267430535"/>
-      </p:ext>
-    </p:extLst>
-  </p:cSld>
-  <p:clrMapOvr>
-    <a:masterClrMapping/>
-  </p:clrMapOvr>
-</p:sld>
-</file>
-
 <file path=ppt/slides/slide19.xml><?xml version="1.0" encoding="utf-8"?>
 <p:sld xmlns:a="http://schemas.openxmlformats.org/drawingml/2006/main" xmlns:r="http://schemas.openxmlformats.org/officeDocument/2006/relationships" xmlns:p="http://schemas.openxmlformats.org/presentationml/2006/main">
   <p:cSld>
@@ -7069,7 +7082,7 @@
           <p:cNvPr id="2" name="Title 1">
             <a:extLst>
               <a:ext uri="{FF2B5EF4-FFF2-40B4-BE49-F238E27FC236}">
-                <a16:creationId xmlns:a16="http://schemas.microsoft.com/office/drawing/2014/main" id="{F73D7B81-3C72-465D-9AF4-2423B22D10F0}"/>
+                <a16:creationId xmlns:a16="http://schemas.microsoft.com/office/drawing/2014/main" id="{C5EC1FE5-A9CC-43BE-945F-130ACDAECA48}"/>
               </a:ext>
             </a:extLst>
           </p:cNvPr>
@@ -7078,6 +7091,36 @@
           </p:cNvSpPr>
           <p:nvPr>
             <p:ph type="title"/>
+          </p:nvPr>
+        </p:nvSpPr>
+        <p:spPr/>
+        <p:txBody>
+          <a:bodyPr>
+            <a:normAutofit fontScale="90000"/>
+          </a:bodyPr>
+          <a:lstStyle/>
+          <a:p>
+            <a:r>
+              <a:rPr lang="en-US" dirty="0"/>
+              <a:t>Mathematics has got Unary Operators and Binary Operators . How Operator Composition works?</a:t>
+            </a:r>
+          </a:p>
+        </p:txBody>
+      </p:sp>
+      <p:sp>
+        <p:nvSpPr>
+          <p:cNvPr id="3" name="Content Placeholder 2">
+            <a:extLst>
+              <a:ext uri="{FF2B5EF4-FFF2-40B4-BE49-F238E27FC236}">
+                <a16:creationId xmlns:a16="http://schemas.microsoft.com/office/drawing/2014/main" id="{FB4A1073-6E3F-4580-AE15-41FEC4205011}"/>
+              </a:ext>
+            </a:extLst>
+          </p:cNvPr>
+          <p:cNvSpPr>
+            <a:spLocks noGrp="1"/>
+          </p:cNvSpPr>
+          <p:nvPr>
+            <p:ph idx="1"/>
           </p:nvPr>
         </p:nvSpPr>
         <p:spPr/>
@@ -7087,135 +7130,57 @@
           <a:p>
             <a:r>
               <a:rPr lang="en-US" dirty="0"/>
-              <a:t>Want to Learn Compiler Construction?</a:t>
-            </a:r>
-          </a:p>
-        </p:txBody>
-      </p:sp>
-      <p:sp>
-        <p:nvSpPr>
-          <p:cNvPr id="3" name="Content Placeholder 2">
-            <a:extLst>
-              <a:ext uri="{FF2B5EF4-FFF2-40B4-BE49-F238E27FC236}">
-                <a16:creationId xmlns:a16="http://schemas.microsoft.com/office/drawing/2014/main" id="{5F5AF23D-ED7B-4055-8696-0DB9ECB2AFFB}"/>
-              </a:ext>
-            </a:extLst>
-          </p:cNvPr>
-          <p:cNvSpPr>
-            <a:spLocks noGrp="1"/>
-          </p:cNvSpPr>
-          <p:nvPr>
-            <p:ph idx="1"/>
-          </p:nvPr>
-        </p:nvSpPr>
-        <p:spPr/>
-        <p:txBody>
-          <a:bodyPr/>
-          <a:lstStyle/>
-          <a:p>
-            <a:pPr marL="457200" indent="-457200">
-              <a:buFont typeface="Arial" panose="020B0604020202020204" pitchFamily="34" charset="0"/>
-              <a:buChar char="•"/>
+              <a:t> + N  and – N are basically Binary Expressions </a:t>
+            </a:r>
+          </a:p>
+          <a:p>
+            <a:pPr lvl="1"/>
+            <a:r>
+              <a:rPr lang="en-US" dirty="0"/>
+              <a:t>+N == o + N</a:t>
+            </a:r>
+          </a:p>
+          <a:p>
+            <a:pPr lvl="1"/>
+            <a:r>
+              <a:rPr lang="en-US" dirty="0"/>
+              <a:t>-N == 0 - N</a:t>
+            </a:r>
+          </a:p>
+          <a:p>
+            <a:r>
+              <a:rPr lang="en-US" dirty="0"/>
+              <a:t>A op N  and  B op  N are Binary Expressions </a:t>
+            </a:r>
+          </a:p>
+          <a:p>
+            <a:r>
+              <a:rPr lang="en-US" dirty="0"/>
+              <a:t> How do Ternary and Higher Order Expression Works ?</a:t>
+            </a:r>
+          </a:p>
+          <a:p>
+            <a:r>
+              <a:rPr lang="en-US" dirty="0"/>
+              <a:t> If an Operator has got Closure, Associativity and Identity Higher Order Expressions can work!</a:t>
+            </a:r>
+          </a:p>
+          <a:p>
+            <a:r>
+              <a:rPr lang="en-US" dirty="0"/>
+              <a:t> a + b + c + d   is  (  ( ( a + b ) + c ) + d )</a:t>
+            </a:r>
+          </a:p>
+          <a:p>
+            <a:pPr marL="457200" lvl="1" indent="0">
+              <a:buNone/>
             </a:pPr>
-            <a:r>
-              <a:rPr lang="en-US" dirty="0"/>
-              <a:t>Check </a:t>
-            </a:r>
-            <a:r>
-              <a:rPr lang="en-US" dirty="0" err="1"/>
-              <a:t>SlangForDotnet</a:t>
-            </a:r>
-            <a:r>
-              <a:rPr lang="en-US" dirty="0"/>
-              <a:t> </a:t>
-            </a:r>
-          </a:p>
-          <a:p>
-            <a:pPr marL="1183051" lvl="2" indent="-457200">
-              <a:buFont typeface="Arial" panose="020B0604020202020204" pitchFamily="34" charset="0"/>
-              <a:buChar char="•"/>
+            <a:endParaRPr lang="en-US" dirty="0"/>
+          </a:p>
+          <a:p>
+            <a:pPr marL="457200" lvl="1" indent="0">
+              <a:buNone/>
             </a:pPr>
-            <a:r>
-              <a:rPr lang="en-US" b="1" dirty="0">
-                <a:solidFill>
-                  <a:srgbClr val="FF0000"/>
-                </a:solidFill>
-                <a:hlinkClick r:id="rId2">
-                  <a:extLst>
-                    <a:ext uri="{A12FA001-AC4F-418D-AE19-62706E023703}">
-                      <ahyp:hlinkClr xmlns:ahyp="http://schemas.microsoft.com/office/drawing/2018/hyperlinkcolor" val="tx"/>
-                    </a:ext>
-                  </a:extLst>
-                </a:hlinkClick>
-              </a:rPr>
-              <a:t>https://github.com/praseedpai/SlangForDotNet</a:t>
-            </a:r>
-            <a:endParaRPr lang="en-US" b="1" dirty="0">
-              <a:solidFill>
-                <a:srgbClr val="FF0000"/>
-              </a:solidFill>
-            </a:endParaRPr>
-          </a:p>
-          <a:p>
-            <a:pPr marL="457200" indent="-457200">
-              <a:buFont typeface="Arial" panose="020B0604020202020204" pitchFamily="34" charset="0"/>
-              <a:buChar char="•"/>
-            </a:pPr>
-            <a:r>
-              <a:rPr lang="en-US" dirty="0"/>
-              <a:t>An Electronic Book titled , “The Art of Compiler Construction” included as part of the resource kit</a:t>
-            </a:r>
-          </a:p>
-          <a:p>
-            <a:pPr marL="457200" indent="-457200">
-              <a:buFont typeface="Arial" panose="020B0604020202020204" pitchFamily="34" charset="0"/>
-              <a:buChar char="•"/>
-            </a:pPr>
-            <a:r>
-              <a:rPr lang="en-US" dirty="0"/>
-              <a:t>A Seven Step Iterative Approach</a:t>
-            </a:r>
-          </a:p>
-          <a:p>
-            <a:pPr marL="457200" indent="-457200">
-              <a:buFont typeface="Arial" panose="020B0604020202020204" pitchFamily="34" charset="0"/>
-              <a:buChar char="•"/>
-            </a:pPr>
-            <a:r>
-              <a:rPr lang="en-US" dirty="0"/>
-              <a:t>A One Pass Compiler with Support for if/</a:t>
-            </a:r>
-            <a:r>
-              <a:rPr lang="en-US" dirty="0" err="1"/>
-              <a:t>else,while,recursive</a:t>
-            </a:r>
-            <a:r>
-              <a:rPr lang="en-US" dirty="0"/>
-              <a:t> functions</a:t>
-            </a:r>
-          </a:p>
-          <a:p>
-            <a:pPr marL="457200" indent="-457200">
-              <a:buFont typeface="Arial" panose="020B0604020202020204" pitchFamily="34" charset="0"/>
-              <a:buChar char="•"/>
-            </a:pPr>
-            <a:r>
-              <a:rPr lang="en-US" dirty="0"/>
-              <a:t>A Tree Walking Interpreter and IL Code Generator included</a:t>
-            </a:r>
-          </a:p>
-          <a:p>
-            <a:pPr marL="457200" indent="-457200">
-              <a:buFont typeface="Arial" panose="020B0604020202020204" pitchFamily="34" charset="0"/>
-              <a:buChar char="•"/>
-            </a:pPr>
-            <a:r>
-              <a:rPr lang="en-US" dirty="0"/>
-              <a:t>Has been ported to Java, Python, C++ and JavaScript</a:t>
-            </a:r>
-          </a:p>
-          <a:p>
-            <a:pPr marL="0" indent="0"/>
             <a:endParaRPr lang="en-US" dirty="0"/>
           </a:p>
         </p:txBody>
@@ -7223,7 +7188,7 @@
     </p:spTree>
     <p:extLst>
       <p:ext uri="{BB962C8B-B14F-4D97-AF65-F5344CB8AC3E}">
-        <p14:creationId xmlns:p14="http://schemas.microsoft.com/office/powerpoint/2010/main" val="1281418035"/>
+        <p14:creationId xmlns:p14="http://schemas.microsoft.com/office/powerpoint/2010/main" val="1267430535"/>
       </p:ext>
     </p:extLst>
   </p:cSld>
@@ -7674,306 +7639,170 @@
       </p:grpSpPr>
       <p:sp>
         <p:nvSpPr>
-          <p:cNvPr id="20481" name="Rectangle 1">
-            <a:extLst>
-              <a:ext uri="{FF2B5EF4-FFF2-40B4-BE49-F238E27FC236}">
-                <a16:creationId xmlns:a16="http://schemas.microsoft.com/office/drawing/2014/main" id="{7E24E3D3-3187-44F7-91B6-BD1FD2348CD9}"/>
+          <p:cNvPr id="2" name="Title 1">
+            <a:extLst>
+              <a:ext uri="{FF2B5EF4-FFF2-40B4-BE49-F238E27FC236}">
+                <a16:creationId xmlns:a16="http://schemas.microsoft.com/office/drawing/2014/main" id="{F73D7B81-3C72-465D-9AF4-2423B22D10F0}"/>
               </a:ext>
             </a:extLst>
           </p:cNvPr>
           <p:cNvSpPr>
-            <a:spLocks noGrp="1" noChangeArrowheads="1"/>
+            <a:spLocks noGrp="1"/>
           </p:cNvSpPr>
           <p:nvPr>
             <p:ph type="title"/>
           </p:nvPr>
         </p:nvSpPr>
-        <p:spPr>
-          <a:xfrm>
-            <a:off x="2196072" y="635107"/>
-            <a:ext cx="7808500" cy="1144920"/>
-          </a:xfrm>
-          <a:ln/>
-        </p:spPr>
+        <p:spPr/>
         <p:txBody>
-          <a:bodyPr vert="horz" wrap="square" lIns="0" tIns="32005" rIns="0" bIns="0" numCol="1" anchor="ctr" anchorCtr="0" compatLnSpc="1">
-            <a:prstTxWarp prst="textNoShape">
-              <a:avLst/>
-            </a:prstTxWarp>
-          </a:bodyPr>
+          <a:bodyPr/>
           <a:lstStyle/>
           <a:p>
-            <a:pPr marL="325481" indent="-325481">
-              <a:buSzPct val="45000"/>
-              <a:tabLst>
-                <a:tab pos="656722" algn="l"/>
-                <a:tab pos="1313444" algn="l"/>
-                <a:tab pos="1970166" algn="l"/>
-                <a:tab pos="2626888" algn="l"/>
-                <a:tab pos="3283610" algn="l"/>
-                <a:tab pos="3940332" algn="l"/>
-                <a:tab pos="4597055" algn="l"/>
-                <a:tab pos="5253777" algn="l"/>
-                <a:tab pos="5910499" algn="l"/>
-                <a:tab pos="6567221" algn="l"/>
-                <a:tab pos="7223943" algn="l"/>
-              </a:tabLst>
-            </a:pPr>
-            <a:r>
-              <a:rPr lang="en-GB" altLang="en-US"/>
-              <a:t>Properties of Arithematic Operators</a:t>
+            <a:r>
+              <a:rPr lang="en-US" dirty="0"/>
+              <a:t>Want to Learn Compiler Construction?</a:t>
             </a:r>
           </a:p>
         </p:txBody>
       </p:sp>
       <p:sp>
         <p:nvSpPr>
-          <p:cNvPr id="20482" name="Rectangle 2">
-            <a:extLst>
-              <a:ext uri="{FF2B5EF4-FFF2-40B4-BE49-F238E27FC236}">
-                <a16:creationId xmlns:a16="http://schemas.microsoft.com/office/drawing/2014/main" id="{1396CA15-85A4-48DD-9A6B-6C132BE37F97}"/>
+          <p:cNvPr id="3" name="Content Placeholder 2">
+            <a:extLst>
+              <a:ext uri="{FF2B5EF4-FFF2-40B4-BE49-F238E27FC236}">
+                <a16:creationId xmlns:a16="http://schemas.microsoft.com/office/drawing/2014/main" id="{5F5AF23D-ED7B-4055-8696-0DB9ECB2AFFB}"/>
               </a:ext>
             </a:extLst>
           </p:cNvPr>
           <p:cNvSpPr>
-            <a:spLocks noGrp="1" noChangeArrowheads="1"/>
+            <a:spLocks noGrp="1"/>
           </p:cNvSpPr>
           <p:nvPr>
-            <p:ph type="body" idx="1"/>
+            <p:ph idx="1"/>
           </p:nvPr>
         </p:nvSpPr>
-        <p:spPr>
-          <a:xfrm>
-            <a:off x="2269519" y="1939884"/>
-            <a:ext cx="7637122" cy="4320454"/>
-          </a:xfrm>
-          <a:ln/>
-        </p:spPr>
+        <p:spPr/>
         <p:txBody>
           <a:bodyPr/>
           <a:lstStyle/>
           <a:p>
-            <a:pPr marL="456538" indent="-391729">
-              <a:buClr>
-                <a:srgbClr val="99284C"/>
-              </a:buClr>
-              <a:buSzPct val="75000"/>
-              <a:tabLst>
-                <a:tab pos="656722" algn="l"/>
-                <a:tab pos="1313444" algn="l"/>
-                <a:tab pos="1970166" algn="l"/>
-                <a:tab pos="2626888" algn="l"/>
-                <a:tab pos="3283610" algn="l"/>
-                <a:tab pos="3940332" algn="l"/>
-                <a:tab pos="4597055" algn="l"/>
-                <a:tab pos="5253777" algn="l"/>
-                <a:tab pos="5910499" algn="l"/>
-                <a:tab pos="6567221" algn="l"/>
-                <a:tab pos="7223943" algn="l"/>
-              </a:tabLst>
+            <a:pPr marL="457200" indent="-457200">
+              <a:buFont typeface="Arial" panose="020B0604020202020204" pitchFamily="34" charset="0"/>
+              <a:buChar char="•"/>
             </a:pPr>
             <a:r>
-              <a:rPr lang="en-GB" altLang="en-US"/>
-              <a:t>A Good Operator(s) should have</a:t>
-            </a:r>
-          </a:p>
-          <a:p>
-            <a:pPr marL="456538" indent="-391729">
-              <a:buClr>
-                <a:srgbClr val="99284C"/>
-              </a:buClr>
-              <a:buSzPct val="75000"/>
-              <a:buFont typeface="Wingdings" panose="05000000000000000000" pitchFamily="2" charset="2"/>
-              <a:buChar char=""/>
-              <a:tabLst>
-                <a:tab pos="656722" algn="l"/>
-                <a:tab pos="1313444" algn="l"/>
-                <a:tab pos="1970166" algn="l"/>
-                <a:tab pos="2626888" algn="l"/>
-                <a:tab pos="3283610" algn="l"/>
-                <a:tab pos="3940332" algn="l"/>
-                <a:tab pos="4597055" algn="l"/>
-                <a:tab pos="5253777" algn="l"/>
-                <a:tab pos="5910499" algn="l"/>
-                <a:tab pos="6567221" algn="l"/>
-                <a:tab pos="7223943" algn="l"/>
-              </a:tabLst>
+              <a:rPr lang="en-US" dirty="0"/>
+              <a:t>Check </a:t>
+            </a:r>
+            <a:r>
+              <a:rPr lang="en-US" dirty="0" err="1"/>
+              <a:t>SlangForDotnet</a:t>
+            </a:r>
+            <a:r>
+              <a:rPr lang="en-US" dirty="0"/>
+              <a:t> </a:t>
+            </a:r>
+          </a:p>
+          <a:p>
+            <a:pPr marL="1183051" lvl="2" indent="-457200">
+              <a:buFont typeface="Arial" panose="020B0604020202020204" pitchFamily="34" charset="0"/>
+              <a:buChar char="•"/>
             </a:pPr>
             <a:r>
-              <a:rPr lang="en-GB" altLang="en-US"/>
-              <a:t>      Associativity</a:t>
-            </a:r>
-          </a:p>
-          <a:p>
-            <a:pPr marL="456538" indent="-391729">
-              <a:buClr>
-                <a:srgbClr val="99284C"/>
-              </a:buClr>
-              <a:buSzPct val="75000"/>
-              <a:buFont typeface="Wingdings" panose="05000000000000000000" pitchFamily="2" charset="2"/>
-              <a:buChar char=""/>
-              <a:tabLst>
-                <a:tab pos="656722" algn="l"/>
-                <a:tab pos="1313444" algn="l"/>
-                <a:tab pos="1970166" algn="l"/>
-                <a:tab pos="2626888" algn="l"/>
-                <a:tab pos="3283610" algn="l"/>
-                <a:tab pos="3940332" algn="l"/>
-                <a:tab pos="4597055" algn="l"/>
-                <a:tab pos="5253777" algn="l"/>
-                <a:tab pos="5910499" algn="l"/>
-                <a:tab pos="6567221" algn="l"/>
-                <a:tab pos="7223943" algn="l"/>
-              </a:tabLst>
+              <a:rPr lang="en-US" b="1" dirty="0">
+                <a:solidFill>
+                  <a:srgbClr val="FF0000"/>
+                </a:solidFill>
+                <a:hlinkClick r:id="rId2">
+                  <a:extLst>
+                    <a:ext uri="{A12FA001-AC4F-418D-AE19-62706E023703}">
+                      <ahyp:hlinkClr xmlns:ahyp="http://schemas.microsoft.com/office/drawing/2018/hyperlinkcolor" val="tx"/>
+                    </a:ext>
+                  </a:extLst>
+                </a:hlinkClick>
+              </a:rPr>
+              <a:t>https://github.com/praseedpai/SlangForDotNet</a:t>
+            </a:r>
+            <a:endParaRPr lang="en-US" b="1" dirty="0">
+              <a:solidFill>
+                <a:srgbClr val="FF0000"/>
+              </a:solidFill>
+            </a:endParaRPr>
+          </a:p>
+          <a:p>
+            <a:pPr marL="457200" indent="-457200">
+              <a:buFont typeface="Arial" panose="020B0604020202020204" pitchFamily="34" charset="0"/>
+              <a:buChar char="•"/>
             </a:pPr>
             <a:r>
-              <a:rPr lang="en-GB" altLang="en-US"/>
-              <a:t>      Commutativity</a:t>
-            </a:r>
-          </a:p>
-          <a:p>
-            <a:pPr marL="456538" indent="-391729">
-              <a:buClr>
-                <a:srgbClr val="99284C"/>
-              </a:buClr>
-              <a:buSzPct val="75000"/>
-              <a:buFont typeface="Wingdings" panose="05000000000000000000" pitchFamily="2" charset="2"/>
-              <a:buChar char=""/>
-              <a:tabLst>
-                <a:tab pos="656722" algn="l"/>
-                <a:tab pos="1313444" algn="l"/>
-                <a:tab pos="1970166" algn="l"/>
-                <a:tab pos="2626888" algn="l"/>
-                <a:tab pos="3283610" algn="l"/>
-                <a:tab pos="3940332" algn="l"/>
-                <a:tab pos="4597055" algn="l"/>
-                <a:tab pos="5253777" algn="l"/>
-                <a:tab pos="5910499" algn="l"/>
-                <a:tab pos="6567221" algn="l"/>
-                <a:tab pos="7223943" algn="l"/>
-              </a:tabLst>
+              <a:rPr lang="en-US" dirty="0"/>
+              <a:t>An Electronic Book titled , “The Art of Compiler Construction” included as part of the resource kit</a:t>
+            </a:r>
+          </a:p>
+          <a:p>
+            <a:pPr marL="457200" indent="-457200">
+              <a:buFont typeface="Arial" panose="020B0604020202020204" pitchFamily="34" charset="0"/>
+              <a:buChar char="•"/>
             </a:pPr>
             <a:r>
-              <a:rPr lang="en-GB" altLang="en-US"/>
-              <a:t>      Closure (Type of Result does matter)</a:t>
-            </a:r>
-          </a:p>
-          <a:p>
-            <a:pPr marL="456538" indent="-391729">
-              <a:buClr>
-                <a:srgbClr val="99284C"/>
-              </a:buClr>
-              <a:buSzPct val="75000"/>
-              <a:buFont typeface="Wingdings" panose="05000000000000000000" pitchFamily="2" charset="2"/>
-              <a:buChar char=""/>
-              <a:tabLst>
-                <a:tab pos="656722" algn="l"/>
-                <a:tab pos="1313444" algn="l"/>
-                <a:tab pos="1970166" algn="l"/>
-                <a:tab pos="2626888" algn="l"/>
-                <a:tab pos="3283610" algn="l"/>
-                <a:tab pos="3940332" algn="l"/>
-                <a:tab pos="4597055" algn="l"/>
-                <a:tab pos="5253777" algn="l"/>
-                <a:tab pos="5910499" algn="l"/>
-                <a:tab pos="6567221" algn="l"/>
-                <a:tab pos="7223943" algn="l"/>
-              </a:tabLst>
+              <a:rPr lang="en-US" dirty="0"/>
+              <a:t>A Seven Step Iterative Approach</a:t>
+            </a:r>
+          </a:p>
+          <a:p>
+            <a:pPr marL="457200" indent="-457200">
+              <a:buFont typeface="Arial" panose="020B0604020202020204" pitchFamily="34" charset="0"/>
+              <a:buChar char="•"/>
             </a:pPr>
             <a:r>
-              <a:rPr lang="en-GB" altLang="en-US"/>
-              <a:t>      Distributivity (Two ops in an Expression)</a:t>
-            </a:r>
-          </a:p>
-          <a:p>
-            <a:pPr marL="456538" indent="-391729">
-              <a:buClr>
-                <a:srgbClr val="99284C"/>
-              </a:buClr>
-              <a:buSzPct val="75000"/>
-              <a:buFont typeface="Wingdings" panose="05000000000000000000" pitchFamily="2" charset="2"/>
-              <a:buChar char=""/>
-              <a:tabLst>
-                <a:tab pos="656722" algn="l"/>
-                <a:tab pos="1313444" algn="l"/>
-                <a:tab pos="1970166" algn="l"/>
-                <a:tab pos="2626888" algn="l"/>
-                <a:tab pos="3283610" algn="l"/>
-                <a:tab pos="3940332" algn="l"/>
-                <a:tab pos="4597055" algn="l"/>
-                <a:tab pos="5253777" algn="l"/>
-                <a:tab pos="5910499" algn="l"/>
-                <a:tab pos="6567221" algn="l"/>
-                <a:tab pos="7223943" algn="l"/>
-              </a:tabLst>
+              <a:rPr lang="en-US" dirty="0"/>
+              <a:t>A One Pass Compiler with Support for if/</a:t>
+            </a:r>
+            <a:r>
+              <a:rPr lang="en-US" dirty="0" err="1"/>
+              <a:t>else,while,recursive</a:t>
+            </a:r>
+            <a:r>
+              <a:rPr lang="en-US" dirty="0"/>
+              <a:t> functions</a:t>
+            </a:r>
+          </a:p>
+          <a:p>
+            <a:pPr marL="457200" indent="-457200">
+              <a:buFont typeface="Arial" panose="020B0604020202020204" pitchFamily="34" charset="0"/>
+              <a:buChar char="•"/>
             </a:pPr>
             <a:r>
-              <a:rPr lang="en-GB" altLang="en-US"/>
-              <a:t>      Inverse Element (Additive/Multiplicative)</a:t>
-            </a:r>
-          </a:p>
-          <a:p>
-            <a:pPr marL="456538" indent="-391729">
-              <a:buClr>
-                <a:srgbClr val="99284C"/>
-              </a:buClr>
-              <a:buSzPct val="75000"/>
-              <a:buFont typeface="Wingdings" panose="05000000000000000000" pitchFamily="2" charset="2"/>
-              <a:buChar char=""/>
-              <a:tabLst>
-                <a:tab pos="656722" algn="l"/>
-                <a:tab pos="1313444" algn="l"/>
-                <a:tab pos="1970166" algn="l"/>
-                <a:tab pos="2626888" algn="l"/>
-                <a:tab pos="3283610" algn="l"/>
-                <a:tab pos="3940332" algn="l"/>
-                <a:tab pos="4597055" algn="l"/>
-                <a:tab pos="5253777" algn="l"/>
-                <a:tab pos="5910499" algn="l"/>
-                <a:tab pos="6567221" algn="l"/>
-                <a:tab pos="7223943" algn="l"/>
-              </a:tabLst>
+              <a:rPr lang="en-US" dirty="0"/>
+              <a:t>A Tree Walking Interpreter and IL Code Generator included</a:t>
+            </a:r>
+          </a:p>
+          <a:p>
+            <a:pPr marL="457200" indent="-457200">
+              <a:buFont typeface="Arial" panose="020B0604020202020204" pitchFamily="34" charset="0"/>
+              <a:buChar char="•"/>
             </a:pPr>
             <a:r>
-              <a:rPr lang="en-GB" altLang="en-US"/>
-              <a:t>      Identity Element ( 0 | 1 | “” )</a:t>
-            </a:r>
+              <a:rPr lang="en-US" dirty="0"/>
+              <a:t>Has been ported to Java, Python, C++ and JavaScript</a:t>
+            </a:r>
+          </a:p>
+          <a:p>
+            <a:pPr marL="0" indent="0"/>
+            <a:endParaRPr lang="en-US" dirty="0"/>
           </a:p>
         </p:txBody>
       </p:sp>
     </p:spTree>
+    <p:extLst>
+      <p:ext uri="{BB962C8B-B14F-4D97-AF65-F5344CB8AC3E}">
+        <p14:creationId xmlns:p14="http://schemas.microsoft.com/office/powerpoint/2010/main" val="1281418035"/>
+      </p:ext>
+    </p:extLst>
   </p:cSld>
   <p:clrMapOvr>
     <a:masterClrMapping/>
   </p:clrMapOvr>
-  <p:transition spd="med"/>
-  <p:timing>
-    <p:tnLst>
-      <p:par>
-        <p:cTn id="1" dur="indefinite" restart="never" nodeType="tmRoot">
-          <p:childTnLst>
-            <p:seq concurrent="1" nextAc="seek">
-              <p:cTn id="2" dur="0" nodeType="mainSeq"/>
-              <p:prevCondLst>
-                <p:cond evt="onPrev" delay="0">
-                  <p:tgtEl>
-                    <p:sldTgt/>
-                  </p:tgtEl>
-                </p:cond>
-              </p:prevCondLst>
-              <p:nextCondLst>
-                <p:cond evt="onNext" delay="0">
-                  <p:tgtEl>
-                    <p:sldTgt/>
-                  </p:tgtEl>
-                </p:cond>
-              </p:nextCondLst>
-            </p:seq>
-          </p:childTnLst>
-        </p:cTn>
-      </p:par>
-    </p:tnLst>
-  </p:timing>
 </p:sld>
 </file>
 
@@ -7996,10 +7825,10 @@
       </p:grpSpPr>
       <p:sp>
         <p:nvSpPr>
-          <p:cNvPr id="26625" name="Rectangle 1">
-            <a:extLst>
-              <a:ext uri="{FF2B5EF4-FFF2-40B4-BE49-F238E27FC236}">
-                <a16:creationId xmlns:a16="http://schemas.microsoft.com/office/drawing/2014/main" id="{06D1C71D-E9FC-49B8-A15C-211442126995}"/>
+          <p:cNvPr id="20481" name="Rectangle 1">
+            <a:extLst>
+              <a:ext uri="{FF2B5EF4-FFF2-40B4-BE49-F238E27FC236}">
+                <a16:creationId xmlns:a16="http://schemas.microsoft.com/office/drawing/2014/main" id="{7E24E3D3-3187-44F7-91B6-BD1FD2348CD9}"/>
               </a:ext>
             </a:extLst>
           </p:cNvPr>
@@ -8025,7 +7854,8 @@
           </a:bodyPr>
           <a:lstStyle/>
           <a:p>
-            <a:pPr>
+            <a:pPr marL="325481" indent="-325481">
+              <a:buSzPct val="45000"/>
               <a:tabLst>
                 <a:tab pos="656722" algn="l"/>
                 <a:tab pos="1313444" algn="l"/>
@@ -8042,17 +7872,17 @@
             </a:pPr>
             <a:r>
               <a:rPr lang="en-GB" altLang="en-US"/>
-              <a:t>Associative Property</a:t>
+              <a:t>Properties of Arithematic Operators</a:t>
             </a:r>
           </a:p>
         </p:txBody>
       </p:sp>
       <p:sp>
         <p:nvSpPr>
-          <p:cNvPr id="26626" name="Rectangle 2">
-            <a:extLst>
-              <a:ext uri="{FF2B5EF4-FFF2-40B4-BE49-F238E27FC236}">
-                <a16:creationId xmlns:a16="http://schemas.microsoft.com/office/drawing/2014/main" id="{E3F5A179-A2FA-48DB-8198-650C99CD77DB}"/>
+          <p:cNvPr id="20482" name="Rectangle 2">
+            <a:extLst>
+              <a:ext uri="{FF2B5EF4-FFF2-40B4-BE49-F238E27FC236}">
+                <a16:creationId xmlns:a16="http://schemas.microsoft.com/office/drawing/2014/main" id="{1396CA15-85A4-48DD-9A6B-6C132BE37F97}"/>
               </a:ext>
             </a:extLst>
           </p:cNvPr>
@@ -8073,6 +7903,31 @@
         <p:txBody>
           <a:bodyPr/>
           <a:lstStyle/>
+          <a:p>
+            <a:pPr marL="456538" indent="-391729">
+              <a:buClr>
+                <a:srgbClr val="99284C"/>
+              </a:buClr>
+              <a:buSzPct val="75000"/>
+              <a:tabLst>
+                <a:tab pos="656722" algn="l"/>
+                <a:tab pos="1313444" algn="l"/>
+                <a:tab pos="1970166" algn="l"/>
+                <a:tab pos="2626888" algn="l"/>
+                <a:tab pos="3283610" algn="l"/>
+                <a:tab pos="3940332" algn="l"/>
+                <a:tab pos="4597055" algn="l"/>
+                <a:tab pos="5253777" algn="l"/>
+                <a:tab pos="5910499" algn="l"/>
+                <a:tab pos="6567221" algn="l"/>
+                <a:tab pos="7223943" algn="l"/>
+              </a:tabLst>
+            </a:pPr>
+            <a:r>
+              <a:rPr lang="en-GB" altLang="en-US"/>
+              <a:t>A Good Operator(s) should have</a:t>
+            </a:r>
+          </a:p>
           <a:p>
             <a:pPr marL="456538" indent="-391729">
               <a:buClr>
@@ -8097,7 +7952,7 @@
             </a:pPr>
             <a:r>
               <a:rPr lang="en-GB" altLang="en-US"/>
-              <a:t> ( (A  op B )  op C ) == (A op ( B op C ))</a:t>
+              <a:t>      Associativity</a:t>
             </a:r>
           </a:p>
           <a:p>
@@ -8124,32 +7979,7 @@
             </a:pPr>
             <a:r>
               <a:rPr lang="en-GB" altLang="en-US"/>
-              <a:t> 2 + 3 + 4 can be written as</a:t>
-            </a:r>
-          </a:p>
-          <a:p>
-            <a:pPr marL="456538" indent="-391729">
-              <a:buClr>
-                <a:srgbClr val="99284C"/>
-              </a:buClr>
-              <a:buSzPct val="75000"/>
-              <a:tabLst>
-                <a:tab pos="656722" algn="l"/>
-                <a:tab pos="1313444" algn="l"/>
-                <a:tab pos="1970166" algn="l"/>
-                <a:tab pos="2626888" algn="l"/>
-                <a:tab pos="3283610" algn="l"/>
-                <a:tab pos="3940332" algn="l"/>
-                <a:tab pos="4597055" algn="l"/>
-                <a:tab pos="5253777" algn="l"/>
-                <a:tab pos="5910499" algn="l"/>
-                <a:tab pos="6567221" algn="l"/>
-                <a:tab pos="7223943" algn="l"/>
-              </a:tabLst>
-            </a:pPr>
-            <a:r>
-              <a:rPr lang="en-GB" altLang="en-US"/>
-              <a:t>      ( (2 + 3 ) + 4 ) or  (2 + ( 3 + 4 ))</a:t>
+              <a:t>      Commutativity</a:t>
             </a:r>
           </a:p>
           <a:p>
@@ -8176,7 +8006,88 @@
             </a:pPr>
             <a:r>
               <a:rPr lang="en-GB" altLang="en-US"/>
-              <a:t>If a operator is associative, we can do parallel reduction ( a long sequence of numbers can be chunked into small sequence to be reduced by different people, processors or mechanical devices )</a:t>
+              <a:t>      Closure (Type of Result does matter)</a:t>
+            </a:r>
+          </a:p>
+          <a:p>
+            <a:pPr marL="456538" indent="-391729">
+              <a:buClr>
+                <a:srgbClr val="99284C"/>
+              </a:buClr>
+              <a:buSzPct val="75000"/>
+              <a:buFont typeface="Wingdings" panose="05000000000000000000" pitchFamily="2" charset="2"/>
+              <a:buChar char=""/>
+              <a:tabLst>
+                <a:tab pos="656722" algn="l"/>
+                <a:tab pos="1313444" algn="l"/>
+                <a:tab pos="1970166" algn="l"/>
+                <a:tab pos="2626888" algn="l"/>
+                <a:tab pos="3283610" algn="l"/>
+                <a:tab pos="3940332" algn="l"/>
+                <a:tab pos="4597055" algn="l"/>
+                <a:tab pos="5253777" algn="l"/>
+                <a:tab pos="5910499" algn="l"/>
+                <a:tab pos="6567221" algn="l"/>
+                <a:tab pos="7223943" algn="l"/>
+              </a:tabLst>
+            </a:pPr>
+            <a:r>
+              <a:rPr lang="en-GB" altLang="en-US"/>
+              <a:t>      Distributivity (Two ops in an Expression)</a:t>
+            </a:r>
+          </a:p>
+          <a:p>
+            <a:pPr marL="456538" indent="-391729">
+              <a:buClr>
+                <a:srgbClr val="99284C"/>
+              </a:buClr>
+              <a:buSzPct val="75000"/>
+              <a:buFont typeface="Wingdings" panose="05000000000000000000" pitchFamily="2" charset="2"/>
+              <a:buChar char=""/>
+              <a:tabLst>
+                <a:tab pos="656722" algn="l"/>
+                <a:tab pos="1313444" algn="l"/>
+                <a:tab pos="1970166" algn="l"/>
+                <a:tab pos="2626888" algn="l"/>
+                <a:tab pos="3283610" algn="l"/>
+                <a:tab pos="3940332" algn="l"/>
+                <a:tab pos="4597055" algn="l"/>
+                <a:tab pos="5253777" algn="l"/>
+                <a:tab pos="5910499" algn="l"/>
+                <a:tab pos="6567221" algn="l"/>
+                <a:tab pos="7223943" algn="l"/>
+              </a:tabLst>
+            </a:pPr>
+            <a:r>
+              <a:rPr lang="en-GB" altLang="en-US"/>
+              <a:t>      Inverse Element (Additive/Multiplicative)</a:t>
+            </a:r>
+          </a:p>
+          <a:p>
+            <a:pPr marL="456538" indent="-391729">
+              <a:buClr>
+                <a:srgbClr val="99284C"/>
+              </a:buClr>
+              <a:buSzPct val="75000"/>
+              <a:buFont typeface="Wingdings" panose="05000000000000000000" pitchFamily="2" charset="2"/>
+              <a:buChar char=""/>
+              <a:tabLst>
+                <a:tab pos="656722" algn="l"/>
+                <a:tab pos="1313444" algn="l"/>
+                <a:tab pos="1970166" algn="l"/>
+                <a:tab pos="2626888" algn="l"/>
+                <a:tab pos="3283610" algn="l"/>
+                <a:tab pos="3940332" algn="l"/>
+                <a:tab pos="4597055" algn="l"/>
+                <a:tab pos="5253777" algn="l"/>
+                <a:tab pos="5910499" algn="l"/>
+                <a:tab pos="6567221" algn="l"/>
+                <a:tab pos="7223943" algn="l"/>
+              </a:tabLst>
+            </a:pPr>
+            <a:r>
+              <a:rPr lang="en-GB" altLang="en-US"/>
+              <a:t>      Identity Element ( 0 | 1 | “” )</a:t>
             </a:r>
           </a:p>
         </p:txBody>
@@ -8236,10 +8147,10 @@
       </p:grpSpPr>
       <p:sp>
         <p:nvSpPr>
-          <p:cNvPr id="27649" name="Rectangle 1">
-            <a:extLst>
-              <a:ext uri="{FF2B5EF4-FFF2-40B4-BE49-F238E27FC236}">
-                <a16:creationId xmlns:a16="http://schemas.microsoft.com/office/drawing/2014/main" id="{66A2B31D-A4C6-4421-A7D3-3891ECC6A221}"/>
+          <p:cNvPr id="26625" name="Rectangle 1">
+            <a:extLst>
+              <a:ext uri="{FF2B5EF4-FFF2-40B4-BE49-F238E27FC236}">
+                <a16:creationId xmlns:a16="http://schemas.microsoft.com/office/drawing/2014/main" id="{06D1C71D-E9FC-49B8-A15C-211442126995}"/>
               </a:ext>
             </a:extLst>
           </p:cNvPr>
@@ -8282,17 +8193,17 @@
             </a:pPr>
             <a:r>
               <a:rPr lang="en-GB" altLang="en-US"/>
-              <a:t>Commutative  Property</a:t>
+              <a:t>Associative Property</a:t>
             </a:r>
           </a:p>
         </p:txBody>
       </p:sp>
       <p:sp>
         <p:nvSpPr>
-          <p:cNvPr id="27650" name="Rectangle 2">
-            <a:extLst>
-              <a:ext uri="{FF2B5EF4-FFF2-40B4-BE49-F238E27FC236}">
-                <a16:creationId xmlns:a16="http://schemas.microsoft.com/office/drawing/2014/main" id="{DF83DD18-E8A1-4190-AC64-0768E370205A}"/>
+          <p:cNvPr id="26626" name="Rectangle 2">
+            <a:extLst>
+              <a:ext uri="{FF2B5EF4-FFF2-40B4-BE49-F238E27FC236}">
+                <a16:creationId xmlns:a16="http://schemas.microsoft.com/office/drawing/2014/main" id="{E3F5A179-A2FA-48DB-8198-650C99CD77DB}"/>
               </a:ext>
             </a:extLst>
           </p:cNvPr>
@@ -8337,7 +8248,7 @@
             </a:pPr>
             <a:r>
               <a:rPr lang="en-GB" altLang="en-US"/>
-              <a:t>  (A  op B )   == (B op A )</a:t>
+              <a:t> ( (A  op B )  op C ) == (A op ( B op C ))</a:t>
             </a:r>
           </a:p>
           <a:p>
@@ -8364,7 +8275,32 @@
             </a:pPr>
             <a:r>
               <a:rPr lang="en-GB" altLang="en-US"/>
-              <a:t>  2 * 3  can be written as 3 * 2      </a:t>
+              <a:t> 2 + 3 + 4 can be written as</a:t>
+            </a:r>
+          </a:p>
+          <a:p>
+            <a:pPr marL="456538" indent="-391729">
+              <a:buClr>
+                <a:srgbClr val="99284C"/>
+              </a:buClr>
+              <a:buSzPct val="75000"/>
+              <a:tabLst>
+                <a:tab pos="656722" algn="l"/>
+                <a:tab pos="1313444" algn="l"/>
+                <a:tab pos="1970166" algn="l"/>
+                <a:tab pos="2626888" algn="l"/>
+                <a:tab pos="3283610" algn="l"/>
+                <a:tab pos="3940332" algn="l"/>
+                <a:tab pos="4597055" algn="l"/>
+                <a:tab pos="5253777" algn="l"/>
+                <a:tab pos="5910499" algn="l"/>
+                <a:tab pos="6567221" algn="l"/>
+                <a:tab pos="7223943" algn="l"/>
+              </a:tabLst>
+            </a:pPr>
+            <a:r>
+              <a:rPr lang="en-GB" altLang="en-US"/>
+              <a:t>      ( (2 + 3 ) + 4 ) or  (2 + ( 3 + 4 ))</a:t>
             </a:r>
           </a:p>
           <a:p>
@@ -8391,61 +8327,7 @@
             </a:pPr>
             <a:r>
               <a:rPr lang="en-GB" altLang="en-US"/>
-              <a:t>If a operator is commutative, order in which one performs operation does not matter </a:t>
-            </a:r>
-          </a:p>
-          <a:p>
-            <a:pPr marL="456538" indent="-391729">
-              <a:buClr>
-                <a:srgbClr val="99284C"/>
-              </a:buClr>
-              <a:buSzPct val="75000"/>
-              <a:buFont typeface="Wingdings" panose="05000000000000000000" pitchFamily="2" charset="2"/>
-              <a:buChar char=""/>
-              <a:tabLst>
-                <a:tab pos="656722" algn="l"/>
-                <a:tab pos="1313444" algn="l"/>
-                <a:tab pos="1970166" algn="l"/>
-                <a:tab pos="2626888" algn="l"/>
-                <a:tab pos="3283610" algn="l"/>
-                <a:tab pos="3940332" algn="l"/>
-                <a:tab pos="4597055" algn="l"/>
-                <a:tab pos="5253777" algn="l"/>
-                <a:tab pos="5910499" algn="l"/>
-                <a:tab pos="6567221" algn="l"/>
-                <a:tab pos="7223943" algn="l"/>
-              </a:tabLst>
-            </a:pPr>
-            <a:r>
-              <a:rPr lang="en-GB" altLang="en-US"/>
-              <a:t>We can do Out of Order Execution ( Relational DB Engine exploits this property to evaluate relational cross products ) </a:t>
-            </a:r>
-          </a:p>
-          <a:p>
-            <a:pPr marL="456538" indent="-391729">
-              <a:buClr>
-                <a:srgbClr val="99284C"/>
-              </a:buClr>
-              <a:buSzPct val="75000"/>
-              <a:buFont typeface="Wingdings" panose="05000000000000000000" pitchFamily="2" charset="2"/>
-              <a:buChar char=""/>
-              <a:tabLst>
-                <a:tab pos="656722" algn="l"/>
-                <a:tab pos="1313444" algn="l"/>
-                <a:tab pos="1970166" algn="l"/>
-                <a:tab pos="2626888" algn="l"/>
-                <a:tab pos="3283610" algn="l"/>
-                <a:tab pos="3940332" algn="l"/>
-                <a:tab pos="4597055" algn="l"/>
-                <a:tab pos="5253777" algn="l"/>
-                <a:tab pos="5910499" algn="l"/>
-                <a:tab pos="6567221" algn="l"/>
-                <a:tab pos="7223943" algn="l"/>
-              </a:tabLst>
-            </a:pPr>
-            <a:r>
-              <a:rPr lang="en-GB" altLang="en-US"/>
-              <a:t>On top of Parallel reduction, we can perform Parallel shuffle as well </a:t>
+              <a:t>If a operator is associative, we can do parallel reduction ( a long sequence of numbers can be chunked into small sequence to be reduced by different people, processors or mechanical devices )</a:t>
             </a:r>
           </a:p>
         </p:txBody>
@@ -8505,10 +8387,10 @@
       </p:grpSpPr>
       <p:sp>
         <p:nvSpPr>
-          <p:cNvPr id="28673" name="Rectangle 1">
-            <a:extLst>
-              <a:ext uri="{FF2B5EF4-FFF2-40B4-BE49-F238E27FC236}">
-                <a16:creationId xmlns:a16="http://schemas.microsoft.com/office/drawing/2014/main" id="{EF8F5B02-0E90-4028-931D-F60916A7F822}"/>
+          <p:cNvPr id="27649" name="Rectangle 1">
+            <a:extLst>
+              <a:ext uri="{FF2B5EF4-FFF2-40B4-BE49-F238E27FC236}">
+                <a16:creationId xmlns:a16="http://schemas.microsoft.com/office/drawing/2014/main" id="{66A2B31D-A4C6-4421-A7D3-3891ECC6A221}"/>
               </a:ext>
             </a:extLst>
           </p:cNvPr>
@@ -8551,17 +8433,17 @@
             </a:pPr>
             <a:r>
               <a:rPr lang="en-GB" altLang="en-US"/>
-              <a:t>Closure</a:t>
+              <a:t>Commutative  Property</a:t>
             </a:r>
           </a:p>
         </p:txBody>
       </p:sp>
       <p:sp>
         <p:nvSpPr>
-          <p:cNvPr id="28674" name="Rectangle 2">
-            <a:extLst>
-              <a:ext uri="{FF2B5EF4-FFF2-40B4-BE49-F238E27FC236}">
-                <a16:creationId xmlns:a16="http://schemas.microsoft.com/office/drawing/2014/main" id="{C9D6BECC-7504-4A73-8C15-DED26B673EDC}"/>
+          <p:cNvPr id="27650" name="Rectangle 2">
+            <a:extLst>
+              <a:ext uri="{FF2B5EF4-FFF2-40B4-BE49-F238E27FC236}">
+                <a16:creationId xmlns:a16="http://schemas.microsoft.com/office/drawing/2014/main" id="{DF83DD18-E8A1-4190-AC64-0768E370205A}"/>
               </a:ext>
             </a:extLst>
           </p:cNvPr>
@@ -8606,7 +8488,7 @@
             </a:pPr>
             <a:r>
               <a:rPr lang="en-GB" altLang="en-US"/>
-              <a:t>When two Homogeneous Types of numbers are Operated Upon, if we get the same Type as result, it is called “Closure”</a:t>
+              <a:t>  (A  op B )   == (B op A )</a:t>
             </a:r>
           </a:p>
           <a:p>
@@ -8633,7 +8515,7 @@
             </a:pPr>
             <a:r>
               <a:rPr lang="en-GB" altLang="en-US"/>
-              <a:t>Addition of Two natural numbers are closed</a:t>
+              <a:t>  2 * 3  can be written as 3 * 2      </a:t>
             </a:r>
           </a:p>
           <a:p>
@@ -8660,7 +8542,7 @@
             </a:pPr>
             <a:r>
               <a:rPr lang="en-GB" altLang="en-US"/>
-              <a:t>So do Multiplication of Two Natural Numbers</a:t>
+              <a:t>If a operator is commutative, order in which one performs operation does not matter </a:t>
             </a:r>
           </a:p>
           <a:p>
@@ -8687,7 +8569,7 @@
             </a:pPr>
             <a:r>
               <a:rPr lang="en-GB" altLang="en-US"/>
-              <a:t>Closure helps us to Chain Operations without much “trouble”</a:t>
+              <a:t>We can do Out of Order Execution ( Relational DB Engine exploits this property to evaluate relational cross products ) </a:t>
             </a:r>
           </a:p>
           <a:p>
@@ -8696,6 +8578,8 @@
                 <a:srgbClr val="99284C"/>
               </a:buClr>
               <a:buSzPct val="75000"/>
+              <a:buFont typeface="Wingdings" panose="05000000000000000000" pitchFamily="2" charset="2"/>
+              <a:buChar char=""/>
               <a:tabLst>
                 <a:tab pos="656722" algn="l"/>
                 <a:tab pos="1313444" algn="l"/>
@@ -8710,29 +8594,10 @@
                 <a:tab pos="7223943" algn="l"/>
               </a:tabLst>
             </a:pPr>
-            <a:endParaRPr lang="en-GB" altLang="en-US"/>
-          </a:p>
-          <a:p>
-            <a:pPr marL="456538" indent="-391729">
-              <a:buClr>
-                <a:srgbClr val="99284C"/>
-              </a:buClr>
-              <a:buSzPct val="75000"/>
-              <a:tabLst>
-                <a:tab pos="656722" algn="l"/>
-                <a:tab pos="1313444" algn="l"/>
-                <a:tab pos="1970166" algn="l"/>
-                <a:tab pos="2626888" algn="l"/>
-                <a:tab pos="3283610" algn="l"/>
-                <a:tab pos="3940332" algn="l"/>
-                <a:tab pos="4597055" algn="l"/>
-                <a:tab pos="5253777" algn="l"/>
-                <a:tab pos="5910499" algn="l"/>
-                <a:tab pos="6567221" algn="l"/>
-                <a:tab pos="7223943" algn="l"/>
-              </a:tabLst>
-            </a:pPr>
-            <a:endParaRPr lang="en-GB" altLang="en-US"/>
+            <a:r>
+              <a:rPr lang="en-GB" altLang="en-US"/>
+              <a:t>On top of Parallel reduction, we can perform Parallel shuffle as well </a:t>
+            </a:r>
           </a:p>
         </p:txBody>
       </p:sp>
@@ -8791,10 +8656,10 @@
       </p:grpSpPr>
       <p:sp>
         <p:nvSpPr>
-          <p:cNvPr id="29697" name="Rectangle 1">
-            <a:extLst>
-              <a:ext uri="{FF2B5EF4-FFF2-40B4-BE49-F238E27FC236}">
-                <a16:creationId xmlns:a16="http://schemas.microsoft.com/office/drawing/2014/main" id="{6C853023-79DA-41C7-834B-9A7860B243D0}"/>
+          <p:cNvPr id="28673" name="Rectangle 1">
+            <a:extLst>
+              <a:ext uri="{FF2B5EF4-FFF2-40B4-BE49-F238E27FC236}">
+                <a16:creationId xmlns:a16="http://schemas.microsoft.com/office/drawing/2014/main" id="{EF8F5B02-0E90-4028-931D-F60916A7F822}"/>
               </a:ext>
             </a:extLst>
           </p:cNvPr>
@@ -8837,17 +8702,17 @@
             </a:pPr>
             <a:r>
               <a:rPr lang="en-GB" altLang="en-US"/>
-              <a:t>Closure in Regular Expressions</a:t>
+              <a:t>Closure</a:t>
             </a:r>
           </a:p>
         </p:txBody>
       </p:sp>
       <p:sp>
         <p:nvSpPr>
-          <p:cNvPr id="29698" name="Rectangle 2">
-            <a:extLst>
-              <a:ext uri="{FF2B5EF4-FFF2-40B4-BE49-F238E27FC236}">
-                <a16:creationId xmlns:a16="http://schemas.microsoft.com/office/drawing/2014/main" id="{C2918A94-D573-4EE4-9C8C-BBDB9028751D}"/>
+          <p:cNvPr id="28674" name="Rectangle 2">
+            <a:extLst>
+              <a:ext uri="{FF2B5EF4-FFF2-40B4-BE49-F238E27FC236}">
+                <a16:creationId xmlns:a16="http://schemas.microsoft.com/office/drawing/2014/main" id="{C9D6BECC-7504-4A73-8C15-DED26B673EDC}"/>
               </a:ext>
             </a:extLst>
           </p:cNvPr>
@@ -8866,17 +8731,16 @@
           <a:ln/>
         </p:spPr>
         <p:txBody>
-          <a:bodyPr vert="horz" wrap="square" lIns="0" tIns="0" rIns="0" bIns="0" numCol="1" anchor="t" anchorCtr="0" compatLnSpc="1">
-            <a:prstTxWarp prst="textNoShape">
-              <a:avLst/>
-            </a:prstTxWarp>
-          </a:bodyPr>
+          <a:bodyPr/>
           <a:lstStyle/>
           <a:p>
-            <a:pPr marL="0" indent="0" hangingPunct="1">
-              <a:lnSpc>
-                <a:spcPct val="102000"/>
-              </a:lnSpc>
+            <a:pPr marL="456538" indent="-391729">
+              <a:buClr>
+                <a:srgbClr val="99284C"/>
+              </a:buClr>
+              <a:buSzPct val="75000"/>
+              <a:buFont typeface="Wingdings" panose="05000000000000000000" pitchFamily="2" charset="2"/>
+              <a:buChar char=""/>
               <a:tabLst>
                 <a:tab pos="656722" algn="l"/>
                 <a:tab pos="1313444" algn="l"/>
@@ -8892,20 +8756,18 @@
               </a:tabLst>
             </a:pPr>
             <a:r>
-              <a:rPr lang="en-GB" altLang="en-US" sz="1814">
-                <a:solidFill>
-                  <a:srgbClr val="000000"/>
-                </a:solidFill>
-                <a:latin typeface="Calibri" panose="020F0502020204030204" pitchFamily="34" charset="0"/>
-              </a:rPr>
-              <a:t>Re( NULL) =&gt;  NULL</a:t>
-            </a:r>
-          </a:p>
-          <a:p>
-            <a:pPr marL="0" indent="0" hangingPunct="1">
-              <a:lnSpc>
-                <a:spcPct val="102000"/>
-              </a:lnSpc>
+              <a:rPr lang="en-GB" altLang="en-US"/>
+              <a:t>When two Homogeneous Types of numbers are Operated Upon, if we get the same Type as result, it is called “Closure”</a:t>
+            </a:r>
+          </a:p>
+          <a:p>
+            <a:pPr marL="456538" indent="-391729">
+              <a:buClr>
+                <a:srgbClr val="99284C"/>
+              </a:buClr>
+              <a:buSzPct val="75000"/>
+              <a:buFont typeface="Wingdings" panose="05000000000000000000" pitchFamily="2" charset="2"/>
+              <a:buChar char=""/>
               <a:tabLst>
                 <a:tab pos="656722" algn="l"/>
                 <a:tab pos="1313444" algn="l"/>
@@ -8921,20 +8783,18 @@
               </a:tabLst>
             </a:pPr>
             <a:r>
-              <a:rPr lang="en-GB" altLang="en-US" sz="1814">
-                <a:solidFill>
-                  <a:srgbClr val="000000"/>
-                </a:solidFill>
-                <a:latin typeface="Calibri" panose="020F0502020204030204" pitchFamily="34" charset="0"/>
-              </a:rPr>
-              <a:t>Re(“”) =&gt; “”  </a:t>
-            </a:r>
-          </a:p>
-          <a:p>
-            <a:pPr marL="0" indent="0" hangingPunct="1">
-              <a:lnSpc>
-                <a:spcPct val="102000"/>
-              </a:lnSpc>
+              <a:rPr lang="en-GB" altLang="en-US"/>
+              <a:t>Addition of Two natural numbers are closed</a:t>
+            </a:r>
+          </a:p>
+          <a:p>
+            <a:pPr marL="456538" indent="-391729">
+              <a:buClr>
+                <a:srgbClr val="99284C"/>
+              </a:buClr>
+              <a:buSzPct val="75000"/>
+              <a:buFont typeface="Wingdings" panose="05000000000000000000" pitchFamily="2" charset="2"/>
+              <a:buChar char=""/>
               <a:tabLst>
                 <a:tab pos="656722" algn="l"/>
                 <a:tab pos="1313444" algn="l"/>
@@ -8950,20 +8810,18 @@
               </a:tabLst>
             </a:pPr>
             <a:r>
-              <a:rPr lang="en-GB" altLang="en-US" sz="1814">
-                <a:solidFill>
-                  <a:srgbClr val="000000"/>
-                </a:solidFill>
-                <a:latin typeface="Calibri" panose="020F0502020204030204" pitchFamily="34" charset="0"/>
-              </a:rPr>
-              <a:t>Re([a-z]) =&gt; [a-z] </a:t>
-            </a:r>
-          </a:p>
-          <a:p>
-            <a:pPr marL="0" indent="0" hangingPunct="1">
-              <a:lnSpc>
-                <a:spcPct val="102000"/>
-              </a:lnSpc>
+              <a:rPr lang="en-GB" altLang="en-US"/>
+              <a:t>So do Multiplication of Two Natural Numbers</a:t>
+            </a:r>
+          </a:p>
+          <a:p>
+            <a:pPr marL="456538" indent="-391729">
+              <a:buClr>
+                <a:srgbClr val="99284C"/>
+              </a:buClr>
+              <a:buSzPct val="75000"/>
+              <a:buFont typeface="Wingdings" panose="05000000000000000000" pitchFamily="2" charset="2"/>
+              <a:buChar char=""/>
               <a:tabLst>
                 <a:tab pos="656722" algn="l"/>
                 <a:tab pos="1313444" algn="l"/>
@@ -8979,20 +8837,16 @@
               </a:tabLst>
             </a:pPr>
             <a:r>
-              <a:rPr lang="en-GB" altLang="en-US" sz="1814">
-                <a:solidFill>
-                  <a:srgbClr val="000000"/>
-                </a:solidFill>
-                <a:latin typeface="Calibri" panose="020F0502020204030204" pitchFamily="34" charset="0"/>
-              </a:rPr>
-              <a:t>Re.Re  =&gt; Re</a:t>
-            </a:r>
-          </a:p>
-          <a:p>
-            <a:pPr marL="0" indent="0" hangingPunct="1">
-              <a:lnSpc>
-                <a:spcPct val="102000"/>
-              </a:lnSpc>
+              <a:rPr lang="en-GB" altLang="en-US"/>
+              <a:t>Closure helps us to Chain Operations without much “trouble”</a:t>
+            </a:r>
+          </a:p>
+          <a:p>
+            <a:pPr marL="456538" indent="-391729">
+              <a:buClr>
+                <a:srgbClr val="99284C"/>
+              </a:buClr>
+              <a:buSzPct val="75000"/>
               <a:tabLst>
                 <a:tab pos="656722" algn="l"/>
                 <a:tab pos="1313444" algn="l"/>
@@ -9007,21 +8861,14 @@
                 <a:tab pos="7223943" algn="l"/>
               </a:tabLst>
             </a:pPr>
-            <a:r>
-              <a:rPr lang="en-GB" altLang="en-US" sz="1814">
-                <a:solidFill>
-                  <a:srgbClr val="000000"/>
-                </a:solidFill>
-                <a:latin typeface="Calibri" panose="020F0502020204030204" pitchFamily="34" charset="0"/>
-              </a:rPr>
-              <a:t>(Re | Re ) =&gt; Re</a:t>
-            </a:r>
-          </a:p>
-          <a:p>
-            <a:pPr marL="0" indent="0" hangingPunct="1">
-              <a:lnSpc>
-                <a:spcPct val="102000"/>
-              </a:lnSpc>
+            <a:endParaRPr lang="en-GB" altLang="en-US"/>
+          </a:p>
+          <a:p>
+            <a:pPr marL="456538" indent="-391729">
+              <a:buClr>
+                <a:srgbClr val="99284C"/>
+              </a:buClr>
+              <a:buSzPct val="75000"/>
               <a:tabLst>
                 <a:tab pos="656722" algn="l"/>
                 <a:tab pos="1313444" algn="l"/>
@@ -9036,102 +8883,7 @@
                 <a:tab pos="7223943" algn="l"/>
               </a:tabLst>
             </a:pPr>
-            <a:r>
-              <a:rPr lang="en-GB" altLang="en-US" sz="1814">
-                <a:solidFill>
-                  <a:srgbClr val="000000"/>
-                </a:solidFill>
-                <a:latin typeface="Calibri" panose="020F0502020204030204" pitchFamily="34" charset="0"/>
-              </a:rPr>
-              <a:t>Re* =&gt; Re</a:t>
-            </a:r>
-          </a:p>
-          <a:p>
-            <a:pPr marL="0" indent="0" hangingPunct="1">
-              <a:lnSpc>
-                <a:spcPct val="102000"/>
-              </a:lnSpc>
-              <a:tabLst>
-                <a:tab pos="656722" algn="l"/>
-                <a:tab pos="1313444" algn="l"/>
-                <a:tab pos="1970166" algn="l"/>
-                <a:tab pos="2626888" algn="l"/>
-                <a:tab pos="3283610" algn="l"/>
-                <a:tab pos="3940332" algn="l"/>
-                <a:tab pos="4597055" algn="l"/>
-                <a:tab pos="5253777" algn="l"/>
-                <a:tab pos="5910499" algn="l"/>
-                <a:tab pos="6567221" algn="l"/>
-                <a:tab pos="7223943" algn="l"/>
-              </a:tabLst>
-            </a:pPr>
-            <a:r>
-              <a:rPr lang="en-GB" altLang="en-US" sz="1814">
-                <a:solidFill>
-                  <a:srgbClr val="000000"/>
-                </a:solidFill>
-                <a:latin typeface="Calibri" panose="020F0502020204030204" pitchFamily="34" charset="0"/>
-              </a:rPr>
-              <a:t>The above stuff defines Re ( Recursive definition)</a:t>
-            </a:r>
-          </a:p>
-          <a:p>
-            <a:pPr marL="0" indent="0" hangingPunct="1">
-              <a:lnSpc>
-                <a:spcPct val="102000"/>
-              </a:lnSpc>
-              <a:tabLst>
-                <a:tab pos="656722" algn="l"/>
-                <a:tab pos="1313444" algn="l"/>
-                <a:tab pos="1970166" algn="l"/>
-                <a:tab pos="2626888" algn="l"/>
-                <a:tab pos="3283610" algn="l"/>
-                <a:tab pos="3940332" algn="l"/>
-                <a:tab pos="4597055" algn="l"/>
-                <a:tab pos="5253777" algn="l"/>
-                <a:tab pos="5910499" algn="l"/>
-                <a:tab pos="6567221" algn="l"/>
-                <a:tab pos="7223943" algn="l"/>
-              </a:tabLst>
-            </a:pPr>
-            <a:r>
-              <a:rPr lang="en-GB" altLang="en-US" sz="1814">
-                <a:solidFill>
-                  <a:srgbClr val="000000"/>
-                </a:solidFill>
-                <a:latin typeface="Calibri" panose="020F0502020204030204" pitchFamily="34" charset="0"/>
-              </a:rPr>
-              <a:t>What about R+?</a:t>
-            </a:r>
-          </a:p>
-          <a:p>
-            <a:pPr marL="0" indent="0" hangingPunct="1">
-              <a:lnSpc>
-                <a:spcPct val="102000"/>
-              </a:lnSpc>
-              <a:tabLst>
-                <a:tab pos="656722" algn="l"/>
-                <a:tab pos="1313444" algn="l"/>
-                <a:tab pos="1970166" algn="l"/>
-                <a:tab pos="2626888" algn="l"/>
-                <a:tab pos="3283610" algn="l"/>
-                <a:tab pos="3940332" algn="l"/>
-                <a:tab pos="4597055" algn="l"/>
-                <a:tab pos="5253777" algn="l"/>
-                <a:tab pos="5910499" algn="l"/>
-                <a:tab pos="6567221" algn="l"/>
-                <a:tab pos="7223943" algn="l"/>
-              </a:tabLst>
-            </a:pPr>
-            <a:r>
-              <a:rPr lang="en-GB" altLang="en-US" sz="1814">
-                <a:solidFill>
-                  <a:srgbClr val="000000"/>
-                </a:solidFill>
-                <a:latin typeface="Calibri" panose="020F0502020204030204" pitchFamily="34" charset="0"/>
-              </a:rPr>
-              <a:t>Re+ = Re.Re*</a:t>
-            </a:r>
+            <a:endParaRPr lang="en-GB" altLang="en-US"/>
           </a:p>
         </p:txBody>
       </p:sp>
@@ -9190,10 +8942,10 @@
       </p:grpSpPr>
       <p:sp>
         <p:nvSpPr>
-          <p:cNvPr id="30721" name="Rectangle 1">
-            <a:extLst>
-              <a:ext uri="{FF2B5EF4-FFF2-40B4-BE49-F238E27FC236}">
-                <a16:creationId xmlns:a16="http://schemas.microsoft.com/office/drawing/2014/main" id="{2C0F8055-8821-464A-8970-687F2A0B5C75}"/>
+          <p:cNvPr id="29697" name="Rectangle 1">
+            <a:extLst>
+              <a:ext uri="{FF2B5EF4-FFF2-40B4-BE49-F238E27FC236}">
+                <a16:creationId xmlns:a16="http://schemas.microsoft.com/office/drawing/2014/main" id="{6C853023-79DA-41C7-834B-9A7860B243D0}"/>
               </a:ext>
             </a:extLst>
           </p:cNvPr>
@@ -9236,17 +8988,17 @@
             </a:pPr>
             <a:r>
               <a:rPr lang="en-GB" altLang="en-US"/>
-              <a:t>Closure in SQL </a:t>
+              <a:t>Closure in Regular Expressions</a:t>
             </a:r>
           </a:p>
         </p:txBody>
       </p:sp>
       <p:sp>
         <p:nvSpPr>
-          <p:cNvPr id="30722" name="Rectangle 2">
-            <a:extLst>
-              <a:ext uri="{FF2B5EF4-FFF2-40B4-BE49-F238E27FC236}">
-                <a16:creationId xmlns:a16="http://schemas.microsoft.com/office/drawing/2014/main" id="{22C04CC3-8B84-4177-BFCF-51066673E505}"/>
+          <p:cNvPr id="29698" name="Rectangle 2">
+            <a:extLst>
+              <a:ext uri="{FF2B5EF4-FFF2-40B4-BE49-F238E27FC236}">
+                <a16:creationId xmlns:a16="http://schemas.microsoft.com/office/drawing/2014/main" id="{C2918A94-D573-4EE4-9C8C-BBDB9028751D}"/>
               </a:ext>
             </a:extLst>
           </p:cNvPr>
@@ -9297,7 +9049,7 @@
                 </a:solidFill>
                 <a:latin typeface="Calibri" panose="020F0502020204030204" pitchFamily="34" charset="0"/>
               </a:rPr>
-              <a:t>Data is stored in a data structure called Relation</a:t>
+              <a:t>Re( NULL) =&gt;  NULL</a:t>
             </a:r>
           </a:p>
           <a:p>
@@ -9326,7 +9078,7 @@
                 </a:solidFill>
                 <a:latin typeface="Calibri" panose="020F0502020204030204" pitchFamily="34" charset="0"/>
               </a:rPr>
-              <a:t>Relations can be combined using Rel Ops</a:t>
+              <a:t>Re(“”) =&gt; “”  </a:t>
             </a:r>
           </a:p>
           <a:p>
@@ -9348,12 +9100,15 @@
                 <a:tab pos="7223943" algn="l"/>
               </a:tabLst>
             </a:pPr>
-            <a:endParaRPr lang="en-GB" altLang="en-US" sz="1814">
-              <a:solidFill>
-                <a:srgbClr val="000000"/>
-              </a:solidFill>
-              <a:latin typeface="Calibri" panose="020F0502020204030204" pitchFamily="34" charset="0"/>
-            </a:endParaRPr>
+            <a:r>
+              <a:rPr lang="en-GB" altLang="en-US" sz="1814">
+                <a:solidFill>
+                  <a:srgbClr val="000000"/>
+                </a:solidFill>
+                <a:latin typeface="Calibri" panose="020F0502020204030204" pitchFamily="34" charset="0"/>
+              </a:rPr>
+              <a:t>Re([a-z]) =&gt; [a-z] </a:t>
+            </a:r>
           </a:p>
           <a:p>
             <a:pPr marL="0" indent="0" hangingPunct="1">
@@ -9381,7 +9136,7 @@
                 </a:solidFill>
                 <a:latin typeface="Calibri" panose="020F0502020204030204" pitchFamily="34" charset="0"/>
               </a:rPr>
-              <a:t>CartesianProduct(Rel1,Rel2..Reln) =&gt; Rel</a:t>
+              <a:t>Re.Re  =&gt; Re</a:t>
             </a:r>
           </a:p>
           <a:p>
@@ -9410,7 +9165,7 @@
                 </a:solidFill>
                 <a:latin typeface="Calibri" panose="020F0502020204030204" pitchFamily="34" charset="0"/>
               </a:rPr>
-              <a:t>Restrict(Rel,Predicate) =&gt; Rel</a:t>
+              <a:t>(Re | Re ) =&gt; Re</a:t>
             </a:r>
           </a:p>
           <a:p>
@@ -9439,7 +9194,7 @@
                 </a:solidFill>
                 <a:latin typeface="Calibri" panose="020F0502020204030204" pitchFamily="34" charset="0"/>
               </a:rPr>
-              <a:t>Project(Rel,fieldlist) =&gt; Rel</a:t>
+              <a:t>Re* =&gt; Re</a:t>
             </a:r>
           </a:p>
           <a:p>
@@ -9468,7 +9223,7 @@
                 </a:solidFill>
                 <a:latin typeface="Calibri" panose="020F0502020204030204" pitchFamily="34" charset="0"/>
               </a:rPr>
-              <a:t>Rename(Rel)=&gt; Rel</a:t>
+              <a:t>The above stuff defines Re ( Recursive definition)</a:t>
             </a:r>
           </a:p>
           <a:p>
@@ -9497,7 +9252,7 @@
                 </a:solidFill>
                 <a:latin typeface="Calibri" panose="020F0502020204030204" pitchFamily="34" charset="0"/>
               </a:rPr>
-              <a:t>SetOperators(Rel1..Reln) =&gt; Rel</a:t>
+              <a:t>What about R+?</a:t>
             </a:r>
           </a:p>
           <a:p>
@@ -9526,36 +9281,7 @@
                 </a:solidFill>
                 <a:latin typeface="Calibri" panose="020F0502020204030204" pitchFamily="34" charset="0"/>
               </a:rPr>
-              <a:t>Group(Rel,Pred) =&gt; Rel</a:t>
-            </a:r>
-          </a:p>
-          <a:p>
-            <a:pPr marL="0" indent="0" hangingPunct="1">
-              <a:lnSpc>
-                <a:spcPct val="102000"/>
-              </a:lnSpc>
-              <a:tabLst>
-                <a:tab pos="656722" algn="l"/>
-                <a:tab pos="1313444" algn="l"/>
-                <a:tab pos="1970166" algn="l"/>
-                <a:tab pos="2626888" algn="l"/>
-                <a:tab pos="3283610" algn="l"/>
-                <a:tab pos="3940332" algn="l"/>
-                <a:tab pos="4597055" algn="l"/>
-                <a:tab pos="5253777" algn="l"/>
-                <a:tab pos="5910499" algn="l"/>
-                <a:tab pos="6567221" algn="l"/>
-                <a:tab pos="7223943" algn="l"/>
-              </a:tabLst>
-            </a:pPr>
-            <a:r>
-              <a:rPr lang="en-GB" altLang="en-US" sz="1814">
-                <a:solidFill>
-                  <a:srgbClr val="000000"/>
-                </a:solidFill>
-                <a:latin typeface="Calibri" panose="020F0502020204030204" pitchFamily="34" charset="0"/>
-              </a:rPr>
-              <a:t>And so on…</a:t>
+              <a:t>Re+ = Re.Re*</a:t>
             </a:r>
           </a:p>
         </p:txBody>
@@ -9597,6 +9323,431 @@
 </file>
 
 <file path=ppt/slides/slide26.xml><?xml version="1.0" encoding="utf-8"?>
+<p:sld xmlns:a="http://schemas.openxmlformats.org/drawingml/2006/main" xmlns:r="http://schemas.openxmlformats.org/officeDocument/2006/relationships" xmlns:p="http://schemas.openxmlformats.org/presentationml/2006/main">
+  <p:cSld>
+    <p:spTree>
+      <p:nvGrpSpPr>
+        <p:cNvPr id="1" name=""/>
+        <p:cNvGrpSpPr/>
+        <p:nvPr/>
+      </p:nvGrpSpPr>
+      <p:grpSpPr>
+        <a:xfrm>
+          <a:off x="0" y="0"/>
+          <a:ext cx="0" cy="0"/>
+          <a:chOff x="0" y="0"/>
+          <a:chExt cx="0" cy="0"/>
+        </a:xfrm>
+      </p:grpSpPr>
+      <p:sp>
+        <p:nvSpPr>
+          <p:cNvPr id="30721" name="Rectangle 1">
+            <a:extLst>
+              <a:ext uri="{FF2B5EF4-FFF2-40B4-BE49-F238E27FC236}">
+                <a16:creationId xmlns:a16="http://schemas.microsoft.com/office/drawing/2014/main" id="{2C0F8055-8821-464A-8970-687F2A0B5C75}"/>
+              </a:ext>
+            </a:extLst>
+          </p:cNvPr>
+          <p:cNvSpPr>
+            <a:spLocks noGrp="1" noChangeArrowheads="1"/>
+          </p:cNvSpPr>
+          <p:nvPr>
+            <p:ph type="title"/>
+          </p:nvPr>
+        </p:nvSpPr>
+        <p:spPr>
+          <a:xfrm>
+            <a:off x="2196072" y="635107"/>
+            <a:ext cx="7808500" cy="1144920"/>
+          </a:xfrm>
+          <a:ln/>
+        </p:spPr>
+        <p:txBody>
+          <a:bodyPr vert="horz" wrap="square" lIns="0" tIns="32005" rIns="0" bIns="0" numCol="1" anchor="ctr" anchorCtr="0" compatLnSpc="1">
+            <a:prstTxWarp prst="textNoShape">
+              <a:avLst/>
+            </a:prstTxWarp>
+          </a:bodyPr>
+          <a:lstStyle/>
+          <a:p>
+            <a:pPr>
+              <a:tabLst>
+                <a:tab pos="656722" algn="l"/>
+                <a:tab pos="1313444" algn="l"/>
+                <a:tab pos="1970166" algn="l"/>
+                <a:tab pos="2626888" algn="l"/>
+                <a:tab pos="3283610" algn="l"/>
+                <a:tab pos="3940332" algn="l"/>
+                <a:tab pos="4597055" algn="l"/>
+                <a:tab pos="5253777" algn="l"/>
+                <a:tab pos="5910499" algn="l"/>
+                <a:tab pos="6567221" algn="l"/>
+                <a:tab pos="7223943" algn="l"/>
+              </a:tabLst>
+            </a:pPr>
+            <a:r>
+              <a:rPr lang="en-GB" altLang="en-US"/>
+              <a:t>Closure in SQL </a:t>
+            </a:r>
+          </a:p>
+        </p:txBody>
+      </p:sp>
+      <p:sp>
+        <p:nvSpPr>
+          <p:cNvPr id="30722" name="Rectangle 2">
+            <a:extLst>
+              <a:ext uri="{FF2B5EF4-FFF2-40B4-BE49-F238E27FC236}">
+                <a16:creationId xmlns:a16="http://schemas.microsoft.com/office/drawing/2014/main" id="{22C04CC3-8B84-4177-BFCF-51066673E505}"/>
+              </a:ext>
+            </a:extLst>
+          </p:cNvPr>
+          <p:cNvSpPr>
+            <a:spLocks noGrp="1" noChangeArrowheads="1"/>
+          </p:cNvSpPr>
+          <p:nvPr>
+            <p:ph type="body" idx="1"/>
+          </p:nvPr>
+        </p:nvSpPr>
+        <p:spPr>
+          <a:xfrm>
+            <a:off x="2269519" y="1939884"/>
+            <a:ext cx="7637122" cy="4320454"/>
+          </a:xfrm>
+          <a:ln/>
+        </p:spPr>
+        <p:txBody>
+          <a:bodyPr vert="horz" wrap="square" lIns="0" tIns="0" rIns="0" bIns="0" numCol="1" anchor="t" anchorCtr="0" compatLnSpc="1">
+            <a:prstTxWarp prst="textNoShape">
+              <a:avLst/>
+            </a:prstTxWarp>
+          </a:bodyPr>
+          <a:lstStyle/>
+          <a:p>
+            <a:pPr marL="0" indent="0" hangingPunct="1">
+              <a:lnSpc>
+                <a:spcPct val="102000"/>
+              </a:lnSpc>
+              <a:tabLst>
+                <a:tab pos="656722" algn="l"/>
+                <a:tab pos="1313444" algn="l"/>
+                <a:tab pos="1970166" algn="l"/>
+                <a:tab pos="2626888" algn="l"/>
+                <a:tab pos="3283610" algn="l"/>
+                <a:tab pos="3940332" algn="l"/>
+                <a:tab pos="4597055" algn="l"/>
+                <a:tab pos="5253777" algn="l"/>
+                <a:tab pos="5910499" algn="l"/>
+                <a:tab pos="6567221" algn="l"/>
+                <a:tab pos="7223943" algn="l"/>
+              </a:tabLst>
+            </a:pPr>
+            <a:r>
+              <a:rPr lang="en-GB" altLang="en-US" sz="1814">
+                <a:solidFill>
+                  <a:srgbClr val="000000"/>
+                </a:solidFill>
+                <a:latin typeface="Calibri" panose="020F0502020204030204" pitchFamily="34" charset="0"/>
+              </a:rPr>
+              <a:t>Data is stored in a data structure called Relation</a:t>
+            </a:r>
+          </a:p>
+          <a:p>
+            <a:pPr marL="0" indent="0" hangingPunct="1">
+              <a:lnSpc>
+                <a:spcPct val="102000"/>
+              </a:lnSpc>
+              <a:tabLst>
+                <a:tab pos="656722" algn="l"/>
+                <a:tab pos="1313444" algn="l"/>
+                <a:tab pos="1970166" algn="l"/>
+                <a:tab pos="2626888" algn="l"/>
+                <a:tab pos="3283610" algn="l"/>
+                <a:tab pos="3940332" algn="l"/>
+                <a:tab pos="4597055" algn="l"/>
+                <a:tab pos="5253777" algn="l"/>
+                <a:tab pos="5910499" algn="l"/>
+                <a:tab pos="6567221" algn="l"/>
+                <a:tab pos="7223943" algn="l"/>
+              </a:tabLst>
+            </a:pPr>
+            <a:r>
+              <a:rPr lang="en-GB" altLang="en-US" sz="1814">
+                <a:solidFill>
+                  <a:srgbClr val="000000"/>
+                </a:solidFill>
+                <a:latin typeface="Calibri" panose="020F0502020204030204" pitchFamily="34" charset="0"/>
+              </a:rPr>
+              <a:t>Relations can be combined using Rel Ops</a:t>
+            </a:r>
+          </a:p>
+          <a:p>
+            <a:pPr marL="0" indent="0" hangingPunct="1">
+              <a:lnSpc>
+                <a:spcPct val="102000"/>
+              </a:lnSpc>
+              <a:tabLst>
+                <a:tab pos="656722" algn="l"/>
+                <a:tab pos="1313444" algn="l"/>
+                <a:tab pos="1970166" algn="l"/>
+                <a:tab pos="2626888" algn="l"/>
+                <a:tab pos="3283610" algn="l"/>
+                <a:tab pos="3940332" algn="l"/>
+                <a:tab pos="4597055" algn="l"/>
+                <a:tab pos="5253777" algn="l"/>
+                <a:tab pos="5910499" algn="l"/>
+                <a:tab pos="6567221" algn="l"/>
+                <a:tab pos="7223943" algn="l"/>
+              </a:tabLst>
+            </a:pPr>
+            <a:endParaRPr lang="en-GB" altLang="en-US" sz="1814">
+              <a:solidFill>
+                <a:srgbClr val="000000"/>
+              </a:solidFill>
+              <a:latin typeface="Calibri" panose="020F0502020204030204" pitchFamily="34" charset="0"/>
+            </a:endParaRPr>
+          </a:p>
+          <a:p>
+            <a:pPr marL="0" indent="0" hangingPunct="1">
+              <a:lnSpc>
+                <a:spcPct val="102000"/>
+              </a:lnSpc>
+              <a:tabLst>
+                <a:tab pos="656722" algn="l"/>
+                <a:tab pos="1313444" algn="l"/>
+                <a:tab pos="1970166" algn="l"/>
+                <a:tab pos="2626888" algn="l"/>
+                <a:tab pos="3283610" algn="l"/>
+                <a:tab pos="3940332" algn="l"/>
+                <a:tab pos="4597055" algn="l"/>
+                <a:tab pos="5253777" algn="l"/>
+                <a:tab pos="5910499" algn="l"/>
+                <a:tab pos="6567221" algn="l"/>
+                <a:tab pos="7223943" algn="l"/>
+              </a:tabLst>
+            </a:pPr>
+            <a:r>
+              <a:rPr lang="en-GB" altLang="en-US" sz="1814">
+                <a:solidFill>
+                  <a:srgbClr val="000000"/>
+                </a:solidFill>
+                <a:latin typeface="Calibri" panose="020F0502020204030204" pitchFamily="34" charset="0"/>
+              </a:rPr>
+              <a:t>CartesianProduct(Rel1,Rel2..Reln) =&gt; Rel</a:t>
+            </a:r>
+          </a:p>
+          <a:p>
+            <a:pPr marL="0" indent="0" hangingPunct="1">
+              <a:lnSpc>
+                <a:spcPct val="102000"/>
+              </a:lnSpc>
+              <a:tabLst>
+                <a:tab pos="656722" algn="l"/>
+                <a:tab pos="1313444" algn="l"/>
+                <a:tab pos="1970166" algn="l"/>
+                <a:tab pos="2626888" algn="l"/>
+                <a:tab pos="3283610" algn="l"/>
+                <a:tab pos="3940332" algn="l"/>
+                <a:tab pos="4597055" algn="l"/>
+                <a:tab pos="5253777" algn="l"/>
+                <a:tab pos="5910499" algn="l"/>
+                <a:tab pos="6567221" algn="l"/>
+                <a:tab pos="7223943" algn="l"/>
+              </a:tabLst>
+            </a:pPr>
+            <a:r>
+              <a:rPr lang="en-GB" altLang="en-US" sz="1814">
+                <a:solidFill>
+                  <a:srgbClr val="000000"/>
+                </a:solidFill>
+                <a:latin typeface="Calibri" panose="020F0502020204030204" pitchFamily="34" charset="0"/>
+              </a:rPr>
+              <a:t>Restrict(Rel,Predicate) =&gt; Rel</a:t>
+            </a:r>
+          </a:p>
+          <a:p>
+            <a:pPr marL="0" indent="0" hangingPunct="1">
+              <a:lnSpc>
+                <a:spcPct val="102000"/>
+              </a:lnSpc>
+              <a:tabLst>
+                <a:tab pos="656722" algn="l"/>
+                <a:tab pos="1313444" algn="l"/>
+                <a:tab pos="1970166" algn="l"/>
+                <a:tab pos="2626888" algn="l"/>
+                <a:tab pos="3283610" algn="l"/>
+                <a:tab pos="3940332" algn="l"/>
+                <a:tab pos="4597055" algn="l"/>
+                <a:tab pos="5253777" algn="l"/>
+                <a:tab pos="5910499" algn="l"/>
+                <a:tab pos="6567221" algn="l"/>
+                <a:tab pos="7223943" algn="l"/>
+              </a:tabLst>
+            </a:pPr>
+            <a:r>
+              <a:rPr lang="en-GB" altLang="en-US" sz="1814">
+                <a:solidFill>
+                  <a:srgbClr val="000000"/>
+                </a:solidFill>
+                <a:latin typeface="Calibri" panose="020F0502020204030204" pitchFamily="34" charset="0"/>
+              </a:rPr>
+              <a:t>Project(Rel,fieldlist) =&gt; Rel</a:t>
+            </a:r>
+          </a:p>
+          <a:p>
+            <a:pPr marL="0" indent="0" hangingPunct="1">
+              <a:lnSpc>
+                <a:spcPct val="102000"/>
+              </a:lnSpc>
+              <a:tabLst>
+                <a:tab pos="656722" algn="l"/>
+                <a:tab pos="1313444" algn="l"/>
+                <a:tab pos="1970166" algn="l"/>
+                <a:tab pos="2626888" algn="l"/>
+                <a:tab pos="3283610" algn="l"/>
+                <a:tab pos="3940332" algn="l"/>
+                <a:tab pos="4597055" algn="l"/>
+                <a:tab pos="5253777" algn="l"/>
+                <a:tab pos="5910499" algn="l"/>
+                <a:tab pos="6567221" algn="l"/>
+                <a:tab pos="7223943" algn="l"/>
+              </a:tabLst>
+            </a:pPr>
+            <a:r>
+              <a:rPr lang="en-GB" altLang="en-US" sz="1814">
+                <a:solidFill>
+                  <a:srgbClr val="000000"/>
+                </a:solidFill>
+                <a:latin typeface="Calibri" panose="020F0502020204030204" pitchFamily="34" charset="0"/>
+              </a:rPr>
+              <a:t>Rename(Rel)=&gt; Rel</a:t>
+            </a:r>
+          </a:p>
+          <a:p>
+            <a:pPr marL="0" indent="0" hangingPunct="1">
+              <a:lnSpc>
+                <a:spcPct val="102000"/>
+              </a:lnSpc>
+              <a:tabLst>
+                <a:tab pos="656722" algn="l"/>
+                <a:tab pos="1313444" algn="l"/>
+                <a:tab pos="1970166" algn="l"/>
+                <a:tab pos="2626888" algn="l"/>
+                <a:tab pos="3283610" algn="l"/>
+                <a:tab pos="3940332" algn="l"/>
+                <a:tab pos="4597055" algn="l"/>
+                <a:tab pos="5253777" algn="l"/>
+                <a:tab pos="5910499" algn="l"/>
+                <a:tab pos="6567221" algn="l"/>
+                <a:tab pos="7223943" algn="l"/>
+              </a:tabLst>
+            </a:pPr>
+            <a:r>
+              <a:rPr lang="en-GB" altLang="en-US" sz="1814">
+                <a:solidFill>
+                  <a:srgbClr val="000000"/>
+                </a:solidFill>
+                <a:latin typeface="Calibri" panose="020F0502020204030204" pitchFamily="34" charset="0"/>
+              </a:rPr>
+              <a:t>SetOperators(Rel1..Reln) =&gt; Rel</a:t>
+            </a:r>
+          </a:p>
+          <a:p>
+            <a:pPr marL="0" indent="0" hangingPunct="1">
+              <a:lnSpc>
+                <a:spcPct val="102000"/>
+              </a:lnSpc>
+              <a:tabLst>
+                <a:tab pos="656722" algn="l"/>
+                <a:tab pos="1313444" algn="l"/>
+                <a:tab pos="1970166" algn="l"/>
+                <a:tab pos="2626888" algn="l"/>
+                <a:tab pos="3283610" algn="l"/>
+                <a:tab pos="3940332" algn="l"/>
+                <a:tab pos="4597055" algn="l"/>
+                <a:tab pos="5253777" algn="l"/>
+                <a:tab pos="5910499" algn="l"/>
+                <a:tab pos="6567221" algn="l"/>
+                <a:tab pos="7223943" algn="l"/>
+              </a:tabLst>
+            </a:pPr>
+            <a:r>
+              <a:rPr lang="en-GB" altLang="en-US" sz="1814">
+                <a:solidFill>
+                  <a:srgbClr val="000000"/>
+                </a:solidFill>
+                <a:latin typeface="Calibri" panose="020F0502020204030204" pitchFamily="34" charset="0"/>
+              </a:rPr>
+              <a:t>Group(Rel,Pred) =&gt; Rel</a:t>
+            </a:r>
+          </a:p>
+          <a:p>
+            <a:pPr marL="0" indent="0" hangingPunct="1">
+              <a:lnSpc>
+                <a:spcPct val="102000"/>
+              </a:lnSpc>
+              <a:tabLst>
+                <a:tab pos="656722" algn="l"/>
+                <a:tab pos="1313444" algn="l"/>
+                <a:tab pos="1970166" algn="l"/>
+                <a:tab pos="2626888" algn="l"/>
+                <a:tab pos="3283610" algn="l"/>
+                <a:tab pos="3940332" algn="l"/>
+                <a:tab pos="4597055" algn="l"/>
+                <a:tab pos="5253777" algn="l"/>
+                <a:tab pos="5910499" algn="l"/>
+                <a:tab pos="6567221" algn="l"/>
+                <a:tab pos="7223943" algn="l"/>
+              </a:tabLst>
+            </a:pPr>
+            <a:r>
+              <a:rPr lang="en-GB" altLang="en-US" sz="1814">
+                <a:solidFill>
+                  <a:srgbClr val="000000"/>
+                </a:solidFill>
+                <a:latin typeface="Calibri" panose="020F0502020204030204" pitchFamily="34" charset="0"/>
+              </a:rPr>
+              <a:t>And so on…</a:t>
+            </a:r>
+          </a:p>
+        </p:txBody>
+      </p:sp>
+    </p:spTree>
+  </p:cSld>
+  <p:clrMapOvr>
+    <a:masterClrMapping/>
+  </p:clrMapOvr>
+  <p:transition spd="med"/>
+  <p:timing>
+    <p:tnLst>
+      <p:par>
+        <p:cTn id="1" dur="indefinite" restart="never" nodeType="tmRoot">
+          <p:childTnLst>
+            <p:seq concurrent="1" nextAc="seek">
+              <p:cTn id="2" dur="0" nodeType="mainSeq"/>
+              <p:prevCondLst>
+                <p:cond evt="onPrev" delay="0">
+                  <p:tgtEl>
+                    <p:sldTgt/>
+                  </p:tgtEl>
+                </p:cond>
+              </p:prevCondLst>
+              <p:nextCondLst>
+                <p:cond evt="onNext" delay="0">
+                  <p:tgtEl>
+                    <p:sldTgt/>
+                  </p:tgtEl>
+                </p:cond>
+              </p:nextCondLst>
+            </p:seq>
+          </p:childTnLst>
+        </p:cTn>
+      </p:par>
+    </p:tnLst>
+  </p:timing>
+</p:sld>
+</file>
+
+<file path=ppt/slides/slide27.xml><?xml version="1.0" encoding="utf-8"?>
 <p:sld xmlns:a="http://schemas.openxmlformats.org/drawingml/2006/main" xmlns:r="http://schemas.openxmlformats.org/officeDocument/2006/relationships" xmlns:p="http://schemas.openxmlformats.org/presentationml/2006/main">
   <p:cSld>
     <p:spTree>
@@ -9877,7 +10028,7 @@
 </p:sld>
 </file>
 
-<file path=ppt/slides/slide27.xml><?xml version="1.0" encoding="utf-8"?>
+<file path=ppt/slides/slide28.xml><?xml version="1.0" encoding="utf-8"?>
 <p:sld xmlns:a="http://schemas.openxmlformats.org/drawingml/2006/main" xmlns:r="http://schemas.openxmlformats.org/officeDocument/2006/relationships" xmlns:p="http://schemas.openxmlformats.org/presentationml/2006/main">
   <p:cSld>
     <p:spTree>
@@ -10324,7 +10475,7 @@
 </p:sld>
 </file>
 
-<file path=ppt/slides/slide28.xml><?xml version="1.0" encoding="utf-8"?>
+<file path=ppt/slides/slide29.xml><?xml version="1.0" encoding="utf-8"?>
 <p:sld xmlns:a="http://schemas.openxmlformats.org/drawingml/2006/main" xmlns:r="http://schemas.openxmlformats.org/officeDocument/2006/relationships" xmlns:p="http://schemas.openxmlformats.org/presentationml/2006/main">
   <p:cSld>
     <p:spTree>
@@ -10485,7 +10636,158 @@
 </p:sld>
 </file>
 
-<file path=ppt/slides/slide29.xml><?xml version="1.0" encoding="utf-8"?>
+<file path=ppt/slides/slide3.xml><?xml version="1.0" encoding="utf-8"?>
+<p:sld xmlns:a="http://schemas.openxmlformats.org/drawingml/2006/main" xmlns:r="http://schemas.openxmlformats.org/officeDocument/2006/relationships" xmlns:p="http://schemas.openxmlformats.org/presentationml/2006/main">
+  <p:cSld>
+    <p:spTree>
+      <p:nvGrpSpPr>
+        <p:cNvPr id="1" name=""/>
+        <p:cNvGrpSpPr/>
+        <p:nvPr/>
+      </p:nvGrpSpPr>
+      <p:grpSpPr>
+        <a:xfrm>
+          <a:off x="0" y="0"/>
+          <a:ext cx="0" cy="0"/>
+          <a:chOff x="0" y="0"/>
+          <a:chExt cx="0" cy="0"/>
+        </a:xfrm>
+      </p:grpSpPr>
+      <p:sp>
+        <p:nvSpPr>
+          <p:cNvPr id="2" name="Title 1">
+            <a:extLst>
+              <a:ext uri="{FF2B5EF4-FFF2-40B4-BE49-F238E27FC236}">
+                <a16:creationId xmlns:a16="http://schemas.microsoft.com/office/drawing/2014/main" id="{3531835D-0B6E-4E03-8E51-BFDDC4E528D5}"/>
+              </a:ext>
+            </a:extLst>
+          </p:cNvPr>
+          <p:cNvSpPr>
+            <a:spLocks noGrp="1"/>
+          </p:cNvSpPr>
+          <p:nvPr>
+            <p:ph type="title"/>
+          </p:nvPr>
+        </p:nvSpPr>
+        <p:spPr/>
+        <p:txBody>
+          <a:bodyPr/>
+          <a:lstStyle/>
+          <a:p>
+            <a:r>
+              <a:rPr lang="en-US" dirty="0"/>
+              <a:t>A Disclaimer</a:t>
+            </a:r>
+          </a:p>
+        </p:txBody>
+      </p:sp>
+      <p:sp>
+        <p:nvSpPr>
+          <p:cNvPr id="3" name="Content Placeholder 2">
+            <a:extLst>
+              <a:ext uri="{FF2B5EF4-FFF2-40B4-BE49-F238E27FC236}">
+                <a16:creationId xmlns:a16="http://schemas.microsoft.com/office/drawing/2014/main" id="{C69A6DF4-CFB6-4164-9DF0-94AE05C6B011}"/>
+              </a:ext>
+            </a:extLst>
+          </p:cNvPr>
+          <p:cNvSpPr>
+            <a:spLocks noGrp="1"/>
+          </p:cNvSpPr>
+          <p:nvPr>
+            <p:ph idx="1"/>
+          </p:nvPr>
+        </p:nvSpPr>
+        <p:spPr>
+          <a:xfrm>
+            <a:off x="1006080" y="1778588"/>
+            <a:ext cx="10179840" cy="4319013"/>
+          </a:xfrm>
+        </p:spPr>
+        <p:txBody>
+          <a:bodyPr/>
+          <a:lstStyle/>
+          <a:p>
+            <a:pPr marL="457200" indent="-457200">
+              <a:buFont typeface="Arial" panose="020B0604020202020204" pitchFamily="34" charset="0"/>
+              <a:buChar char="•"/>
+            </a:pPr>
+            <a:r>
+              <a:rPr lang="en-US" dirty="0"/>
+              <a:t>Aim of this session can be summed up as “Learn For Reasoning”</a:t>
+            </a:r>
+          </a:p>
+          <a:p>
+            <a:pPr marL="457200" indent="-457200">
+              <a:buFont typeface="Arial" panose="020B0604020202020204" pitchFamily="34" charset="0"/>
+              <a:buChar char="•"/>
+            </a:pPr>
+            <a:r>
+              <a:rPr lang="en-US" dirty="0"/>
+              <a:t>Programs given here are “Toy” programs which will help one to reason about programs and programming models</a:t>
+            </a:r>
+          </a:p>
+          <a:p>
+            <a:pPr marL="457200" indent="-457200">
+              <a:buFont typeface="Arial" panose="020B0604020202020204" pitchFamily="34" charset="0"/>
+              <a:buChar char="•"/>
+            </a:pPr>
+            <a:r>
+              <a:rPr lang="en-US" dirty="0"/>
+              <a:t>Mathematics has got representational and computational facets. The session focuses on representational aspects</a:t>
+            </a:r>
+          </a:p>
+          <a:p>
+            <a:pPr marL="457200" indent="-457200">
+              <a:buFont typeface="Arial" panose="020B0604020202020204" pitchFamily="34" charset="0"/>
+              <a:buChar char="•"/>
+            </a:pPr>
+            <a:r>
+              <a:rPr lang="en-US" dirty="0"/>
+              <a:t>The session only focuses on Arithmetic and Algebraic aspects of basic mathematics</a:t>
+            </a:r>
+          </a:p>
+          <a:p>
+            <a:pPr marL="457200" indent="-457200">
+              <a:buFont typeface="Arial" panose="020B0604020202020204" pitchFamily="34" charset="0"/>
+              <a:buChar char="•"/>
+            </a:pPr>
+            <a:r>
+              <a:rPr lang="en-US" dirty="0"/>
+              <a:t>In the future, sessions on “</a:t>
+            </a:r>
+            <a:r>
+              <a:rPr lang="en-US" dirty="0" err="1"/>
+              <a:t>Trignometry,Geometry</a:t>
+            </a:r>
+            <a:r>
+              <a:rPr lang="en-US" dirty="0"/>
+              <a:t> and 2D/3D Transformations” , “Linear Algebra” , “Abstract Algebra” </a:t>
+            </a:r>
+            <a:r>
+              <a:rPr lang="en-US" dirty="0" err="1"/>
+              <a:t>etc</a:t>
+            </a:r>
+            <a:r>
+              <a:rPr lang="en-US" dirty="0"/>
+              <a:t> will be taken</a:t>
+            </a:r>
+          </a:p>
+        </p:txBody>
+      </p:sp>
+    </p:spTree>
+    <p:extLst>
+      <p:ext uri="{BB962C8B-B14F-4D97-AF65-F5344CB8AC3E}">
+        <p14:creationId xmlns:p14="http://schemas.microsoft.com/office/powerpoint/2010/main" val="3778853346"/>
+      </p:ext>
+    </p:extLst>
+  </p:cSld>
+  <p:clrMapOvr>
+    <a:masterClrMapping/>
+  </p:clrMapOvr>
+</p:sld>
+</file>
+
+<file path=ppt/slides/slide30.xml><?xml version="1.0" encoding="utf-8"?>
 <p:sld xmlns:a="http://schemas.openxmlformats.org/drawingml/2006/main" xmlns:r="http://schemas.openxmlformats.org/officeDocument/2006/relationships" xmlns:p="http://schemas.openxmlformats.org/presentationml/2006/main">
   <p:cSld>
     <p:spTree>
@@ -10575,109 +10877,7 @@
 </p:sld>
 </file>
 
-<file path=ppt/slides/slide3.xml><?xml version="1.0" encoding="utf-8"?>
-<p:sld xmlns:a="http://schemas.openxmlformats.org/drawingml/2006/main" xmlns:r="http://schemas.openxmlformats.org/officeDocument/2006/relationships" xmlns:p="http://schemas.openxmlformats.org/presentationml/2006/main">
-  <p:cSld>
-    <p:spTree>
-      <p:nvGrpSpPr>
-        <p:cNvPr id="1" name=""/>
-        <p:cNvGrpSpPr/>
-        <p:nvPr/>
-      </p:nvGrpSpPr>
-      <p:grpSpPr>
-        <a:xfrm>
-          <a:off x="0" y="0"/>
-          <a:ext cx="0" cy="0"/>
-          <a:chOff x="0" y="0"/>
-          <a:chExt cx="0" cy="0"/>
-        </a:xfrm>
-      </p:grpSpPr>
-      <p:sp>
-        <p:nvSpPr>
-          <p:cNvPr id="2" name="Title 1">
-            <a:extLst>
-              <a:ext uri="{FF2B5EF4-FFF2-40B4-BE49-F238E27FC236}">
-                <a16:creationId xmlns:a16="http://schemas.microsoft.com/office/drawing/2014/main" id="{7A752E79-F64D-49D2-B1A4-DAC4BC1C5131}"/>
-              </a:ext>
-            </a:extLst>
-          </p:cNvPr>
-          <p:cNvSpPr>
-            <a:spLocks noGrp="1"/>
-          </p:cNvSpPr>
-          <p:nvPr>
-            <p:ph type="title"/>
-          </p:nvPr>
-        </p:nvSpPr>
-        <p:spPr/>
-        <p:txBody>
-          <a:bodyPr/>
-          <a:lstStyle/>
-          <a:p>
-            <a:r>
-              <a:rPr lang="en-US" dirty="0"/>
-              <a:t>Source Code Available from </a:t>
-            </a:r>
-          </a:p>
-        </p:txBody>
-      </p:sp>
-      <p:sp>
-        <p:nvSpPr>
-          <p:cNvPr id="3" name="Content Placeholder 2">
-            <a:extLst>
-              <a:ext uri="{FF2B5EF4-FFF2-40B4-BE49-F238E27FC236}">
-                <a16:creationId xmlns:a16="http://schemas.microsoft.com/office/drawing/2014/main" id="{4C66C5DE-8201-4528-9684-49058B85007E}"/>
-              </a:ext>
-            </a:extLst>
-          </p:cNvPr>
-          <p:cNvSpPr>
-            <a:spLocks noGrp="1"/>
-          </p:cNvSpPr>
-          <p:nvPr>
-            <p:ph idx="1"/>
-          </p:nvPr>
-        </p:nvSpPr>
-        <p:spPr/>
-        <p:txBody>
-          <a:bodyPr/>
-          <a:lstStyle/>
-          <a:p>
-            <a:r>
-              <a:rPr lang="en-US" dirty="0">
-                <a:solidFill>
-                  <a:srgbClr val="FF0000"/>
-                </a:solidFill>
-                <a:hlinkClick r:id="rId2">
-                  <a:extLst>
-                    <a:ext uri="{A12FA001-AC4F-418D-AE19-62706E023703}">
-                      <ahyp:hlinkClr xmlns:ahyp="http://schemas.microsoft.com/office/drawing/2018/hyperlinkcolor" val="tx"/>
-                    </a:ext>
-                  </a:extLst>
-                </a:hlinkClick>
-              </a:rPr>
-              <a:t>http://github.com/praseedpai/ElementaryMathForProgrammingSeries/tree/master/AlgebraNArith</a:t>
-            </a:r>
-            <a:endParaRPr lang="en-US" dirty="0">
-              <a:solidFill>
-                <a:srgbClr val="FF0000"/>
-              </a:solidFill>
-            </a:endParaRPr>
-          </a:p>
-        </p:txBody>
-      </p:sp>
-    </p:spTree>
-    <p:extLst>
-      <p:ext uri="{BB962C8B-B14F-4D97-AF65-F5344CB8AC3E}">
-        <p14:creationId xmlns:p14="http://schemas.microsoft.com/office/powerpoint/2010/main" val="1309014120"/>
-      </p:ext>
-    </p:extLst>
-  </p:cSld>
-  <p:clrMapOvr>
-    <a:masterClrMapping/>
-  </p:clrMapOvr>
-</p:sld>
-</file>
-
-<file path=ppt/slides/slide30.xml><?xml version="1.0" encoding="utf-8"?>
+<file path=ppt/slides/slide31.xml><?xml version="1.0" encoding="utf-8"?>
 <p:sld xmlns:a="http://schemas.openxmlformats.org/drawingml/2006/main" xmlns:r="http://schemas.openxmlformats.org/officeDocument/2006/relationships" xmlns:p="http://schemas.openxmlformats.org/presentationml/2006/main">
   <p:cSld>
     <p:spTree>
@@ -10795,7 +10995,7 @@
 </p:sld>
 </file>
 
-<file path=ppt/slides/slide31.xml><?xml version="1.0" encoding="utf-8"?>
+<file path=ppt/slides/slide32.xml><?xml version="1.0" encoding="utf-8"?>
 <p:sld xmlns:a="http://schemas.openxmlformats.org/drawingml/2006/main" xmlns:r="http://schemas.openxmlformats.org/officeDocument/2006/relationships" xmlns:p="http://schemas.openxmlformats.org/presentationml/2006/main">
   <p:cSld>
     <p:spTree>
@@ -10885,7 +11085,7 @@
 </p:sld>
 </file>
 
-<file path=ppt/slides/slide32.xml><?xml version="1.0" encoding="utf-8"?>
+<file path=ppt/slides/slide33.xml><?xml version="1.0" encoding="utf-8"?>
 <p:sld xmlns:a="http://schemas.openxmlformats.org/drawingml/2006/main" xmlns:r="http://schemas.openxmlformats.org/officeDocument/2006/relationships" xmlns:p="http://schemas.openxmlformats.org/presentationml/2006/main">
   <p:cSld>
     <p:spTree>
@@ -11073,7 +11273,7 @@
 </p:sld>
 </file>
 
-<file path=ppt/slides/slide33.xml><?xml version="1.0" encoding="utf-8"?>
+<file path=ppt/slides/slide34.xml><?xml version="1.0" encoding="utf-8"?>
 <p:sld xmlns:a="http://schemas.openxmlformats.org/drawingml/2006/main" xmlns:r="http://schemas.openxmlformats.org/officeDocument/2006/relationships" xmlns:p="http://schemas.openxmlformats.org/presentationml/2006/main">
   <p:cSld>
     <p:spTree>
@@ -11171,7 +11371,7 @@
 </p:sld>
 </file>
 
-<file path=ppt/slides/slide34.xml><?xml version="1.0" encoding="utf-8"?>
+<file path=ppt/slides/slide35.xml><?xml version="1.0" encoding="utf-8"?>
 <p:sld xmlns:a="http://schemas.openxmlformats.org/drawingml/2006/main" xmlns:r="http://schemas.openxmlformats.org/officeDocument/2006/relationships" xmlns:p="http://schemas.openxmlformats.org/presentationml/2006/main">
   <p:cSld>
     <p:spTree>
@@ -11291,7 +11491,7 @@
 </p:sld>
 </file>
 
-<file path=ppt/slides/slide35.xml><?xml version="1.0" encoding="utf-8"?>
+<file path=ppt/slides/slide36.xml><?xml version="1.0" encoding="utf-8"?>
 <p:sld xmlns:a="http://schemas.openxmlformats.org/drawingml/2006/main" xmlns:r="http://schemas.openxmlformats.org/officeDocument/2006/relationships" xmlns:p="http://schemas.openxmlformats.org/presentationml/2006/main">
   <p:cSld>
     <p:spTree>
@@ -11381,7 +11581,7 @@
 </p:sld>
 </file>
 
-<file path=ppt/slides/slide36.xml><?xml version="1.0" encoding="utf-8"?>
+<file path=ppt/slides/slide37.xml><?xml version="1.0" encoding="utf-8"?>
 <p:sld xmlns:a="http://schemas.openxmlformats.org/drawingml/2006/main" xmlns:r="http://schemas.openxmlformats.org/officeDocument/2006/relationships" xmlns:p="http://schemas.openxmlformats.org/presentationml/2006/main">
   <p:cSld>
     <p:spTree>
@@ -11479,7 +11679,7 @@
 </p:sld>
 </file>
 
-<file path=ppt/slides/slide37.xml><?xml version="1.0" encoding="utf-8"?>
+<file path=ppt/slides/slide38.xml><?xml version="1.0" encoding="utf-8"?>
 <p:sld xmlns:a="http://schemas.openxmlformats.org/drawingml/2006/main" xmlns:r="http://schemas.openxmlformats.org/officeDocument/2006/relationships" xmlns:p="http://schemas.openxmlformats.org/presentationml/2006/main">
   <p:cSld>
     <p:spTree>
@@ -11599,7 +11799,7 @@
 </p:sld>
 </file>
 
-<file path=ppt/slides/slide38.xml><?xml version="1.0" encoding="utf-8"?>
+<file path=ppt/slides/slide39.xml><?xml version="1.0" encoding="utf-8"?>
 <p:sld xmlns:a="http://schemas.openxmlformats.org/drawingml/2006/main" xmlns:r="http://schemas.openxmlformats.org/officeDocument/2006/relationships" xmlns:p="http://schemas.openxmlformats.org/presentationml/2006/main">
   <p:cSld>
     <p:spTree>
@@ -11712,7 +11912,109 @@
 </p:sld>
 </file>
 
-<file path=ppt/slides/slide39.xml><?xml version="1.0" encoding="utf-8"?>
+<file path=ppt/slides/slide4.xml><?xml version="1.0" encoding="utf-8"?>
+<p:sld xmlns:a="http://schemas.openxmlformats.org/drawingml/2006/main" xmlns:r="http://schemas.openxmlformats.org/officeDocument/2006/relationships" xmlns:p="http://schemas.openxmlformats.org/presentationml/2006/main">
+  <p:cSld>
+    <p:spTree>
+      <p:nvGrpSpPr>
+        <p:cNvPr id="1" name=""/>
+        <p:cNvGrpSpPr/>
+        <p:nvPr/>
+      </p:nvGrpSpPr>
+      <p:grpSpPr>
+        <a:xfrm>
+          <a:off x="0" y="0"/>
+          <a:ext cx="0" cy="0"/>
+          <a:chOff x="0" y="0"/>
+          <a:chExt cx="0" cy="0"/>
+        </a:xfrm>
+      </p:grpSpPr>
+      <p:sp>
+        <p:nvSpPr>
+          <p:cNvPr id="2" name="Title 1">
+            <a:extLst>
+              <a:ext uri="{FF2B5EF4-FFF2-40B4-BE49-F238E27FC236}">
+                <a16:creationId xmlns:a16="http://schemas.microsoft.com/office/drawing/2014/main" id="{7A752E79-F64D-49D2-B1A4-DAC4BC1C5131}"/>
+              </a:ext>
+            </a:extLst>
+          </p:cNvPr>
+          <p:cNvSpPr>
+            <a:spLocks noGrp="1"/>
+          </p:cNvSpPr>
+          <p:nvPr>
+            <p:ph type="title"/>
+          </p:nvPr>
+        </p:nvSpPr>
+        <p:spPr/>
+        <p:txBody>
+          <a:bodyPr/>
+          <a:lstStyle/>
+          <a:p>
+            <a:r>
+              <a:rPr lang="en-US" dirty="0"/>
+              <a:t>Source Code Available from </a:t>
+            </a:r>
+          </a:p>
+        </p:txBody>
+      </p:sp>
+      <p:sp>
+        <p:nvSpPr>
+          <p:cNvPr id="3" name="Content Placeholder 2">
+            <a:extLst>
+              <a:ext uri="{FF2B5EF4-FFF2-40B4-BE49-F238E27FC236}">
+                <a16:creationId xmlns:a16="http://schemas.microsoft.com/office/drawing/2014/main" id="{4C66C5DE-8201-4528-9684-49058B85007E}"/>
+              </a:ext>
+            </a:extLst>
+          </p:cNvPr>
+          <p:cNvSpPr>
+            <a:spLocks noGrp="1"/>
+          </p:cNvSpPr>
+          <p:nvPr>
+            <p:ph idx="1"/>
+          </p:nvPr>
+        </p:nvSpPr>
+        <p:spPr/>
+        <p:txBody>
+          <a:bodyPr/>
+          <a:lstStyle/>
+          <a:p>
+            <a:r>
+              <a:rPr lang="en-US" dirty="0">
+                <a:solidFill>
+                  <a:srgbClr val="FF0000"/>
+                </a:solidFill>
+                <a:hlinkClick r:id="rId2">
+                  <a:extLst>
+                    <a:ext uri="{A12FA001-AC4F-418D-AE19-62706E023703}">
+                      <ahyp:hlinkClr xmlns:ahyp="http://schemas.microsoft.com/office/drawing/2018/hyperlinkcolor" val="tx"/>
+                    </a:ext>
+                  </a:extLst>
+                </a:hlinkClick>
+              </a:rPr>
+              <a:t>http://github.com/praseedpai/ElementaryMathForProgrammingSeries/tree/master/AlgebraNArith</a:t>
+            </a:r>
+            <a:endParaRPr lang="en-US" dirty="0">
+              <a:solidFill>
+                <a:srgbClr val="FF0000"/>
+              </a:solidFill>
+            </a:endParaRPr>
+          </a:p>
+        </p:txBody>
+      </p:sp>
+    </p:spTree>
+    <p:extLst>
+      <p:ext uri="{BB962C8B-B14F-4D97-AF65-F5344CB8AC3E}">
+        <p14:creationId xmlns:p14="http://schemas.microsoft.com/office/powerpoint/2010/main" val="1309014120"/>
+      </p:ext>
+    </p:extLst>
+  </p:cSld>
+  <p:clrMapOvr>
+    <a:masterClrMapping/>
+  </p:clrMapOvr>
+</p:sld>
+</file>
+
+<file path=ppt/slides/slide40.xml><?xml version="1.0" encoding="utf-8"?>
 <p:sld xmlns:a="http://schemas.openxmlformats.org/drawingml/2006/main" xmlns:r="http://schemas.openxmlformats.org/officeDocument/2006/relationships" xmlns:p="http://schemas.openxmlformats.org/presentationml/2006/main">
   <p:cSld>
     <p:spTree>
@@ -11825,159 +12127,7 @@
 </p:sld>
 </file>
 
-<file path=ppt/slides/slide4.xml><?xml version="1.0" encoding="utf-8"?>
-<p:sld xmlns:a="http://schemas.openxmlformats.org/drawingml/2006/main" xmlns:r="http://schemas.openxmlformats.org/officeDocument/2006/relationships" xmlns:p="http://schemas.openxmlformats.org/presentationml/2006/main">
-  <p:cSld>
-    <p:spTree>
-      <p:nvGrpSpPr>
-        <p:cNvPr id="1" name=""/>
-        <p:cNvGrpSpPr/>
-        <p:nvPr/>
-      </p:nvGrpSpPr>
-      <p:grpSpPr>
-        <a:xfrm>
-          <a:off x="0" y="0"/>
-          <a:ext cx="0" cy="0"/>
-          <a:chOff x="0" y="0"/>
-          <a:chExt cx="0" cy="0"/>
-        </a:xfrm>
-      </p:grpSpPr>
-      <p:sp>
-        <p:nvSpPr>
-          <p:cNvPr id="2" name="Title 1">
-            <a:extLst>
-              <a:ext uri="{FF2B5EF4-FFF2-40B4-BE49-F238E27FC236}">
-                <a16:creationId xmlns:a16="http://schemas.microsoft.com/office/drawing/2014/main" id="{E897CA25-37FF-41F9-98AC-0D35E186DBCD}"/>
-              </a:ext>
-            </a:extLst>
-          </p:cNvPr>
-          <p:cNvSpPr>
-            <a:spLocks noGrp="1"/>
-          </p:cNvSpPr>
-          <p:nvPr>
-            <p:ph type="title"/>
-          </p:nvPr>
-        </p:nvSpPr>
-        <p:spPr/>
-        <p:txBody>
-          <a:bodyPr/>
-          <a:lstStyle/>
-          <a:p>
-            <a:r>
-              <a:rPr lang="en-US" dirty="0"/>
-              <a:t>Natural Number – </a:t>
-            </a:r>
-            <a:r>
-              <a:rPr lang="en-US" dirty="0" err="1"/>
-              <a:t>Peano</a:t>
-            </a:r>
-            <a:r>
-              <a:rPr lang="en-US" dirty="0"/>
-              <a:t> Way!</a:t>
-            </a:r>
-          </a:p>
-        </p:txBody>
-      </p:sp>
-      <p:sp>
-        <p:nvSpPr>
-          <p:cNvPr id="3" name="Content Placeholder 2">
-            <a:extLst>
-              <a:ext uri="{FF2B5EF4-FFF2-40B4-BE49-F238E27FC236}">
-                <a16:creationId xmlns:a16="http://schemas.microsoft.com/office/drawing/2014/main" id="{057ED019-DB9F-4430-9E7A-25778DE44515}"/>
-              </a:ext>
-            </a:extLst>
-          </p:cNvPr>
-          <p:cNvSpPr>
-            <a:spLocks noGrp="1"/>
-          </p:cNvSpPr>
-          <p:nvPr>
-            <p:ph idx="1"/>
-          </p:nvPr>
-        </p:nvSpPr>
-        <p:spPr/>
-        <p:txBody>
-          <a:bodyPr>
-            <a:normAutofit/>
-          </a:bodyPr>
-          <a:lstStyle/>
-          <a:p>
-            <a:pPr marL="457200" indent="-457200" fontAlgn="base">
-              <a:buFont typeface="Arial" panose="020B0604020202020204" pitchFamily="34" charset="0"/>
-              <a:buChar char="•"/>
-            </a:pPr>
-            <a:r>
-              <a:rPr lang="en-US" dirty="0"/>
-              <a:t>Zero is a natural number.</a:t>
-            </a:r>
-          </a:p>
-          <a:p>
-            <a:pPr marL="457200" indent="-457200" fontAlgn="base">
-              <a:buFont typeface="Arial" panose="020B0604020202020204" pitchFamily="34" charset="0"/>
-              <a:buChar char="•"/>
-            </a:pPr>
-            <a:r>
-              <a:rPr lang="en-US" dirty="0"/>
-              <a:t>Every natural number has a successor in the natural numbers.</a:t>
-            </a:r>
-          </a:p>
-          <a:p>
-            <a:pPr marL="457200" indent="-457200" fontAlgn="base">
-              <a:buFont typeface="Arial" panose="020B0604020202020204" pitchFamily="34" charset="0"/>
-              <a:buChar char="•"/>
-            </a:pPr>
-            <a:r>
-              <a:rPr lang="en-US" dirty="0"/>
-              <a:t>Zero is not the successor of any natural number.</a:t>
-            </a:r>
-          </a:p>
-          <a:p>
-            <a:pPr marL="457200" indent="-457200" fontAlgn="base">
-              <a:buFont typeface="Arial" panose="020B0604020202020204" pitchFamily="34" charset="0"/>
-              <a:buChar char="•"/>
-            </a:pPr>
-            <a:r>
-              <a:rPr lang="en-US" dirty="0"/>
-              <a:t>If the successor of two natural numbers is the same, then the two original numbers are the same.</a:t>
-            </a:r>
-          </a:p>
-          <a:p>
-            <a:pPr marL="457200" indent="-457200" fontAlgn="base">
-              <a:buFont typeface="Arial" panose="020B0604020202020204" pitchFamily="34" charset="0"/>
-              <a:buChar char="•"/>
-            </a:pPr>
-            <a:r>
-              <a:rPr lang="en-US" dirty="0"/>
-              <a:t>If a set contains zero and the successor of every number is in the set, then the set contains the natural numbers.</a:t>
-            </a:r>
-          </a:p>
-          <a:p>
-            <a:pPr marL="0" indent="0">
-              <a:buNone/>
-            </a:pPr>
-            <a:endParaRPr lang="en-US" dirty="0"/>
-          </a:p>
-          <a:p>
-            <a:endParaRPr lang="en-US" dirty="0"/>
-          </a:p>
-          <a:p>
-            <a:endParaRPr lang="en-US" dirty="0"/>
-          </a:p>
-        </p:txBody>
-      </p:sp>
-    </p:spTree>
-    <p:extLst>
-      <p:ext uri="{BB962C8B-B14F-4D97-AF65-F5344CB8AC3E}">
-        <p14:creationId xmlns:p14="http://schemas.microsoft.com/office/powerpoint/2010/main" val="3415218936"/>
-      </p:ext>
-    </p:extLst>
-  </p:cSld>
-  <p:clrMapOvr>
-    <a:masterClrMapping/>
-  </p:clrMapOvr>
-</p:sld>
-</file>
-
-<file path=ppt/slides/slide40.xml><?xml version="1.0" encoding="utf-8"?>
+<file path=ppt/slides/slide41.xml><?xml version="1.0" encoding="utf-8"?>
 <p:sld xmlns:a="http://schemas.openxmlformats.org/drawingml/2006/main" xmlns:r="http://schemas.openxmlformats.org/officeDocument/2006/relationships" xmlns:p="http://schemas.openxmlformats.org/presentationml/2006/main">
   <p:cSld>
     <p:spTree>
@@ -12090,7 +12240,7 @@
 </p:sld>
 </file>
 
-<file path=ppt/slides/slide41.xml><?xml version="1.0" encoding="utf-8"?>
+<file path=ppt/slides/slide42.xml><?xml version="1.0" encoding="utf-8"?>
 <p:sld xmlns:a="http://schemas.openxmlformats.org/drawingml/2006/main" xmlns:r="http://schemas.openxmlformats.org/officeDocument/2006/relationships" xmlns:p="http://schemas.openxmlformats.org/presentationml/2006/main">
   <p:cSld>
     <p:spTree>
@@ -12132,7 +12282,7 @@
           </a:ln>
           <a:extLst>
             <a:ext uri="{C572A759-6A51-4108-AA02-DFA0A04FC94B}">
-              <ma14:wrappingTextBoxFlag xmlns="" xmlns:m="http://schemas.openxmlformats.org/officeDocument/2006/math" xmlns:a14="http://schemas.microsoft.com/office/drawing/2010/main" xmlns:ma14="http://schemas.microsoft.com/office/mac/drawingml/2011/main" val="1"/>
+              <ma14:wrappingTextBoxFlag xmlns:ma14="http://schemas.microsoft.com/office/mac/drawingml/2011/main" xmlns:a14="http://schemas.microsoft.com/office/drawing/2010/main" xmlns:m="http://schemas.openxmlformats.org/officeDocument/2006/math" xmlns="" val="1"/>
             </a:ext>
           </a:extLst>
         </p:spPr>
@@ -12272,7 +12422,7 @@
 </p:sld>
 </file>
 
-<file path=ppt/slides/slide42.xml><?xml version="1.0" encoding="utf-8"?>
+<file path=ppt/slides/slide43.xml><?xml version="1.0" encoding="utf-8"?>
 <p:sld xmlns:a="http://schemas.openxmlformats.org/drawingml/2006/main" xmlns:r="http://schemas.openxmlformats.org/officeDocument/2006/relationships" xmlns:p="http://schemas.openxmlformats.org/presentationml/2006/main">
   <p:cSld>
     <p:spTree>
@@ -12362,7 +12512,7 @@
 </p:sld>
 </file>
 
-<file path=ppt/slides/slide43.xml><?xml version="1.0" encoding="utf-8"?>
+<file path=ppt/slides/slide44.xml><?xml version="1.0" encoding="utf-8"?>
 <p:sld xmlns:a="http://schemas.openxmlformats.org/drawingml/2006/main" xmlns:r="http://schemas.openxmlformats.org/officeDocument/2006/relationships" xmlns:p="http://schemas.openxmlformats.org/presentationml/2006/main">
   <p:cSld>
     <p:spTree>
@@ -12475,7 +12625,7 @@
 </p:sld>
 </file>
 
-<file path=ppt/slides/slide44.xml><?xml version="1.0" encoding="utf-8"?>
+<file path=ppt/slides/slide45.xml><?xml version="1.0" encoding="utf-8"?>
 <p:sld xmlns:a="http://schemas.openxmlformats.org/drawingml/2006/main" xmlns:r="http://schemas.openxmlformats.org/officeDocument/2006/relationships" xmlns:p="http://schemas.openxmlformats.org/presentationml/2006/main">
   <p:cSld>
     <p:spTree>
@@ -12588,7 +12738,7 @@
 </p:sld>
 </file>
 
-<file path=ppt/slides/slide45.xml><?xml version="1.0" encoding="utf-8"?>
+<file path=ppt/slides/slide46.xml><?xml version="1.0" encoding="utf-8"?>
 <p:sld xmlns:a="http://schemas.openxmlformats.org/drawingml/2006/main" xmlns:r="http://schemas.openxmlformats.org/officeDocument/2006/relationships" xmlns:p="http://schemas.openxmlformats.org/presentationml/2006/main">
   <p:cSld>
     <p:spTree>
@@ -12701,7 +12851,7 @@
 </p:sld>
 </file>
 
-<file path=ppt/slides/slide46.xml><?xml version="1.0" encoding="utf-8"?>
+<file path=ppt/slides/slide47.xml><?xml version="1.0" encoding="utf-8"?>
 <p:sld xmlns:a="http://schemas.openxmlformats.org/drawingml/2006/main" xmlns:r="http://schemas.openxmlformats.org/officeDocument/2006/relationships" xmlns:p="http://schemas.openxmlformats.org/presentationml/2006/main">
   <p:cSld>
     <p:spTree>
@@ -12911,7 +13061,7 @@
 </p:sld>
 </file>
 
-<file path=ppt/slides/slide47.xml><?xml version="1.0" encoding="utf-8"?>
+<file path=ppt/slides/slide48.xml><?xml version="1.0" encoding="utf-8"?>
 <p:sld xmlns:a="http://schemas.openxmlformats.org/drawingml/2006/main" xmlns:r="http://schemas.openxmlformats.org/officeDocument/2006/relationships" xmlns:p="http://schemas.openxmlformats.org/presentationml/2006/main">
   <p:cSld>
     <p:spTree>
@@ -13084,7 +13234,7 @@
 </p:sld>
 </file>
 
-<file path=ppt/slides/slide48.xml><?xml version="1.0" encoding="utf-8"?>
+<file path=ppt/slides/slide49.xml><?xml version="1.0" encoding="utf-8"?>
 <p:sld xmlns:a="http://schemas.openxmlformats.org/drawingml/2006/main" xmlns:r="http://schemas.openxmlformats.org/officeDocument/2006/relationships" xmlns:p="http://schemas.openxmlformats.org/presentationml/2006/main">
   <p:cSld>
     <p:spTree>
@@ -13257,7 +13407,159 @@
 </p:sld>
 </file>
 
-<file path=ppt/slides/slide49.xml><?xml version="1.0" encoding="utf-8"?>
+<file path=ppt/slides/slide5.xml><?xml version="1.0" encoding="utf-8"?>
+<p:sld xmlns:a="http://schemas.openxmlformats.org/drawingml/2006/main" xmlns:r="http://schemas.openxmlformats.org/officeDocument/2006/relationships" xmlns:p="http://schemas.openxmlformats.org/presentationml/2006/main">
+  <p:cSld>
+    <p:spTree>
+      <p:nvGrpSpPr>
+        <p:cNvPr id="1" name=""/>
+        <p:cNvGrpSpPr/>
+        <p:nvPr/>
+      </p:nvGrpSpPr>
+      <p:grpSpPr>
+        <a:xfrm>
+          <a:off x="0" y="0"/>
+          <a:ext cx="0" cy="0"/>
+          <a:chOff x="0" y="0"/>
+          <a:chExt cx="0" cy="0"/>
+        </a:xfrm>
+      </p:grpSpPr>
+      <p:sp>
+        <p:nvSpPr>
+          <p:cNvPr id="2" name="Title 1">
+            <a:extLst>
+              <a:ext uri="{FF2B5EF4-FFF2-40B4-BE49-F238E27FC236}">
+                <a16:creationId xmlns:a16="http://schemas.microsoft.com/office/drawing/2014/main" id="{E897CA25-37FF-41F9-98AC-0D35E186DBCD}"/>
+              </a:ext>
+            </a:extLst>
+          </p:cNvPr>
+          <p:cNvSpPr>
+            <a:spLocks noGrp="1"/>
+          </p:cNvSpPr>
+          <p:nvPr>
+            <p:ph type="title"/>
+          </p:nvPr>
+        </p:nvSpPr>
+        <p:spPr/>
+        <p:txBody>
+          <a:bodyPr/>
+          <a:lstStyle/>
+          <a:p>
+            <a:r>
+              <a:rPr lang="en-US" dirty="0"/>
+              <a:t>Natural Number – </a:t>
+            </a:r>
+            <a:r>
+              <a:rPr lang="en-US" dirty="0" err="1"/>
+              <a:t>Peano</a:t>
+            </a:r>
+            <a:r>
+              <a:rPr lang="en-US" dirty="0"/>
+              <a:t> Way!</a:t>
+            </a:r>
+          </a:p>
+        </p:txBody>
+      </p:sp>
+      <p:sp>
+        <p:nvSpPr>
+          <p:cNvPr id="3" name="Content Placeholder 2">
+            <a:extLst>
+              <a:ext uri="{FF2B5EF4-FFF2-40B4-BE49-F238E27FC236}">
+                <a16:creationId xmlns:a16="http://schemas.microsoft.com/office/drawing/2014/main" id="{057ED019-DB9F-4430-9E7A-25778DE44515}"/>
+              </a:ext>
+            </a:extLst>
+          </p:cNvPr>
+          <p:cNvSpPr>
+            <a:spLocks noGrp="1"/>
+          </p:cNvSpPr>
+          <p:nvPr>
+            <p:ph idx="1"/>
+          </p:nvPr>
+        </p:nvSpPr>
+        <p:spPr/>
+        <p:txBody>
+          <a:bodyPr>
+            <a:normAutofit/>
+          </a:bodyPr>
+          <a:lstStyle/>
+          <a:p>
+            <a:pPr marL="457200" indent="-457200" fontAlgn="base">
+              <a:buFont typeface="Arial" panose="020B0604020202020204" pitchFamily="34" charset="0"/>
+              <a:buChar char="•"/>
+            </a:pPr>
+            <a:r>
+              <a:rPr lang="en-US" dirty="0"/>
+              <a:t>Zero is a natural number.</a:t>
+            </a:r>
+          </a:p>
+          <a:p>
+            <a:pPr marL="457200" indent="-457200" fontAlgn="base">
+              <a:buFont typeface="Arial" panose="020B0604020202020204" pitchFamily="34" charset="0"/>
+              <a:buChar char="•"/>
+            </a:pPr>
+            <a:r>
+              <a:rPr lang="en-US" dirty="0"/>
+              <a:t>Every natural number has a successor in the natural numbers.</a:t>
+            </a:r>
+          </a:p>
+          <a:p>
+            <a:pPr marL="457200" indent="-457200" fontAlgn="base">
+              <a:buFont typeface="Arial" panose="020B0604020202020204" pitchFamily="34" charset="0"/>
+              <a:buChar char="•"/>
+            </a:pPr>
+            <a:r>
+              <a:rPr lang="en-US" dirty="0"/>
+              <a:t>Zero is not the successor of any natural number.</a:t>
+            </a:r>
+          </a:p>
+          <a:p>
+            <a:pPr marL="457200" indent="-457200" fontAlgn="base">
+              <a:buFont typeface="Arial" panose="020B0604020202020204" pitchFamily="34" charset="0"/>
+              <a:buChar char="•"/>
+            </a:pPr>
+            <a:r>
+              <a:rPr lang="en-US" dirty="0"/>
+              <a:t>If the successor of two natural numbers is the same, then the two original numbers are the same.</a:t>
+            </a:r>
+          </a:p>
+          <a:p>
+            <a:pPr marL="457200" indent="-457200" fontAlgn="base">
+              <a:buFont typeface="Arial" panose="020B0604020202020204" pitchFamily="34" charset="0"/>
+              <a:buChar char="•"/>
+            </a:pPr>
+            <a:r>
+              <a:rPr lang="en-US" dirty="0"/>
+              <a:t>If a set contains zero and the successor of every number is in the set, then the set contains the natural numbers.</a:t>
+            </a:r>
+          </a:p>
+          <a:p>
+            <a:pPr marL="0" indent="0">
+              <a:buNone/>
+            </a:pPr>
+            <a:endParaRPr lang="en-US" dirty="0"/>
+          </a:p>
+          <a:p>
+            <a:endParaRPr lang="en-US" dirty="0"/>
+          </a:p>
+          <a:p>
+            <a:endParaRPr lang="en-US" dirty="0"/>
+          </a:p>
+        </p:txBody>
+      </p:sp>
+    </p:spTree>
+    <p:extLst>
+      <p:ext uri="{BB962C8B-B14F-4D97-AF65-F5344CB8AC3E}">
+        <p14:creationId xmlns:p14="http://schemas.microsoft.com/office/powerpoint/2010/main" val="3415218936"/>
+      </p:ext>
+    </p:extLst>
+  </p:cSld>
+  <p:clrMapOvr>
+    <a:masterClrMapping/>
+  </p:clrMapOvr>
+</p:sld>
+</file>
+
+<file path=ppt/slides/slide50.xml><?xml version="1.0" encoding="utf-8"?>
 <p:sld xmlns:a="http://schemas.openxmlformats.org/drawingml/2006/main" xmlns:r="http://schemas.openxmlformats.org/officeDocument/2006/relationships" xmlns:p="http://schemas.openxmlformats.org/presentationml/2006/main">
   <p:cSld>
     <p:spTree>
@@ -13430,7 +13732,1040 @@
 </p:sld>
 </file>
 
-<file path=ppt/slides/slide5.xml><?xml version="1.0" encoding="utf-8"?>
+<file path=ppt/slides/slide51.xml><?xml version="1.0" encoding="utf-8"?>
+<p:sld xmlns:a="http://schemas.openxmlformats.org/drawingml/2006/main" xmlns:r="http://schemas.openxmlformats.org/officeDocument/2006/relationships" xmlns:p="http://schemas.openxmlformats.org/presentationml/2006/main">
+  <p:cSld>
+    <p:spTree>
+      <p:nvGrpSpPr>
+        <p:cNvPr id="1" name=""/>
+        <p:cNvGrpSpPr/>
+        <p:nvPr/>
+      </p:nvGrpSpPr>
+      <p:grpSpPr>
+        <a:xfrm>
+          <a:off x="0" y="0"/>
+          <a:ext cx="0" cy="0"/>
+          <a:chOff x="0" y="0"/>
+          <a:chExt cx="0" cy="0"/>
+        </a:xfrm>
+      </p:grpSpPr>
+      <p:sp>
+        <p:nvSpPr>
+          <p:cNvPr id="2" name="Title 1">
+            <a:extLst>
+              <a:ext uri="{FF2B5EF4-FFF2-40B4-BE49-F238E27FC236}">
+                <a16:creationId xmlns:a16="http://schemas.microsoft.com/office/drawing/2014/main" id="{968143C2-472A-4AB4-B1BE-2BBF7038C9A0}"/>
+              </a:ext>
+            </a:extLst>
+          </p:cNvPr>
+          <p:cNvSpPr>
+            <a:spLocks noGrp="1"/>
+          </p:cNvSpPr>
+          <p:nvPr>
+            <p:ph type="title"/>
+          </p:nvPr>
+        </p:nvSpPr>
+        <p:spPr/>
+        <p:txBody>
+          <a:bodyPr/>
+          <a:lstStyle/>
+          <a:p>
+            <a:r>
+              <a:rPr lang="en-US" dirty="0"/>
+              <a:t>Standard Deviation (STD )</a:t>
+            </a:r>
+          </a:p>
+        </p:txBody>
+      </p:sp>
+      <p:pic>
+        <p:nvPicPr>
+          <p:cNvPr id="4" name="Content Placeholder 3">
+            <a:extLst>
+              <a:ext uri="{FF2B5EF4-FFF2-40B4-BE49-F238E27FC236}">
+                <a16:creationId xmlns:a16="http://schemas.microsoft.com/office/drawing/2014/main" id="{F8366C6F-5C2C-4EA3-B78C-FA3B13010867}"/>
+              </a:ext>
+            </a:extLst>
+          </p:cNvPr>
+          <p:cNvPicPr>
+            <a:picLocks noGrp="1" noChangeAspect="1"/>
+          </p:cNvPicPr>
+          <p:nvPr>
+            <p:ph idx="1"/>
+          </p:nvPr>
+        </p:nvPicPr>
+        <p:blipFill>
+          <a:blip r:embed="rId2"/>
+          <a:stretch>
+            <a:fillRect/>
+          </a:stretch>
+        </p:blipFill>
+        <p:spPr>
+          <a:xfrm>
+            <a:off x="1524000" y="2590156"/>
+            <a:ext cx="8222712" cy="3019125"/>
+          </a:xfrm>
+          <a:prstGeom prst="rect">
+            <a:avLst/>
+          </a:prstGeom>
+        </p:spPr>
+      </p:pic>
+    </p:spTree>
+    <p:extLst>
+      <p:ext uri="{BB962C8B-B14F-4D97-AF65-F5344CB8AC3E}">
+        <p14:creationId xmlns:p14="http://schemas.microsoft.com/office/powerpoint/2010/main" val="3083174007"/>
+      </p:ext>
+    </p:extLst>
+  </p:cSld>
+  <p:clrMapOvr>
+    <a:masterClrMapping/>
+  </p:clrMapOvr>
+</p:sld>
+</file>
+
+<file path=ppt/slides/slide52.xml><?xml version="1.0" encoding="utf-8"?>
+<p:sld xmlns:a="http://schemas.openxmlformats.org/drawingml/2006/main" xmlns:r="http://schemas.openxmlformats.org/officeDocument/2006/relationships" xmlns:p="http://schemas.openxmlformats.org/presentationml/2006/main">
+  <p:cSld>
+    <p:spTree>
+      <p:nvGrpSpPr>
+        <p:cNvPr id="1" name=""/>
+        <p:cNvGrpSpPr/>
+        <p:nvPr/>
+      </p:nvGrpSpPr>
+      <p:grpSpPr>
+        <a:xfrm>
+          <a:off x="0" y="0"/>
+          <a:ext cx="0" cy="0"/>
+          <a:chOff x="0" y="0"/>
+          <a:chExt cx="0" cy="0"/>
+        </a:xfrm>
+      </p:grpSpPr>
+      <p:sp>
+        <p:nvSpPr>
+          <p:cNvPr id="2" name="Title 1">
+            <a:extLst>
+              <a:ext uri="{FF2B5EF4-FFF2-40B4-BE49-F238E27FC236}">
+                <a16:creationId xmlns:a16="http://schemas.microsoft.com/office/drawing/2014/main" id="{0E7C1730-01BC-46AC-AE99-769674DCE5BB}"/>
+              </a:ext>
+            </a:extLst>
+          </p:cNvPr>
+          <p:cNvSpPr>
+            <a:spLocks noGrp="1"/>
+          </p:cNvSpPr>
+          <p:nvPr>
+            <p:ph type="title"/>
+          </p:nvPr>
+        </p:nvSpPr>
+        <p:spPr/>
+        <p:txBody>
+          <a:bodyPr/>
+          <a:lstStyle/>
+          <a:p>
+            <a:r>
+              <a:rPr lang="en-IN" dirty="0"/>
+              <a:t>Mean Absolute Deviation</a:t>
+            </a:r>
+          </a:p>
+        </p:txBody>
+      </p:sp>
+      <p:sp>
+        <p:nvSpPr>
+          <p:cNvPr id="4" name="Content Placeholder 3">
+            <a:extLst>
+              <a:ext uri="{FF2B5EF4-FFF2-40B4-BE49-F238E27FC236}">
+                <a16:creationId xmlns:a16="http://schemas.microsoft.com/office/drawing/2014/main" id="{2BE327A5-588F-4445-A4CE-805A651E90EE}"/>
+              </a:ext>
+            </a:extLst>
+          </p:cNvPr>
+          <p:cNvSpPr>
+            <a:spLocks noGrp="1"/>
+          </p:cNvSpPr>
+          <p:nvPr>
+            <p:ph idx="1"/>
+          </p:nvPr>
+        </p:nvSpPr>
+        <p:spPr/>
+        <p:txBody>
+          <a:bodyPr/>
+          <a:lstStyle/>
+          <a:p>
+            <a:endParaRPr lang="en-US"/>
+          </a:p>
+        </p:txBody>
+      </p:sp>
+      <p:pic>
+        <p:nvPicPr>
+          <p:cNvPr id="3" name="Picture 2">
+            <a:extLst>
+              <a:ext uri="{FF2B5EF4-FFF2-40B4-BE49-F238E27FC236}">
+                <a16:creationId xmlns:a16="http://schemas.microsoft.com/office/drawing/2014/main" id="{0D1C8690-9843-4634-969A-C5425D634B3F}"/>
+              </a:ext>
+            </a:extLst>
+          </p:cNvPr>
+          <p:cNvPicPr>
+            <a:picLocks noChangeAspect="1"/>
+          </p:cNvPicPr>
+          <p:nvPr/>
+        </p:nvPicPr>
+        <p:blipFill>
+          <a:blip r:embed="rId2"/>
+          <a:stretch>
+            <a:fillRect/>
+          </a:stretch>
+        </p:blipFill>
+        <p:spPr>
+          <a:xfrm>
+            <a:off x="3676650" y="2933700"/>
+            <a:ext cx="4838700" cy="990600"/>
+          </a:xfrm>
+          <a:prstGeom prst="rect">
+            <a:avLst/>
+          </a:prstGeom>
+        </p:spPr>
+      </p:pic>
+    </p:spTree>
+    <p:extLst>
+      <p:ext uri="{BB962C8B-B14F-4D97-AF65-F5344CB8AC3E}">
+        <p14:creationId xmlns:p14="http://schemas.microsoft.com/office/powerpoint/2010/main" val="3092117002"/>
+      </p:ext>
+    </p:extLst>
+  </p:cSld>
+  <p:clrMapOvr>
+    <a:masterClrMapping/>
+  </p:clrMapOvr>
+</p:sld>
+</file>
+
+<file path=ppt/slides/slide53.xml><?xml version="1.0" encoding="utf-8"?>
+<p:sld xmlns:a="http://schemas.openxmlformats.org/drawingml/2006/main" xmlns:r="http://schemas.openxmlformats.org/officeDocument/2006/relationships" xmlns:p="http://schemas.openxmlformats.org/presentationml/2006/main">
+  <p:cSld>
+    <p:spTree>
+      <p:nvGrpSpPr>
+        <p:cNvPr id="1" name=""/>
+        <p:cNvGrpSpPr/>
+        <p:nvPr/>
+      </p:nvGrpSpPr>
+      <p:grpSpPr>
+        <a:xfrm>
+          <a:off x="0" y="0"/>
+          <a:ext cx="0" cy="0"/>
+          <a:chOff x="0" y="0"/>
+          <a:chExt cx="0" cy="0"/>
+        </a:xfrm>
+      </p:grpSpPr>
+      <p:sp>
+        <p:nvSpPr>
+          <p:cNvPr id="2" name="Title 1">
+            <a:extLst>
+              <a:ext uri="{FF2B5EF4-FFF2-40B4-BE49-F238E27FC236}">
+                <a16:creationId xmlns:a16="http://schemas.microsoft.com/office/drawing/2014/main" id="{A60F669E-8663-4796-90AC-EAF6F4039155}"/>
+              </a:ext>
+            </a:extLst>
+          </p:cNvPr>
+          <p:cNvSpPr>
+            <a:spLocks noGrp="1"/>
+          </p:cNvSpPr>
+          <p:nvPr>
+            <p:ph type="title"/>
+          </p:nvPr>
+        </p:nvSpPr>
+        <p:spPr/>
+        <p:txBody>
+          <a:bodyPr/>
+          <a:lstStyle/>
+          <a:p>
+            <a:r>
+              <a:rPr lang="en-IN" dirty="0"/>
+              <a:t>Covariance</a:t>
+            </a:r>
+          </a:p>
+        </p:txBody>
+      </p:sp>
+      <p:sp>
+        <p:nvSpPr>
+          <p:cNvPr id="5" name="Content Placeholder 4">
+            <a:extLst>
+              <a:ext uri="{FF2B5EF4-FFF2-40B4-BE49-F238E27FC236}">
+                <a16:creationId xmlns:a16="http://schemas.microsoft.com/office/drawing/2014/main" id="{69AF7CFE-F928-45A2-9F33-8B22B62E0A24}"/>
+              </a:ext>
+            </a:extLst>
+          </p:cNvPr>
+          <p:cNvSpPr>
+            <a:spLocks noGrp="1"/>
+          </p:cNvSpPr>
+          <p:nvPr>
+            <p:ph idx="1"/>
+          </p:nvPr>
+        </p:nvSpPr>
+        <p:spPr/>
+        <p:txBody>
+          <a:bodyPr/>
+          <a:lstStyle/>
+          <a:p>
+            <a:endParaRPr lang="en-US"/>
+          </a:p>
+        </p:txBody>
+      </p:sp>
+      <p:pic>
+        <p:nvPicPr>
+          <p:cNvPr id="3" name="Picture 2">
+            <a:extLst>
+              <a:ext uri="{FF2B5EF4-FFF2-40B4-BE49-F238E27FC236}">
+                <a16:creationId xmlns:a16="http://schemas.microsoft.com/office/drawing/2014/main" id="{A261FA19-D94A-4AC8-A6F3-67FEC5630FAA}"/>
+              </a:ext>
+            </a:extLst>
+          </p:cNvPr>
+          <p:cNvPicPr>
+            <a:picLocks noChangeAspect="1"/>
+          </p:cNvPicPr>
+          <p:nvPr/>
+        </p:nvPicPr>
+        <p:blipFill>
+          <a:blip r:embed="rId2"/>
+          <a:stretch>
+            <a:fillRect/>
+          </a:stretch>
+        </p:blipFill>
+        <p:spPr>
+          <a:xfrm>
+            <a:off x="838200" y="2345987"/>
+            <a:ext cx="4514850" cy="609600"/>
+          </a:xfrm>
+          <a:prstGeom prst="rect">
+            <a:avLst/>
+          </a:prstGeom>
+        </p:spPr>
+      </p:pic>
+      <p:pic>
+        <p:nvPicPr>
+          <p:cNvPr id="4" name="Picture 3">
+            <a:extLst>
+              <a:ext uri="{FF2B5EF4-FFF2-40B4-BE49-F238E27FC236}">
+                <a16:creationId xmlns:a16="http://schemas.microsoft.com/office/drawing/2014/main" id="{205A4142-4CB7-418B-9C75-C762CBBB3D06}"/>
+              </a:ext>
+            </a:extLst>
+          </p:cNvPr>
+          <p:cNvPicPr>
+            <a:picLocks noChangeAspect="1"/>
+          </p:cNvPicPr>
+          <p:nvPr/>
+        </p:nvPicPr>
+        <p:blipFill>
+          <a:blip r:embed="rId3"/>
+          <a:stretch>
+            <a:fillRect/>
+          </a:stretch>
+        </p:blipFill>
+        <p:spPr>
+          <a:xfrm>
+            <a:off x="831310" y="2807138"/>
+            <a:ext cx="5657850" cy="2352675"/>
+          </a:xfrm>
+          <a:prstGeom prst="rect">
+            <a:avLst/>
+          </a:prstGeom>
+        </p:spPr>
+      </p:pic>
+    </p:spTree>
+    <p:extLst>
+      <p:ext uri="{BB962C8B-B14F-4D97-AF65-F5344CB8AC3E}">
+        <p14:creationId xmlns:p14="http://schemas.microsoft.com/office/powerpoint/2010/main" val="3043350265"/>
+      </p:ext>
+    </p:extLst>
+  </p:cSld>
+  <p:clrMapOvr>
+    <a:masterClrMapping/>
+  </p:clrMapOvr>
+</p:sld>
+</file>
+
+<file path=ppt/slides/slide54.xml><?xml version="1.0" encoding="utf-8"?>
+<p:sld xmlns:a="http://schemas.openxmlformats.org/drawingml/2006/main" xmlns:r="http://schemas.openxmlformats.org/officeDocument/2006/relationships" xmlns:p="http://schemas.openxmlformats.org/presentationml/2006/main">
+  <p:cSld>
+    <p:spTree>
+      <p:nvGrpSpPr>
+        <p:cNvPr id="1" name=""/>
+        <p:cNvGrpSpPr/>
+        <p:nvPr/>
+      </p:nvGrpSpPr>
+      <p:grpSpPr>
+        <a:xfrm>
+          <a:off x="0" y="0"/>
+          <a:ext cx="0" cy="0"/>
+          <a:chOff x="0" y="0"/>
+          <a:chExt cx="0" cy="0"/>
+        </a:xfrm>
+      </p:grpSpPr>
+      <p:sp>
+        <p:nvSpPr>
+          <p:cNvPr id="2" name="Title 1">
+            <a:extLst>
+              <a:ext uri="{FF2B5EF4-FFF2-40B4-BE49-F238E27FC236}">
+                <a16:creationId xmlns:a16="http://schemas.microsoft.com/office/drawing/2014/main" id="{4B1C3280-9E50-4899-A09E-7BDC1E0317A1}"/>
+              </a:ext>
+            </a:extLst>
+          </p:cNvPr>
+          <p:cNvSpPr>
+            <a:spLocks noGrp="1"/>
+          </p:cNvSpPr>
+          <p:nvPr>
+            <p:ph type="title"/>
+          </p:nvPr>
+        </p:nvSpPr>
+        <p:spPr/>
+        <p:txBody>
+          <a:bodyPr/>
+          <a:lstStyle/>
+          <a:p>
+            <a:r>
+              <a:rPr lang="en-IN" dirty="0"/>
+              <a:t>Correlation</a:t>
+            </a:r>
+          </a:p>
+        </p:txBody>
+      </p:sp>
+      <p:sp>
+        <p:nvSpPr>
+          <p:cNvPr id="4" name="Content Placeholder 3">
+            <a:extLst>
+              <a:ext uri="{FF2B5EF4-FFF2-40B4-BE49-F238E27FC236}">
+                <a16:creationId xmlns:a16="http://schemas.microsoft.com/office/drawing/2014/main" id="{D48C4B97-EA9E-427C-A008-BF6318B4812E}"/>
+              </a:ext>
+            </a:extLst>
+          </p:cNvPr>
+          <p:cNvSpPr>
+            <a:spLocks noGrp="1"/>
+          </p:cNvSpPr>
+          <p:nvPr>
+            <p:ph idx="1"/>
+          </p:nvPr>
+        </p:nvSpPr>
+        <p:spPr/>
+        <p:txBody>
+          <a:bodyPr/>
+          <a:lstStyle/>
+          <a:p>
+            <a:endParaRPr lang="en-US"/>
+          </a:p>
+        </p:txBody>
+      </p:sp>
+      <p:pic>
+        <p:nvPicPr>
+          <p:cNvPr id="3" name="Picture 2">
+            <a:extLst>
+              <a:ext uri="{FF2B5EF4-FFF2-40B4-BE49-F238E27FC236}">
+                <a16:creationId xmlns:a16="http://schemas.microsoft.com/office/drawing/2014/main" id="{5862A040-9C14-43E3-A4B3-4425F63D922D}"/>
+              </a:ext>
+            </a:extLst>
+          </p:cNvPr>
+          <p:cNvPicPr>
+            <a:picLocks noChangeAspect="1"/>
+          </p:cNvPicPr>
+          <p:nvPr/>
+        </p:nvPicPr>
+        <p:blipFill>
+          <a:blip r:embed="rId2"/>
+          <a:stretch>
+            <a:fillRect/>
+          </a:stretch>
+        </p:blipFill>
+        <p:spPr>
+          <a:xfrm>
+            <a:off x="3243262" y="2047875"/>
+            <a:ext cx="5705475" cy="2762250"/>
+          </a:xfrm>
+          <a:prstGeom prst="rect">
+            <a:avLst/>
+          </a:prstGeom>
+        </p:spPr>
+      </p:pic>
+    </p:spTree>
+    <p:extLst>
+      <p:ext uri="{BB962C8B-B14F-4D97-AF65-F5344CB8AC3E}">
+        <p14:creationId xmlns:p14="http://schemas.microsoft.com/office/powerpoint/2010/main" val="2409621537"/>
+      </p:ext>
+    </p:extLst>
+  </p:cSld>
+  <p:clrMapOvr>
+    <a:masterClrMapping/>
+  </p:clrMapOvr>
+</p:sld>
+</file>
+
+<file path=ppt/slides/slide55.xml><?xml version="1.0" encoding="utf-8"?>
+<p:sld xmlns:a="http://schemas.openxmlformats.org/drawingml/2006/main" xmlns:r="http://schemas.openxmlformats.org/officeDocument/2006/relationships" xmlns:p="http://schemas.openxmlformats.org/presentationml/2006/main">
+  <p:cSld>
+    <p:spTree>
+      <p:nvGrpSpPr>
+        <p:cNvPr id="1" name=""/>
+        <p:cNvGrpSpPr/>
+        <p:nvPr/>
+      </p:nvGrpSpPr>
+      <p:grpSpPr>
+        <a:xfrm>
+          <a:off x="0" y="0"/>
+          <a:ext cx="0" cy="0"/>
+          <a:chOff x="0" y="0"/>
+          <a:chExt cx="0" cy="0"/>
+        </a:xfrm>
+      </p:grpSpPr>
+      <p:sp>
+        <p:nvSpPr>
+          <p:cNvPr id="2" name="Title 1">
+            <a:extLst>
+              <a:ext uri="{FF2B5EF4-FFF2-40B4-BE49-F238E27FC236}">
+                <a16:creationId xmlns:a16="http://schemas.microsoft.com/office/drawing/2014/main" id="{C65C0B05-B65B-4581-855F-E3AC8F44FE30}"/>
+              </a:ext>
+            </a:extLst>
+          </p:cNvPr>
+          <p:cNvSpPr>
+            <a:spLocks noGrp="1"/>
+          </p:cNvSpPr>
+          <p:nvPr>
+            <p:ph type="title"/>
+          </p:nvPr>
+        </p:nvSpPr>
+        <p:spPr/>
+        <p:txBody>
+          <a:bodyPr/>
+          <a:lstStyle/>
+          <a:p>
+            <a:r>
+              <a:rPr lang="en-IN" dirty="0"/>
+              <a:t>BETA (Finance)</a:t>
+            </a:r>
+          </a:p>
+        </p:txBody>
+      </p:sp>
+      <p:sp>
+        <p:nvSpPr>
+          <p:cNvPr id="4" name="Content Placeholder 3">
+            <a:extLst>
+              <a:ext uri="{FF2B5EF4-FFF2-40B4-BE49-F238E27FC236}">
+                <a16:creationId xmlns:a16="http://schemas.microsoft.com/office/drawing/2014/main" id="{8BA2DCDF-AF0A-4357-8A98-E6A4155DB6CA}"/>
+              </a:ext>
+            </a:extLst>
+          </p:cNvPr>
+          <p:cNvSpPr>
+            <a:spLocks noGrp="1"/>
+          </p:cNvSpPr>
+          <p:nvPr>
+            <p:ph idx="1"/>
+          </p:nvPr>
+        </p:nvSpPr>
+        <p:spPr/>
+        <p:txBody>
+          <a:bodyPr/>
+          <a:lstStyle/>
+          <a:p>
+            <a:endParaRPr lang="en-US"/>
+          </a:p>
+        </p:txBody>
+      </p:sp>
+      <p:pic>
+        <p:nvPicPr>
+          <p:cNvPr id="3" name="Picture 2">
+            <a:extLst>
+              <a:ext uri="{FF2B5EF4-FFF2-40B4-BE49-F238E27FC236}">
+                <a16:creationId xmlns:a16="http://schemas.microsoft.com/office/drawing/2014/main" id="{52298ACF-D82F-447E-AC3D-0A79BF581F27}"/>
+              </a:ext>
+            </a:extLst>
+          </p:cNvPr>
+          <p:cNvPicPr>
+            <a:picLocks noChangeAspect="1"/>
+          </p:cNvPicPr>
+          <p:nvPr/>
+        </p:nvPicPr>
+        <p:blipFill>
+          <a:blip r:embed="rId2"/>
+          <a:stretch>
+            <a:fillRect/>
+          </a:stretch>
+        </p:blipFill>
+        <p:spPr>
+          <a:xfrm>
+            <a:off x="913792" y="2486025"/>
+            <a:ext cx="6648450" cy="1885950"/>
+          </a:xfrm>
+          <a:prstGeom prst="rect">
+            <a:avLst/>
+          </a:prstGeom>
+        </p:spPr>
+      </p:pic>
+    </p:spTree>
+    <p:extLst>
+      <p:ext uri="{BB962C8B-B14F-4D97-AF65-F5344CB8AC3E}">
+        <p14:creationId xmlns:p14="http://schemas.microsoft.com/office/powerpoint/2010/main" val="1793404902"/>
+      </p:ext>
+    </p:extLst>
+  </p:cSld>
+  <p:clrMapOvr>
+    <a:masterClrMapping/>
+  </p:clrMapOvr>
+</p:sld>
+</file>
+
+<file path=ppt/slides/slide56.xml><?xml version="1.0" encoding="utf-8"?>
+<p:sld xmlns:a="http://schemas.openxmlformats.org/drawingml/2006/main" xmlns:r="http://schemas.openxmlformats.org/officeDocument/2006/relationships" xmlns:p="http://schemas.openxmlformats.org/presentationml/2006/main">
+  <p:cSld>
+    <p:spTree>
+      <p:nvGrpSpPr>
+        <p:cNvPr id="1" name=""/>
+        <p:cNvGrpSpPr/>
+        <p:nvPr/>
+      </p:nvGrpSpPr>
+      <p:grpSpPr>
+        <a:xfrm>
+          <a:off x="0" y="0"/>
+          <a:ext cx="0" cy="0"/>
+          <a:chOff x="0" y="0"/>
+          <a:chExt cx="0" cy="0"/>
+        </a:xfrm>
+      </p:grpSpPr>
+      <p:sp>
+        <p:nvSpPr>
+          <p:cNvPr id="2" name="Title 1">
+            <a:extLst>
+              <a:ext uri="{FF2B5EF4-FFF2-40B4-BE49-F238E27FC236}">
+                <a16:creationId xmlns:a16="http://schemas.microsoft.com/office/drawing/2014/main" id="{45A16120-A594-4108-9B90-BF16429E9ED9}"/>
+              </a:ext>
+            </a:extLst>
+          </p:cNvPr>
+          <p:cNvSpPr>
+            <a:spLocks noGrp="1"/>
+          </p:cNvSpPr>
+          <p:nvPr>
+            <p:ph type="title"/>
+          </p:nvPr>
+        </p:nvSpPr>
+        <p:spPr/>
+        <p:txBody>
+          <a:bodyPr/>
+          <a:lstStyle/>
+          <a:p>
+            <a:r>
+              <a:rPr lang="en-IN" dirty="0"/>
+              <a:t>Moment</a:t>
+            </a:r>
+          </a:p>
+        </p:txBody>
+      </p:sp>
+      <p:sp>
+        <p:nvSpPr>
+          <p:cNvPr id="4" name="Content Placeholder 3">
+            <a:extLst>
+              <a:ext uri="{FF2B5EF4-FFF2-40B4-BE49-F238E27FC236}">
+                <a16:creationId xmlns:a16="http://schemas.microsoft.com/office/drawing/2014/main" id="{10C623F3-781C-46C8-AA05-F136F2A6BBFE}"/>
+              </a:ext>
+            </a:extLst>
+          </p:cNvPr>
+          <p:cNvSpPr>
+            <a:spLocks noGrp="1"/>
+          </p:cNvSpPr>
+          <p:nvPr>
+            <p:ph idx="1"/>
+          </p:nvPr>
+        </p:nvSpPr>
+        <p:spPr/>
+        <p:txBody>
+          <a:bodyPr/>
+          <a:lstStyle/>
+          <a:p>
+            <a:endParaRPr lang="en-US"/>
+          </a:p>
+        </p:txBody>
+      </p:sp>
+      <p:pic>
+        <p:nvPicPr>
+          <p:cNvPr id="3" name="Picture 2">
+            <a:extLst>
+              <a:ext uri="{FF2B5EF4-FFF2-40B4-BE49-F238E27FC236}">
+                <a16:creationId xmlns:a16="http://schemas.microsoft.com/office/drawing/2014/main" id="{5D488F6B-9E4C-4072-A976-54265639B9EC}"/>
+              </a:ext>
+            </a:extLst>
+          </p:cNvPr>
+          <p:cNvPicPr>
+            <a:picLocks noChangeAspect="1"/>
+          </p:cNvPicPr>
+          <p:nvPr/>
+        </p:nvPicPr>
+        <p:blipFill>
+          <a:blip r:embed="rId2"/>
+          <a:stretch>
+            <a:fillRect/>
+          </a:stretch>
+        </p:blipFill>
+        <p:spPr>
+          <a:xfrm>
+            <a:off x="933247" y="2590090"/>
+            <a:ext cx="4819650" cy="2066925"/>
+          </a:xfrm>
+          <a:prstGeom prst="rect">
+            <a:avLst/>
+          </a:prstGeom>
+        </p:spPr>
+      </p:pic>
+    </p:spTree>
+    <p:extLst>
+      <p:ext uri="{BB962C8B-B14F-4D97-AF65-F5344CB8AC3E}">
+        <p14:creationId xmlns:p14="http://schemas.microsoft.com/office/powerpoint/2010/main" val="2283650028"/>
+      </p:ext>
+    </p:extLst>
+  </p:cSld>
+  <p:clrMapOvr>
+    <a:masterClrMapping/>
+  </p:clrMapOvr>
+</p:sld>
+</file>
+
+<file path=ppt/slides/slide57.xml><?xml version="1.0" encoding="utf-8"?>
+<p:sld xmlns:a="http://schemas.openxmlformats.org/drawingml/2006/main" xmlns:r="http://schemas.openxmlformats.org/officeDocument/2006/relationships" xmlns:p="http://schemas.openxmlformats.org/presentationml/2006/main">
+  <p:cSld>
+    <p:spTree>
+      <p:nvGrpSpPr>
+        <p:cNvPr id="1" name=""/>
+        <p:cNvGrpSpPr/>
+        <p:nvPr/>
+      </p:nvGrpSpPr>
+      <p:grpSpPr>
+        <a:xfrm>
+          <a:off x="0" y="0"/>
+          <a:ext cx="0" cy="0"/>
+          <a:chOff x="0" y="0"/>
+          <a:chExt cx="0" cy="0"/>
+        </a:xfrm>
+      </p:grpSpPr>
+      <p:sp>
+        <p:nvSpPr>
+          <p:cNvPr id="2" name="Title 1">
+            <a:extLst>
+              <a:ext uri="{FF2B5EF4-FFF2-40B4-BE49-F238E27FC236}">
+                <a16:creationId xmlns:a16="http://schemas.microsoft.com/office/drawing/2014/main" id="{24E5D2D7-E172-4C60-B98E-27511BAC8EA4}"/>
+              </a:ext>
+            </a:extLst>
+          </p:cNvPr>
+          <p:cNvSpPr>
+            <a:spLocks noGrp="1"/>
+          </p:cNvSpPr>
+          <p:nvPr>
+            <p:ph type="title"/>
+          </p:nvPr>
+        </p:nvSpPr>
+        <p:spPr/>
+        <p:txBody>
+          <a:bodyPr/>
+          <a:lstStyle/>
+          <a:p>
+            <a:r>
+              <a:rPr lang="en-IN" dirty="0"/>
+              <a:t>EMI</a:t>
+            </a:r>
+          </a:p>
+        </p:txBody>
+      </p:sp>
+      <p:sp>
+        <p:nvSpPr>
+          <p:cNvPr id="4" name="Content Placeholder 3">
+            <a:extLst>
+              <a:ext uri="{FF2B5EF4-FFF2-40B4-BE49-F238E27FC236}">
+                <a16:creationId xmlns:a16="http://schemas.microsoft.com/office/drawing/2014/main" id="{0097878F-A44F-4700-91B7-AFC0C74E0737}"/>
+              </a:ext>
+            </a:extLst>
+          </p:cNvPr>
+          <p:cNvSpPr>
+            <a:spLocks noGrp="1"/>
+          </p:cNvSpPr>
+          <p:nvPr>
+            <p:ph idx="1"/>
+          </p:nvPr>
+        </p:nvSpPr>
+        <p:spPr/>
+        <p:txBody>
+          <a:bodyPr/>
+          <a:lstStyle/>
+          <a:p>
+            <a:endParaRPr lang="en-US" dirty="0"/>
+          </a:p>
+        </p:txBody>
+      </p:sp>
+      <p:pic>
+        <p:nvPicPr>
+          <p:cNvPr id="3" name="Picture 2">
+            <a:extLst>
+              <a:ext uri="{FF2B5EF4-FFF2-40B4-BE49-F238E27FC236}">
+                <a16:creationId xmlns:a16="http://schemas.microsoft.com/office/drawing/2014/main" id="{A4AC10BE-2865-4717-B72C-738212996503}"/>
+              </a:ext>
+            </a:extLst>
+          </p:cNvPr>
+          <p:cNvPicPr>
+            <a:picLocks noChangeAspect="1"/>
+          </p:cNvPicPr>
+          <p:nvPr/>
+        </p:nvPicPr>
+        <p:blipFill>
+          <a:blip r:embed="rId2"/>
+          <a:stretch>
+            <a:fillRect/>
+          </a:stretch>
+        </p:blipFill>
+        <p:spPr>
+          <a:xfrm>
+            <a:off x="1017599" y="1939884"/>
+            <a:ext cx="4750155" cy="1628775"/>
+          </a:xfrm>
+          <a:prstGeom prst="rect">
+            <a:avLst/>
+          </a:prstGeom>
+        </p:spPr>
+      </p:pic>
+    </p:spTree>
+    <p:extLst>
+      <p:ext uri="{BB962C8B-B14F-4D97-AF65-F5344CB8AC3E}">
+        <p14:creationId xmlns:p14="http://schemas.microsoft.com/office/powerpoint/2010/main" val="1617179019"/>
+      </p:ext>
+    </p:extLst>
+  </p:cSld>
+  <p:clrMapOvr>
+    <a:masterClrMapping/>
+  </p:clrMapOvr>
+</p:sld>
+</file>
+
+<file path=ppt/slides/slide58.xml><?xml version="1.0" encoding="utf-8"?>
+<p:sld xmlns:a="http://schemas.openxmlformats.org/drawingml/2006/main" xmlns:r="http://schemas.openxmlformats.org/officeDocument/2006/relationships" xmlns:p="http://schemas.openxmlformats.org/presentationml/2006/main">
+  <p:cSld>
+    <p:spTree>
+      <p:nvGrpSpPr>
+        <p:cNvPr id="1" name=""/>
+        <p:cNvGrpSpPr/>
+        <p:nvPr/>
+      </p:nvGrpSpPr>
+      <p:grpSpPr>
+        <a:xfrm>
+          <a:off x="0" y="0"/>
+          <a:ext cx="0" cy="0"/>
+          <a:chOff x="0" y="0"/>
+          <a:chExt cx="0" cy="0"/>
+        </a:xfrm>
+      </p:grpSpPr>
+      <p:sp>
+        <p:nvSpPr>
+          <p:cNvPr id="2" name="Title 1">
+            <a:extLst>
+              <a:ext uri="{FF2B5EF4-FFF2-40B4-BE49-F238E27FC236}">
+                <a16:creationId xmlns:a16="http://schemas.microsoft.com/office/drawing/2014/main" id="{4396E92A-3F58-437D-87C8-2EFFBC101CD8}"/>
+              </a:ext>
+            </a:extLst>
+          </p:cNvPr>
+          <p:cNvSpPr>
+            <a:spLocks noGrp="1"/>
+          </p:cNvSpPr>
+          <p:nvPr>
+            <p:ph type="title"/>
+          </p:nvPr>
+        </p:nvSpPr>
+        <p:spPr/>
+        <p:txBody>
+          <a:bodyPr>
+            <a:normAutofit/>
+          </a:bodyPr>
+          <a:lstStyle/>
+          <a:p>
+            <a:r>
+              <a:rPr lang="en-IN" dirty="0"/>
+              <a:t>Derivation of EMI</a:t>
+            </a:r>
+          </a:p>
+        </p:txBody>
+      </p:sp>
+      <p:sp>
+        <p:nvSpPr>
+          <p:cNvPr id="4" name="Content Placeholder 3">
+            <a:extLst>
+              <a:ext uri="{FF2B5EF4-FFF2-40B4-BE49-F238E27FC236}">
+                <a16:creationId xmlns:a16="http://schemas.microsoft.com/office/drawing/2014/main" id="{4DA89B24-3BF2-4ABE-912F-CC61B6A8F4A7}"/>
+              </a:ext>
+            </a:extLst>
+          </p:cNvPr>
+          <p:cNvSpPr>
+            <a:spLocks noGrp="1"/>
+          </p:cNvSpPr>
+          <p:nvPr>
+            <p:ph idx="1"/>
+          </p:nvPr>
+        </p:nvSpPr>
+        <p:spPr/>
+        <p:txBody>
+          <a:bodyPr/>
+          <a:lstStyle/>
+          <a:p>
+            <a:endParaRPr lang="en-US"/>
+          </a:p>
+        </p:txBody>
+      </p:sp>
+      <p:pic>
+        <p:nvPicPr>
+          <p:cNvPr id="3" name="Picture 2">
+            <a:extLst>
+              <a:ext uri="{FF2B5EF4-FFF2-40B4-BE49-F238E27FC236}">
+                <a16:creationId xmlns:a16="http://schemas.microsoft.com/office/drawing/2014/main" id="{3A54DC4F-D47A-454D-96B6-E3634BACF2DB}"/>
+              </a:ext>
+            </a:extLst>
+          </p:cNvPr>
+          <p:cNvPicPr>
+            <a:picLocks noChangeAspect="1"/>
+          </p:cNvPicPr>
+          <p:nvPr/>
+        </p:nvPicPr>
+        <p:blipFill>
+          <a:blip r:embed="rId2"/>
+          <a:stretch>
+            <a:fillRect/>
+          </a:stretch>
+        </p:blipFill>
+        <p:spPr>
+          <a:xfrm>
+            <a:off x="994561" y="1939884"/>
+            <a:ext cx="7582811" cy="4025484"/>
+          </a:xfrm>
+          <a:prstGeom prst="rect">
+            <a:avLst/>
+          </a:prstGeom>
+        </p:spPr>
+      </p:pic>
+    </p:spTree>
+    <p:extLst>
+      <p:ext uri="{BB962C8B-B14F-4D97-AF65-F5344CB8AC3E}">
+        <p14:creationId xmlns:p14="http://schemas.microsoft.com/office/powerpoint/2010/main" val="3722163879"/>
+      </p:ext>
+    </p:extLst>
+  </p:cSld>
+  <p:clrMapOvr>
+    <a:masterClrMapping/>
+  </p:clrMapOvr>
+</p:sld>
+</file>
+
+<file path=ppt/slides/slide59.xml><?xml version="1.0" encoding="utf-8"?>
+<p:sld xmlns:a="http://schemas.openxmlformats.org/drawingml/2006/main" xmlns:r="http://schemas.openxmlformats.org/officeDocument/2006/relationships" xmlns:p="http://schemas.openxmlformats.org/presentationml/2006/main">
+  <p:cSld>
+    <p:spTree>
+      <p:nvGrpSpPr>
+        <p:cNvPr id="1" name=""/>
+        <p:cNvGrpSpPr/>
+        <p:nvPr/>
+      </p:nvGrpSpPr>
+      <p:grpSpPr>
+        <a:xfrm>
+          <a:off x="0" y="0"/>
+          <a:ext cx="0" cy="0"/>
+          <a:chOff x="0" y="0"/>
+          <a:chExt cx="0" cy="0"/>
+        </a:xfrm>
+      </p:grpSpPr>
+      <p:sp>
+        <p:nvSpPr>
+          <p:cNvPr id="2" name="Title 1">
+            <a:extLst>
+              <a:ext uri="{FF2B5EF4-FFF2-40B4-BE49-F238E27FC236}">
+                <a16:creationId xmlns:a16="http://schemas.microsoft.com/office/drawing/2014/main" id="{DCC30394-D52A-4FB3-8DEA-DD14F2417F76}"/>
+              </a:ext>
+            </a:extLst>
+          </p:cNvPr>
+          <p:cNvSpPr>
+            <a:spLocks noGrp="1"/>
+          </p:cNvSpPr>
+          <p:nvPr>
+            <p:ph type="title"/>
+          </p:nvPr>
+        </p:nvSpPr>
+        <p:spPr/>
+        <p:txBody>
+          <a:bodyPr/>
+          <a:lstStyle/>
+          <a:p>
+            <a:r>
+              <a:rPr lang="en-US" dirty="0"/>
+              <a:t>EMI Computation</a:t>
+            </a:r>
+          </a:p>
+        </p:txBody>
+      </p:sp>
+      <p:pic>
+        <p:nvPicPr>
+          <p:cNvPr id="4" name="Content Placeholder 3">
+            <a:extLst>
+              <a:ext uri="{FF2B5EF4-FFF2-40B4-BE49-F238E27FC236}">
+                <a16:creationId xmlns:a16="http://schemas.microsoft.com/office/drawing/2014/main" id="{ABBE1B17-704C-43E2-89D9-1B67CAFB5EF5}"/>
+              </a:ext>
+            </a:extLst>
+          </p:cNvPr>
+          <p:cNvPicPr>
+            <a:picLocks noGrp="1" noChangeAspect="1"/>
+          </p:cNvPicPr>
+          <p:nvPr>
+            <p:ph idx="1"/>
+          </p:nvPr>
+        </p:nvPicPr>
+        <p:blipFill>
+          <a:blip r:embed="rId2"/>
+          <a:stretch>
+            <a:fillRect/>
+          </a:stretch>
+        </p:blipFill>
+        <p:spPr>
+          <a:xfrm>
+            <a:off x="1358423" y="1990771"/>
+            <a:ext cx="6164803" cy="1991531"/>
+          </a:xfrm>
+          <a:prstGeom prst="rect">
+            <a:avLst/>
+          </a:prstGeom>
+        </p:spPr>
+      </p:pic>
+      <p:pic>
+        <p:nvPicPr>
+          <p:cNvPr id="5" name="Picture 4">
+            <a:extLst>
+              <a:ext uri="{FF2B5EF4-FFF2-40B4-BE49-F238E27FC236}">
+                <a16:creationId xmlns:a16="http://schemas.microsoft.com/office/drawing/2014/main" id="{E262B0D9-AFB1-484F-B497-F405EBA6230F}"/>
+              </a:ext>
+            </a:extLst>
+          </p:cNvPr>
+          <p:cNvPicPr>
+            <a:picLocks noChangeAspect="1"/>
+          </p:cNvPicPr>
+          <p:nvPr/>
+        </p:nvPicPr>
+        <p:blipFill>
+          <a:blip r:embed="rId3"/>
+          <a:stretch>
+            <a:fillRect/>
+          </a:stretch>
+        </p:blipFill>
+        <p:spPr>
+          <a:xfrm>
+            <a:off x="1358423" y="3982302"/>
+            <a:ext cx="6164802" cy="1627773"/>
+          </a:xfrm>
+          <a:prstGeom prst="rect">
+            <a:avLst/>
+          </a:prstGeom>
+        </p:spPr>
+      </p:pic>
+    </p:spTree>
+    <p:extLst>
+      <p:ext uri="{BB962C8B-B14F-4D97-AF65-F5344CB8AC3E}">
+        <p14:creationId xmlns:p14="http://schemas.microsoft.com/office/powerpoint/2010/main" val="2369647367"/>
+      </p:ext>
+    </p:extLst>
+  </p:cSld>
+  <p:clrMapOvr>
+    <a:masterClrMapping/>
+  </p:clrMapOvr>
+</p:sld>
+</file>
+
+<file path=ppt/slides/slide6.xml><?xml version="1.0" encoding="utf-8"?>
 <p:sld xmlns:a="http://schemas.openxmlformats.org/drawingml/2006/main" xmlns:r="http://schemas.openxmlformats.org/officeDocument/2006/relationships" xmlns:p="http://schemas.openxmlformats.org/presentationml/2006/main">
   <p:cSld>
     <p:spTree>
@@ -13641,7 +14976,7 @@
 </p:sld>
 </file>
 
-<file path=ppt/slides/slide50.xml><?xml version="1.0" encoding="utf-8"?>
+<file path=ppt/slides/slide60.xml><?xml version="1.0" encoding="utf-8"?>
 <p:sld xmlns:a="http://schemas.openxmlformats.org/drawingml/2006/main" xmlns:r="http://schemas.openxmlformats.org/officeDocument/2006/relationships" xmlns:p="http://schemas.openxmlformats.org/presentationml/2006/main">
   <p:cSld>
     <p:spTree>
@@ -13663,1039 +14998,6 @@
           <p:cNvPr id="2" name="Title 1">
             <a:extLst>
               <a:ext uri="{FF2B5EF4-FFF2-40B4-BE49-F238E27FC236}">
-                <a16:creationId xmlns:a16="http://schemas.microsoft.com/office/drawing/2014/main" id="{968143C2-472A-4AB4-B1BE-2BBF7038C9A0}"/>
-              </a:ext>
-            </a:extLst>
-          </p:cNvPr>
-          <p:cNvSpPr>
-            <a:spLocks noGrp="1"/>
-          </p:cNvSpPr>
-          <p:nvPr>
-            <p:ph type="title"/>
-          </p:nvPr>
-        </p:nvSpPr>
-        <p:spPr/>
-        <p:txBody>
-          <a:bodyPr/>
-          <a:lstStyle/>
-          <a:p>
-            <a:r>
-              <a:rPr lang="en-US" dirty="0"/>
-              <a:t>Standard Deviation (STD )</a:t>
-            </a:r>
-          </a:p>
-        </p:txBody>
-      </p:sp>
-      <p:pic>
-        <p:nvPicPr>
-          <p:cNvPr id="4" name="Content Placeholder 3">
-            <a:extLst>
-              <a:ext uri="{FF2B5EF4-FFF2-40B4-BE49-F238E27FC236}">
-                <a16:creationId xmlns:a16="http://schemas.microsoft.com/office/drawing/2014/main" id="{F8366C6F-5C2C-4EA3-B78C-FA3B13010867}"/>
-              </a:ext>
-            </a:extLst>
-          </p:cNvPr>
-          <p:cNvPicPr>
-            <a:picLocks noGrp="1" noChangeAspect="1"/>
-          </p:cNvPicPr>
-          <p:nvPr>
-            <p:ph idx="1"/>
-          </p:nvPr>
-        </p:nvPicPr>
-        <p:blipFill>
-          <a:blip r:embed="rId2"/>
-          <a:stretch>
-            <a:fillRect/>
-          </a:stretch>
-        </p:blipFill>
-        <p:spPr>
-          <a:xfrm>
-            <a:off x="1524000" y="2590156"/>
-            <a:ext cx="8222712" cy="3019125"/>
-          </a:xfrm>
-          <a:prstGeom prst="rect">
-            <a:avLst/>
-          </a:prstGeom>
-        </p:spPr>
-      </p:pic>
-    </p:spTree>
-    <p:extLst>
-      <p:ext uri="{BB962C8B-B14F-4D97-AF65-F5344CB8AC3E}">
-        <p14:creationId xmlns:p14="http://schemas.microsoft.com/office/powerpoint/2010/main" val="3083174007"/>
-      </p:ext>
-    </p:extLst>
-  </p:cSld>
-  <p:clrMapOvr>
-    <a:masterClrMapping/>
-  </p:clrMapOvr>
-</p:sld>
-</file>
-
-<file path=ppt/slides/slide51.xml><?xml version="1.0" encoding="utf-8"?>
-<p:sld xmlns:a="http://schemas.openxmlformats.org/drawingml/2006/main" xmlns:r="http://schemas.openxmlformats.org/officeDocument/2006/relationships" xmlns:p="http://schemas.openxmlformats.org/presentationml/2006/main">
-  <p:cSld>
-    <p:spTree>
-      <p:nvGrpSpPr>
-        <p:cNvPr id="1" name=""/>
-        <p:cNvGrpSpPr/>
-        <p:nvPr/>
-      </p:nvGrpSpPr>
-      <p:grpSpPr>
-        <a:xfrm>
-          <a:off x="0" y="0"/>
-          <a:ext cx="0" cy="0"/>
-          <a:chOff x="0" y="0"/>
-          <a:chExt cx="0" cy="0"/>
-        </a:xfrm>
-      </p:grpSpPr>
-      <p:sp>
-        <p:nvSpPr>
-          <p:cNvPr id="2" name="Title 1">
-            <a:extLst>
-              <a:ext uri="{FF2B5EF4-FFF2-40B4-BE49-F238E27FC236}">
-                <a16:creationId xmlns:a16="http://schemas.microsoft.com/office/drawing/2014/main" id="{0E7C1730-01BC-46AC-AE99-769674DCE5BB}"/>
-              </a:ext>
-            </a:extLst>
-          </p:cNvPr>
-          <p:cNvSpPr>
-            <a:spLocks noGrp="1"/>
-          </p:cNvSpPr>
-          <p:nvPr>
-            <p:ph type="title"/>
-          </p:nvPr>
-        </p:nvSpPr>
-        <p:spPr/>
-        <p:txBody>
-          <a:bodyPr/>
-          <a:lstStyle/>
-          <a:p>
-            <a:r>
-              <a:rPr lang="en-IN" dirty="0"/>
-              <a:t>Mean Absolute Deviation</a:t>
-            </a:r>
-          </a:p>
-        </p:txBody>
-      </p:sp>
-      <p:sp>
-        <p:nvSpPr>
-          <p:cNvPr id="4" name="Content Placeholder 3">
-            <a:extLst>
-              <a:ext uri="{FF2B5EF4-FFF2-40B4-BE49-F238E27FC236}">
-                <a16:creationId xmlns:a16="http://schemas.microsoft.com/office/drawing/2014/main" id="{2BE327A5-588F-4445-A4CE-805A651E90EE}"/>
-              </a:ext>
-            </a:extLst>
-          </p:cNvPr>
-          <p:cNvSpPr>
-            <a:spLocks noGrp="1"/>
-          </p:cNvSpPr>
-          <p:nvPr>
-            <p:ph idx="1"/>
-          </p:nvPr>
-        </p:nvSpPr>
-        <p:spPr/>
-        <p:txBody>
-          <a:bodyPr/>
-          <a:lstStyle/>
-          <a:p>
-            <a:endParaRPr lang="en-US"/>
-          </a:p>
-        </p:txBody>
-      </p:sp>
-      <p:pic>
-        <p:nvPicPr>
-          <p:cNvPr id="3" name="Picture 2">
-            <a:extLst>
-              <a:ext uri="{FF2B5EF4-FFF2-40B4-BE49-F238E27FC236}">
-                <a16:creationId xmlns:a16="http://schemas.microsoft.com/office/drawing/2014/main" id="{0D1C8690-9843-4634-969A-C5425D634B3F}"/>
-              </a:ext>
-            </a:extLst>
-          </p:cNvPr>
-          <p:cNvPicPr>
-            <a:picLocks noChangeAspect="1"/>
-          </p:cNvPicPr>
-          <p:nvPr/>
-        </p:nvPicPr>
-        <p:blipFill>
-          <a:blip r:embed="rId2"/>
-          <a:stretch>
-            <a:fillRect/>
-          </a:stretch>
-        </p:blipFill>
-        <p:spPr>
-          <a:xfrm>
-            <a:off x="3676650" y="2933700"/>
-            <a:ext cx="4838700" cy="990600"/>
-          </a:xfrm>
-          <a:prstGeom prst="rect">
-            <a:avLst/>
-          </a:prstGeom>
-        </p:spPr>
-      </p:pic>
-    </p:spTree>
-    <p:extLst>
-      <p:ext uri="{BB962C8B-B14F-4D97-AF65-F5344CB8AC3E}">
-        <p14:creationId xmlns:p14="http://schemas.microsoft.com/office/powerpoint/2010/main" val="3092117002"/>
-      </p:ext>
-    </p:extLst>
-  </p:cSld>
-  <p:clrMapOvr>
-    <a:masterClrMapping/>
-  </p:clrMapOvr>
-</p:sld>
-</file>
-
-<file path=ppt/slides/slide52.xml><?xml version="1.0" encoding="utf-8"?>
-<p:sld xmlns:a="http://schemas.openxmlformats.org/drawingml/2006/main" xmlns:r="http://schemas.openxmlformats.org/officeDocument/2006/relationships" xmlns:p="http://schemas.openxmlformats.org/presentationml/2006/main">
-  <p:cSld>
-    <p:spTree>
-      <p:nvGrpSpPr>
-        <p:cNvPr id="1" name=""/>
-        <p:cNvGrpSpPr/>
-        <p:nvPr/>
-      </p:nvGrpSpPr>
-      <p:grpSpPr>
-        <a:xfrm>
-          <a:off x="0" y="0"/>
-          <a:ext cx="0" cy="0"/>
-          <a:chOff x="0" y="0"/>
-          <a:chExt cx="0" cy="0"/>
-        </a:xfrm>
-      </p:grpSpPr>
-      <p:sp>
-        <p:nvSpPr>
-          <p:cNvPr id="2" name="Title 1">
-            <a:extLst>
-              <a:ext uri="{FF2B5EF4-FFF2-40B4-BE49-F238E27FC236}">
-                <a16:creationId xmlns:a16="http://schemas.microsoft.com/office/drawing/2014/main" id="{A60F669E-8663-4796-90AC-EAF6F4039155}"/>
-              </a:ext>
-            </a:extLst>
-          </p:cNvPr>
-          <p:cNvSpPr>
-            <a:spLocks noGrp="1"/>
-          </p:cNvSpPr>
-          <p:nvPr>
-            <p:ph type="title"/>
-          </p:nvPr>
-        </p:nvSpPr>
-        <p:spPr/>
-        <p:txBody>
-          <a:bodyPr/>
-          <a:lstStyle/>
-          <a:p>
-            <a:r>
-              <a:rPr lang="en-IN" dirty="0"/>
-              <a:t>Covariance</a:t>
-            </a:r>
-          </a:p>
-        </p:txBody>
-      </p:sp>
-      <p:sp>
-        <p:nvSpPr>
-          <p:cNvPr id="5" name="Content Placeholder 4">
-            <a:extLst>
-              <a:ext uri="{FF2B5EF4-FFF2-40B4-BE49-F238E27FC236}">
-                <a16:creationId xmlns:a16="http://schemas.microsoft.com/office/drawing/2014/main" id="{69AF7CFE-F928-45A2-9F33-8B22B62E0A24}"/>
-              </a:ext>
-            </a:extLst>
-          </p:cNvPr>
-          <p:cNvSpPr>
-            <a:spLocks noGrp="1"/>
-          </p:cNvSpPr>
-          <p:nvPr>
-            <p:ph idx="1"/>
-          </p:nvPr>
-        </p:nvSpPr>
-        <p:spPr/>
-        <p:txBody>
-          <a:bodyPr/>
-          <a:lstStyle/>
-          <a:p>
-            <a:endParaRPr lang="en-US"/>
-          </a:p>
-        </p:txBody>
-      </p:sp>
-      <p:pic>
-        <p:nvPicPr>
-          <p:cNvPr id="3" name="Picture 2">
-            <a:extLst>
-              <a:ext uri="{FF2B5EF4-FFF2-40B4-BE49-F238E27FC236}">
-                <a16:creationId xmlns:a16="http://schemas.microsoft.com/office/drawing/2014/main" id="{A261FA19-D94A-4AC8-A6F3-67FEC5630FAA}"/>
-              </a:ext>
-            </a:extLst>
-          </p:cNvPr>
-          <p:cNvPicPr>
-            <a:picLocks noChangeAspect="1"/>
-          </p:cNvPicPr>
-          <p:nvPr/>
-        </p:nvPicPr>
-        <p:blipFill>
-          <a:blip r:embed="rId2"/>
-          <a:stretch>
-            <a:fillRect/>
-          </a:stretch>
-        </p:blipFill>
-        <p:spPr>
-          <a:xfrm>
-            <a:off x="838200" y="2345987"/>
-            <a:ext cx="4514850" cy="609600"/>
-          </a:xfrm>
-          <a:prstGeom prst="rect">
-            <a:avLst/>
-          </a:prstGeom>
-        </p:spPr>
-      </p:pic>
-      <p:pic>
-        <p:nvPicPr>
-          <p:cNvPr id="4" name="Picture 3">
-            <a:extLst>
-              <a:ext uri="{FF2B5EF4-FFF2-40B4-BE49-F238E27FC236}">
-                <a16:creationId xmlns:a16="http://schemas.microsoft.com/office/drawing/2014/main" id="{205A4142-4CB7-418B-9C75-C762CBBB3D06}"/>
-              </a:ext>
-            </a:extLst>
-          </p:cNvPr>
-          <p:cNvPicPr>
-            <a:picLocks noChangeAspect="1"/>
-          </p:cNvPicPr>
-          <p:nvPr/>
-        </p:nvPicPr>
-        <p:blipFill>
-          <a:blip r:embed="rId3"/>
-          <a:stretch>
-            <a:fillRect/>
-          </a:stretch>
-        </p:blipFill>
-        <p:spPr>
-          <a:xfrm>
-            <a:off x="831310" y="2807138"/>
-            <a:ext cx="5657850" cy="2352675"/>
-          </a:xfrm>
-          <a:prstGeom prst="rect">
-            <a:avLst/>
-          </a:prstGeom>
-        </p:spPr>
-      </p:pic>
-    </p:spTree>
-    <p:extLst>
-      <p:ext uri="{BB962C8B-B14F-4D97-AF65-F5344CB8AC3E}">
-        <p14:creationId xmlns:p14="http://schemas.microsoft.com/office/powerpoint/2010/main" val="3043350265"/>
-      </p:ext>
-    </p:extLst>
-  </p:cSld>
-  <p:clrMapOvr>
-    <a:masterClrMapping/>
-  </p:clrMapOvr>
-</p:sld>
-</file>
-
-<file path=ppt/slides/slide53.xml><?xml version="1.0" encoding="utf-8"?>
-<p:sld xmlns:a="http://schemas.openxmlformats.org/drawingml/2006/main" xmlns:r="http://schemas.openxmlformats.org/officeDocument/2006/relationships" xmlns:p="http://schemas.openxmlformats.org/presentationml/2006/main">
-  <p:cSld>
-    <p:spTree>
-      <p:nvGrpSpPr>
-        <p:cNvPr id="1" name=""/>
-        <p:cNvGrpSpPr/>
-        <p:nvPr/>
-      </p:nvGrpSpPr>
-      <p:grpSpPr>
-        <a:xfrm>
-          <a:off x="0" y="0"/>
-          <a:ext cx="0" cy="0"/>
-          <a:chOff x="0" y="0"/>
-          <a:chExt cx="0" cy="0"/>
-        </a:xfrm>
-      </p:grpSpPr>
-      <p:sp>
-        <p:nvSpPr>
-          <p:cNvPr id="2" name="Title 1">
-            <a:extLst>
-              <a:ext uri="{FF2B5EF4-FFF2-40B4-BE49-F238E27FC236}">
-                <a16:creationId xmlns:a16="http://schemas.microsoft.com/office/drawing/2014/main" id="{4B1C3280-9E50-4899-A09E-7BDC1E0317A1}"/>
-              </a:ext>
-            </a:extLst>
-          </p:cNvPr>
-          <p:cNvSpPr>
-            <a:spLocks noGrp="1"/>
-          </p:cNvSpPr>
-          <p:nvPr>
-            <p:ph type="title"/>
-          </p:nvPr>
-        </p:nvSpPr>
-        <p:spPr/>
-        <p:txBody>
-          <a:bodyPr/>
-          <a:lstStyle/>
-          <a:p>
-            <a:r>
-              <a:rPr lang="en-IN" dirty="0"/>
-              <a:t>Correlation</a:t>
-            </a:r>
-          </a:p>
-        </p:txBody>
-      </p:sp>
-      <p:sp>
-        <p:nvSpPr>
-          <p:cNvPr id="4" name="Content Placeholder 3">
-            <a:extLst>
-              <a:ext uri="{FF2B5EF4-FFF2-40B4-BE49-F238E27FC236}">
-                <a16:creationId xmlns:a16="http://schemas.microsoft.com/office/drawing/2014/main" id="{D48C4B97-EA9E-427C-A008-BF6318B4812E}"/>
-              </a:ext>
-            </a:extLst>
-          </p:cNvPr>
-          <p:cNvSpPr>
-            <a:spLocks noGrp="1"/>
-          </p:cNvSpPr>
-          <p:nvPr>
-            <p:ph idx="1"/>
-          </p:nvPr>
-        </p:nvSpPr>
-        <p:spPr/>
-        <p:txBody>
-          <a:bodyPr/>
-          <a:lstStyle/>
-          <a:p>
-            <a:endParaRPr lang="en-US"/>
-          </a:p>
-        </p:txBody>
-      </p:sp>
-      <p:pic>
-        <p:nvPicPr>
-          <p:cNvPr id="3" name="Picture 2">
-            <a:extLst>
-              <a:ext uri="{FF2B5EF4-FFF2-40B4-BE49-F238E27FC236}">
-                <a16:creationId xmlns:a16="http://schemas.microsoft.com/office/drawing/2014/main" id="{5862A040-9C14-43E3-A4B3-4425F63D922D}"/>
-              </a:ext>
-            </a:extLst>
-          </p:cNvPr>
-          <p:cNvPicPr>
-            <a:picLocks noChangeAspect="1"/>
-          </p:cNvPicPr>
-          <p:nvPr/>
-        </p:nvPicPr>
-        <p:blipFill>
-          <a:blip r:embed="rId2"/>
-          <a:stretch>
-            <a:fillRect/>
-          </a:stretch>
-        </p:blipFill>
-        <p:spPr>
-          <a:xfrm>
-            <a:off x="3243262" y="2047875"/>
-            <a:ext cx="5705475" cy="2762250"/>
-          </a:xfrm>
-          <a:prstGeom prst="rect">
-            <a:avLst/>
-          </a:prstGeom>
-        </p:spPr>
-      </p:pic>
-    </p:spTree>
-    <p:extLst>
-      <p:ext uri="{BB962C8B-B14F-4D97-AF65-F5344CB8AC3E}">
-        <p14:creationId xmlns:p14="http://schemas.microsoft.com/office/powerpoint/2010/main" val="2409621537"/>
-      </p:ext>
-    </p:extLst>
-  </p:cSld>
-  <p:clrMapOvr>
-    <a:masterClrMapping/>
-  </p:clrMapOvr>
-</p:sld>
-</file>
-
-<file path=ppt/slides/slide54.xml><?xml version="1.0" encoding="utf-8"?>
-<p:sld xmlns:a="http://schemas.openxmlformats.org/drawingml/2006/main" xmlns:r="http://schemas.openxmlformats.org/officeDocument/2006/relationships" xmlns:p="http://schemas.openxmlformats.org/presentationml/2006/main">
-  <p:cSld>
-    <p:spTree>
-      <p:nvGrpSpPr>
-        <p:cNvPr id="1" name=""/>
-        <p:cNvGrpSpPr/>
-        <p:nvPr/>
-      </p:nvGrpSpPr>
-      <p:grpSpPr>
-        <a:xfrm>
-          <a:off x="0" y="0"/>
-          <a:ext cx="0" cy="0"/>
-          <a:chOff x="0" y="0"/>
-          <a:chExt cx="0" cy="0"/>
-        </a:xfrm>
-      </p:grpSpPr>
-      <p:sp>
-        <p:nvSpPr>
-          <p:cNvPr id="2" name="Title 1">
-            <a:extLst>
-              <a:ext uri="{FF2B5EF4-FFF2-40B4-BE49-F238E27FC236}">
-                <a16:creationId xmlns:a16="http://schemas.microsoft.com/office/drawing/2014/main" id="{C65C0B05-B65B-4581-855F-E3AC8F44FE30}"/>
-              </a:ext>
-            </a:extLst>
-          </p:cNvPr>
-          <p:cNvSpPr>
-            <a:spLocks noGrp="1"/>
-          </p:cNvSpPr>
-          <p:nvPr>
-            <p:ph type="title"/>
-          </p:nvPr>
-        </p:nvSpPr>
-        <p:spPr/>
-        <p:txBody>
-          <a:bodyPr/>
-          <a:lstStyle/>
-          <a:p>
-            <a:r>
-              <a:rPr lang="en-IN" dirty="0"/>
-              <a:t>BETA (Finance)</a:t>
-            </a:r>
-          </a:p>
-        </p:txBody>
-      </p:sp>
-      <p:sp>
-        <p:nvSpPr>
-          <p:cNvPr id="4" name="Content Placeholder 3">
-            <a:extLst>
-              <a:ext uri="{FF2B5EF4-FFF2-40B4-BE49-F238E27FC236}">
-                <a16:creationId xmlns:a16="http://schemas.microsoft.com/office/drawing/2014/main" id="{8BA2DCDF-AF0A-4357-8A98-E6A4155DB6CA}"/>
-              </a:ext>
-            </a:extLst>
-          </p:cNvPr>
-          <p:cNvSpPr>
-            <a:spLocks noGrp="1"/>
-          </p:cNvSpPr>
-          <p:nvPr>
-            <p:ph idx="1"/>
-          </p:nvPr>
-        </p:nvSpPr>
-        <p:spPr/>
-        <p:txBody>
-          <a:bodyPr/>
-          <a:lstStyle/>
-          <a:p>
-            <a:endParaRPr lang="en-US"/>
-          </a:p>
-        </p:txBody>
-      </p:sp>
-      <p:pic>
-        <p:nvPicPr>
-          <p:cNvPr id="3" name="Picture 2">
-            <a:extLst>
-              <a:ext uri="{FF2B5EF4-FFF2-40B4-BE49-F238E27FC236}">
-                <a16:creationId xmlns:a16="http://schemas.microsoft.com/office/drawing/2014/main" id="{52298ACF-D82F-447E-AC3D-0A79BF581F27}"/>
-              </a:ext>
-            </a:extLst>
-          </p:cNvPr>
-          <p:cNvPicPr>
-            <a:picLocks noChangeAspect="1"/>
-          </p:cNvPicPr>
-          <p:nvPr/>
-        </p:nvPicPr>
-        <p:blipFill>
-          <a:blip r:embed="rId2"/>
-          <a:stretch>
-            <a:fillRect/>
-          </a:stretch>
-        </p:blipFill>
-        <p:spPr>
-          <a:xfrm>
-            <a:off x="913792" y="2486025"/>
-            <a:ext cx="6648450" cy="1885950"/>
-          </a:xfrm>
-          <a:prstGeom prst="rect">
-            <a:avLst/>
-          </a:prstGeom>
-        </p:spPr>
-      </p:pic>
-    </p:spTree>
-    <p:extLst>
-      <p:ext uri="{BB962C8B-B14F-4D97-AF65-F5344CB8AC3E}">
-        <p14:creationId xmlns:p14="http://schemas.microsoft.com/office/powerpoint/2010/main" val="1793404902"/>
-      </p:ext>
-    </p:extLst>
-  </p:cSld>
-  <p:clrMapOvr>
-    <a:masterClrMapping/>
-  </p:clrMapOvr>
-</p:sld>
-</file>
-
-<file path=ppt/slides/slide55.xml><?xml version="1.0" encoding="utf-8"?>
-<p:sld xmlns:a="http://schemas.openxmlformats.org/drawingml/2006/main" xmlns:r="http://schemas.openxmlformats.org/officeDocument/2006/relationships" xmlns:p="http://schemas.openxmlformats.org/presentationml/2006/main">
-  <p:cSld>
-    <p:spTree>
-      <p:nvGrpSpPr>
-        <p:cNvPr id="1" name=""/>
-        <p:cNvGrpSpPr/>
-        <p:nvPr/>
-      </p:nvGrpSpPr>
-      <p:grpSpPr>
-        <a:xfrm>
-          <a:off x="0" y="0"/>
-          <a:ext cx="0" cy="0"/>
-          <a:chOff x="0" y="0"/>
-          <a:chExt cx="0" cy="0"/>
-        </a:xfrm>
-      </p:grpSpPr>
-      <p:sp>
-        <p:nvSpPr>
-          <p:cNvPr id="2" name="Title 1">
-            <a:extLst>
-              <a:ext uri="{FF2B5EF4-FFF2-40B4-BE49-F238E27FC236}">
-                <a16:creationId xmlns:a16="http://schemas.microsoft.com/office/drawing/2014/main" id="{45A16120-A594-4108-9B90-BF16429E9ED9}"/>
-              </a:ext>
-            </a:extLst>
-          </p:cNvPr>
-          <p:cNvSpPr>
-            <a:spLocks noGrp="1"/>
-          </p:cNvSpPr>
-          <p:nvPr>
-            <p:ph type="title"/>
-          </p:nvPr>
-        </p:nvSpPr>
-        <p:spPr/>
-        <p:txBody>
-          <a:bodyPr/>
-          <a:lstStyle/>
-          <a:p>
-            <a:r>
-              <a:rPr lang="en-IN" dirty="0"/>
-              <a:t>Moment</a:t>
-            </a:r>
-          </a:p>
-        </p:txBody>
-      </p:sp>
-      <p:sp>
-        <p:nvSpPr>
-          <p:cNvPr id="4" name="Content Placeholder 3">
-            <a:extLst>
-              <a:ext uri="{FF2B5EF4-FFF2-40B4-BE49-F238E27FC236}">
-                <a16:creationId xmlns:a16="http://schemas.microsoft.com/office/drawing/2014/main" id="{10C623F3-781C-46C8-AA05-F136F2A6BBFE}"/>
-              </a:ext>
-            </a:extLst>
-          </p:cNvPr>
-          <p:cNvSpPr>
-            <a:spLocks noGrp="1"/>
-          </p:cNvSpPr>
-          <p:nvPr>
-            <p:ph idx="1"/>
-          </p:nvPr>
-        </p:nvSpPr>
-        <p:spPr/>
-        <p:txBody>
-          <a:bodyPr/>
-          <a:lstStyle/>
-          <a:p>
-            <a:endParaRPr lang="en-US"/>
-          </a:p>
-        </p:txBody>
-      </p:sp>
-      <p:pic>
-        <p:nvPicPr>
-          <p:cNvPr id="3" name="Picture 2">
-            <a:extLst>
-              <a:ext uri="{FF2B5EF4-FFF2-40B4-BE49-F238E27FC236}">
-                <a16:creationId xmlns:a16="http://schemas.microsoft.com/office/drawing/2014/main" id="{5D488F6B-9E4C-4072-A976-54265639B9EC}"/>
-              </a:ext>
-            </a:extLst>
-          </p:cNvPr>
-          <p:cNvPicPr>
-            <a:picLocks noChangeAspect="1"/>
-          </p:cNvPicPr>
-          <p:nvPr/>
-        </p:nvPicPr>
-        <p:blipFill>
-          <a:blip r:embed="rId2"/>
-          <a:stretch>
-            <a:fillRect/>
-          </a:stretch>
-        </p:blipFill>
-        <p:spPr>
-          <a:xfrm>
-            <a:off x="933247" y="2590090"/>
-            <a:ext cx="4819650" cy="2066925"/>
-          </a:xfrm>
-          <a:prstGeom prst="rect">
-            <a:avLst/>
-          </a:prstGeom>
-        </p:spPr>
-      </p:pic>
-    </p:spTree>
-    <p:extLst>
-      <p:ext uri="{BB962C8B-B14F-4D97-AF65-F5344CB8AC3E}">
-        <p14:creationId xmlns:p14="http://schemas.microsoft.com/office/powerpoint/2010/main" val="2283650028"/>
-      </p:ext>
-    </p:extLst>
-  </p:cSld>
-  <p:clrMapOvr>
-    <a:masterClrMapping/>
-  </p:clrMapOvr>
-</p:sld>
-</file>
-
-<file path=ppt/slides/slide56.xml><?xml version="1.0" encoding="utf-8"?>
-<p:sld xmlns:a="http://schemas.openxmlformats.org/drawingml/2006/main" xmlns:r="http://schemas.openxmlformats.org/officeDocument/2006/relationships" xmlns:p="http://schemas.openxmlformats.org/presentationml/2006/main">
-  <p:cSld>
-    <p:spTree>
-      <p:nvGrpSpPr>
-        <p:cNvPr id="1" name=""/>
-        <p:cNvGrpSpPr/>
-        <p:nvPr/>
-      </p:nvGrpSpPr>
-      <p:grpSpPr>
-        <a:xfrm>
-          <a:off x="0" y="0"/>
-          <a:ext cx="0" cy="0"/>
-          <a:chOff x="0" y="0"/>
-          <a:chExt cx="0" cy="0"/>
-        </a:xfrm>
-      </p:grpSpPr>
-      <p:sp>
-        <p:nvSpPr>
-          <p:cNvPr id="2" name="Title 1">
-            <a:extLst>
-              <a:ext uri="{FF2B5EF4-FFF2-40B4-BE49-F238E27FC236}">
-                <a16:creationId xmlns:a16="http://schemas.microsoft.com/office/drawing/2014/main" id="{24E5D2D7-E172-4C60-B98E-27511BAC8EA4}"/>
-              </a:ext>
-            </a:extLst>
-          </p:cNvPr>
-          <p:cNvSpPr>
-            <a:spLocks noGrp="1"/>
-          </p:cNvSpPr>
-          <p:nvPr>
-            <p:ph type="title"/>
-          </p:nvPr>
-        </p:nvSpPr>
-        <p:spPr/>
-        <p:txBody>
-          <a:bodyPr/>
-          <a:lstStyle/>
-          <a:p>
-            <a:r>
-              <a:rPr lang="en-IN" dirty="0"/>
-              <a:t>EMI</a:t>
-            </a:r>
-          </a:p>
-        </p:txBody>
-      </p:sp>
-      <p:sp>
-        <p:nvSpPr>
-          <p:cNvPr id="4" name="Content Placeholder 3">
-            <a:extLst>
-              <a:ext uri="{FF2B5EF4-FFF2-40B4-BE49-F238E27FC236}">
-                <a16:creationId xmlns:a16="http://schemas.microsoft.com/office/drawing/2014/main" id="{0097878F-A44F-4700-91B7-AFC0C74E0737}"/>
-              </a:ext>
-            </a:extLst>
-          </p:cNvPr>
-          <p:cNvSpPr>
-            <a:spLocks noGrp="1"/>
-          </p:cNvSpPr>
-          <p:nvPr>
-            <p:ph idx="1"/>
-          </p:nvPr>
-        </p:nvSpPr>
-        <p:spPr/>
-        <p:txBody>
-          <a:bodyPr/>
-          <a:lstStyle/>
-          <a:p>
-            <a:endParaRPr lang="en-US" dirty="0"/>
-          </a:p>
-        </p:txBody>
-      </p:sp>
-      <p:pic>
-        <p:nvPicPr>
-          <p:cNvPr id="3" name="Picture 2">
-            <a:extLst>
-              <a:ext uri="{FF2B5EF4-FFF2-40B4-BE49-F238E27FC236}">
-                <a16:creationId xmlns:a16="http://schemas.microsoft.com/office/drawing/2014/main" id="{A4AC10BE-2865-4717-B72C-738212996503}"/>
-              </a:ext>
-            </a:extLst>
-          </p:cNvPr>
-          <p:cNvPicPr>
-            <a:picLocks noChangeAspect="1"/>
-          </p:cNvPicPr>
-          <p:nvPr/>
-        </p:nvPicPr>
-        <p:blipFill>
-          <a:blip r:embed="rId2"/>
-          <a:stretch>
-            <a:fillRect/>
-          </a:stretch>
-        </p:blipFill>
-        <p:spPr>
-          <a:xfrm>
-            <a:off x="1017599" y="1939884"/>
-            <a:ext cx="4750155" cy="1628775"/>
-          </a:xfrm>
-          <a:prstGeom prst="rect">
-            <a:avLst/>
-          </a:prstGeom>
-        </p:spPr>
-      </p:pic>
-    </p:spTree>
-    <p:extLst>
-      <p:ext uri="{BB962C8B-B14F-4D97-AF65-F5344CB8AC3E}">
-        <p14:creationId xmlns:p14="http://schemas.microsoft.com/office/powerpoint/2010/main" val="1617179019"/>
-      </p:ext>
-    </p:extLst>
-  </p:cSld>
-  <p:clrMapOvr>
-    <a:masterClrMapping/>
-  </p:clrMapOvr>
-</p:sld>
-</file>
-
-<file path=ppt/slides/slide57.xml><?xml version="1.0" encoding="utf-8"?>
-<p:sld xmlns:a="http://schemas.openxmlformats.org/drawingml/2006/main" xmlns:r="http://schemas.openxmlformats.org/officeDocument/2006/relationships" xmlns:p="http://schemas.openxmlformats.org/presentationml/2006/main">
-  <p:cSld>
-    <p:spTree>
-      <p:nvGrpSpPr>
-        <p:cNvPr id="1" name=""/>
-        <p:cNvGrpSpPr/>
-        <p:nvPr/>
-      </p:nvGrpSpPr>
-      <p:grpSpPr>
-        <a:xfrm>
-          <a:off x="0" y="0"/>
-          <a:ext cx="0" cy="0"/>
-          <a:chOff x="0" y="0"/>
-          <a:chExt cx="0" cy="0"/>
-        </a:xfrm>
-      </p:grpSpPr>
-      <p:sp>
-        <p:nvSpPr>
-          <p:cNvPr id="2" name="Title 1">
-            <a:extLst>
-              <a:ext uri="{FF2B5EF4-FFF2-40B4-BE49-F238E27FC236}">
-                <a16:creationId xmlns:a16="http://schemas.microsoft.com/office/drawing/2014/main" id="{4396E92A-3F58-437D-87C8-2EFFBC101CD8}"/>
-              </a:ext>
-            </a:extLst>
-          </p:cNvPr>
-          <p:cNvSpPr>
-            <a:spLocks noGrp="1"/>
-          </p:cNvSpPr>
-          <p:nvPr>
-            <p:ph type="title"/>
-          </p:nvPr>
-        </p:nvSpPr>
-        <p:spPr/>
-        <p:txBody>
-          <a:bodyPr>
-            <a:normAutofit/>
-          </a:bodyPr>
-          <a:lstStyle/>
-          <a:p>
-            <a:r>
-              <a:rPr lang="en-IN" dirty="0"/>
-              <a:t>Derivation of EMI</a:t>
-            </a:r>
-          </a:p>
-        </p:txBody>
-      </p:sp>
-      <p:sp>
-        <p:nvSpPr>
-          <p:cNvPr id="4" name="Content Placeholder 3">
-            <a:extLst>
-              <a:ext uri="{FF2B5EF4-FFF2-40B4-BE49-F238E27FC236}">
-                <a16:creationId xmlns:a16="http://schemas.microsoft.com/office/drawing/2014/main" id="{4DA89B24-3BF2-4ABE-912F-CC61B6A8F4A7}"/>
-              </a:ext>
-            </a:extLst>
-          </p:cNvPr>
-          <p:cNvSpPr>
-            <a:spLocks noGrp="1"/>
-          </p:cNvSpPr>
-          <p:nvPr>
-            <p:ph idx="1"/>
-          </p:nvPr>
-        </p:nvSpPr>
-        <p:spPr/>
-        <p:txBody>
-          <a:bodyPr/>
-          <a:lstStyle/>
-          <a:p>
-            <a:endParaRPr lang="en-US"/>
-          </a:p>
-        </p:txBody>
-      </p:sp>
-      <p:pic>
-        <p:nvPicPr>
-          <p:cNvPr id="3" name="Picture 2">
-            <a:extLst>
-              <a:ext uri="{FF2B5EF4-FFF2-40B4-BE49-F238E27FC236}">
-                <a16:creationId xmlns:a16="http://schemas.microsoft.com/office/drawing/2014/main" id="{3A54DC4F-D47A-454D-96B6-E3634BACF2DB}"/>
-              </a:ext>
-            </a:extLst>
-          </p:cNvPr>
-          <p:cNvPicPr>
-            <a:picLocks noChangeAspect="1"/>
-          </p:cNvPicPr>
-          <p:nvPr/>
-        </p:nvPicPr>
-        <p:blipFill>
-          <a:blip r:embed="rId2"/>
-          <a:stretch>
-            <a:fillRect/>
-          </a:stretch>
-        </p:blipFill>
-        <p:spPr>
-          <a:xfrm>
-            <a:off x="994561" y="1939884"/>
-            <a:ext cx="7582811" cy="4025484"/>
-          </a:xfrm>
-          <a:prstGeom prst="rect">
-            <a:avLst/>
-          </a:prstGeom>
-        </p:spPr>
-      </p:pic>
-    </p:spTree>
-    <p:extLst>
-      <p:ext uri="{BB962C8B-B14F-4D97-AF65-F5344CB8AC3E}">
-        <p14:creationId xmlns:p14="http://schemas.microsoft.com/office/powerpoint/2010/main" val="3722163879"/>
-      </p:ext>
-    </p:extLst>
-  </p:cSld>
-  <p:clrMapOvr>
-    <a:masterClrMapping/>
-  </p:clrMapOvr>
-</p:sld>
-</file>
-
-<file path=ppt/slides/slide58.xml><?xml version="1.0" encoding="utf-8"?>
-<p:sld xmlns:a="http://schemas.openxmlformats.org/drawingml/2006/main" xmlns:r="http://schemas.openxmlformats.org/officeDocument/2006/relationships" xmlns:p="http://schemas.openxmlformats.org/presentationml/2006/main">
-  <p:cSld>
-    <p:spTree>
-      <p:nvGrpSpPr>
-        <p:cNvPr id="1" name=""/>
-        <p:cNvGrpSpPr/>
-        <p:nvPr/>
-      </p:nvGrpSpPr>
-      <p:grpSpPr>
-        <a:xfrm>
-          <a:off x="0" y="0"/>
-          <a:ext cx="0" cy="0"/>
-          <a:chOff x="0" y="0"/>
-          <a:chExt cx="0" cy="0"/>
-        </a:xfrm>
-      </p:grpSpPr>
-      <p:sp>
-        <p:nvSpPr>
-          <p:cNvPr id="2" name="Title 1">
-            <a:extLst>
-              <a:ext uri="{FF2B5EF4-FFF2-40B4-BE49-F238E27FC236}">
-                <a16:creationId xmlns:a16="http://schemas.microsoft.com/office/drawing/2014/main" id="{DCC30394-D52A-4FB3-8DEA-DD14F2417F76}"/>
-              </a:ext>
-            </a:extLst>
-          </p:cNvPr>
-          <p:cNvSpPr>
-            <a:spLocks noGrp="1"/>
-          </p:cNvSpPr>
-          <p:nvPr>
-            <p:ph type="title"/>
-          </p:nvPr>
-        </p:nvSpPr>
-        <p:spPr/>
-        <p:txBody>
-          <a:bodyPr/>
-          <a:lstStyle/>
-          <a:p>
-            <a:r>
-              <a:rPr lang="en-US" dirty="0"/>
-              <a:t>EMI Computation</a:t>
-            </a:r>
-          </a:p>
-        </p:txBody>
-      </p:sp>
-      <p:pic>
-        <p:nvPicPr>
-          <p:cNvPr id="4" name="Content Placeholder 3">
-            <a:extLst>
-              <a:ext uri="{FF2B5EF4-FFF2-40B4-BE49-F238E27FC236}">
-                <a16:creationId xmlns:a16="http://schemas.microsoft.com/office/drawing/2014/main" id="{ABBE1B17-704C-43E2-89D9-1B67CAFB5EF5}"/>
-              </a:ext>
-            </a:extLst>
-          </p:cNvPr>
-          <p:cNvPicPr>
-            <a:picLocks noGrp="1" noChangeAspect="1"/>
-          </p:cNvPicPr>
-          <p:nvPr>
-            <p:ph idx="1"/>
-          </p:nvPr>
-        </p:nvPicPr>
-        <p:blipFill>
-          <a:blip r:embed="rId2"/>
-          <a:stretch>
-            <a:fillRect/>
-          </a:stretch>
-        </p:blipFill>
-        <p:spPr>
-          <a:xfrm>
-            <a:off x="1358423" y="1990771"/>
-            <a:ext cx="6164803" cy="1991531"/>
-          </a:xfrm>
-          <a:prstGeom prst="rect">
-            <a:avLst/>
-          </a:prstGeom>
-        </p:spPr>
-      </p:pic>
-      <p:pic>
-        <p:nvPicPr>
-          <p:cNvPr id="5" name="Picture 4">
-            <a:extLst>
-              <a:ext uri="{FF2B5EF4-FFF2-40B4-BE49-F238E27FC236}">
-                <a16:creationId xmlns:a16="http://schemas.microsoft.com/office/drawing/2014/main" id="{E262B0D9-AFB1-484F-B497-F405EBA6230F}"/>
-              </a:ext>
-            </a:extLst>
-          </p:cNvPr>
-          <p:cNvPicPr>
-            <a:picLocks noChangeAspect="1"/>
-          </p:cNvPicPr>
-          <p:nvPr/>
-        </p:nvPicPr>
-        <p:blipFill>
-          <a:blip r:embed="rId3"/>
-          <a:stretch>
-            <a:fillRect/>
-          </a:stretch>
-        </p:blipFill>
-        <p:spPr>
-          <a:xfrm>
-            <a:off x="1358423" y="3982302"/>
-            <a:ext cx="6164802" cy="1627773"/>
-          </a:xfrm>
-          <a:prstGeom prst="rect">
-            <a:avLst/>
-          </a:prstGeom>
-        </p:spPr>
-      </p:pic>
-    </p:spTree>
-    <p:extLst>
-      <p:ext uri="{BB962C8B-B14F-4D97-AF65-F5344CB8AC3E}">
-        <p14:creationId xmlns:p14="http://schemas.microsoft.com/office/powerpoint/2010/main" val="2369647367"/>
-      </p:ext>
-    </p:extLst>
-  </p:cSld>
-  <p:clrMapOvr>
-    <a:masterClrMapping/>
-  </p:clrMapOvr>
-</p:sld>
-</file>
-
-<file path=ppt/slides/slide59.xml><?xml version="1.0" encoding="utf-8"?>
-<p:sld xmlns:a="http://schemas.openxmlformats.org/drawingml/2006/main" xmlns:r="http://schemas.openxmlformats.org/officeDocument/2006/relationships" xmlns:p="http://schemas.openxmlformats.org/presentationml/2006/main">
-  <p:cSld>
-    <p:spTree>
-      <p:nvGrpSpPr>
-        <p:cNvPr id="1" name=""/>
-        <p:cNvGrpSpPr/>
-        <p:nvPr/>
-      </p:nvGrpSpPr>
-      <p:grpSpPr>
-        <a:xfrm>
-          <a:off x="0" y="0"/>
-          <a:ext cx="0" cy="0"/>
-          <a:chOff x="0" y="0"/>
-          <a:chExt cx="0" cy="0"/>
-        </a:xfrm>
-      </p:grpSpPr>
-      <p:sp>
-        <p:nvSpPr>
-          <p:cNvPr id="2" name="Title 1">
-            <a:extLst>
-              <a:ext uri="{FF2B5EF4-FFF2-40B4-BE49-F238E27FC236}">
                 <a16:creationId xmlns:a16="http://schemas.microsoft.com/office/drawing/2014/main" id="{8D7967A8-A715-4AA2-B21B-C759F663BDD1}"/>
               </a:ext>
             </a:extLst>
@@ -14757,604 +15059,7 @@
 </p:sld>
 </file>
 
-<file path=ppt/slides/slide6.xml><?xml version="1.0" encoding="utf-8"?>
-<p:sld xmlns:a="http://schemas.openxmlformats.org/drawingml/2006/main" xmlns:r="http://schemas.openxmlformats.org/officeDocument/2006/relationships" xmlns:p="http://schemas.openxmlformats.org/presentationml/2006/main">
-  <p:cSld>
-    <p:spTree>
-      <p:nvGrpSpPr>
-        <p:cNvPr id="1" name=""/>
-        <p:cNvGrpSpPr/>
-        <p:nvPr/>
-      </p:nvGrpSpPr>
-      <p:grpSpPr>
-        <a:xfrm>
-          <a:off x="0" y="0"/>
-          <a:ext cx="0" cy="0"/>
-          <a:chOff x="0" y="0"/>
-          <a:chExt cx="0" cy="0"/>
-        </a:xfrm>
-      </p:grpSpPr>
-      <p:sp>
-        <p:nvSpPr>
-          <p:cNvPr id="2" name="Title 1">
-            <a:extLst>
-              <a:ext uri="{FF2B5EF4-FFF2-40B4-BE49-F238E27FC236}">
-                <a16:creationId xmlns:a16="http://schemas.microsoft.com/office/drawing/2014/main" id="{1461EAB3-8F74-46E9-94EF-A68170F62F17}"/>
-              </a:ext>
-            </a:extLst>
-          </p:cNvPr>
-          <p:cNvSpPr>
-            <a:spLocks noGrp="1"/>
-          </p:cNvSpPr>
-          <p:nvPr>
-            <p:ph type="title"/>
-          </p:nvPr>
-        </p:nvSpPr>
-        <p:spPr/>
-        <p:txBody>
-          <a:bodyPr/>
-          <a:lstStyle/>
-          <a:p>
-            <a:r>
-              <a:rPr lang="en-US" dirty="0" err="1"/>
-              <a:t>Peano’s</a:t>
-            </a:r>
-            <a:r>
-              <a:rPr lang="en-US" dirty="0"/>
-              <a:t> Arithmetic in Semi Formal Terms</a:t>
-            </a:r>
-          </a:p>
-        </p:txBody>
-      </p:sp>
-      <p:sp>
-        <p:nvSpPr>
-          <p:cNvPr id="3" name="Content Placeholder 2">
-            <a:extLst>
-              <a:ext uri="{FF2B5EF4-FFF2-40B4-BE49-F238E27FC236}">
-                <a16:creationId xmlns:a16="http://schemas.microsoft.com/office/drawing/2014/main" id="{0EC5074B-FEA1-4D46-BBF1-0A0B61480BA3}"/>
-              </a:ext>
-            </a:extLst>
-          </p:cNvPr>
-          <p:cNvSpPr>
-            <a:spLocks noGrp="1"/>
-          </p:cNvSpPr>
-          <p:nvPr>
-            <p:ph idx="1"/>
-          </p:nvPr>
-        </p:nvSpPr>
-        <p:spPr/>
-        <p:txBody>
-          <a:bodyPr>
-            <a:normAutofit/>
-          </a:bodyPr>
-          <a:lstStyle/>
-          <a:p>
-            <a:pPr marL="342900" indent="-342900">
-              <a:buFont typeface="Arial" panose="020B0604020202020204" pitchFamily="34" charset="0"/>
-              <a:buChar char="•"/>
-            </a:pPr>
-            <a:r>
-              <a:rPr lang="en-US" sz="2100" dirty="0"/>
-              <a:t>0 is a natural number.</a:t>
-            </a:r>
-          </a:p>
-          <a:p>
-            <a:pPr marL="342900" indent="-342900">
-              <a:buFont typeface="Arial" panose="020B0604020202020204" pitchFamily="34" charset="0"/>
-              <a:buChar char="•"/>
-            </a:pPr>
-            <a:r>
-              <a:rPr lang="en-US" sz="2100" dirty="0"/>
-              <a:t>For every natural number </a:t>
-            </a:r>
-            <a:r>
-              <a:rPr lang="en-US" sz="2100" i="1" dirty="0"/>
-              <a:t>x</a:t>
-            </a:r>
-            <a:r>
-              <a:rPr lang="en-US" sz="2100" dirty="0"/>
-              <a:t>, </a:t>
-            </a:r>
-            <a:r>
-              <a:rPr lang="en-US" sz="2100" i="1" dirty="0"/>
-              <a:t>x</a:t>
-            </a:r>
-            <a:r>
-              <a:rPr lang="en-US" sz="2100" dirty="0"/>
-              <a:t> = </a:t>
-            </a:r>
-            <a:r>
-              <a:rPr lang="en-US" sz="2100" i="1" dirty="0"/>
-              <a:t>x</a:t>
-            </a:r>
-            <a:r>
-              <a:rPr lang="en-US" sz="2100" dirty="0"/>
-              <a:t>. That is, equality is </a:t>
-            </a:r>
-            <a:r>
-              <a:rPr lang="en-US" sz="2100" b="1" dirty="0">
-                <a:solidFill>
-                  <a:srgbClr val="FF0000"/>
-                </a:solidFill>
-                <a:hlinkClick r:id="rId2" tooltip="Reflexive relation">
-                  <a:extLst>
-                    <a:ext uri="{A12FA001-AC4F-418D-AE19-62706E023703}">
-                      <ahyp:hlinkClr xmlns:ahyp="http://schemas.microsoft.com/office/drawing/2018/hyperlinkcolor" val="tx"/>
-                    </a:ext>
-                  </a:extLst>
-                </a:hlinkClick>
-              </a:rPr>
-              <a:t>reflexive</a:t>
-            </a:r>
-            <a:r>
-              <a:rPr lang="en-US" sz="2100" dirty="0"/>
-              <a:t>.</a:t>
-            </a:r>
-          </a:p>
-          <a:p>
-            <a:pPr marL="342900" indent="-342900">
-              <a:buFont typeface="Arial" panose="020B0604020202020204" pitchFamily="34" charset="0"/>
-              <a:buChar char="•"/>
-            </a:pPr>
-            <a:r>
-              <a:rPr lang="en-US" sz="2100" dirty="0"/>
-              <a:t>For all natural numbers </a:t>
-            </a:r>
-            <a:r>
-              <a:rPr lang="en-US" sz="2100" i="1" dirty="0"/>
-              <a:t>x</a:t>
-            </a:r>
-            <a:r>
-              <a:rPr lang="en-US" sz="2100" dirty="0"/>
-              <a:t> and </a:t>
-            </a:r>
-            <a:r>
-              <a:rPr lang="en-US" sz="2100" i="1" dirty="0"/>
-              <a:t>y</a:t>
-            </a:r>
-            <a:r>
-              <a:rPr lang="en-US" sz="2100" dirty="0"/>
-              <a:t>, if </a:t>
-            </a:r>
-            <a:r>
-              <a:rPr lang="en-US" sz="2100" i="1" dirty="0"/>
-              <a:t>x</a:t>
-            </a:r>
-            <a:r>
-              <a:rPr lang="en-US" sz="2100" dirty="0"/>
-              <a:t> = </a:t>
-            </a:r>
-            <a:r>
-              <a:rPr lang="en-US" sz="2100" i="1" dirty="0"/>
-              <a:t>y</a:t>
-            </a:r>
-            <a:r>
-              <a:rPr lang="en-US" sz="2100" dirty="0"/>
-              <a:t>, then </a:t>
-            </a:r>
-            <a:r>
-              <a:rPr lang="en-US" sz="2100" i="1" dirty="0"/>
-              <a:t>y</a:t>
-            </a:r>
-            <a:r>
-              <a:rPr lang="en-US" sz="2100" dirty="0"/>
-              <a:t> = </a:t>
-            </a:r>
-            <a:r>
-              <a:rPr lang="en-US" sz="2100" i="1" dirty="0"/>
-              <a:t>x</a:t>
-            </a:r>
-            <a:r>
-              <a:rPr lang="en-US" sz="2100" dirty="0"/>
-              <a:t>. That is, equality is </a:t>
-            </a:r>
-            <a:r>
-              <a:rPr lang="en-US" sz="2100" dirty="0">
-                <a:hlinkClick r:id="rId3" tooltip="Symmetric relation"/>
-              </a:rPr>
-              <a:t>symmetric</a:t>
-            </a:r>
-            <a:r>
-              <a:rPr lang="en-US" sz="2100" dirty="0"/>
-              <a:t>.</a:t>
-            </a:r>
-          </a:p>
-          <a:p>
-            <a:pPr marL="342900" indent="-342900">
-              <a:buFont typeface="Arial" panose="020B0604020202020204" pitchFamily="34" charset="0"/>
-              <a:buChar char="•"/>
-            </a:pPr>
-            <a:r>
-              <a:rPr lang="en-US" sz="2100" dirty="0"/>
-              <a:t>For all natural numbers </a:t>
-            </a:r>
-            <a:r>
-              <a:rPr lang="en-US" sz="2100" i="1" dirty="0"/>
-              <a:t>x</a:t>
-            </a:r>
-            <a:r>
-              <a:rPr lang="en-US" sz="2100" dirty="0"/>
-              <a:t>, </a:t>
-            </a:r>
-            <a:r>
-              <a:rPr lang="en-US" sz="2100" i="1" dirty="0"/>
-              <a:t>y</a:t>
-            </a:r>
-            <a:r>
-              <a:rPr lang="en-US" sz="2100" dirty="0"/>
-              <a:t> and </a:t>
-            </a:r>
-            <a:r>
-              <a:rPr lang="en-US" sz="2100" i="1" dirty="0"/>
-              <a:t>z</a:t>
-            </a:r>
-            <a:r>
-              <a:rPr lang="en-US" sz="2100" dirty="0"/>
-              <a:t>, if </a:t>
-            </a:r>
-            <a:r>
-              <a:rPr lang="en-US" sz="2100" i="1" dirty="0"/>
-              <a:t>x</a:t>
-            </a:r>
-            <a:r>
-              <a:rPr lang="en-US" sz="2100" dirty="0"/>
-              <a:t> = </a:t>
-            </a:r>
-            <a:r>
-              <a:rPr lang="en-US" sz="2100" i="1" dirty="0"/>
-              <a:t>y</a:t>
-            </a:r>
-            <a:r>
-              <a:rPr lang="en-US" sz="2100" dirty="0"/>
-              <a:t> and </a:t>
-            </a:r>
-            <a:r>
-              <a:rPr lang="en-US" sz="2100" i="1" dirty="0"/>
-              <a:t>y</a:t>
-            </a:r>
-            <a:r>
-              <a:rPr lang="en-US" sz="2100" dirty="0"/>
-              <a:t> = </a:t>
-            </a:r>
-            <a:r>
-              <a:rPr lang="en-US" sz="2100" i="1" dirty="0"/>
-              <a:t>z</a:t>
-            </a:r>
-            <a:r>
-              <a:rPr lang="en-US" sz="2100" dirty="0"/>
-              <a:t>, then </a:t>
-            </a:r>
-            <a:r>
-              <a:rPr lang="en-US" sz="2100" i="1" dirty="0"/>
-              <a:t>x</a:t>
-            </a:r>
-            <a:r>
-              <a:rPr lang="en-US" sz="2100" dirty="0"/>
-              <a:t> = </a:t>
-            </a:r>
-            <a:r>
-              <a:rPr lang="en-US" sz="2100" i="1" dirty="0"/>
-              <a:t>z</a:t>
-            </a:r>
-            <a:r>
-              <a:rPr lang="en-US" sz="2100" dirty="0"/>
-              <a:t>. That is, equality is </a:t>
-            </a:r>
-            <a:r>
-              <a:rPr lang="en-US" sz="2100" dirty="0">
-                <a:solidFill>
-                  <a:srgbClr val="FF0000"/>
-                </a:solidFill>
-                <a:hlinkClick r:id="rId4" tooltip="Transitive relation">
-                  <a:extLst>
-                    <a:ext uri="{A12FA001-AC4F-418D-AE19-62706E023703}">
-                      <ahyp:hlinkClr xmlns:ahyp="http://schemas.microsoft.com/office/drawing/2018/hyperlinkcolor" val="tx"/>
-                    </a:ext>
-                  </a:extLst>
-                </a:hlinkClick>
-              </a:rPr>
-              <a:t>transitive</a:t>
-            </a:r>
-            <a:r>
-              <a:rPr lang="en-US" sz="2100" dirty="0"/>
-              <a:t>.</a:t>
-            </a:r>
-          </a:p>
-          <a:p>
-            <a:pPr marL="342900" indent="-342900">
-              <a:buFont typeface="Arial" panose="020B0604020202020204" pitchFamily="34" charset="0"/>
-              <a:buChar char="•"/>
-            </a:pPr>
-            <a:r>
-              <a:rPr lang="en-US" sz="2100" dirty="0"/>
-              <a:t>For all </a:t>
-            </a:r>
-            <a:r>
-              <a:rPr lang="en-US" sz="2100" i="1" dirty="0"/>
-              <a:t>a</a:t>
-            </a:r>
-            <a:r>
-              <a:rPr lang="en-US" sz="2100" dirty="0"/>
-              <a:t> and </a:t>
-            </a:r>
-            <a:r>
-              <a:rPr lang="en-US" sz="2100" i="1" dirty="0"/>
-              <a:t>b</a:t>
-            </a:r>
-            <a:r>
-              <a:rPr lang="en-US" sz="2100" dirty="0"/>
-              <a:t>, if </a:t>
-            </a:r>
-            <a:r>
-              <a:rPr lang="en-US" sz="2100" i="1" dirty="0"/>
-              <a:t>b</a:t>
-            </a:r>
-            <a:r>
-              <a:rPr lang="en-US" sz="2100" dirty="0"/>
-              <a:t> is a natural number and </a:t>
-            </a:r>
-            <a:r>
-              <a:rPr lang="en-US" sz="2100" i="1" dirty="0"/>
-              <a:t>a</a:t>
-            </a:r>
-            <a:r>
-              <a:rPr lang="en-US" sz="2100" dirty="0"/>
-              <a:t> = </a:t>
-            </a:r>
-            <a:r>
-              <a:rPr lang="en-US" sz="2100" i="1" dirty="0"/>
-              <a:t>b</a:t>
-            </a:r>
-            <a:r>
-              <a:rPr lang="en-US" sz="2100" dirty="0"/>
-              <a:t>, then </a:t>
-            </a:r>
-            <a:r>
-              <a:rPr lang="en-US" sz="2100" i="1" dirty="0"/>
-              <a:t>a</a:t>
-            </a:r>
-            <a:r>
-              <a:rPr lang="en-US" sz="2100" dirty="0"/>
-              <a:t> is also a natural number. That is, the natural numbers are </a:t>
-            </a:r>
-            <a:r>
-              <a:rPr lang="en-US" sz="2100" dirty="0">
-                <a:solidFill>
-                  <a:srgbClr val="FF0000"/>
-                </a:solidFill>
-                <a:hlinkClick r:id="rId5" tooltip="Closure (mathematics)">
-                  <a:extLst>
-                    <a:ext uri="{A12FA001-AC4F-418D-AE19-62706E023703}">
-                      <ahyp:hlinkClr xmlns:ahyp="http://schemas.microsoft.com/office/drawing/2018/hyperlinkcolor" val="tx"/>
-                    </a:ext>
-                  </a:extLst>
-                </a:hlinkClick>
-              </a:rPr>
-              <a:t>closed</a:t>
-            </a:r>
-            <a:r>
-              <a:rPr lang="en-US" sz="2100" dirty="0"/>
-              <a:t> under equality.</a:t>
-            </a:r>
-          </a:p>
-          <a:p>
-            <a:pPr marL="342900" indent="-342900">
-              <a:buFont typeface="Arial" panose="020B0604020202020204" pitchFamily="34" charset="0"/>
-              <a:buChar char="•"/>
-            </a:pPr>
-            <a:r>
-              <a:rPr lang="en-US" sz="2100" dirty="0"/>
-              <a:t>For every natural number </a:t>
-            </a:r>
-            <a:r>
-              <a:rPr lang="en-US" sz="2100" i="1" dirty="0"/>
-              <a:t>n</a:t>
-            </a:r>
-            <a:r>
-              <a:rPr lang="en-US" sz="2100" dirty="0"/>
-              <a:t>, </a:t>
-            </a:r>
-            <a:r>
-              <a:rPr lang="en-US" sz="2100" i="1" dirty="0"/>
-              <a:t>S</a:t>
-            </a:r>
-            <a:r>
-              <a:rPr lang="en-US" sz="2100" dirty="0"/>
-              <a:t>(</a:t>
-            </a:r>
-            <a:r>
-              <a:rPr lang="en-US" sz="2100" i="1" dirty="0"/>
-              <a:t>n</a:t>
-            </a:r>
-            <a:r>
-              <a:rPr lang="en-US" sz="2100" dirty="0"/>
-              <a:t>) is a natural number. That is, the natural numbers are </a:t>
-            </a:r>
-            <a:r>
-              <a:rPr lang="en-US" sz="2100" dirty="0">
-                <a:solidFill>
-                  <a:srgbClr val="FF0000"/>
-                </a:solidFill>
-                <a:hlinkClick r:id="rId5" tooltip="Closure (mathematics)">
-                  <a:extLst>
-                    <a:ext uri="{A12FA001-AC4F-418D-AE19-62706E023703}">
-                      <ahyp:hlinkClr xmlns:ahyp="http://schemas.microsoft.com/office/drawing/2018/hyperlinkcolor" val="tx"/>
-                    </a:ext>
-                  </a:extLst>
-                </a:hlinkClick>
-              </a:rPr>
-              <a:t>closed</a:t>
-            </a:r>
-            <a:r>
-              <a:rPr lang="en-US" sz="2100" dirty="0"/>
-              <a:t> under </a:t>
-            </a:r>
-            <a:r>
-              <a:rPr lang="en-US" sz="2100" i="1" dirty="0"/>
-              <a:t>S</a:t>
-            </a:r>
-            <a:r>
-              <a:rPr lang="en-US" sz="2100" dirty="0"/>
-              <a:t>.</a:t>
-            </a:r>
-          </a:p>
-          <a:p>
-            <a:pPr marL="342900" indent="-342900">
-              <a:buFont typeface="Arial" panose="020B0604020202020204" pitchFamily="34" charset="0"/>
-              <a:buChar char="•"/>
-            </a:pPr>
-            <a:r>
-              <a:rPr lang="en-US" sz="2100" dirty="0"/>
-              <a:t>For all natural numbers </a:t>
-            </a:r>
-            <a:r>
-              <a:rPr lang="en-US" sz="2100" i="1" dirty="0"/>
-              <a:t>m</a:t>
-            </a:r>
-            <a:r>
-              <a:rPr lang="en-US" sz="2100" dirty="0"/>
-              <a:t> and </a:t>
-            </a:r>
-            <a:r>
-              <a:rPr lang="en-US" sz="2100" i="1" dirty="0"/>
-              <a:t>n</a:t>
-            </a:r>
-            <a:r>
-              <a:rPr lang="en-US" sz="2100" dirty="0"/>
-              <a:t>, </a:t>
-            </a:r>
-            <a:r>
-              <a:rPr lang="en-US" sz="2100" i="1" dirty="0"/>
-              <a:t>m</a:t>
-            </a:r>
-            <a:r>
-              <a:rPr lang="en-US" sz="2100" dirty="0"/>
-              <a:t> = </a:t>
-            </a:r>
-            <a:r>
-              <a:rPr lang="en-US" sz="2100" i="1" dirty="0"/>
-              <a:t>n</a:t>
-            </a:r>
-            <a:r>
-              <a:rPr lang="en-US" sz="2100" dirty="0"/>
-              <a:t> if and only if </a:t>
-            </a:r>
-            <a:r>
-              <a:rPr lang="en-US" sz="2100" i="1" dirty="0"/>
-              <a:t>S</a:t>
-            </a:r>
-            <a:r>
-              <a:rPr lang="en-US" sz="2100" dirty="0"/>
-              <a:t>(</a:t>
-            </a:r>
-            <a:r>
-              <a:rPr lang="en-US" sz="2100" i="1" dirty="0"/>
-              <a:t>m</a:t>
-            </a:r>
-            <a:r>
-              <a:rPr lang="en-US" sz="2100" dirty="0"/>
-              <a:t>) = </a:t>
-            </a:r>
-            <a:r>
-              <a:rPr lang="en-US" sz="2100" i="1" dirty="0"/>
-              <a:t>S</a:t>
-            </a:r>
-            <a:r>
-              <a:rPr lang="en-US" sz="2100" dirty="0"/>
-              <a:t>(</a:t>
-            </a:r>
-            <a:r>
-              <a:rPr lang="en-US" sz="2100" i="1" dirty="0"/>
-              <a:t>n</a:t>
-            </a:r>
-            <a:r>
-              <a:rPr lang="en-US" sz="2100" dirty="0"/>
-              <a:t>). That is, </a:t>
-            </a:r>
-            <a:r>
-              <a:rPr lang="en-US" sz="2100" i="1" dirty="0"/>
-              <a:t>S</a:t>
-            </a:r>
-            <a:r>
-              <a:rPr lang="en-US" sz="2100" dirty="0"/>
-              <a:t> is an </a:t>
-            </a:r>
-            <a:r>
-              <a:rPr lang="en-US" sz="2100" dirty="0">
-                <a:solidFill>
-                  <a:srgbClr val="FF0000"/>
-                </a:solidFill>
-                <a:hlinkClick r:id="rId6" tooltip="Injective function">
-                  <a:extLst>
-                    <a:ext uri="{A12FA001-AC4F-418D-AE19-62706E023703}">
-                      <ahyp:hlinkClr xmlns:ahyp="http://schemas.microsoft.com/office/drawing/2018/hyperlinkcolor" val="tx"/>
-                    </a:ext>
-                  </a:extLst>
-                </a:hlinkClick>
-              </a:rPr>
-              <a:t>injection</a:t>
-            </a:r>
-            <a:r>
-              <a:rPr lang="en-US" sz="2100" dirty="0"/>
-              <a:t>.</a:t>
-            </a:r>
-          </a:p>
-          <a:p>
-            <a:pPr marL="342900" indent="-342900">
-              <a:buFont typeface="Arial" panose="020B0604020202020204" pitchFamily="34" charset="0"/>
-              <a:buChar char="•"/>
-            </a:pPr>
-            <a:r>
-              <a:rPr lang="en-US" sz="2100" dirty="0"/>
-              <a:t>For every natural number </a:t>
-            </a:r>
-            <a:r>
-              <a:rPr lang="en-US" sz="2100" i="1" dirty="0"/>
-              <a:t>n</a:t>
-            </a:r>
-            <a:r>
-              <a:rPr lang="en-US" sz="2100" dirty="0"/>
-              <a:t>, </a:t>
-            </a:r>
-            <a:r>
-              <a:rPr lang="en-US" sz="2100" i="1" dirty="0"/>
-              <a:t>S</a:t>
-            </a:r>
-            <a:r>
-              <a:rPr lang="en-US" sz="2100" dirty="0"/>
-              <a:t>(</a:t>
-            </a:r>
-            <a:r>
-              <a:rPr lang="en-US" sz="2100" i="1" dirty="0"/>
-              <a:t>n</a:t>
-            </a:r>
-            <a:r>
-              <a:rPr lang="en-US" sz="2100" dirty="0"/>
-              <a:t>) = 0 is false. That is, there is no natural number whose successor is 0.</a:t>
-            </a:r>
-          </a:p>
-          <a:p>
-            <a:endParaRPr lang="en-US" dirty="0"/>
-          </a:p>
-          <a:p>
-            <a:endParaRPr lang="en-US" dirty="0"/>
-          </a:p>
-        </p:txBody>
-      </p:sp>
-    </p:spTree>
-    <p:extLst>
-      <p:ext uri="{BB962C8B-B14F-4D97-AF65-F5344CB8AC3E}">
-        <p14:creationId xmlns:p14="http://schemas.microsoft.com/office/powerpoint/2010/main" val="352246511"/>
-      </p:ext>
-    </p:extLst>
-  </p:cSld>
-  <p:clrMapOvr>
-    <a:masterClrMapping/>
-  </p:clrMapOvr>
-</p:sld>
-</file>
-
-<file path=ppt/slides/slide60.xml><?xml version="1.0" encoding="utf-8"?>
+<file path=ppt/slides/slide61.xml><?xml version="1.0" encoding="utf-8"?>
 <p:sld xmlns:a="http://schemas.openxmlformats.org/drawingml/2006/main" xmlns:r="http://schemas.openxmlformats.org/officeDocument/2006/relationships" xmlns:p="http://schemas.openxmlformats.org/presentationml/2006/main">
   <p:cSld>
     <p:spTree>
@@ -15527,7 +15232,7 @@
 </p:sld>
 </file>
 
-<file path=ppt/slides/slide61.xml><?xml version="1.0" encoding="utf-8"?>
+<file path=ppt/slides/slide62.xml><?xml version="1.0" encoding="utf-8"?>
 <p:sld xmlns:a="http://schemas.openxmlformats.org/drawingml/2006/main" xmlns:r="http://schemas.openxmlformats.org/officeDocument/2006/relationships" xmlns:p="http://schemas.openxmlformats.org/presentationml/2006/main">
   <p:cSld>
     <p:spTree>
@@ -15648,7 +15353,7 @@
 </p:sld>
 </file>
 
-<file path=ppt/slides/slide62.xml><?xml version="1.0" encoding="utf-8"?>
+<file path=ppt/slides/slide63.xml><?xml version="1.0" encoding="utf-8"?>
 <p:sld xmlns:a="http://schemas.openxmlformats.org/drawingml/2006/main" xmlns:r="http://schemas.openxmlformats.org/officeDocument/2006/relationships" xmlns:p="http://schemas.openxmlformats.org/presentationml/2006/main">
   <p:cSld>
     <p:spTree>
@@ -15791,7 +15496,7 @@
 </p:sld>
 </file>
 
-<file path=ppt/slides/slide63.xml><?xml version="1.0" encoding="utf-8"?>
+<file path=ppt/slides/slide64.xml><?xml version="1.0" encoding="utf-8"?>
 <p:sld xmlns:a="http://schemas.openxmlformats.org/drawingml/2006/main" xmlns:r="http://schemas.openxmlformats.org/officeDocument/2006/relationships" xmlns:p="http://schemas.openxmlformats.org/presentationml/2006/main">
   <p:cSld>
     <p:spTree>
@@ -16149,7 +15854,7 @@
 </p:sld>
 </file>
 
-<file path=ppt/slides/slide64.xml><?xml version="1.0" encoding="utf-8"?>
+<file path=ppt/slides/slide65.xml><?xml version="1.0" encoding="utf-8"?>
 <p:sld xmlns:a="http://schemas.openxmlformats.org/drawingml/2006/main" xmlns:r="http://schemas.openxmlformats.org/officeDocument/2006/relationships" xmlns:p="http://schemas.openxmlformats.org/presentationml/2006/main">
   <p:cSld>
     <p:spTree>
@@ -16339,7 +16044,7 @@
 </p:sld>
 </file>
 
-<file path=ppt/slides/slide65.xml><?xml version="1.0" encoding="utf-8"?>
+<file path=ppt/slides/slide66.xml><?xml version="1.0" encoding="utf-8"?>
 <p:sld xmlns:a="http://schemas.openxmlformats.org/drawingml/2006/main" xmlns:r="http://schemas.openxmlformats.org/officeDocument/2006/relationships" xmlns:p="http://schemas.openxmlformats.org/presentationml/2006/main">
   <p:cSld>
     <p:spTree>
@@ -16444,6 +16149,603 @@
           <p:cNvPr id="2" name="Title 1">
             <a:extLst>
               <a:ext uri="{FF2B5EF4-FFF2-40B4-BE49-F238E27FC236}">
+                <a16:creationId xmlns:a16="http://schemas.microsoft.com/office/drawing/2014/main" id="{1461EAB3-8F74-46E9-94EF-A68170F62F17}"/>
+              </a:ext>
+            </a:extLst>
+          </p:cNvPr>
+          <p:cNvSpPr>
+            <a:spLocks noGrp="1"/>
+          </p:cNvSpPr>
+          <p:nvPr>
+            <p:ph type="title"/>
+          </p:nvPr>
+        </p:nvSpPr>
+        <p:spPr/>
+        <p:txBody>
+          <a:bodyPr/>
+          <a:lstStyle/>
+          <a:p>
+            <a:r>
+              <a:rPr lang="en-US" dirty="0" err="1"/>
+              <a:t>Peano’s</a:t>
+            </a:r>
+            <a:r>
+              <a:rPr lang="en-US" dirty="0"/>
+              <a:t> Arithmetic in Semi Formal Terms</a:t>
+            </a:r>
+          </a:p>
+        </p:txBody>
+      </p:sp>
+      <p:sp>
+        <p:nvSpPr>
+          <p:cNvPr id="3" name="Content Placeholder 2">
+            <a:extLst>
+              <a:ext uri="{FF2B5EF4-FFF2-40B4-BE49-F238E27FC236}">
+                <a16:creationId xmlns:a16="http://schemas.microsoft.com/office/drawing/2014/main" id="{0EC5074B-FEA1-4D46-BBF1-0A0B61480BA3}"/>
+              </a:ext>
+            </a:extLst>
+          </p:cNvPr>
+          <p:cNvSpPr>
+            <a:spLocks noGrp="1"/>
+          </p:cNvSpPr>
+          <p:nvPr>
+            <p:ph idx="1"/>
+          </p:nvPr>
+        </p:nvSpPr>
+        <p:spPr/>
+        <p:txBody>
+          <a:bodyPr>
+            <a:normAutofit/>
+          </a:bodyPr>
+          <a:lstStyle/>
+          <a:p>
+            <a:pPr marL="342900" indent="-342900">
+              <a:buFont typeface="Arial" panose="020B0604020202020204" pitchFamily="34" charset="0"/>
+              <a:buChar char="•"/>
+            </a:pPr>
+            <a:r>
+              <a:rPr lang="en-US" sz="2100" dirty="0"/>
+              <a:t>0 is a natural number.</a:t>
+            </a:r>
+          </a:p>
+          <a:p>
+            <a:pPr marL="342900" indent="-342900">
+              <a:buFont typeface="Arial" panose="020B0604020202020204" pitchFamily="34" charset="0"/>
+              <a:buChar char="•"/>
+            </a:pPr>
+            <a:r>
+              <a:rPr lang="en-US" sz="2100" dirty="0"/>
+              <a:t>For every natural number </a:t>
+            </a:r>
+            <a:r>
+              <a:rPr lang="en-US" sz="2100" i="1" dirty="0"/>
+              <a:t>x</a:t>
+            </a:r>
+            <a:r>
+              <a:rPr lang="en-US" sz="2100" dirty="0"/>
+              <a:t>, </a:t>
+            </a:r>
+            <a:r>
+              <a:rPr lang="en-US" sz="2100" i="1" dirty="0"/>
+              <a:t>x</a:t>
+            </a:r>
+            <a:r>
+              <a:rPr lang="en-US" sz="2100" dirty="0"/>
+              <a:t> = </a:t>
+            </a:r>
+            <a:r>
+              <a:rPr lang="en-US" sz="2100" i="1" dirty="0"/>
+              <a:t>x</a:t>
+            </a:r>
+            <a:r>
+              <a:rPr lang="en-US" sz="2100" dirty="0"/>
+              <a:t>. That is, equality is </a:t>
+            </a:r>
+            <a:r>
+              <a:rPr lang="en-US" sz="2100" b="1" dirty="0">
+                <a:solidFill>
+                  <a:srgbClr val="FF0000"/>
+                </a:solidFill>
+                <a:hlinkClick r:id="rId2" tooltip="Reflexive relation">
+                  <a:extLst>
+                    <a:ext uri="{A12FA001-AC4F-418D-AE19-62706E023703}">
+                      <ahyp:hlinkClr xmlns:ahyp="http://schemas.microsoft.com/office/drawing/2018/hyperlinkcolor" val="tx"/>
+                    </a:ext>
+                  </a:extLst>
+                </a:hlinkClick>
+              </a:rPr>
+              <a:t>reflexive</a:t>
+            </a:r>
+            <a:r>
+              <a:rPr lang="en-US" sz="2100" dirty="0"/>
+              <a:t>.</a:t>
+            </a:r>
+          </a:p>
+          <a:p>
+            <a:pPr marL="342900" indent="-342900">
+              <a:buFont typeface="Arial" panose="020B0604020202020204" pitchFamily="34" charset="0"/>
+              <a:buChar char="•"/>
+            </a:pPr>
+            <a:r>
+              <a:rPr lang="en-US" sz="2100" dirty="0"/>
+              <a:t>For all natural numbers </a:t>
+            </a:r>
+            <a:r>
+              <a:rPr lang="en-US" sz="2100" i="1" dirty="0"/>
+              <a:t>x</a:t>
+            </a:r>
+            <a:r>
+              <a:rPr lang="en-US" sz="2100" dirty="0"/>
+              <a:t> and </a:t>
+            </a:r>
+            <a:r>
+              <a:rPr lang="en-US" sz="2100" i="1" dirty="0"/>
+              <a:t>y</a:t>
+            </a:r>
+            <a:r>
+              <a:rPr lang="en-US" sz="2100" dirty="0"/>
+              <a:t>, if </a:t>
+            </a:r>
+            <a:r>
+              <a:rPr lang="en-US" sz="2100" i="1" dirty="0"/>
+              <a:t>x</a:t>
+            </a:r>
+            <a:r>
+              <a:rPr lang="en-US" sz="2100" dirty="0"/>
+              <a:t> = </a:t>
+            </a:r>
+            <a:r>
+              <a:rPr lang="en-US" sz="2100" i="1" dirty="0"/>
+              <a:t>y</a:t>
+            </a:r>
+            <a:r>
+              <a:rPr lang="en-US" sz="2100" dirty="0"/>
+              <a:t>, then </a:t>
+            </a:r>
+            <a:r>
+              <a:rPr lang="en-US" sz="2100" i="1" dirty="0"/>
+              <a:t>y</a:t>
+            </a:r>
+            <a:r>
+              <a:rPr lang="en-US" sz="2100" dirty="0"/>
+              <a:t> = </a:t>
+            </a:r>
+            <a:r>
+              <a:rPr lang="en-US" sz="2100" i="1" dirty="0"/>
+              <a:t>x</a:t>
+            </a:r>
+            <a:r>
+              <a:rPr lang="en-US" sz="2100" dirty="0"/>
+              <a:t>. That is, equality is </a:t>
+            </a:r>
+            <a:r>
+              <a:rPr lang="en-US" sz="2100" dirty="0">
+                <a:hlinkClick r:id="rId3" tooltip="Symmetric relation"/>
+              </a:rPr>
+              <a:t>symmetric</a:t>
+            </a:r>
+            <a:r>
+              <a:rPr lang="en-US" sz="2100" dirty="0"/>
+              <a:t>.</a:t>
+            </a:r>
+          </a:p>
+          <a:p>
+            <a:pPr marL="342900" indent="-342900">
+              <a:buFont typeface="Arial" panose="020B0604020202020204" pitchFamily="34" charset="0"/>
+              <a:buChar char="•"/>
+            </a:pPr>
+            <a:r>
+              <a:rPr lang="en-US" sz="2100" dirty="0"/>
+              <a:t>For all natural numbers </a:t>
+            </a:r>
+            <a:r>
+              <a:rPr lang="en-US" sz="2100" i="1" dirty="0"/>
+              <a:t>x</a:t>
+            </a:r>
+            <a:r>
+              <a:rPr lang="en-US" sz="2100" dirty="0"/>
+              <a:t>, </a:t>
+            </a:r>
+            <a:r>
+              <a:rPr lang="en-US" sz="2100" i="1" dirty="0"/>
+              <a:t>y</a:t>
+            </a:r>
+            <a:r>
+              <a:rPr lang="en-US" sz="2100" dirty="0"/>
+              <a:t> and </a:t>
+            </a:r>
+            <a:r>
+              <a:rPr lang="en-US" sz="2100" i="1" dirty="0"/>
+              <a:t>z</a:t>
+            </a:r>
+            <a:r>
+              <a:rPr lang="en-US" sz="2100" dirty="0"/>
+              <a:t>, if </a:t>
+            </a:r>
+            <a:r>
+              <a:rPr lang="en-US" sz="2100" i="1" dirty="0"/>
+              <a:t>x</a:t>
+            </a:r>
+            <a:r>
+              <a:rPr lang="en-US" sz="2100" dirty="0"/>
+              <a:t> = </a:t>
+            </a:r>
+            <a:r>
+              <a:rPr lang="en-US" sz="2100" i="1" dirty="0"/>
+              <a:t>y</a:t>
+            </a:r>
+            <a:r>
+              <a:rPr lang="en-US" sz="2100" dirty="0"/>
+              <a:t> and </a:t>
+            </a:r>
+            <a:r>
+              <a:rPr lang="en-US" sz="2100" i="1" dirty="0"/>
+              <a:t>y</a:t>
+            </a:r>
+            <a:r>
+              <a:rPr lang="en-US" sz="2100" dirty="0"/>
+              <a:t> = </a:t>
+            </a:r>
+            <a:r>
+              <a:rPr lang="en-US" sz="2100" i="1" dirty="0"/>
+              <a:t>z</a:t>
+            </a:r>
+            <a:r>
+              <a:rPr lang="en-US" sz="2100" dirty="0"/>
+              <a:t>, then </a:t>
+            </a:r>
+            <a:r>
+              <a:rPr lang="en-US" sz="2100" i="1" dirty="0"/>
+              <a:t>x</a:t>
+            </a:r>
+            <a:r>
+              <a:rPr lang="en-US" sz="2100" dirty="0"/>
+              <a:t> = </a:t>
+            </a:r>
+            <a:r>
+              <a:rPr lang="en-US" sz="2100" i="1" dirty="0"/>
+              <a:t>z</a:t>
+            </a:r>
+            <a:r>
+              <a:rPr lang="en-US" sz="2100" dirty="0"/>
+              <a:t>. That is, equality is </a:t>
+            </a:r>
+            <a:r>
+              <a:rPr lang="en-US" sz="2100" dirty="0">
+                <a:solidFill>
+                  <a:srgbClr val="FF0000"/>
+                </a:solidFill>
+                <a:hlinkClick r:id="rId4" tooltip="Transitive relation">
+                  <a:extLst>
+                    <a:ext uri="{A12FA001-AC4F-418D-AE19-62706E023703}">
+                      <ahyp:hlinkClr xmlns:ahyp="http://schemas.microsoft.com/office/drawing/2018/hyperlinkcolor" val="tx"/>
+                    </a:ext>
+                  </a:extLst>
+                </a:hlinkClick>
+              </a:rPr>
+              <a:t>transitive</a:t>
+            </a:r>
+            <a:r>
+              <a:rPr lang="en-US" sz="2100" dirty="0"/>
+              <a:t>.</a:t>
+            </a:r>
+          </a:p>
+          <a:p>
+            <a:pPr marL="342900" indent="-342900">
+              <a:buFont typeface="Arial" panose="020B0604020202020204" pitchFamily="34" charset="0"/>
+              <a:buChar char="•"/>
+            </a:pPr>
+            <a:r>
+              <a:rPr lang="en-US" sz="2100" dirty="0"/>
+              <a:t>For all </a:t>
+            </a:r>
+            <a:r>
+              <a:rPr lang="en-US" sz="2100" i="1" dirty="0"/>
+              <a:t>a</a:t>
+            </a:r>
+            <a:r>
+              <a:rPr lang="en-US" sz="2100" dirty="0"/>
+              <a:t> and </a:t>
+            </a:r>
+            <a:r>
+              <a:rPr lang="en-US" sz="2100" i="1" dirty="0"/>
+              <a:t>b</a:t>
+            </a:r>
+            <a:r>
+              <a:rPr lang="en-US" sz="2100" dirty="0"/>
+              <a:t>, if </a:t>
+            </a:r>
+            <a:r>
+              <a:rPr lang="en-US" sz="2100" i="1" dirty="0"/>
+              <a:t>b</a:t>
+            </a:r>
+            <a:r>
+              <a:rPr lang="en-US" sz="2100" dirty="0"/>
+              <a:t> is a natural number and </a:t>
+            </a:r>
+            <a:r>
+              <a:rPr lang="en-US" sz="2100" i="1" dirty="0"/>
+              <a:t>a</a:t>
+            </a:r>
+            <a:r>
+              <a:rPr lang="en-US" sz="2100" dirty="0"/>
+              <a:t> = </a:t>
+            </a:r>
+            <a:r>
+              <a:rPr lang="en-US" sz="2100" i="1" dirty="0"/>
+              <a:t>b</a:t>
+            </a:r>
+            <a:r>
+              <a:rPr lang="en-US" sz="2100" dirty="0"/>
+              <a:t>, then </a:t>
+            </a:r>
+            <a:r>
+              <a:rPr lang="en-US" sz="2100" i="1" dirty="0"/>
+              <a:t>a</a:t>
+            </a:r>
+            <a:r>
+              <a:rPr lang="en-US" sz="2100" dirty="0"/>
+              <a:t> is also a natural number. That is, the natural numbers are </a:t>
+            </a:r>
+            <a:r>
+              <a:rPr lang="en-US" sz="2100" dirty="0">
+                <a:solidFill>
+                  <a:srgbClr val="FF0000"/>
+                </a:solidFill>
+                <a:hlinkClick r:id="rId5" tooltip="Closure (mathematics)">
+                  <a:extLst>
+                    <a:ext uri="{A12FA001-AC4F-418D-AE19-62706E023703}">
+                      <ahyp:hlinkClr xmlns:ahyp="http://schemas.microsoft.com/office/drawing/2018/hyperlinkcolor" val="tx"/>
+                    </a:ext>
+                  </a:extLst>
+                </a:hlinkClick>
+              </a:rPr>
+              <a:t>closed</a:t>
+            </a:r>
+            <a:r>
+              <a:rPr lang="en-US" sz="2100" dirty="0"/>
+              <a:t> under equality.</a:t>
+            </a:r>
+          </a:p>
+          <a:p>
+            <a:pPr marL="342900" indent="-342900">
+              <a:buFont typeface="Arial" panose="020B0604020202020204" pitchFamily="34" charset="0"/>
+              <a:buChar char="•"/>
+            </a:pPr>
+            <a:r>
+              <a:rPr lang="en-US" sz="2100" dirty="0"/>
+              <a:t>For every natural number </a:t>
+            </a:r>
+            <a:r>
+              <a:rPr lang="en-US" sz="2100" i="1" dirty="0"/>
+              <a:t>n</a:t>
+            </a:r>
+            <a:r>
+              <a:rPr lang="en-US" sz="2100" dirty="0"/>
+              <a:t>, </a:t>
+            </a:r>
+            <a:r>
+              <a:rPr lang="en-US" sz="2100" i="1" dirty="0"/>
+              <a:t>S</a:t>
+            </a:r>
+            <a:r>
+              <a:rPr lang="en-US" sz="2100" dirty="0"/>
+              <a:t>(</a:t>
+            </a:r>
+            <a:r>
+              <a:rPr lang="en-US" sz="2100" i="1" dirty="0"/>
+              <a:t>n</a:t>
+            </a:r>
+            <a:r>
+              <a:rPr lang="en-US" sz="2100" dirty="0"/>
+              <a:t>) is a natural number. That is, the natural numbers are </a:t>
+            </a:r>
+            <a:r>
+              <a:rPr lang="en-US" sz="2100" dirty="0">
+                <a:solidFill>
+                  <a:srgbClr val="FF0000"/>
+                </a:solidFill>
+                <a:hlinkClick r:id="rId5" tooltip="Closure (mathematics)">
+                  <a:extLst>
+                    <a:ext uri="{A12FA001-AC4F-418D-AE19-62706E023703}">
+                      <ahyp:hlinkClr xmlns:ahyp="http://schemas.microsoft.com/office/drawing/2018/hyperlinkcolor" val="tx"/>
+                    </a:ext>
+                  </a:extLst>
+                </a:hlinkClick>
+              </a:rPr>
+              <a:t>closed</a:t>
+            </a:r>
+            <a:r>
+              <a:rPr lang="en-US" sz="2100" dirty="0"/>
+              <a:t> under </a:t>
+            </a:r>
+            <a:r>
+              <a:rPr lang="en-US" sz="2100" i="1" dirty="0"/>
+              <a:t>S</a:t>
+            </a:r>
+            <a:r>
+              <a:rPr lang="en-US" sz="2100" dirty="0"/>
+              <a:t>.</a:t>
+            </a:r>
+          </a:p>
+          <a:p>
+            <a:pPr marL="342900" indent="-342900">
+              <a:buFont typeface="Arial" panose="020B0604020202020204" pitchFamily="34" charset="0"/>
+              <a:buChar char="•"/>
+            </a:pPr>
+            <a:r>
+              <a:rPr lang="en-US" sz="2100" dirty="0"/>
+              <a:t>For all natural numbers </a:t>
+            </a:r>
+            <a:r>
+              <a:rPr lang="en-US" sz="2100" i="1" dirty="0"/>
+              <a:t>m</a:t>
+            </a:r>
+            <a:r>
+              <a:rPr lang="en-US" sz="2100" dirty="0"/>
+              <a:t> and </a:t>
+            </a:r>
+            <a:r>
+              <a:rPr lang="en-US" sz="2100" i="1" dirty="0"/>
+              <a:t>n</a:t>
+            </a:r>
+            <a:r>
+              <a:rPr lang="en-US" sz="2100" dirty="0"/>
+              <a:t>, </a:t>
+            </a:r>
+            <a:r>
+              <a:rPr lang="en-US" sz="2100" i="1" dirty="0"/>
+              <a:t>m</a:t>
+            </a:r>
+            <a:r>
+              <a:rPr lang="en-US" sz="2100" dirty="0"/>
+              <a:t> = </a:t>
+            </a:r>
+            <a:r>
+              <a:rPr lang="en-US" sz="2100" i="1" dirty="0"/>
+              <a:t>n</a:t>
+            </a:r>
+            <a:r>
+              <a:rPr lang="en-US" sz="2100" dirty="0"/>
+              <a:t> if and only if </a:t>
+            </a:r>
+            <a:r>
+              <a:rPr lang="en-US" sz="2100" i="1" dirty="0"/>
+              <a:t>S</a:t>
+            </a:r>
+            <a:r>
+              <a:rPr lang="en-US" sz="2100" dirty="0"/>
+              <a:t>(</a:t>
+            </a:r>
+            <a:r>
+              <a:rPr lang="en-US" sz="2100" i="1" dirty="0"/>
+              <a:t>m</a:t>
+            </a:r>
+            <a:r>
+              <a:rPr lang="en-US" sz="2100" dirty="0"/>
+              <a:t>) = </a:t>
+            </a:r>
+            <a:r>
+              <a:rPr lang="en-US" sz="2100" i="1" dirty="0"/>
+              <a:t>S</a:t>
+            </a:r>
+            <a:r>
+              <a:rPr lang="en-US" sz="2100" dirty="0"/>
+              <a:t>(</a:t>
+            </a:r>
+            <a:r>
+              <a:rPr lang="en-US" sz="2100" i="1" dirty="0"/>
+              <a:t>n</a:t>
+            </a:r>
+            <a:r>
+              <a:rPr lang="en-US" sz="2100" dirty="0"/>
+              <a:t>). That is, </a:t>
+            </a:r>
+            <a:r>
+              <a:rPr lang="en-US" sz="2100" i="1" dirty="0"/>
+              <a:t>S</a:t>
+            </a:r>
+            <a:r>
+              <a:rPr lang="en-US" sz="2100" dirty="0"/>
+              <a:t> is an </a:t>
+            </a:r>
+            <a:r>
+              <a:rPr lang="en-US" sz="2100" dirty="0">
+                <a:solidFill>
+                  <a:srgbClr val="FF0000"/>
+                </a:solidFill>
+                <a:hlinkClick r:id="rId6" tooltip="Injective function">
+                  <a:extLst>
+                    <a:ext uri="{A12FA001-AC4F-418D-AE19-62706E023703}">
+                      <ahyp:hlinkClr xmlns:ahyp="http://schemas.microsoft.com/office/drawing/2018/hyperlinkcolor" val="tx"/>
+                    </a:ext>
+                  </a:extLst>
+                </a:hlinkClick>
+              </a:rPr>
+              <a:t>injection</a:t>
+            </a:r>
+            <a:r>
+              <a:rPr lang="en-US" sz="2100" dirty="0"/>
+              <a:t>.</a:t>
+            </a:r>
+          </a:p>
+          <a:p>
+            <a:pPr marL="342900" indent="-342900">
+              <a:buFont typeface="Arial" panose="020B0604020202020204" pitchFamily="34" charset="0"/>
+              <a:buChar char="•"/>
+            </a:pPr>
+            <a:r>
+              <a:rPr lang="en-US" sz="2100" dirty="0"/>
+              <a:t>For every natural number </a:t>
+            </a:r>
+            <a:r>
+              <a:rPr lang="en-US" sz="2100" i="1" dirty="0"/>
+              <a:t>n</a:t>
+            </a:r>
+            <a:r>
+              <a:rPr lang="en-US" sz="2100" dirty="0"/>
+              <a:t>, </a:t>
+            </a:r>
+            <a:r>
+              <a:rPr lang="en-US" sz="2100" i="1" dirty="0"/>
+              <a:t>S</a:t>
+            </a:r>
+            <a:r>
+              <a:rPr lang="en-US" sz="2100" dirty="0"/>
+              <a:t>(</a:t>
+            </a:r>
+            <a:r>
+              <a:rPr lang="en-US" sz="2100" i="1" dirty="0"/>
+              <a:t>n</a:t>
+            </a:r>
+            <a:r>
+              <a:rPr lang="en-US" sz="2100" dirty="0"/>
+              <a:t>) = 0 is false. That is, there is no natural number whose successor is 0.</a:t>
+            </a:r>
+          </a:p>
+          <a:p>
+            <a:endParaRPr lang="en-US" dirty="0"/>
+          </a:p>
+          <a:p>
+            <a:endParaRPr lang="en-US" dirty="0"/>
+          </a:p>
+        </p:txBody>
+      </p:sp>
+    </p:spTree>
+    <p:extLst>
+      <p:ext uri="{BB962C8B-B14F-4D97-AF65-F5344CB8AC3E}">
+        <p14:creationId xmlns:p14="http://schemas.microsoft.com/office/powerpoint/2010/main" val="352246511"/>
+      </p:ext>
+    </p:extLst>
+  </p:cSld>
+  <p:clrMapOvr>
+    <a:masterClrMapping/>
+  </p:clrMapOvr>
+</p:sld>
+</file>
+
+<file path=ppt/slides/slide8.xml><?xml version="1.0" encoding="utf-8"?>
+<p:sld xmlns:a="http://schemas.openxmlformats.org/drawingml/2006/main" xmlns:r="http://schemas.openxmlformats.org/officeDocument/2006/relationships" xmlns:p="http://schemas.openxmlformats.org/presentationml/2006/main">
+  <p:cSld>
+    <p:spTree>
+      <p:nvGrpSpPr>
+        <p:cNvPr id="1" name=""/>
+        <p:cNvGrpSpPr/>
+        <p:nvPr/>
+      </p:nvGrpSpPr>
+      <p:grpSpPr>
+        <a:xfrm>
+          <a:off x="0" y="0"/>
+          <a:ext cx="0" cy="0"/>
+          <a:chOff x="0" y="0"/>
+          <a:chExt cx="0" cy="0"/>
+        </a:xfrm>
+      </p:grpSpPr>
+      <p:sp>
+        <p:nvSpPr>
+          <p:cNvPr id="2" name="Title 1">
+            <a:extLst>
+              <a:ext uri="{FF2B5EF4-FFF2-40B4-BE49-F238E27FC236}">
                 <a16:creationId xmlns:a16="http://schemas.microsoft.com/office/drawing/2014/main" id="{F004707F-10F5-45D8-ABD6-7D0C0A1D8459}"/>
               </a:ext>
             </a:extLst>
@@ -16516,7 +16818,7 @@
 </p:sld>
 </file>
 
-<file path=ppt/slides/slide8.xml><?xml version="1.0" encoding="utf-8"?>
+<file path=ppt/slides/slide9.xml><?xml version="1.0" encoding="utf-8"?>
 <p:sld xmlns:a="http://schemas.openxmlformats.org/drawingml/2006/main" xmlns:r="http://schemas.openxmlformats.org/officeDocument/2006/relationships" xmlns:p="http://schemas.openxmlformats.org/presentationml/2006/main">
   <p:cSld>
     <p:spTree>
@@ -16726,156 +17028,6 @@
     <p:extLst>
       <p:ext uri="{BB962C8B-B14F-4D97-AF65-F5344CB8AC3E}">
         <p14:creationId xmlns:p14="http://schemas.microsoft.com/office/powerpoint/2010/main" val="275600272"/>
-      </p:ext>
-    </p:extLst>
-  </p:cSld>
-  <p:clrMapOvr>
-    <a:masterClrMapping/>
-  </p:clrMapOvr>
-</p:sld>
-</file>
-
-<file path=ppt/slides/slide9.xml><?xml version="1.0" encoding="utf-8"?>
-<p:sld xmlns:a="http://schemas.openxmlformats.org/drawingml/2006/main" xmlns:r="http://schemas.openxmlformats.org/officeDocument/2006/relationships" xmlns:p="http://schemas.openxmlformats.org/presentationml/2006/main">
-  <p:cSld>
-    <p:spTree>
-      <p:nvGrpSpPr>
-        <p:cNvPr id="1" name=""/>
-        <p:cNvGrpSpPr/>
-        <p:nvPr/>
-      </p:nvGrpSpPr>
-      <p:grpSpPr>
-        <a:xfrm>
-          <a:off x="0" y="0"/>
-          <a:ext cx="0" cy="0"/>
-          <a:chOff x="0" y="0"/>
-          <a:chExt cx="0" cy="0"/>
-        </a:xfrm>
-      </p:grpSpPr>
-      <p:sp>
-        <p:nvSpPr>
-          <p:cNvPr id="2" name="Title 1">
-            <a:extLst>
-              <a:ext uri="{FF2B5EF4-FFF2-40B4-BE49-F238E27FC236}">
-                <a16:creationId xmlns:a16="http://schemas.microsoft.com/office/drawing/2014/main" id="{69E614A8-C20A-4D6A-9FF3-EF448EA97747}"/>
-              </a:ext>
-            </a:extLst>
-          </p:cNvPr>
-          <p:cNvSpPr>
-            <a:spLocks noGrp="1"/>
-          </p:cNvSpPr>
-          <p:nvPr>
-            <p:ph type="title"/>
-          </p:nvPr>
-        </p:nvSpPr>
-        <p:spPr/>
-        <p:txBody>
-          <a:bodyPr/>
-          <a:lstStyle/>
-          <a:p>
-            <a:r>
-              <a:rPr lang="en-US" dirty="0"/>
-              <a:t>Church Numerals</a:t>
-            </a:r>
-          </a:p>
-        </p:txBody>
-      </p:sp>
-      <p:pic>
-        <p:nvPicPr>
-          <p:cNvPr id="5" name="Picture 4">
-            <a:extLst>
-              <a:ext uri="{FF2B5EF4-FFF2-40B4-BE49-F238E27FC236}">
-                <a16:creationId xmlns:a16="http://schemas.microsoft.com/office/drawing/2014/main" id="{597E7630-DD0B-4D3C-9AD8-08B14BA51A6C}"/>
-              </a:ext>
-            </a:extLst>
-          </p:cNvPr>
-          <p:cNvPicPr>
-            <a:picLocks noChangeAspect="1"/>
-          </p:cNvPicPr>
-          <p:nvPr/>
-        </p:nvPicPr>
-        <p:blipFill>
-          <a:blip r:embed="rId2"/>
-          <a:stretch>
-            <a:fillRect/>
-          </a:stretch>
-        </p:blipFill>
-        <p:spPr>
-          <a:xfrm>
-            <a:off x="1385887" y="1778588"/>
-            <a:ext cx="4543425" cy="2286000"/>
-          </a:xfrm>
-          <a:prstGeom prst="rect">
-            <a:avLst/>
-          </a:prstGeom>
-        </p:spPr>
-      </p:pic>
-      <p:pic>
-        <p:nvPicPr>
-          <p:cNvPr id="7" name="Content Placeholder 6">
-            <a:extLst>
-              <a:ext uri="{FF2B5EF4-FFF2-40B4-BE49-F238E27FC236}">
-                <a16:creationId xmlns:a16="http://schemas.microsoft.com/office/drawing/2014/main" id="{153E7F02-13FA-4258-BB63-501FFE36C07A}"/>
-              </a:ext>
-            </a:extLst>
-          </p:cNvPr>
-          <p:cNvPicPr>
-            <a:picLocks noGrp="1" noChangeAspect="1"/>
-          </p:cNvPicPr>
-          <p:nvPr>
-            <p:ph idx="1"/>
-          </p:nvPr>
-        </p:nvPicPr>
-        <p:blipFill>
-          <a:blip r:embed="rId3"/>
-          <a:stretch>
-            <a:fillRect/>
-          </a:stretch>
-        </p:blipFill>
-        <p:spPr>
-          <a:xfrm>
-            <a:off x="5929311" y="1778588"/>
-            <a:ext cx="4876801" cy="2286000"/>
-          </a:xfrm>
-          <a:prstGeom prst="rect">
-            <a:avLst/>
-          </a:prstGeom>
-        </p:spPr>
-      </p:pic>
-      <p:pic>
-        <p:nvPicPr>
-          <p:cNvPr id="8" name="Picture 7">
-            <a:extLst>
-              <a:ext uri="{FF2B5EF4-FFF2-40B4-BE49-F238E27FC236}">
-                <a16:creationId xmlns:a16="http://schemas.microsoft.com/office/drawing/2014/main" id="{610E7897-0CA6-45E2-A5AB-6F7CB8D2892B}"/>
-              </a:ext>
-            </a:extLst>
-          </p:cNvPr>
-          <p:cNvPicPr>
-            <a:picLocks noChangeAspect="1"/>
-          </p:cNvPicPr>
-          <p:nvPr/>
-        </p:nvPicPr>
-        <p:blipFill>
-          <a:blip r:embed="rId4"/>
-          <a:stretch>
-            <a:fillRect/>
-          </a:stretch>
-        </p:blipFill>
-        <p:spPr>
-          <a:xfrm>
-            <a:off x="1385886" y="4064587"/>
-            <a:ext cx="9420226" cy="1815707"/>
-          </a:xfrm>
-          <a:prstGeom prst="rect">
-            <a:avLst/>
-          </a:prstGeom>
-        </p:spPr>
-      </p:pic>
-    </p:spTree>
-    <p:extLst>
-      <p:ext uri="{BB962C8B-B14F-4D97-AF65-F5344CB8AC3E}">
-        <p14:creationId xmlns:p14="http://schemas.microsoft.com/office/powerpoint/2010/main" val="3550235388"/>
       </p:ext>
     </p:extLst>
   </p:cSld>
